--- a/website/block_1_basics/lsn2/lsn2-linux.pptx
+++ b/website/block_1_basics/lsn2/lsn2-linux.pptx
@@ -5,7 +5,7 @@
     <p:sldMasterId id="2147483648" r:id="rId1"/>
   </p:sldMasterIdLst>
   <p:notesMasterIdLst>
-    <p:notesMasterId r:id="rId17"/>
+    <p:notesMasterId r:id="rId22"/>
   </p:notesMasterIdLst>
   <p:sldIdLst>
     <p:sldId id="273" r:id="rId2"/>
@@ -19,10 +19,15 @@
     <p:sldId id="263" r:id="rId10"/>
     <p:sldId id="258" r:id="rId11"/>
     <p:sldId id="259" r:id="rId12"/>
-    <p:sldId id="260" r:id="rId13"/>
-    <p:sldId id="262" r:id="rId14"/>
-    <p:sldId id="257" r:id="rId15"/>
-    <p:sldId id="261" r:id="rId16"/>
+    <p:sldId id="262" r:id="rId13"/>
+    <p:sldId id="257" r:id="rId14"/>
+    <p:sldId id="260" r:id="rId15"/>
+    <p:sldId id="279" r:id="rId16"/>
+    <p:sldId id="276" r:id="rId17"/>
+    <p:sldId id="277" r:id="rId18"/>
+    <p:sldId id="278" r:id="rId19"/>
+    <p:sldId id="275" r:id="rId20"/>
+    <p:sldId id="261" r:id="rId21"/>
   </p:sldIdLst>
   <p:sldSz cx="9144000" cy="6858000" type="screen4x3"/>
   <p:notesSz cx="6858000" cy="9144000"/>
@@ -206,7 +211,7 @@
           <a:p>
             <a:fld id="{9A69F45A-0349-48D7-BEAD-5F887E66A039}" type="datetimeFigureOut">
               <a:rPr lang="en-US" smtClean="0"/>
-              <a:t>8/14/2017</a:t>
+              <a:t>11/27/2017</a:t>
             </a:fld>
             <a:endParaRPr lang="en-US"/>
           </a:p>
@@ -1099,7 +1104,7 @@
           <a:p>
             <a:fld id="{DBC5F202-3DD9-4D71-BBDA-356EBAE30ACE}" type="datetimeFigureOut">
               <a:rPr lang="en-US" smtClean="0"/>
-              <a:t>8/14/2017</a:t>
+              <a:t>11/27/2017</a:t>
             </a:fld>
             <a:endParaRPr lang="en-US"/>
           </a:p>
@@ -1269,7 +1274,7 @@
           <a:p>
             <a:fld id="{DBC5F202-3DD9-4D71-BBDA-356EBAE30ACE}" type="datetimeFigureOut">
               <a:rPr lang="en-US" smtClean="0"/>
-              <a:t>8/14/2017</a:t>
+              <a:t>11/27/2017</a:t>
             </a:fld>
             <a:endParaRPr lang="en-US"/>
           </a:p>
@@ -1449,7 +1454,7 @@
           <a:p>
             <a:fld id="{DBC5F202-3DD9-4D71-BBDA-356EBAE30ACE}" type="datetimeFigureOut">
               <a:rPr lang="en-US" smtClean="0"/>
-              <a:t>8/14/2017</a:t>
+              <a:t>11/27/2017</a:t>
             </a:fld>
             <a:endParaRPr lang="en-US"/>
           </a:p>
@@ -1619,7 +1624,7 @@
           <a:p>
             <a:fld id="{DBC5F202-3DD9-4D71-BBDA-356EBAE30ACE}" type="datetimeFigureOut">
               <a:rPr lang="en-US" smtClean="0"/>
-              <a:t>8/14/2017</a:t>
+              <a:t>11/27/2017</a:t>
             </a:fld>
             <a:endParaRPr lang="en-US"/>
           </a:p>
@@ -1865,7 +1870,7 @@
           <a:p>
             <a:fld id="{DBC5F202-3DD9-4D71-BBDA-356EBAE30ACE}" type="datetimeFigureOut">
               <a:rPr lang="en-US" smtClean="0"/>
-              <a:t>8/14/2017</a:t>
+              <a:t>11/27/2017</a:t>
             </a:fld>
             <a:endParaRPr lang="en-US"/>
           </a:p>
@@ -2097,7 +2102,7 @@
           <a:p>
             <a:fld id="{DBC5F202-3DD9-4D71-BBDA-356EBAE30ACE}" type="datetimeFigureOut">
               <a:rPr lang="en-US" smtClean="0"/>
-              <a:t>8/14/2017</a:t>
+              <a:t>11/27/2017</a:t>
             </a:fld>
             <a:endParaRPr lang="en-US"/>
           </a:p>
@@ -2464,7 +2469,7 @@
           <a:p>
             <a:fld id="{DBC5F202-3DD9-4D71-BBDA-356EBAE30ACE}" type="datetimeFigureOut">
               <a:rPr lang="en-US" smtClean="0"/>
-              <a:t>8/14/2017</a:t>
+              <a:t>11/27/2017</a:t>
             </a:fld>
             <a:endParaRPr lang="en-US"/>
           </a:p>
@@ -2582,7 +2587,7 @@
           <a:p>
             <a:fld id="{DBC5F202-3DD9-4D71-BBDA-356EBAE30ACE}" type="datetimeFigureOut">
               <a:rPr lang="en-US" smtClean="0"/>
-              <a:t>8/14/2017</a:t>
+              <a:t>11/27/2017</a:t>
             </a:fld>
             <a:endParaRPr lang="en-US"/>
           </a:p>
@@ -2677,7 +2682,7 @@
           <a:p>
             <a:fld id="{DBC5F202-3DD9-4D71-BBDA-356EBAE30ACE}" type="datetimeFigureOut">
               <a:rPr lang="en-US" smtClean="0"/>
-              <a:t>8/14/2017</a:t>
+              <a:t>11/27/2017</a:t>
             </a:fld>
             <a:endParaRPr lang="en-US"/>
           </a:p>
@@ -2954,7 +2959,7 @@
           <a:p>
             <a:fld id="{DBC5F202-3DD9-4D71-BBDA-356EBAE30ACE}" type="datetimeFigureOut">
               <a:rPr lang="en-US" smtClean="0"/>
-              <a:t>8/14/2017</a:t>
+              <a:t>11/27/2017</a:t>
             </a:fld>
             <a:endParaRPr lang="en-US"/>
           </a:p>
@@ -3207,7 +3212,7 @@
           <a:p>
             <a:fld id="{DBC5F202-3DD9-4D71-BBDA-356EBAE30ACE}" type="datetimeFigureOut">
               <a:rPr lang="en-US" smtClean="0"/>
-              <a:t>8/14/2017</a:t>
+              <a:t>11/27/2017</a:t>
             </a:fld>
             <a:endParaRPr lang="en-US"/>
           </a:p>
@@ -3420,7 +3425,7 @@
           <a:p>
             <a:fld id="{DBC5F202-3DD9-4D71-BBDA-356EBAE30ACE}" type="datetimeFigureOut">
               <a:rPr lang="en-US" smtClean="0"/>
-              <a:t>8/14/2017</a:t>
+              <a:t>11/27/2017</a:t>
             </a:fld>
             <a:endParaRPr lang="en-US"/>
           </a:p>
@@ -3958,6 +3963,13 @@
   <p:clrMapOvr>
     <a:masterClrMapping/>
   </p:clrMapOvr>
+  <p:timing>
+    <p:tnLst>
+      <p:par>
+        <p:cTn id="1" dur="indefinite" restart="never" nodeType="tmRoot"/>
+      </p:par>
+    </p:tnLst>
+  </p:timing>
 </p:sld>
 </file>
 
@@ -5420,9 +5432,14 @@
           <a:p>
             <a:pPr algn="ctr" eaLnBrk="1" hangingPunct="1"/>
             <a:r>
-              <a:rPr lang="en-US" altLang="en-US"/>
-              <a:t>Size of file in kilobytes</a:t>
-            </a:r>
+              <a:rPr lang="en-US" altLang="en-US" dirty="0"/>
+              <a:t>Size of file in </a:t>
+            </a:r>
+            <a:r>
+              <a:rPr lang="en-US" altLang="en-US" dirty="0" smtClean="0"/>
+              <a:t>bytes</a:t>
+            </a:r>
+            <a:endParaRPr lang="en-US" altLang="en-US" dirty="0"/>
           </a:p>
         </p:txBody>
       </p:sp>
@@ -6629,6 +6646,42 @@
           </a:p>
         </p:txBody>
       </p:sp>
+      <p:sp>
+        <p:nvSpPr>
+          <p:cNvPr id="2" name="TextBox 1"/>
+          <p:cNvSpPr txBox="1"/>
+          <p:nvPr/>
+        </p:nvSpPr>
+        <p:spPr>
+          <a:xfrm>
+            <a:off x="4083240" y="3235881"/>
+            <a:ext cx="1696298" cy="369332"/>
+          </a:xfrm>
+          <a:prstGeom prst="rect">
+            <a:avLst/>
+          </a:prstGeom>
+          <a:solidFill>
+            <a:schemeClr val="accent1"/>
+          </a:solidFill>
+        </p:spPr>
+        <p:txBody>
+          <a:bodyPr wrap="none" rtlCol="0">
+            <a:spAutoFit/>
+          </a:bodyPr>
+          <a:lstStyle/>
+          <a:p>
+            <a:r>
+              <a:rPr lang="en-US" dirty="0" err="1" smtClean="0"/>
+              <a:t>Usr</a:t>
+            </a:r>
+            <a:r>
+              <a:rPr lang="en-US" dirty="0" smtClean="0"/>
+              <a:t>  Grp  Owner</a:t>
+            </a:r>
+            <a:endParaRPr lang="en-US" dirty="0"/>
+          </a:p>
+        </p:txBody>
+      </p:sp>
     </p:spTree>
     <p:extLst>
       <p:ext uri="{BB962C8B-B14F-4D97-AF65-F5344CB8AC3E}">
@@ -6668,7 +6721,7 @@
       </p:grpSpPr>
       <p:sp>
         <p:nvSpPr>
-          <p:cNvPr id="50178" name="Title 1"/>
+          <p:cNvPr id="45058" name="Title 1"/>
           <p:cNvSpPr txBox="1">
             <a:spLocks/>
           </p:cNvSpPr>
@@ -6676,8 +6729,8 @@
         </p:nvSpPr>
         <p:spPr bwMode="auto">
           <a:xfrm>
-            <a:off x="1746647" y="344488"/>
-            <a:ext cx="5829300" cy="735012"/>
+            <a:off x="1746646" y="344488"/>
+            <a:ext cx="7119767" cy="735012"/>
           </a:xfrm>
           <a:prstGeom prst="rect">
             <a:avLst/>
@@ -6809,10 +6862,10 @@
           <a:p>
             <a:pPr algn="ctr" eaLnBrk="1" hangingPunct="1"/>
             <a:r>
-              <a:rPr lang="en-US" altLang="en-US" sz="4400">
+              <a:rPr lang="en-US" altLang="en-US" sz="4400" dirty="0">
                 <a:latin typeface="Calibri" panose="020F0502020204030204" pitchFamily="34" charset="0"/>
               </a:rPr>
-              <a:t>Permissions</a:t>
+              <a:t>Introduction to Linux/Unix</a:t>
             </a:r>
           </a:p>
         </p:txBody>
@@ -6827,8 +6880,8 @@
         </p:nvSpPr>
         <p:spPr>
           <a:xfrm>
-            <a:off x="1485901" y="1160463"/>
-            <a:ext cx="6369844" cy="531812"/>
+            <a:off x="653144" y="1160465"/>
+            <a:ext cx="7886700" cy="5697537"/>
           </a:xfrm>
           <a:prstGeom prst="rect">
             <a:avLst/>
@@ -6836,7 +6889,7 @@
         </p:spPr>
         <p:txBody>
           <a:bodyPr>
-            <a:normAutofit fontScale="85000" lnSpcReduction="10000"/>
+            <a:normAutofit fontScale="70000" lnSpcReduction="20000"/>
           </a:bodyPr>
           <a:lstStyle>
             <a:lvl1pPr marL="342900" indent="-342900" algn="l" rtl="0" eaLnBrk="0" fontAlgn="base" hangingPunct="0">
@@ -7000,36 +7053,790 @@
               <a:defRPr/>
             </a:pPr>
             <a:r>
-              <a:rPr lang="en-US" sz="2000" dirty="0">
-                <a:latin typeface="Arial" pitchFamily="34" charset="0"/>
-                <a:cs typeface="Arial" pitchFamily="34" charset="0"/>
-              </a:rPr>
-              <a:t>Where did the 755 come from in the </a:t>
-            </a:r>
-            <a:r>
-              <a:rPr lang="en-US" sz="2000" b="1" dirty="0" err="1">
-                <a:latin typeface="Arial" pitchFamily="34" charset="0"/>
-                <a:cs typeface="Arial" pitchFamily="34" charset="0"/>
-              </a:rPr>
-              <a:t>chmod</a:t>
-            </a:r>
-            <a:r>
-              <a:rPr lang="en-US" sz="2000" dirty="0">
-                <a:latin typeface="Arial" pitchFamily="34" charset="0"/>
-                <a:cs typeface="Arial" pitchFamily="34" charset="0"/>
-              </a:rPr>
-              <a:t> command?</a:t>
-            </a:r>
-          </a:p>
-          <a:p>
-            <a:pPr marL="0" indent="0" eaLnBrk="1" fontAlgn="auto" hangingPunct="1">
+              <a:rPr lang="en-US" sz="2600" dirty="0">
+                <a:latin typeface="Arial" pitchFamily="34" charset="0"/>
+                <a:cs typeface="Arial" pitchFamily="34" charset="0"/>
+              </a:rPr>
+              <a:t>For a Complete List of Linux Commands and Explanations see</a:t>
+            </a:r>
+          </a:p>
+          <a:p>
+            <a:pPr lvl="1" eaLnBrk="1" fontAlgn="auto" hangingPunct="1">
+              <a:spcAft>
+                <a:spcPts val="0"/>
+              </a:spcAft>
+              <a:buFont typeface="Arial" pitchFamily="34" charset="0"/>
+              <a:buChar char="•"/>
+              <a:defRPr/>
+            </a:pPr>
+            <a:r>
+              <a:rPr lang="en-US" sz="2300" dirty="0">
+                <a:latin typeface="Arial" pitchFamily="34" charset="0"/>
+                <a:cs typeface="Arial" pitchFamily="34" charset="0"/>
+                <a:hlinkClick r:id="rId2"/>
+              </a:rPr>
+              <a:t>http://linuxcommand.org/</a:t>
+            </a:r>
+            <a:endParaRPr lang="en-US" sz="2300" dirty="0">
+              <a:latin typeface="Arial" pitchFamily="34" charset="0"/>
+              <a:cs typeface="Arial" pitchFamily="34" charset="0"/>
+            </a:endParaRPr>
+          </a:p>
+          <a:p>
+            <a:pPr lvl="1" eaLnBrk="1" fontAlgn="auto" hangingPunct="1">
+              <a:spcAft>
+                <a:spcPts val="0"/>
+              </a:spcAft>
+              <a:buFont typeface="Arial" pitchFamily="34" charset="0"/>
+              <a:buChar char="•"/>
+              <a:defRPr/>
+            </a:pPr>
+            <a:r>
+              <a:rPr lang="en-US" sz="2300" dirty="0">
+                <a:solidFill>
+                  <a:srgbClr val="FF0000"/>
+                </a:solidFill>
+                <a:latin typeface="Arial" pitchFamily="34" charset="0"/>
+                <a:cs typeface="Arial" pitchFamily="34" charset="0"/>
+              </a:rPr>
+              <a:t>Or the book “Linux in a Nutshell”</a:t>
+            </a:r>
+          </a:p>
+          <a:p>
+            <a:pPr marL="457200" lvl="1" indent="0" eaLnBrk="1" fontAlgn="auto" hangingPunct="1">
               <a:spcAft>
                 <a:spcPts val="0"/>
               </a:spcAft>
               <a:buNone/>
               <a:defRPr/>
             </a:pPr>
-            <a:endParaRPr lang="en-US" sz="2000" dirty="0">
+            <a:endParaRPr lang="en-US" sz="1400" dirty="0">
+              <a:latin typeface="Arial" pitchFamily="34" charset="0"/>
+              <a:cs typeface="Arial" pitchFamily="34" charset="0"/>
+            </a:endParaRPr>
+          </a:p>
+          <a:p>
+            <a:pPr eaLnBrk="1" fontAlgn="auto" hangingPunct="1">
+              <a:spcAft>
+                <a:spcPts val="0"/>
+              </a:spcAft>
+              <a:buFont typeface="Arial" pitchFamily="34" charset="0"/>
+              <a:buChar char="‒"/>
+              <a:defRPr/>
+            </a:pPr>
+            <a:r>
+              <a:rPr lang="en-US" sz="2600" dirty="0">
+                <a:latin typeface="Arial" pitchFamily="34" charset="0"/>
+                <a:cs typeface="Arial" pitchFamily="34" charset="0"/>
+              </a:rPr>
+              <a:t>Some Other Common Commands</a:t>
+            </a:r>
+            <a:r>
+              <a:rPr lang="en-US" sz="2400" dirty="0">
+                <a:latin typeface="Arial" pitchFamily="34" charset="0"/>
+                <a:cs typeface="Arial" pitchFamily="34" charset="0"/>
+              </a:rPr>
+              <a:t> </a:t>
+            </a:r>
+          </a:p>
+          <a:p>
+            <a:pPr lvl="1" eaLnBrk="1" fontAlgn="auto" hangingPunct="1">
+              <a:spcAft>
+                <a:spcPts val="0"/>
+              </a:spcAft>
+              <a:buFont typeface="Arial" pitchFamily="34" charset="0"/>
+              <a:buChar char="•"/>
+              <a:defRPr/>
+            </a:pPr>
+            <a:r>
+              <a:rPr lang="en-US" sz="2300" b="1" dirty="0">
+                <a:latin typeface="Arial" pitchFamily="34" charset="0"/>
+                <a:cs typeface="Arial" pitchFamily="34" charset="0"/>
+              </a:rPr>
+              <a:t>echo “</a:t>
+            </a:r>
+            <a:r>
+              <a:rPr lang="en-US" sz="2300" i="1" dirty="0">
+                <a:latin typeface="Arial" pitchFamily="34" charset="0"/>
+                <a:cs typeface="Arial" pitchFamily="34" charset="0"/>
+              </a:rPr>
+              <a:t>text” – </a:t>
+            </a:r>
+            <a:r>
+              <a:rPr lang="en-US" sz="2300" dirty="0">
+                <a:solidFill>
+                  <a:srgbClr val="FF0000"/>
+                </a:solidFill>
+                <a:latin typeface="Arial" pitchFamily="34" charset="0"/>
+                <a:cs typeface="Arial" pitchFamily="34" charset="0"/>
+              </a:rPr>
+              <a:t>display or print </a:t>
+            </a:r>
+            <a:r>
+              <a:rPr lang="en-US" sz="2300" i="1" dirty="0">
+                <a:solidFill>
+                  <a:srgbClr val="FF0000"/>
+                </a:solidFill>
+                <a:latin typeface="Arial" pitchFamily="34" charset="0"/>
+                <a:cs typeface="Arial" pitchFamily="34" charset="0"/>
+              </a:rPr>
+              <a:t>text</a:t>
+            </a:r>
+          </a:p>
+          <a:p>
+            <a:pPr lvl="1" eaLnBrk="1" fontAlgn="auto" hangingPunct="1">
+              <a:spcAft>
+                <a:spcPts val="0"/>
+              </a:spcAft>
+              <a:buFont typeface="Arial" pitchFamily="34" charset="0"/>
+              <a:buChar char="•"/>
+              <a:defRPr/>
+            </a:pPr>
+            <a:r>
+              <a:rPr lang="en-US" sz="2300" b="1" dirty="0">
+                <a:latin typeface="Arial" pitchFamily="34" charset="0"/>
+                <a:cs typeface="Arial" pitchFamily="34" charset="0"/>
+              </a:rPr>
+              <a:t>exit</a:t>
+            </a:r>
+            <a:r>
+              <a:rPr lang="en-US" sz="2300" i="1" dirty="0">
+                <a:solidFill>
+                  <a:srgbClr val="FF0000"/>
+                </a:solidFill>
+                <a:latin typeface="Arial" pitchFamily="34" charset="0"/>
+                <a:cs typeface="Arial" pitchFamily="34" charset="0"/>
+              </a:rPr>
+              <a:t> – </a:t>
+            </a:r>
+            <a:r>
+              <a:rPr lang="en-US" sz="2300" dirty="0">
+                <a:solidFill>
+                  <a:srgbClr val="FF0000"/>
+                </a:solidFill>
+                <a:latin typeface="Arial" pitchFamily="34" charset="0"/>
+                <a:cs typeface="Arial" pitchFamily="34" charset="0"/>
+              </a:rPr>
+              <a:t>close a terminal</a:t>
+            </a:r>
+          </a:p>
+          <a:p>
+            <a:pPr lvl="1" eaLnBrk="1" fontAlgn="auto" hangingPunct="1">
+              <a:spcAft>
+                <a:spcPts val="0"/>
+              </a:spcAft>
+              <a:buFont typeface="Arial" pitchFamily="34" charset="0"/>
+              <a:buChar char="•"/>
+              <a:defRPr/>
+            </a:pPr>
+            <a:r>
+              <a:rPr lang="en-US" sz="2300" b="1" dirty="0">
+                <a:latin typeface="Arial" pitchFamily="34" charset="0"/>
+                <a:cs typeface="Arial" pitchFamily="34" charset="0"/>
+              </a:rPr>
+              <a:t>clear</a:t>
+            </a:r>
+            <a:r>
+              <a:rPr lang="en-US" sz="2300" dirty="0">
+                <a:solidFill>
+                  <a:srgbClr val="FF0000"/>
+                </a:solidFill>
+                <a:latin typeface="Arial" pitchFamily="34" charset="0"/>
+                <a:cs typeface="Arial" pitchFamily="34" charset="0"/>
+              </a:rPr>
+              <a:t> – clear all text in a </a:t>
+            </a:r>
+            <a:r>
+              <a:rPr lang="en-US" sz="2300" dirty="0" smtClean="0">
+                <a:solidFill>
+                  <a:srgbClr val="FF0000"/>
+                </a:solidFill>
+                <a:latin typeface="Arial" pitchFamily="34" charset="0"/>
+                <a:cs typeface="Arial" pitchFamily="34" charset="0"/>
+              </a:rPr>
+              <a:t>terminal</a:t>
+            </a:r>
+          </a:p>
+          <a:p>
+            <a:pPr lvl="1" eaLnBrk="1" fontAlgn="auto" hangingPunct="1">
+              <a:spcAft>
+                <a:spcPts val="0"/>
+              </a:spcAft>
+              <a:buFont typeface="Arial" pitchFamily="34" charset="0"/>
+              <a:buChar char="•"/>
+              <a:defRPr/>
+            </a:pPr>
+            <a:r>
+              <a:rPr lang="en-US" sz="2300" b="1" dirty="0" err="1" smtClean="0">
+                <a:latin typeface="Arial" pitchFamily="34" charset="0"/>
+                <a:cs typeface="Arial" pitchFamily="34" charset="0"/>
+              </a:rPr>
+              <a:t>p</a:t>
+            </a:r>
+            <a:r>
+              <a:rPr lang="en-US" sz="2300" b="1" dirty="0" err="1" smtClean="0">
+                <a:latin typeface="Arial" pitchFamily="34" charset="0"/>
+                <a:cs typeface="Arial" pitchFamily="34" charset="0"/>
+              </a:rPr>
+              <a:t>ico</a:t>
+            </a:r>
+            <a:r>
+              <a:rPr lang="en-US" sz="2300" b="1" dirty="0" smtClean="0">
+                <a:latin typeface="Arial" pitchFamily="34" charset="0"/>
+                <a:cs typeface="Arial" pitchFamily="34" charset="0"/>
+              </a:rPr>
+              <a:t> </a:t>
+            </a:r>
+            <a:r>
+              <a:rPr lang="en-US" sz="2300" i="1" dirty="0" smtClean="0">
+                <a:latin typeface="Arial" pitchFamily="34" charset="0"/>
+                <a:cs typeface="Arial" pitchFamily="34" charset="0"/>
+              </a:rPr>
+              <a:t>[file]</a:t>
+            </a:r>
+            <a:r>
+              <a:rPr lang="en-US" sz="2300" b="1" dirty="0" smtClean="0">
+                <a:solidFill>
+                  <a:srgbClr val="FF0000"/>
+                </a:solidFill>
+                <a:latin typeface="Arial" pitchFamily="34" charset="0"/>
+                <a:cs typeface="Arial" pitchFamily="34" charset="0"/>
+              </a:rPr>
+              <a:t> </a:t>
+            </a:r>
+            <a:r>
+              <a:rPr lang="en-US" sz="2300" dirty="0" smtClean="0">
+                <a:solidFill>
+                  <a:srgbClr val="FF0000"/>
+                </a:solidFill>
+                <a:latin typeface="Arial" pitchFamily="34" charset="0"/>
+                <a:cs typeface="Arial" pitchFamily="34" charset="0"/>
+              </a:rPr>
+              <a:t>– open a simple text editor</a:t>
+            </a:r>
+            <a:r>
+              <a:rPr lang="en-US" sz="2300" b="1" dirty="0" smtClean="0">
+                <a:solidFill>
+                  <a:srgbClr val="FF0000"/>
+                </a:solidFill>
+                <a:latin typeface="Arial" pitchFamily="34" charset="0"/>
+                <a:cs typeface="Arial" pitchFamily="34" charset="0"/>
+              </a:rPr>
+              <a:t> </a:t>
+            </a:r>
+            <a:endParaRPr lang="en-US" sz="2300" b="1" dirty="0">
+              <a:latin typeface="Arial" pitchFamily="34" charset="0"/>
+              <a:cs typeface="Arial" pitchFamily="34" charset="0"/>
+            </a:endParaRPr>
+          </a:p>
+          <a:p>
+            <a:pPr lvl="1" eaLnBrk="1" fontAlgn="auto" hangingPunct="1">
+              <a:spcAft>
+                <a:spcPts val="0"/>
+              </a:spcAft>
+              <a:buFont typeface="Arial" pitchFamily="34" charset="0"/>
+              <a:buChar char="•"/>
+              <a:defRPr/>
+            </a:pPr>
+            <a:r>
+              <a:rPr lang="en-US" sz="2300" b="1" dirty="0" err="1">
+                <a:latin typeface="Arial" pitchFamily="34" charset="0"/>
+                <a:cs typeface="Arial" pitchFamily="34" charset="0"/>
+              </a:rPr>
+              <a:t>mkdir</a:t>
+            </a:r>
+            <a:r>
+              <a:rPr lang="en-US" sz="2300" dirty="0">
+                <a:latin typeface="Arial" pitchFamily="34" charset="0"/>
+                <a:cs typeface="Arial" pitchFamily="34" charset="0"/>
+              </a:rPr>
+              <a:t> </a:t>
+            </a:r>
+            <a:r>
+              <a:rPr lang="en-US" sz="2300" i="1" dirty="0" smtClean="0">
+                <a:latin typeface="Arial" pitchFamily="34" charset="0"/>
+                <a:cs typeface="Arial" pitchFamily="34" charset="0"/>
+              </a:rPr>
+              <a:t>file </a:t>
+            </a:r>
+            <a:r>
+              <a:rPr lang="en-US" sz="2300" dirty="0" smtClean="0">
+                <a:latin typeface="Arial" pitchFamily="34" charset="0"/>
+                <a:cs typeface="Arial" pitchFamily="34" charset="0"/>
+              </a:rPr>
+              <a:t>- </a:t>
+            </a:r>
+            <a:r>
+              <a:rPr lang="en-US" sz="2300" dirty="0">
+                <a:solidFill>
+                  <a:srgbClr val="FF0000"/>
+                </a:solidFill>
+                <a:latin typeface="Arial" pitchFamily="34" charset="0"/>
+                <a:cs typeface="Arial" pitchFamily="34" charset="0"/>
+              </a:rPr>
+              <a:t>make a new directory</a:t>
+            </a:r>
+          </a:p>
+          <a:p>
+            <a:pPr lvl="1" eaLnBrk="1" fontAlgn="auto" hangingPunct="1">
+              <a:spcAft>
+                <a:spcPts val="0"/>
+              </a:spcAft>
+              <a:buFont typeface="Arial" pitchFamily="34" charset="0"/>
+              <a:buChar char="•"/>
+              <a:defRPr/>
+            </a:pPr>
+            <a:r>
+              <a:rPr lang="en-US" sz="2300" b="1" dirty="0" err="1">
+                <a:latin typeface="Arial" pitchFamily="34" charset="0"/>
+                <a:cs typeface="Arial" pitchFamily="34" charset="0"/>
+              </a:rPr>
+              <a:t>rm</a:t>
+            </a:r>
+            <a:r>
+              <a:rPr lang="en-US" sz="2300" dirty="0">
+                <a:latin typeface="Arial" pitchFamily="34" charset="0"/>
+                <a:cs typeface="Arial" pitchFamily="34" charset="0"/>
+              </a:rPr>
+              <a:t> </a:t>
+            </a:r>
+            <a:r>
+              <a:rPr lang="en-US" sz="2300" i="1" dirty="0" smtClean="0">
+                <a:latin typeface="Arial" pitchFamily="34" charset="0"/>
+                <a:cs typeface="Arial" pitchFamily="34" charset="0"/>
+              </a:rPr>
+              <a:t>file</a:t>
+            </a:r>
+            <a:r>
+              <a:rPr lang="en-US" sz="2300" dirty="0" smtClean="0">
+                <a:latin typeface="Arial" pitchFamily="34" charset="0"/>
+                <a:cs typeface="Arial" pitchFamily="34" charset="0"/>
+              </a:rPr>
+              <a:t> - </a:t>
+            </a:r>
+            <a:r>
+              <a:rPr lang="en-US" sz="2300" dirty="0">
+                <a:solidFill>
+                  <a:srgbClr val="FF0000"/>
+                </a:solidFill>
+                <a:latin typeface="Arial" pitchFamily="34" charset="0"/>
+                <a:cs typeface="Arial" pitchFamily="34" charset="0"/>
+              </a:rPr>
+              <a:t>remove/delete file</a:t>
+            </a:r>
+          </a:p>
+          <a:p>
+            <a:pPr lvl="1" eaLnBrk="1" fontAlgn="auto" hangingPunct="1">
+              <a:spcAft>
+                <a:spcPts val="0"/>
+              </a:spcAft>
+              <a:buFont typeface="Arial" pitchFamily="34" charset="0"/>
+              <a:buChar char="•"/>
+              <a:defRPr/>
+            </a:pPr>
+            <a:r>
+              <a:rPr lang="en-US" sz="2300" b="1" dirty="0" err="1" smtClean="0">
+                <a:latin typeface="Arial" pitchFamily="34" charset="0"/>
+                <a:cs typeface="Arial" pitchFamily="34" charset="0"/>
+              </a:rPr>
+              <a:t>Mv</a:t>
+            </a:r>
+            <a:r>
+              <a:rPr lang="en-US" sz="2300" b="1" dirty="0" smtClean="0">
+                <a:latin typeface="Arial" pitchFamily="34" charset="0"/>
+                <a:cs typeface="Arial" pitchFamily="34" charset="0"/>
+              </a:rPr>
+              <a:t> </a:t>
+            </a:r>
+            <a:r>
+              <a:rPr lang="en-US" sz="2300" i="1" dirty="0" smtClean="0">
+                <a:latin typeface="Arial" pitchFamily="34" charset="0"/>
+                <a:cs typeface="Arial" pitchFamily="34" charset="0"/>
+              </a:rPr>
+              <a:t>file</a:t>
+            </a:r>
+            <a:r>
+              <a:rPr lang="en-US" sz="2300" dirty="0" smtClean="0">
+                <a:latin typeface="Arial" pitchFamily="34" charset="0"/>
+                <a:cs typeface="Arial" pitchFamily="34" charset="0"/>
+              </a:rPr>
+              <a:t> </a:t>
+            </a:r>
+            <a:r>
+              <a:rPr lang="en-US" sz="2300" dirty="0">
+                <a:latin typeface="Arial" pitchFamily="34" charset="0"/>
+                <a:cs typeface="Arial" pitchFamily="34" charset="0"/>
+              </a:rPr>
+              <a:t>- </a:t>
+            </a:r>
+            <a:r>
+              <a:rPr lang="en-US" sz="2300" dirty="0">
+                <a:solidFill>
+                  <a:srgbClr val="FF0000"/>
+                </a:solidFill>
+                <a:latin typeface="Arial" pitchFamily="34" charset="0"/>
+                <a:cs typeface="Arial" pitchFamily="34" charset="0"/>
+              </a:rPr>
+              <a:t>moves files </a:t>
+            </a:r>
+          </a:p>
+          <a:p>
+            <a:pPr lvl="1" eaLnBrk="1" fontAlgn="auto" hangingPunct="1">
+              <a:spcAft>
+                <a:spcPts val="0"/>
+              </a:spcAft>
+              <a:buFont typeface="Arial" pitchFamily="34" charset="0"/>
+              <a:buChar char="•"/>
+              <a:defRPr/>
+            </a:pPr>
+            <a:r>
+              <a:rPr lang="en-US" sz="2300" b="1" dirty="0" err="1">
+                <a:latin typeface="Arial" pitchFamily="34" charset="0"/>
+                <a:cs typeface="Arial" pitchFamily="34" charset="0"/>
+              </a:rPr>
+              <a:t>cp</a:t>
+            </a:r>
+            <a:r>
+              <a:rPr lang="en-US" sz="2300" dirty="0">
+                <a:latin typeface="Arial" pitchFamily="34" charset="0"/>
+                <a:cs typeface="Arial" pitchFamily="34" charset="0"/>
+              </a:rPr>
+              <a:t> </a:t>
+            </a:r>
+            <a:r>
+              <a:rPr lang="en-US" sz="2300" i="1" dirty="0" smtClean="0">
+                <a:latin typeface="Arial" pitchFamily="34" charset="0"/>
+                <a:cs typeface="Arial" pitchFamily="34" charset="0"/>
+              </a:rPr>
+              <a:t>file</a:t>
+            </a:r>
+            <a:r>
+              <a:rPr lang="en-US" sz="2300" dirty="0" smtClean="0">
+                <a:latin typeface="Arial" pitchFamily="34" charset="0"/>
+                <a:cs typeface="Arial" pitchFamily="34" charset="0"/>
+              </a:rPr>
+              <a:t> - </a:t>
+            </a:r>
+            <a:r>
+              <a:rPr lang="en-US" sz="2300" dirty="0">
+                <a:solidFill>
+                  <a:srgbClr val="FF0000"/>
+                </a:solidFill>
+                <a:latin typeface="Arial" pitchFamily="34" charset="0"/>
+                <a:cs typeface="Arial" pitchFamily="34" charset="0"/>
+              </a:rPr>
+              <a:t>copies files </a:t>
+            </a:r>
+          </a:p>
+          <a:p>
+            <a:pPr lvl="1" eaLnBrk="1" fontAlgn="auto" hangingPunct="1">
+              <a:spcAft>
+                <a:spcPts val="0"/>
+              </a:spcAft>
+              <a:buFont typeface="Arial" pitchFamily="34" charset="0"/>
+              <a:buChar char="•"/>
+              <a:defRPr/>
+            </a:pPr>
+            <a:r>
+              <a:rPr lang="en-US" sz="2300" b="1" dirty="0" err="1">
+                <a:latin typeface="Arial" pitchFamily="34" charset="0"/>
+                <a:cs typeface="Arial" pitchFamily="34" charset="0"/>
+              </a:rPr>
+              <a:t>ps</a:t>
+            </a:r>
+            <a:r>
+              <a:rPr lang="en-US" sz="2300" dirty="0">
+                <a:latin typeface="Arial" pitchFamily="34" charset="0"/>
+                <a:cs typeface="Arial" pitchFamily="34" charset="0"/>
+              </a:rPr>
+              <a:t> – </a:t>
+            </a:r>
+            <a:r>
+              <a:rPr lang="en-US" sz="2300" dirty="0">
+                <a:solidFill>
+                  <a:srgbClr val="FF0000"/>
+                </a:solidFill>
+                <a:latin typeface="Arial" pitchFamily="34" charset="0"/>
+                <a:cs typeface="Arial" pitchFamily="34" charset="0"/>
+              </a:rPr>
+              <a:t>lists all active user programs and display a PID (process identification   	      number)</a:t>
+            </a:r>
+          </a:p>
+          <a:p>
+            <a:pPr lvl="1" eaLnBrk="1" fontAlgn="auto" hangingPunct="1">
+              <a:spcAft>
+                <a:spcPts val="0"/>
+              </a:spcAft>
+              <a:buFont typeface="Arial" pitchFamily="34" charset="0"/>
+              <a:buChar char="•"/>
+              <a:defRPr/>
+            </a:pPr>
+            <a:r>
+              <a:rPr lang="en-US" sz="2300" b="1" dirty="0">
+                <a:latin typeface="Arial" pitchFamily="34" charset="0"/>
+                <a:cs typeface="Arial" pitchFamily="34" charset="0"/>
+              </a:rPr>
+              <a:t>kill</a:t>
+            </a:r>
+            <a:r>
+              <a:rPr lang="en-US" sz="2300" dirty="0">
+                <a:latin typeface="Arial" pitchFamily="34" charset="0"/>
+                <a:cs typeface="Arial" pitchFamily="34" charset="0"/>
+              </a:rPr>
+              <a:t> </a:t>
+            </a:r>
+            <a:r>
+              <a:rPr lang="en-US" sz="2300" i="1" dirty="0" err="1">
+                <a:latin typeface="Arial" pitchFamily="34" charset="0"/>
+                <a:cs typeface="Arial" pitchFamily="34" charset="0"/>
+              </a:rPr>
+              <a:t>pid</a:t>
+            </a:r>
+            <a:r>
+              <a:rPr lang="en-US" sz="2300" dirty="0">
+                <a:latin typeface="Arial" pitchFamily="34" charset="0"/>
+                <a:cs typeface="Arial" pitchFamily="34" charset="0"/>
+              </a:rPr>
+              <a:t> - </a:t>
+            </a:r>
+            <a:r>
+              <a:rPr lang="en-US" sz="2300" dirty="0">
+                <a:solidFill>
+                  <a:srgbClr val="FF0000"/>
+                </a:solidFill>
+                <a:latin typeface="Arial" pitchFamily="34" charset="0"/>
+                <a:cs typeface="Arial" pitchFamily="34" charset="0"/>
+              </a:rPr>
+              <a:t>will kill (stop) the process with the listed </a:t>
+            </a:r>
+            <a:r>
+              <a:rPr lang="en-US" sz="2300" i="1" dirty="0" err="1">
+                <a:solidFill>
+                  <a:srgbClr val="FF0000"/>
+                </a:solidFill>
+                <a:latin typeface="Arial" pitchFamily="34" charset="0"/>
+                <a:cs typeface="Arial" pitchFamily="34" charset="0"/>
+              </a:rPr>
+              <a:t>pid</a:t>
+            </a:r>
+            <a:r>
+              <a:rPr lang="en-US" sz="2300" dirty="0">
+                <a:solidFill>
+                  <a:srgbClr val="FF0000"/>
+                </a:solidFill>
+                <a:latin typeface="Arial" pitchFamily="34" charset="0"/>
+                <a:cs typeface="Arial" pitchFamily="34" charset="0"/>
+              </a:rPr>
+              <a:t> number</a:t>
+            </a:r>
+            <a:r>
+              <a:rPr lang="en-US" sz="2300" dirty="0">
+                <a:latin typeface="Arial" pitchFamily="34" charset="0"/>
+                <a:cs typeface="Arial" pitchFamily="34" charset="0"/>
+              </a:rPr>
+              <a:t> </a:t>
+            </a:r>
+          </a:p>
+          <a:p>
+            <a:pPr lvl="1" eaLnBrk="1" fontAlgn="auto" hangingPunct="1">
+              <a:spcAft>
+                <a:spcPts val="0"/>
+              </a:spcAft>
+              <a:buFont typeface="Arial" pitchFamily="34" charset="0"/>
+              <a:buChar char="•"/>
+              <a:defRPr/>
+            </a:pPr>
+            <a:r>
+              <a:rPr lang="en-US" sz="2300" b="1" dirty="0">
+                <a:latin typeface="Arial" pitchFamily="34" charset="0"/>
+                <a:cs typeface="Arial" pitchFamily="34" charset="0"/>
+              </a:rPr>
+              <a:t>man</a:t>
+            </a:r>
+            <a:r>
+              <a:rPr lang="en-US" sz="2300" dirty="0">
+                <a:latin typeface="Arial" pitchFamily="34" charset="0"/>
+                <a:cs typeface="Arial" pitchFamily="34" charset="0"/>
+              </a:rPr>
+              <a:t> </a:t>
+            </a:r>
+            <a:r>
+              <a:rPr lang="en-US" sz="2300" i="1" dirty="0">
+                <a:latin typeface="Arial" pitchFamily="34" charset="0"/>
+                <a:cs typeface="Arial" pitchFamily="34" charset="0"/>
+              </a:rPr>
+              <a:t>command</a:t>
+            </a:r>
+            <a:r>
+              <a:rPr lang="en-US" sz="2300" dirty="0">
+                <a:latin typeface="Arial" pitchFamily="34" charset="0"/>
+                <a:cs typeface="Arial" pitchFamily="34" charset="0"/>
+              </a:rPr>
+              <a:t>  - </a:t>
+            </a:r>
+            <a:r>
+              <a:rPr lang="en-US" sz="2300" dirty="0">
+                <a:solidFill>
+                  <a:srgbClr val="FF0000"/>
+                </a:solidFill>
+                <a:latin typeface="Arial" pitchFamily="34" charset="0"/>
+                <a:cs typeface="Arial" pitchFamily="34" charset="0"/>
+              </a:rPr>
+              <a:t>will display the manual for the listed </a:t>
+            </a:r>
+            <a:r>
+              <a:rPr lang="en-US" sz="2300" i="1" dirty="0">
+                <a:solidFill>
+                  <a:srgbClr val="FF0000"/>
+                </a:solidFill>
+                <a:latin typeface="Arial" pitchFamily="34" charset="0"/>
+                <a:cs typeface="Arial" pitchFamily="34" charset="0"/>
+              </a:rPr>
+              <a:t>command</a:t>
+            </a:r>
+          </a:p>
+          <a:p>
+            <a:pPr lvl="1" eaLnBrk="1" fontAlgn="auto" hangingPunct="1">
+              <a:spcAft>
+                <a:spcPts val="0"/>
+              </a:spcAft>
+              <a:buFont typeface="Arial" pitchFamily="34" charset="0"/>
+              <a:buChar char="•"/>
+              <a:defRPr/>
+            </a:pPr>
+            <a:r>
+              <a:rPr lang="en-US" sz="2300" b="1" dirty="0">
+                <a:latin typeface="Arial" pitchFamily="34" charset="0"/>
+                <a:cs typeface="Arial" pitchFamily="34" charset="0"/>
+              </a:rPr>
+              <a:t>cat</a:t>
+            </a:r>
+            <a:r>
+              <a:rPr lang="en-US" sz="2300" i="1" dirty="0">
+                <a:solidFill>
+                  <a:srgbClr val="FF0000"/>
+                </a:solidFill>
+                <a:latin typeface="Arial" pitchFamily="34" charset="0"/>
+                <a:cs typeface="Arial" pitchFamily="34" charset="0"/>
+              </a:rPr>
+              <a:t> </a:t>
+            </a:r>
+            <a:r>
+              <a:rPr lang="en-US" sz="2300" i="1" dirty="0">
+                <a:latin typeface="Arial" pitchFamily="34" charset="0"/>
+                <a:cs typeface="Arial" pitchFamily="34" charset="0"/>
+              </a:rPr>
+              <a:t>file</a:t>
+            </a:r>
+            <a:r>
+              <a:rPr lang="en-US" sz="2300" i="1" dirty="0">
+                <a:solidFill>
+                  <a:srgbClr val="FF0000"/>
+                </a:solidFill>
+                <a:latin typeface="Arial" pitchFamily="34" charset="0"/>
+                <a:cs typeface="Arial" pitchFamily="34" charset="0"/>
+              </a:rPr>
+              <a:t> – </a:t>
+            </a:r>
+            <a:r>
+              <a:rPr lang="en-US" sz="2300" dirty="0">
+                <a:solidFill>
+                  <a:srgbClr val="FF0000"/>
+                </a:solidFill>
+                <a:latin typeface="Arial" pitchFamily="34" charset="0"/>
+                <a:cs typeface="Arial" pitchFamily="34" charset="0"/>
+              </a:rPr>
+              <a:t>display the contents of a </a:t>
+            </a:r>
+            <a:r>
+              <a:rPr lang="en-US" sz="2300" i="1" dirty="0">
+                <a:solidFill>
+                  <a:srgbClr val="FF0000"/>
+                </a:solidFill>
+                <a:latin typeface="Arial" pitchFamily="34" charset="0"/>
+                <a:cs typeface="Arial" pitchFamily="34" charset="0"/>
+              </a:rPr>
+              <a:t>file </a:t>
+            </a:r>
+            <a:r>
+              <a:rPr lang="en-US" sz="2300" dirty="0">
+                <a:solidFill>
+                  <a:srgbClr val="FF0000"/>
+                </a:solidFill>
+                <a:latin typeface="Arial" pitchFamily="34" charset="0"/>
+                <a:cs typeface="Arial" pitchFamily="34" charset="0"/>
+              </a:rPr>
+              <a:t>(also used to combine or 			            concatenate multiple files</a:t>
+            </a:r>
+            <a:r>
+              <a:rPr lang="en-US" sz="2300" dirty="0" smtClean="0">
+                <a:solidFill>
+                  <a:srgbClr val="FF0000"/>
+                </a:solidFill>
+                <a:latin typeface="Arial" pitchFamily="34" charset="0"/>
+                <a:cs typeface="Arial" pitchFamily="34" charset="0"/>
+              </a:rPr>
+              <a:t>)</a:t>
+            </a:r>
+          </a:p>
+          <a:p>
+            <a:pPr lvl="1" eaLnBrk="1" fontAlgn="auto" hangingPunct="1">
+              <a:spcAft>
+                <a:spcPts val="0"/>
+              </a:spcAft>
+              <a:buFont typeface="Arial" pitchFamily="34" charset="0"/>
+              <a:buChar char="•"/>
+              <a:defRPr/>
+            </a:pPr>
+            <a:r>
+              <a:rPr lang="en-US" sz="2300" b="1" dirty="0" err="1" smtClean="0">
+                <a:latin typeface="Arial" pitchFamily="34" charset="0"/>
+                <a:cs typeface="Arial" pitchFamily="34" charset="0"/>
+              </a:rPr>
+              <a:t>chown</a:t>
+            </a:r>
+            <a:r>
+              <a:rPr lang="en-US" sz="2300" b="1" dirty="0" smtClean="0">
+                <a:latin typeface="Arial" pitchFamily="34" charset="0"/>
+                <a:cs typeface="Arial" pitchFamily="34" charset="0"/>
+              </a:rPr>
+              <a:t> </a:t>
+            </a:r>
+            <a:r>
+              <a:rPr lang="en-US" sz="2300" i="1" dirty="0" err="1" smtClean="0">
+                <a:latin typeface="Arial" pitchFamily="34" charset="0"/>
+                <a:cs typeface="Arial" pitchFamily="34" charset="0"/>
+              </a:rPr>
+              <a:t>usr:grp</a:t>
+            </a:r>
+            <a:r>
+              <a:rPr lang="en-US" sz="2300" i="1" dirty="0" smtClean="0">
+                <a:latin typeface="Arial" pitchFamily="34" charset="0"/>
+                <a:cs typeface="Arial" pitchFamily="34" charset="0"/>
+              </a:rPr>
+              <a:t> file</a:t>
+            </a:r>
+            <a:r>
+              <a:rPr lang="en-US" sz="2300" i="1" dirty="0" smtClean="0">
+                <a:solidFill>
+                  <a:srgbClr val="FF0000"/>
+                </a:solidFill>
+                <a:latin typeface="Arial" pitchFamily="34" charset="0"/>
+                <a:cs typeface="Arial" pitchFamily="34" charset="0"/>
+              </a:rPr>
+              <a:t> </a:t>
+            </a:r>
+            <a:r>
+              <a:rPr lang="en-US" sz="2300" dirty="0" smtClean="0">
+                <a:solidFill>
+                  <a:srgbClr val="FF0000"/>
+                </a:solidFill>
+                <a:latin typeface="Arial" pitchFamily="34" charset="0"/>
+                <a:cs typeface="Arial" pitchFamily="34" charset="0"/>
+              </a:rPr>
+              <a:t>– changes the owner of a file</a:t>
+            </a:r>
+            <a:endParaRPr lang="en-US" sz="2300" dirty="0" smtClean="0">
               <a:solidFill>
                 <a:srgbClr val="FF0000"/>
               </a:solidFill>
@@ -7037,371 +7844,162 @@
               <a:cs typeface="Arial" pitchFamily="34" charset="0"/>
             </a:endParaRPr>
           </a:p>
-        </p:txBody>
-      </p:sp>
-      <p:sp>
-        <p:nvSpPr>
-          <p:cNvPr id="50180" name="Rectangle 3"/>
-          <p:cNvSpPr>
-            <a:spLocks noChangeArrowheads="1"/>
-          </p:cNvSpPr>
-          <p:nvPr/>
-        </p:nvSpPr>
-        <p:spPr bwMode="auto">
-          <a:xfrm>
-            <a:off x="1746647" y="1835152"/>
-            <a:ext cx="4691063" cy="4801314"/>
-          </a:xfrm>
-          <a:prstGeom prst="rect">
-            <a:avLst/>
-          </a:prstGeom>
-          <a:noFill/>
-          <a:ln>
-            <a:noFill/>
-          </a:ln>
-          <a:extLst>
-            <a:ext uri="{909E8E84-426E-40DD-AFC4-6F175D3DCCD1}">
-              <a14:hiddenFill xmlns:a14="http://schemas.microsoft.com/office/drawing/2010/main">
-                <a:solidFill>
-                  <a:srgbClr val="FFFFFF"/>
-                </a:solidFill>
-              </a14:hiddenFill>
-            </a:ext>
-            <a:ext uri="{91240B29-F687-4F45-9708-019B960494DF}">
-              <a14:hiddenLine xmlns:a14="http://schemas.microsoft.com/office/drawing/2010/main" w="9525">
-                <a:solidFill>
-                  <a:srgbClr val="000000"/>
-                </a:solidFill>
-                <a:miter lim="800000"/>
-                <a:headEnd/>
-                <a:tailEnd/>
-              </a14:hiddenLine>
-            </a:ext>
-          </a:extLst>
-        </p:spPr>
-        <p:txBody>
-          <a:bodyPr>
-            <a:spAutoFit/>
-          </a:bodyPr>
-          <a:lstStyle>
-            <a:lvl1pPr eaLnBrk="0" hangingPunct="0">
-              <a:defRPr>
-                <a:solidFill>
-                  <a:schemeClr val="tx1"/>
-                </a:solidFill>
-                <a:latin typeface="Arial" panose="020B0604020202020204" pitchFamily="34" charset="0"/>
-              </a:defRPr>
-            </a:lvl1pPr>
-            <a:lvl2pPr marL="742950" indent="-285750" eaLnBrk="0" hangingPunct="0">
-              <a:defRPr>
-                <a:solidFill>
-                  <a:schemeClr val="tx1"/>
-                </a:solidFill>
-                <a:latin typeface="Arial" panose="020B0604020202020204" pitchFamily="34" charset="0"/>
-              </a:defRPr>
-            </a:lvl2pPr>
-            <a:lvl3pPr marL="1143000" indent="-228600" eaLnBrk="0" hangingPunct="0">
-              <a:defRPr>
-                <a:solidFill>
-                  <a:schemeClr val="tx1"/>
-                </a:solidFill>
-                <a:latin typeface="Arial" panose="020B0604020202020204" pitchFamily="34" charset="0"/>
-              </a:defRPr>
-            </a:lvl3pPr>
-            <a:lvl4pPr marL="1600200" indent="-228600" eaLnBrk="0" hangingPunct="0">
-              <a:defRPr>
-                <a:solidFill>
-                  <a:schemeClr val="tx1"/>
-                </a:solidFill>
-                <a:latin typeface="Arial" panose="020B0604020202020204" pitchFamily="34" charset="0"/>
-              </a:defRPr>
-            </a:lvl4pPr>
-            <a:lvl5pPr marL="2057400" indent="-228600" eaLnBrk="0" hangingPunct="0">
-              <a:defRPr>
-                <a:solidFill>
-                  <a:schemeClr val="tx1"/>
-                </a:solidFill>
-                <a:latin typeface="Arial" panose="020B0604020202020204" pitchFamily="34" charset="0"/>
-              </a:defRPr>
-            </a:lvl5pPr>
-            <a:lvl6pPr marL="2514600" indent="-228600" eaLnBrk="0" fontAlgn="base" hangingPunct="0">
-              <a:spcBef>
-                <a:spcPct val="0"/>
-              </a:spcBef>
+          <a:p>
+            <a:pPr lvl="1" eaLnBrk="1" fontAlgn="auto" hangingPunct="1">
               <a:spcAft>
-                <a:spcPct val="0"/>
+                <a:spcPts val="0"/>
               </a:spcAft>
-              <a:defRPr>
-                <a:solidFill>
-                  <a:schemeClr val="tx1"/>
-                </a:solidFill>
-                <a:latin typeface="Arial" panose="020B0604020202020204" pitchFamily="34" charset="0"/>
-              </a:defRPr>
-            </a:lvl6pPr>
-            <a:lvl7pPr marL="2971800" indent="-228600" eaLnBrk="0" fontAlgn="base" hangingPunct="0">
-              <a:spcBef>
-                <a:spcPct val="0"/>
-              </a:spcBef>
+              <a:buFont typeface="Arial" pitchFamily="34" charset="0"/>
+              <a:buChar char="•"/>
+              <a:defRPr/>
+            </a:pPr>
+            <a:r>
+              <a:rPr lang="en-US" sz="2300" b="1" dirty="0" err="1" smtClean="0">
+                <a:latin typeface="Arial" pitchFamily="34" charset="0"/>
+                <a:cs typeface="Arial" pitchFamily="34" charset="0"/>
+              </a:rPr>
+              <a:t>chmod</a:t>
+            </a:r>
+            <a:r>
+              <a:rPr lang="en-US" sz="2300" dirty="0" smtClean="0">
+                <a:solidFill>
+                  <a:srgbClr val="FF0000"/>
+                </a:solidFill>
+                <a:latin typeface="Arial" pitchFamily="34" charset="0"/>
+                <a:cs typeface="Arial" pitchFamily="34" charset="0"/>
+              </a:rPr>
+              <a:t> </a:t>
+            </a:r>
+            <a:r>
+              <a:rPr lang="en-US" sz="2300" i="1" dirty="0" smtClean="0">
+                <a:latin typeface="Arial" pitchFamily="34" charset="0"/>
+                <a:cs typeface="Arial" pitchFamily="34" charset="0"/>
+              </a:rPr>
+              <a:t>file</a:t>
+            </a:r>
+            <a:r>
+              <a:rPr lang="en-US" sz="2300" dirty="0" smtClean="0">
+                <a:latin typeface="Arial" pitchFamily="34" charset="0"/>
+                <a:cs typeface="Arial" pitchFamily="34" charset="0"/>
+              </a:rPr>
+              <a:t> </a:t>
+            </a:r>
+            <a:r>
+              <a:rPr lang="en-US" sz="2300" i="1" dirty="0" smtClean="0">
+                <a:latin typeface="Arial" pitchFamily="34" charset="0"/>
+                <a:cs typeface="Arial" pitchFamily="34" charset="0"/>
+              </a:rPr>
+              <a:t>flags</a:t>
+            </a:r>
+            <a:r>
+              <a:rPr lang="en-US" sz="2300" dirty="0" smtClean="0">
+                <a:latin typeface="Arial" pitchFamily="34" charset="0"/>
+                <a:cs typeface="Arial" pitchFamily="34" charset="0"/>
+              </a:rPr>
+              <a:t> – </a:t>
+            </a:r>
+            <a:r>
+              <a:rPr lang="en-US" sz="2300" dirty="0" smtClean="0">
+                <a:solidFill>
+                  <a:srgbClr val="FF0000"/>
+                </a:solidFill>
+                <a:latin typeface="Arial" pitchFamily="34" charset="0"/>
+                <a:cs typeface="Arial" pitchFamily="34" charset="0"/>
+              </a:rPr>
+              <a:t>will change or set permissions for </a:t>
+            </a:r>
+            <a:r>
+              <a:rPr lang="en-US" sz="2300" i="1" dirty="0" smtClean="0">
+                <a:solidFill>
+                  <a:srgbClr val="FF0000"/>
+                </a:solidFill>
+                <a:latin typeface="Arial" pitchFamily="34" charset="0"/>
+                <a:cs typeface="Arial" pitchFamily="34" charset="0"/>
+              </a:rPr>
+              <a:t>file </a:t>
+            </a:r>
+            <a:r>
+              <a:rPr lang="en-US" sz="2300" dirty="0" smtClean="0">
+                <a:solidFill>
+                  <a:srgbClr val="FF0000"/>
+                </a:solidFill>
+                <a:latin typeface="Arial" pitchFamily="34" charset="0"/>
+                <a:cs typeface="Arial" pitchFamily="34" charset="0"/>
+              </a:rPr>
+              <a:t>defined by </a:t>
+            </a:r>
+            <a:r>
+              <a:rPr lang="en-US" sz="2300" i="1" dirty="0" smtClean="0">
+                <a:solidFill>
+                  <a:srgbClr val="FF0000"/>
+                </a:solidFill>
+                <a:latin typeface="Arial" pitchFamily="34" charset="0"/>
+                <a:cs typeface="Arial" pitchFamily="34" charset="0"/>
+              </a:rPr>
+              <a:t>flags</a:t>
+            </a:r>
+          </a:p>
+          <a:p>
+            <a:pPr lvl="1" eaLnBrk="1" fontAlgn="auto" hangingPunct="1">
               <a:spcAft>
-                <a:spcPct val="0"/>
+                <a:spcPts val="0"/>
               </a:spcAft>
-              <a:defRPr>
-                <a:solidFill>
-                  <a:schemeClr val="tx1"/>
-                </a:solidFill>
-                <a:latin typeface="Arial" panose="020B0604020202020204" pitchFamily="34" charset="0"/>
-              </a:defRPr>
-            </a:lvl7pPr>
-            <a:lvl8pPr marL="3429000" indent="-228600" eaLnBrk="0" fontAlgn="base" hangingPunct="0">
-              <a:spcBef>
-                <a:spcPct val="0"/>
-              </a:spcBef>
-              <a:spcAft>
-                <a:spcPct val="0"/>
-              </a:spcAft>
-              <a:defRPr>
-                <a:solidFill>
-                  <a:schemeClr val="tx1"/>
-                </a:solidFill>
-                <a:latin typeface="Arial" panose="020B0604020202020204" pitchFamily="34" charset="0"/>
-              </a:defRPr>
-            </a:lvl8pPr>
-            <a:lvl9pPr marL="3886200" indent="-228600" eaLnBrk="0" fontAlgn="base" hangingPunct="0">
-              <a:spcBef>
-                <a:spcPct val="0"/>
-              </a:spcBef>
-              <a:spcAft>
-                <a:spcPct val="0"/>
-              </a:spcAft>
-              <a:defRPr>
-                <a:solidFill>
-                  <a:schemeClr val="tx1"/>
-                </a:solidFill>
-                <a:latin typeface="Arial" panose="020B0604020202020204" pitchFamily="34" charset="0"/>
-              </a:defRPr>
-            </a:lvl9pPr>
-          </a:lstStyle>
-          <a:p>
-            <a:pPr eaLnBrk="1" hangingPunct="1"/>
-            <a:r>
-              <a:rPr lang="en-US" altLang="en-US">
-                <a:solidFill>
-                  <a:srgbClr val="7030A0"/>
-                </a:solidFill>
-              </a:rPr>
-              <a:t>Think of the permission settings as a series of bits :</a:t>
-            </a:r>
-          </a:p>
-          <a:p>
-            <a:pPr eaLnBrk="1" hangingPunct="1"/>
-            <a:endParaRPr lang="en-US" altLang="en-US"/>
-          </a:p>
-          <a:p>
-            <a:pPr eaLnBrk="1" hangingPunct="1"/>
-            <a:r>
-              <a:rPr lang="en-US" altLang="en-US">
-                <a:latin typeface="Courier New" panose="02070309020205020404" pitchFamily="49" charset="0"/>
-                <a:cs typeface="Courier New" panose="02070309020205020404" pitchFamily="49" charset="0"/>
-              </a:rPr>
-              <a:t>	rwx rwx rwx = 111 111 111</a:t>
-            </a:r>
-          </a:p>
-          <a:p>
-            <a:pPr eaLnBrk="1" hangingPunct="1"/>
-            <a:r>
-              <a:rPr lang="en-US" altLang="en-US">
-                <a:latin typeface="Courier New" panose="02070309020205020404" pitchFamily="49" charset="0"/>
-                <a:cs typeface="Courier New" panose="02070309020205020404" pitchFamily="49" charset="0"/>
-              </a:rPr>
-              <a:t>	rw- rw- rw- = 110 110 110</a:t>
-            </a:r>
-          </a:p>
-          <a:p>
-            <a:pPr eaLnBrk="1" hangingPunct="1"/>
-            <a:r>
-              <a:rPr lang="en-US" altLang="en-US">
-                <a:latin typeface="Courier New" panose="02070309020205020404" pitchFamily="49" charset="0"/>
-                <a:cs typeface="Courier New" panose="02070309020205020404" pitchFamily="49" charset="0"/>
-              </a:rPr>
-              <a:t>	rwx --- --- = 111 000 000</a:t>
-            </a:r>
-          </a:p>
-          <a:p>
-            <a:pPr eaLnBrk="1" hangingPunct="1"/>
-            <a:endParaRPr lang="en-US" altLang="en-US"/>
-          </a:p>
-          <a:p>
-            <a:pPr eaLnBrk="1" hangingPunct="1"/>
-            <a:r>
-              <a:rPr lang="en-US" altLang="en-US">
-                <a:solidFill>
-                  <a:srgbClr val="7030A0"/>
-                </a:solidFill>
-              </a:rPr>
-              <a:t>and so on...</a:t>
-            </a:r>
-          </a:p>
-          <a:p>
-            <a:pPr eaLnBrk="1" hangingPunct="1"/>
-            <a:endParaRPr lang="en-US" altLang="en-US"/>
-          </a:p>
-          <a:p>
-            <a:pPr eaLnBrk="1" hangingPunct="1"/>
-            <a:r>
-              <a:rPr lang="en-US" altLang="en-US">
-                <a:latin typeface="Courier New" panose="02070309020205020404" pitchFamily="49" charset="0"/>
-                <a:cs typeface="Courier New" panose="02070309020205020404" pitchFamily="49" charset="0"/>
-              </a:rPr>
-              <a:t>	rwx = 111 in binary = 7</a:t>
-            </a:r>
-          </a:p>
-          <a:p>
-            <a:pPr eaLnBrk="1" hangingPunct="1"/>
-            <a:r>
-              <a:rPr lang="en-US" altLang="en-US">
-                <a:latin typeface="Courier New" panose="02070309020205020404" pitchFamily="49" charset="0"/>
-                <a:cs typeface="Courier New" panose="02070309020205020404" pitchFamily="49" charset="0"/>
-              </a:rPr>
-              <a:t>	rw- = 110 in binary = 6</a:t>
-            </a:r>
-          </a:p>
-          <a:p>
-            <a:pPr eaLnBrk="1" hangingPunct="1"/>
-            <a:r>
-              <a:rPr lang="en-US" altLang="en-US">
-                <a:latin typeface="Courier New" panose="02070309020205020404" pitchFamily="49" charset="0"/>
-                <a:cs typeface="Courier New" panose="02070309020205020404" pitchFamily="49" charset="0"/>
-              </a:rPr>
-              <a:t>	r-x = 101 in binary = 5</a:t>
-            </a:r>
-          </a:p>
-          <a:p>
-            <a:pPr eaLnBrk="1" hangingPunct="1"/>
-            <a:r>
-              <a:rPr lang="en-US" altLang="en-US">
-                <a:latin typeface="Courier New" panose="02070309020205020404" pitchFamily="49" charset="0"/>
-                <a:cs typeface="Courier New" panose="02070309020205020404" pitchFamily="49" charset="0"/>
-              </a:rPr>
-              <a:t>	r-- = 100 in binary = 4</a:t>
-            </a:r>
-          </a:p>
-          <a:p>
-            <a:pPr eaLnBrk="1" hangingPunct="1"/>
-            <a:r>
-              <a:rPr lang="en-US" altLang="en-US">
-                <a:latin typeface="Courier New" panose="02070309020205020404" pitchFamily="49" charset="0"/>
-                <a:cs typeface="Courier New" panose="02070309020205020404" pitchFamily="49" charset="0"/>
-              </a:rPr>
-              <a:t>	-xx = 011 in binary = 3</a:t>
-            </a:r>
-          </a:p>
-          <a:p>
-            <a:pPr eaLnBrk="1" hangingPunct="1"/>
-            <a:r>
-              <a:rPr lang="en-US" altLang="en-US">
-                <a:latin typeface="Courier New" panose="02070309020205020404" pitchFamily="49" charset="0"/>
-                <a:cs typeface="Courier New" panose="02070309020205020404" pitchFamily="49" charset="0"/>
-              </a:rPr>
-              <a:t>	-x- = 010 in binary = 2</a:t>
-            </a:r>
-          </a:p>
-          <a:p>
-            <a:pPr eaLnBrk="1" hangingPunct="1"/>
-            <a:r>
-              <a:rPr lang="en-US" altLang="en-US">
-                <a:latin typeface="Courier New" panose="02070309020205020404" pitchFamily="49" charset="0"/>
-                <a:cs typeface="Courier New" panose="02070309020205020404" pitchFamily="49" charset="0"/>
-              </a:rPr>
-              <a:t>	--x = 001 in binary = 1</a:t>
-            </a:r>
-          </a:p>
-          <a:p>
-            <a:pPr eaLnBrk="1" hangingPunct="1"/>
-            <a:r>
-              <a:rPr lang="en-US" altLang="en-US">
-                <a:latin typeface="Courier New" panose="02070309020205020404" pitchFamily="49" charset="0"/>
-                <a:cs typeface="Courier New" panose="02070309020205020404" pitchFamily="49" charset="0"/>
-              </a:rPr>
-              <a:t>	--- = 000 in binary = 0</a:t>
-            </a:r>
-          </a:p>
-        </p:txBody>
-      </p:sp>
-      <p:sp>
-        <p:nvSpPr>
-          <p:cNvPr id="2" name="Right Brace 1"/>
-          <p:cNvSpPr/>
-          <p:nvPr/>
-        </p:nvSpPr>
-        <p:spPr>
-          <a:xfrm>
-            <a:off x="6041892" y="4349773"/>
-            <a:ext cx="715618" cy="2355574"/>
-          </a:xfrm>
-          <a:prstGeom prst="rightBrace">
-            <a:avLst>
-              <a:gd name="adj1" fmla="val 47916"/>
-              <a:gd name="adj2" fmla="val 50000"/>
-            </a:avLst>
-          </a:prstGeom>
-        </p:spPr>
-        <p:style>
-          <a:lnRef idx="1">
-            <a:schemeClr val="accent1"/>
-          </a:lnRef>
-          <a:fillRef idx="0">
-            <a:schemeClr val="accent1"/>
-          </a:fillRef>
-          <a:effectRef idx="0">
-            <a:schemeClr val="accent1"/>
-          </a:effectRef>
-          <a:fontRef idx="minor">
-            <a:schemeClr val="tx1"/>
-          </a:fontRef>
-        </p:style>
-        <p:txBody>
-          <a:bodyPr rtlCol="0" anchor="ctr"/>
-          <a:lstStyle/>
-          <a:p>
-            <a:pPr algn="ctr"/>
-            <a:endParaRPr lang="en-US"/>
-          </a:p>
-        </p:txBody>
-      </p:sp>
-      <p:sp>
-        <p:nvSpPr>
-          <p:cNvPr id="4" name="TextBox 3"/>
-          <p:cNvSpPr txBox="1"/>
-          <p:nvPr/>
-        </p:nvSpPr>
-        <p:spPr>
-          <a:xfrm>
-            <a:off x="6757510" y="5342894"/>
-            <a:ext cx="855875" cy="369332"/>
-          </a:xfrm>
-          <a:prstGeom prst="rect">
-            <a:avLst/>
-          </a:prstGeom>
-          <a:noFill/>
-        </p:spPr>
-        <p:txBody>
-          <a:bodyPr wrap="none" rtlCol="0">
-            <a:spAutoFit/>
-          </a:bodyPr>
-          <a:lstStyle/>
-          <a:p>
-            <a:r>
-              <a:rPr lang="en-US" dirty="0" smtClean="0"/>
-              <a:t>Binary!</a:t>
-            </a:r>
-            <a:endParaRPr lang="en-US" dirty="0"/>
+              <a:buFont typeface="Arial" pitchFamily="34" charset="0"/>
+              <a:buChar char="•"/>
+              <a:defRPr/>
+            </a:pPr>
+            <a:r>
+              <a:rPr lang="en-US" sz="2300" b="1" dirty="0" smtClean="0">
+                <a:latin typeface="Arial" pitchFamily="34" charset="0"/>
+                <a:cs typeface="Arial" pitchFamily="34" charset="0"/>
+              </a:rPr>
+              <a:t>touch</a:t>
+            </a:r>
+            <a:r>
+              <a:rPr lang="en-US" sz="2300" dirty="0" smtClean="0">
+                <a:latin typeface="Arial" pitchFamily="34" charset="0"/>
+                <a:cs typeface="Arial" pitchFamily="34" charset="0"/>
+              </a:rPr>
+              <a:t> </a:t>
+            </a:r>
+            <a:r>
+              <a:rPr lang="en-US" sz="2300" i="1" dirty="0" smtClean="0">
+                <a:latin typeface="Arial" pitchFamily="34" charset="0"/>
+                <a:cs typeface="Arial" pitchFamily="34" charset="0"/>
+              </a:rPr>
+              <a:t>file</a:t>
+            </a:r>
+            <a:r>
+              <a:rPr lang="en-US" sz="2300" dirty="0" smtClean="0">
+                <a:latin typeface="Arial" pitchFamily="34" charset="0"/>
+                <a:cs typeface="Arial" pitchFamily="34" charset="0"/>
+              </a:rPr>
+              <a:t> </a:t>
+            </a:r>
+            <a:r>
+              <a:rPr lang="en-US" sz="2300" dirty="0" smtClean="0">
+                <a:solidFill>
+                  <a:srgbClr val="FF0000"/>
+                </a:solidFill>
+                <a:latin typeface="Arial" pitchFamily="34" charset="0"/>
+                <a:cs typeface="Arial" pitchFamily="34" charset="0"/>
+              </a:rPr>
+              <a:t>– create an empty file or update the access of an existing file</a:t>
+            </a:r>
+            <a:endParaRPr lang="en-US" sz="2300" dirty="0">
+              <a:solidFill>
+                <a:srgbClr val="FF0000"/>
+              </a:solidFill>
+              <a:latin typeface="Arial" pitchFamily="34" charset="0"/>
+              <a:cs typeface="Arial" pitchFamily="34" charset="0"/>
+            </a:endParaRPr>
           </a:p>
         </p:txBody>
       </p:sp>
     </p:spTree>
     <p:extLst>
       <p:ext uri="{BB962C8B-B14F-4D97-AF65-F5344CB8AC3E}">
-        <p14:creationId xmlns:p14="http://schemas.microsoft.com/office/powerpoint/2010/main" val="343131066"/>
+        <p14:creationId xmlns:p14="http://schemas.microsoft.com/office/powerpoint/2010/main" val="2432816148"/>
       </p:ext>
     </p:extLst>
   </p:cSld>
@@ -7437,7 +8035,7 @@
       </p:grpSpPr>
       <p:sp>
         <p:nvSpPr>
-          <p:cNvPr id="45058" name="Title 1"/>
+          <p:cNvPr id="46082" name="Title 1"/>
           <p:cNvSpPr txBox="1">
             <a:spLocks/>
           </p:cNvSpPr>
@@ -7445,8 +8043,8 @@
         </p:nvSpPr>
         <p:spPr bwMode="auto">
           <a:xfrm>
-            <a:off x="1746646" y="344488"/>
-            <a:ext cx="7119767" cy="735012"/>
+            <a:off x="1746647" y="344488"/>
+            <a:ext cx="7013632" cy="735012"/>
           </a:xfrm>
           <a:prstGeom prst="rect">
             <a:avLst/>
@@ -7588,7 +8186,7 @@
       </p:sp>
       <p:sp>
         <p:nvSpPr>
-          <p:cNvPr id="3" name="Content Placeholder 2"/>
+          <p:cNvPr id="4" name="Content Placeholder 2"/>
           <p:cNvSpPr txBox="1">
             <a:spLocks/>
           </p:cNvSpPr>
@@ -7596,8 +8194,8 @@
         </p:nvSpPr>
         <p:spPr>
           <a:xfrm>
-            <a:off x="653144" y="1160465"/>
-            <a:ext cx="7886700" cy="5697537"/>
+            <a:off x="1485901" y="1160463"/>
+            <a:ext cx="6369844" cy="5708650"/>
           </a:xfrm>
           <a:prstGeom prst="rect">
             <a:avLst/>
@@ -7605,7 +8203,7 @@
         </p:spPr>
         <p:txBody>
           <a:bodyPr>
-            <a:normAutofit fontScale="70000" lnSpcReduction="20000"/>
+            <a:normAutofit fontScale="92500" lnSpcReduction="10000"/>
           </a:bodyPr>
           <a:lstStyle>
             <a:lvl1pPr marL="342900" indent="-342900" algn="l" rtl="0" eaLnBrk="0" fontAlgn="base" hangingPunct="0">
@@ -7769,11 +8367,44 @@
               <a:defRPr/>
             </a:pPr>
             <a:r>
-              <a:rPr lang="en-US" sz="2600" dirty="0">
-                <a:latin typeface="Arial" pitchFamily="34" charset="0"/>
-                <a:cs typeface="Arial" pitchFamily="34" charset="0"/>
-              </a:rPr>
-              <a:t>For a Complete List of Linux Commands and Explanations see</a:t>
+              <a:rPr lang="en-US" sz="2000" dirty="0">
+                <a:latin typeface="Arial" pitchFamily="34" charset="0"/>
+                <a:cs typeface="Arial" pitchFamily="34" charset="0"/>
+              </a:rPr>
+              <a:t>It Gets More Complicated!</a:t>
+            </a:r>
+          </a:p>
+          <a:p>
+            <a:pPr marL="0" indent="0" eaLnBrk="1" fontAlgn="auto" hangingPunct="1">
+              <a:spcAft>
+                <a:spcPts val="0"/>
+              </a:spcAft>
+              <a:buNone/>
+              <a:defRPr/>
+            </a:pPr>
+            <a:endParaRPr lang="en-US" sz="2000" dirty="0">
+              <a:solidFill>
+                <a:srgbClr val="FF0000"/>
+              </a:solidFill>
+              <a:latin typeface="Arial" pitchFamily="34" charset="0"/>
+              <a:cs typeface="Arial" pitchFamily="34" charset="0"/>
+            </a:endParaRPr>
+          </a:p>
+          <a:p>
+            <a:pPr eaLnBrk="1" fontAlgn="auto" hangingPunct="1">
+              <a:spcAft>
+                <a:spcPts val="0"/>
+              </a:spcAft>
+              <a:buFont typeface="Arial" pitchFamily="34" charset="0"/>
+              <a:buChar char="‒"/>
+              <a:defRPr/>
+            </a:pPr>
+            <a:r>
+              <a:rPr lang="en-US" sz="2000" dirty="0">
+                <a:latin typeface="Arial" pitchFamily="34" charset="0"/>
+                <a:cs typeface="Arial" pitchFamily="34" charset="0"/>
+              </a:rPr>
+              <a:t>A number of commands have a range of options that are implemented on the command line with a “flag”</a:t>
             </a:r>
           </a:p>
           <a:p>
@@ -7786,17 +8417,36 @@
               <a:defRPr/>
             </a:pPr>
             <a:r>
-              <a:rPr lang="en-US" sz="2300" dirty="0">
-                <a:latin typeface="Arial" pitchFamily="34" charset="0"/>
-                <a:cs typeface="Arial" pitchFamily="34" charset="0"/>
-                <a:hlinkClick r:id="rId2"/>
-              </a:rPr>
-              <a:t>http://linuxcommand.org/</a:t>
-            </a:r>
-            <a:endParaRPr lang="en-US" sz="2300" dirty="0">
-              <a:latin typeface="Arial" pitchFamily="34" charset="0"/>
-              <a:cs typeface="Arial" pitchFamily="34" charset="0"/>
-            </a:endParaRPr>
+              <a:rPr lang="en-US" sz="1800" b="1" dirty="0" err="1">
+                <a:latin typeface="Arial" pitchFamily="34" charset="0"/>
+                <a:cs typeface="Arial" pitchFamily="34" charset="0"/>
+              </a:rPr>
+              <a:t>ls</a:t>
+            </a:r>
+            <a:r>
+              <a:rPr lang="en-US" sz="1800" b="1" dirty="0">
+                <a:latin typeface="Arial" pitchFamily="34" charset="0"/>
+                <a:cs typeface="Arial" pitchFamily="34" charset="0"/>
+              </a:rPr>
+              <a:t> </a:t>
+            </a:r>
+            <a:r>
+              <a:rPr lang="en-US" sz="1800" dirty="0">
+                <a:latin typeface="Arial" pitchFamily="34" charset="0"/>
+                <a:cs typeface="Arial" pitchFamily="34" charset="0"/>
+              </a:rPr>
+              <a:t>–l  - </a:t>
+            </a:r>
+            <a:r>
+              <a:rPr lang="en-US" sz="1800" dirty="0">
+                <a:solidFill>
+                  <a:srgbClr val="FF0000"/>
+                </a:solidFill>
+                <a:latin typeface="Arial" pitchFamily="34" charset="0"/>
+                <a:cs typeface="Arial" pitchFamily="34" charset="0"/>
+              </a:rPr>
+              <a:t>lists files and folders with associated permissions</a:t>
+            </a:r>
           </a:p>
           <a:p>
             <a:pPr lvl="1" eaLnBrk="1" fontAlgn="auto" hangingPunct="1">
@@ -7808,15 +8458,394 @@
               <a:defRPr/>
             </a:pPr>
             <a:r>
-              <a:rPr lang="en-US" sz="2300" dirty="0">
+              <a:rPr lang="en-US" sz="1800" b="1" dirty="0" err="1">
+                <a:latin typeface="Arial" pitchFamily="34" charset="0"/>
+                <a:cs typeface="Arial" pitchFamily="34" charset="0"/>
+              </a:rPr>
+              <a:t>rm</a:t>
+            </a:r>
+            <a:r>
+              <a:rPr lang="en-US" sz="1800" b="1" dirty="0">
+                <a:latin typeface="Arial" pitchFamily="34" charset="0"/>
+                <a:cs typeface="Arial" pitchFamily="34" charset="0"/>
+              </a:rPr>
+              <a:t> </a:t>
+            </a:r>
+            <a:r>
+              <a:rPr lang="en-US" sz="1800" dirty="0">
+                <a:latin typeface="Arial" pitchFamily="34" charset="0"/>
+                <a:cs typeface="Arial" pitchFamily="34" charset="0"/>
+              </a:rPr>
+              <a:t>–</a:t>
+            </a:r>
+            <a:r>
+              <a:rPr lang="en-US" sz="1800" dirty="0" err="1" smtClean="0">
+                <a:latin typeface="Arial" pitchFamily="34" charset="0"/>
+                <a:cs typeface="Arial" pitchFamily="34" charset="0"/>
+              </a:rPr>
+              <a:t>Rf</a:t>
+            </a:r>
+            <a:r>
+              <a:rPr lang="en-US" sz="1800" dirty="0" smtClean="0">
+                <a:latin typeface="Arial" pitchFamily="34" charset="0"/>
+                <a:cs typeface="Arial" pitchFamily="34" charset="0"/>
+              </a:rPr>
+              <a:t> </a:t>
+            </a:r>
+            <a:r>
+              <a:rPr lang="en-US" sz="1800" i="1" dirty="0" smtClean="0">
+                <a:latin typeface="Arial" pitchFamily="34" charset="0"/>
+                <a:cs typeface="Arial" pitchFamily="34" charset="0"/>
+              </a:rPr>
+              <a:t>file</a:t>
+            </a:r>
+            <a:r>
+              <a:rPr lang="en-US" sz="1800" dirty="0" smtClean="0">
+                <a:latin typeface="Arial" pitchFamily="34" charset="0"/>
+                <a:cs typeface="Arial" pitchFamily="34" charset="0"/>
+              </a:rPr>
+              <a:t> - </a:t>
+            </a:r>
+            <a:r>
+              <a:rPr lang="en-US" sz="1800" dirty="0">
                 <a:solidFill>
                   <a:srgbClr val="FF0000"/>
                 </a:solidFill>
                 <a:latin typeface="Arial" pitchFamily="34" charset="0"/>
                 <a:cs typeface="Arial" pitchFamily="34" charset="0"/>
               </a:rPr>
-              <a:t>Or the book “Linux in a Nutshell”</a:t>
-            </a:r>
+              <a:t>remove/delete </a:t>
+            </a:r>
+            <a:r>
+              <a:rPr lang="en-US" sz="1800" dirty="0" smtClean="0">
+                <a:solidFill>
+                  <a:srgbClr val="FF0000"/>
+                </a:solidFill>
+                <a:latin typeface="Arial" pitchFamily="34" charset="0"/>
+                <a:cs typeface="Arial" pitchFamily="34" charset="0"/>
+              </a:rPr>
+              <a:t>folder, recursively and force</a:t>
+            </a:r>
+          </a:p>
+          <a:p>
+            <a:pPr lvl="1" eaLnBrk="1" fontAlgn="auto" hangingPunct="1">
+              <a:spcAft>
+                <a:spcPts val="0"/>
+              </a:spcAft>
+              <a:buFont typeface="Arial" pitchFamily="34" charset="0"/>
+              <a:buChar char="•"/>
+              <a:defRPr/>
+            </a:pPr>
+            <a:r>
+              <a:rPr lang="en-US" sz="1800" b="1" dirty="0" smtClean="0">
+                <a:latin typeface="Arial" pitchFamily="34" charset="0"/>
+                <a:cs typeface="Arial" pitchFamily="34" charset="0"/>
+              </a:rPr>
+              <a:t>ls </a:t>
+            </a:r>
+            <a:r>
+              <a:rPr lang="en-US" sz="1800" dirty="0" smtClean="0">
+                <a:latin typeface="Arial" pitchFamily="34" charset="0"/>
+                <a:cs typeface="Arial" pitchFamily="34" charset="0"/>
+              </a:rPr>
+              <a:t>–</a:t>
+            </a:r>
+            <a:r>
+              <a:rPr lang="en-US" sz="1800" dirty="0" err="1" smtClean="0">
+                <a:latin typeface="Arial" pitchFamily="34" charset="0"/>
+                <a:cs typeface="Arial" pitchFamily="34" charset="0"/>
+              </a:rPr>
+              <a:t>alh</a:t>
+            </a:r>
+            <a:r>
+              <a:rPr lang="en-US" sz="1800" dirty="0" smtClean="0">
+                <a:latin typeface="Arial" pitchFamily="34" charset="0"/>
+                <a:cs typeface="Arial" pitchFamily="34" charset="0"/>
+              </a:rPr>
+              <a:t> – </a:t>
+            </a:r>
+            <a:r>
+              <a:rPr lang="en-US" sz="1800" dirty="0" smtClean="0">
+                <a:solidFill>
+                  <a:srgbClr val="FF0000"/>
+                </a:solidFill>
+                <a:latin typeface="Arial" pitchFamily="34" charset="0"/>
+                <a:cs typeface="Arial" pitchFamily="34" charset="0"/>
+              </a:rPr>
+              <a:t>list all files (including hidden) with permissions and make file size human readable</a:t>
+            </a:r>
+          </a:p>
+          <a:p>
+            <a:pPr lvl="1" eaLnBrk="1" fontAlgn="auto" hangingPunct="1">
+              <a:spcAft>
+                <a:spcPts val="0"/>
+              </a:spcAft>
+              <a:buFont typeface="Arial" pitchFamily="34" charset="0"/>
+              <a:buChar char="•"/>
+              <a:defRPr/>
+            </a:pPr>
+            <a:r>
+              <a:rPr lang="en-US" sz="1800" b="1" dirty="0" err="1" smtClean="0">
+                <a:latin typeface="Arial" pitchFamily="34" charset="0"/>
+                <a:cs typeface="Arial" pitchFamily="34" charset="0"/>
+              </a:rPr>
+              <a:t>cp</a:t>
+            </a:r>
+            <a:r>
+              <a:rPr lang="en-US" sz="1800" b="1" dirty="0" smtClean="0">
+                <a:latin typeface="Arial" pitchFamily="34" charset="0"/>
+                <a:cs typeface="Arial" pitchFamily="34" charset="0"/>
+              </a:rPr>
+              <a:t> </a:t>
+            </a:r>
+            <a:r>
+              <a:rPr lang="en-US" sz="1800" dirty="0" smtClean="0">
+                <a:latin typeface="Arial" pitchFamily="34" charset="0"/>
+                <a:cs typeface="Arial" pitchFamily="34" charset="0"/>
+              </a:rPr>
+              <a:t>–u</a:t>
+            </a:r>
+            <a:r>
+              <a:rPr lang="en-US" sz="1800" b="1" dirty="0" smtClean="0">
+                <a:latin typeface="Arial" pitchFamily="34" charset="0"/>
+                <a:cs typeface="Arial" pitchFamily="34" charset="0"/>
+              </a:rPr>
+              <a:t> </a:t>
+            </a:r>
+            <a:r>
+              <a:rPr lang="en-US" sz="1800" dirty="0" smtClean="0">
+                <a:latin typeface="Arial" pitchFamily="34" charset="0"/>
+                <a:cs typeface="Arial" pitchFamily="34" charset="0"/>
+              </a:rPr>
+              <a:t>–</a:t>
+            </a:r>
+            <a:r>
+              <a:rPr lang="en-US" sz="1800" b="1" dirty="0" smtClean="0">
+                <a:latin typeface="Arial" pitchFamily="34" charset="0"/>
+                <a:cs typeface="Arial" pitchFamily="34" charset="0"/>
+              </a:rPr>
+              <a:t> </a:t>
+            </a:r>
+            <a:r>
+              <a:rPr lang="en-US" sz="1800" dirty="0" smtClean="0">
+                <a:solidFill>
+                  <a:srgbClr val="FF0000"/>
+                </a:solidFill>
+                <a:latin typeface="Arial" pitchFamily="34" charset="0"/>
+                <a:cs typeface="Arial" pitchFamily="34" charset="0"/>
+              </a:rPr>
+              <a:t>only overwrite an older file with the same name</a:t>
+            </a:r>
+          </a:p>
+          <a:p>
+            <a:pPr lvl="1" eaLnBrk="1" fontAlgn="auto" hangingPunct="1">
+              <a:spcAft>
+                <a:spcPts val="0"/>
+              </a:spcAft>
+              <a:buFont typeface="Arial" pitchFamily="34" charset="0"/>
+              <a:buChar char="•"/>
+              <a:defRPr/>
+            </a:pPr>
+            <a:r>
+              <a:rPr lang="en-US" sz="1800" b="1" dirty="0" err="1" smtClean="0">
+                <a:latin typeface="Arial" pitchFamily="34" charset="0"/>
+                <a:cs typeface="Arial" pitchFamily="34" charset="0"/>
+              </a:rPr>
+              <a:t>chmod</a:t>
+            </a:r>
+            <a:r>
+              <a:rPr lang="en-US" sz="1800" b="1" dirty="0" smtClean="0">
+                <a:latin typeface="Arial" pitchFamily="34" charset="0"/>
+                <a:cs typeface="Arial" pitchFamily="34" charset="0"/>
+              </a:rPr>
+              <a:t> </a:t>
+            </a:r>
+            <a:r>
+              <a:rPr lang="en-US" sz="1800" dirty="0" err="1" smtClean="0">
+                <a:latin typeface="Arial" pitchFamily="34" charset="0"/>
+                <a:cs typeface="Arial" pitchFamily="34" charset="0"/>
+              </a:rPr>
+              <a:t>a+x</a:t>
+            </a:r>
+            <a:r>
+              <a:rPr lang="en-US" sz="1800" dirty="0" smtClean="0">
+                <a:latin typeface="Arial" pitchFamily="34" charset="0"/>
+                <a:cs typeface="Arial" pitchFamily="34" charset="0"/>
+              </a:rPr>
+              <a:t> </a:t>
+            </a:r>
+            <a:r>
+              <a:rPr lang="en-US" sz="1800" i="1" dirty="0" smtClean="0">
+                <a:latin typeface="Arial" pitchFamily="34" charset="0"/>
+                <a:cs typeface="Arial" pitchFamily="34" charset="0"/>
+              </a:rPr>
+              <a:t>file</a:t>
+            </a:r>
+            <a:r>
+              <a:rPr lang="en-US" sz="1800" dirty="0" smtClean="0">
+                <a:latin typeface="Arial" pitchFamily="34" charset="0"/>
+                <a:cs typeface="Arial" pitchFamily="34" charset="0"/>
+              </a:rPr>
+              <a:t> – </a:t>
+            </a:r>
+            <a:r>
+              <a:rPr lang="en-US" sz="1800" dirty="0" smtClean="0">
+                <a:solidFill>
+                  <a:srgbClr val="FF0000"/>
+                </a:solidFill>
+                <a:latin typeface="Arial" pitchFamily="34" charset="0"/>
+                <a:cs typeface="Arial" pitchFamily="34" charset="0"/>
+              </a:rPr>
+              <a:t>allow anyone to execute file</a:t>
+            </a:r>
+            <a:endParaRPr lang="en-US" sz="1800" dirty="0" smtClean="0">
+              <a:solidFill>
+                <a:srgbClr val="FF0000"/>
+              </a:solidFill>
+              <a:latin typeface="Arial" pitchFamily="34" charset="0"/>
+              <a:cs typeface="Arial" pitchFamily="34" charset="0"/>
+            </a:endParaRPr>
+          </a:p>
+          <a:p>
+            <a:pPr lvl="1" eaLnBrk="1" fontAlgn="auto" hangingPunct="1">
+              <a:spcAft>
+                <a:spcPts val="0"/>
+              </a:spcAft>
+              <a:buFont typeface="Arial" pitchFamily="34" charset="0"/>
+              <a:buChar char="•"/>
+              <a:defRPr/>
+            </a:pPr>
+            <a:r>
+              <a:rPr lang="en-US" sz="1800" b="1" dirty="0" err="1" smtClean="0">
+                <a:latin typeface="Arial" pitchFamily="34" charset="0"/>
+                <a:cs typeface="Arial" pitchFamily="34" charset="0"/>
+              </a:rPr>
+              <a:t>chmod</a:t>
+            </a:r>
+            <a:r>
+              <a:rPr lang="en-US" sz="1800" b="1" dirty="0" smtClean="0">
+                <a:latin typeface="Arial" pitchFamily="34" charset="0"/>
+                <a:cs typeface="Arial" pitchFamily="34" charset="0"/>
+              </a:rPr>
+              <a:t> </a:t>
+            </a:r>
+            <a:r>
+              <a:rPr lang="en-US" sz="1800" dirty="0">
+                <a:latin typeface="Arial" pitchFamily="34" charset="0"/>
+                <a:cs typeface="Arial" pitchFamily="34" charset="0"/>
+              </a:rPr>
+              <a:t>755 </a:t>
+            </a:r>
+            <a:r>
+              <a:rPr lang="en-US" sz="1800" i="1" dirty="0">
+                <a:latin typeface="Arial" pitchFamily="34" charset="0"/>
+                <a:cs typeface="Arial" pitchFamily="34" charset="0"/>
+              </a:rPr>
+              <a:t>file</a:t>
+            </a:r>
+            <a:r>
+              <a:rPr lang="en-US" sz="1800" dirty="0">
+                <a:latin typeface="Arial" pitchFamily="34" charset="0"/>
+                <a:cs typeface="Arial" pitchFamily="34" charset="0"/>
+              </a:rPr>
+              <a:t> – </a:t>
+            </a:r>
+            <a:r>
+              <a:rPr lang="en-US" sz="1800" dirty="0">
+                <a:solidFill>
+                  <a:srgbClr val="FF0000"/>
+                </a:solidFill>
+                <a:latin typeface="Arial" pitchFamily="34" charset="0"/>
+                <a:cs typeface="Arial" pitchFamily="34" charset="0"/>
+              </a:rPr>
+              <a:t>change file’s permission such that file's owner may read, write, and execute the file. All others may only read and execute the file</a:t>
+            </a:r>
+            <a:r>
+              <a:rPr lang="en-US" sz="1800" dirty="0" smtClean="0">
+                <a:solidFill>
+                  <a:srgbClr val="FF0000"/>
+                </a:solidFill>
+                <a:latin typeface="Arial" pitchFamily="34" charset="0"/>
+                <a:cs typeface="Arial" pitchFamily="34" charset="0"/>
+              </a:rPr>
+              <a:t>.</a:t>
+            </a:r>
+          </a:p>
+          <a:p>
+            <a:pPr lvl="1" eaLnBrk="1" fontAlgn="auto" hangingPunct="1">
+              <a:spcAft>
+                <a:spcPts val="0"/>
+              </a:spcAft>
+              <a:buFont typeface="Arial" pitchFamily="34" charset="0"/>
+              <a:buChar char="•"/>
+              <a:defRPr/>
+            </a:pPr>
+            <a:r>
+              <a:rPr lang="en-US" sz="1800" b="1" dirty="0" err="1">
+                <a:latin typeface="Arial" pitchFamily="34" charset="0"/>
+                <a:cs typeface="Arial" pitchFamily="34" charset="0"/>
+              </a:rPr>
+              <a:t>c</a:t>
+            </a:r>
+            <a:r>
+              <a:rPr lang="en-US" sz="1800" b="1" dirty="0" err="1" smtClean="0">
+                <a:latin typeface="Arial" pitchFamily="34" charset="0"/>
+                <a:cs typeface="Arial" pitchFamily="34" charset="0"/>
+              </a:rPr>
+              <a:t>hown</a:t>
+            </a:r>
+            <a:r>
+              <a:rPr lang="en-US" sz="1800" dirty="0" smtClean="0">
+                <a:latin typeface="Arial" pitchFamily="34" charset="0"/>
+                <a:cs typeface="Arial" pitchFamily="34" charset="0"/>
+              </a:rPr>
+              <a:t> </a:t>
+            </a:r>
+            <a:r>
+              <a:rPr lang="en-US" sz="1800" dirty="0" err="1" smtClean="0">
+                <a:latin typeface="Arial" pitchFamily="34" charset="0"/>
+                <a:cs typeface="Arial" pitchFamily="34" charset="0"/>
+              </a:rPr>
+              <a:t>pi:pi</a:t>
+            </a:r>
+            <a:r>
+              <a:rPr lang="en-US" sz="1800" dirty="0" smtClean="0">
+                <a:latin typeface="Arial" pitchFamily="34" charset="0"/>
+                <a:cs typeface="Arial" pitchFamily="34" charset="0"/>
+              </a:rPr>
+              <a:t> -R /</a:t>
+            </a:r>
+            <a:r>
+              <a:rPr lang="en-US" sz="1800" dirty="0" err="1" smtClean="0">
+                <a:latin typeface="Arial" pitchFamily="34" charset="0"/>
+                <a:cs typeface="Arial" pitchFamily="34" charset="0"/>
+              </a:rPr>
+              <a:t>my_folder</a:t>
+            </a:r>
+            <a:r>
+              <a:rPr lang="en-US" sz="1800" dirty="0" smtClean="0">
+                <a:latin typeface="Arial" pitchFamily="34" charset="0"/>
+                <a:cs typeface="Arial" pitchFamily="34" charset="0"/>
+              </a:rPr>
+              <a:t> – </a:t>
+            </a:r>
+            <a:r>
+              <a:rPr lang="en-US" sz="1800" dirty="0" smtClean="0">
+                <a:solidFill>
+                  <a:srgbClr val="FF0000"/>
+                </a:solidFill>
+                <a:latin typeface="Arial" pitchFamily="34" charset="0"/>
+                <a:cs typeface="Arial" pitchFamily="34" charset="0"/>
+              </a:rPr>
+              <a:t>change user/grp to pi and do it recursively for the following folder</a:t>
+            </a:r>
+            <a:endParaRPr lang="en-US" sz="1800" dirty="0">
+              <a:solidFill>
+                <a:srgbClr val="FF0000"/>
+              </a:solidFill>
+              <a:latin typeface="Arial" pitchFamily="34" charset="0"/>
+              <a:cs typeface="Arial" pitchFamily="34" charset="0"/>
+            </a:endParaRPr>
           </a:p>
           <a:p>
             <a:pPr marL="457200" lvl="1" indent="0" eaLnBrk="1" fontAlgn="auto" hangingPunct="1">
@@ -7826,7 +8855,10 @@
               <a:buNone/>
               <a:defRPr/>
             </a:pPr>
-            <a:endParaRPr lang="en-US" sz="1400" dirty="0">
+            <a:endParaRPr lang="en-US" sz="1800" dirty="0">
+              <a:solidFill>
+                <a:srgbClr val="FF0000"/>
+              </a:solidFill>
               <a:latin typeface="Arial" pitchFamily="34" charset="0"/>
               <a:cs typeface="Arial" pitchFamily="34" charset="0"/>
             </a:endParaRPr>
@@ -7841,18 +8873,11 @@
               <a:defRPr/>
             </a:pPr>
             <a:r>
-              <a:rPr lang="en-US" sz="2600" dirty="0">
-                <a:latin typeface="Arial" pitchFamily="34" charset="0"/>
-                <a:cs typeface="Arial" pitchFamily="34" charset="0"/>
-              </a:rPr>
-              <a:t>Some Other Common Commands</a:t>
-            </a:r>
-            <a:r>
-              <a:rPr lang="en-US" sz="2400" dirty="0">
-                <a:latin typeface="Arial" pitchFamily="34" charset="0"/>
-                <a:cs typeface="Arial" pitchFamily="34" charset="0"/>
-              </a:rPr>
-              <a:t> </a:t>
+              <a:rPr lang="en-US" sz="2000" dirty="0">
+                <a:latin typeface="Arial" pitchFamily="34" charset="0"/>
+                <a:cs typeface="Arial" pitchFamily="34" charset="0"/>
+              </a:rPr>
+              <a:t>Multiple flags can be used simultaneously</a:t>
             </a:r>
           </a:p>
           <a:p>
@@ -7865,705 +8890,22 @@
               <a:defRPr/>
             </a:pPr>
             <a:r>
-              <a:rPr lang="en-US" sz="2300" b="1" dirty="0">
-                <a:latin typeface="Arial" pitchFamily="34" charset="0"/>
-                <a:cs typeface="Arial" pitchFamily="34" charset="0"/>
-              </a:rPr>
-              <a:t>echo “</a:t>
-            </a:r>
-            <a:r>
-              <a:rPr lang="en-US" sz="2300" i="1" dirty="0">
-                <a:latin typeface="Arial" pitchFamily="34" charset="0"/>
-                <a:cs typeface="Arial" pitchFamily="34" charset="0"/>
-              </a:rPr>
-              <a:t>text” – </a:t>
-            </a:r>
-            <a:r>
-              <a:rPr lang="en-US" sz="2300" dirty="0">
+              <a:rPr lang="en-US" sz="1600" dirty="0">
                 <a:solidFill>
                   <a:srgbClr val="FF0000"/>
                 </a:solidFill>
                 <a:latin typeface="Arial" pitchFamily="34" charset="0"/>
                 <a:cs typeface="Arial" pitchFamily="34" charset="0"/>
               </a:rPr>
-              <a:t>display or print </a:t>
-            </a:r>
-            <a:r>
-              <a:rPr lang="en-US" sz="2300" i="1" dirty="0">
-                <a:solidFill>
-                  <a:srgbClr val="FF0000"/>
-                </a:solidFill>
-                <a:latin typeface="Arial" pitchFamily="34" charset="0"/>
-                <a:cs typeface="Arial" pitchFamily="34" charset="0"/>
-              </a:rPr>
-              <a:t>text</a:t>
-            </a:r>
-          </a:p>
-          <a:p>
-            <a:pPr lvl="1" eaLnBrk="1" fontAlgn="auto" hangingPunct="1">
-              <a:spcAft>
-                <a:spcPts val="0"/>
-              </a:spcAft>
-              <a:buFont typeface="Arial" pitchFamily="34" charset="0"/>
-              <a:buChar char="•"/>
-              <a:defRPr/>
-            </a:pPr>
-            <a:r>
-              <a:rPr lang="en-US" sz="2300" b="1" dirty="0">
-                <a:latin typeface="Arial" pitchFamily="34" charset="0"/>
-                <a:cs typeface="Arial" pitchFamily="34" charset="0"/>
-              </a:rPr>
-              <a:t>exit</a:t>
-            </a:r>
-            <a:r>
-              <a:rPr lang="en-US" sz="2300" i="1" dirty="0">
-                <a:solidFill>
-                  <a:srgbClr val="FF0000"/>
-                </a:solidFill>
-                <a:latin typeface="Arial" pitchFamily="34" charset="0"/>
-                <a:cs typeface="Arial" pitchFamily="34" charset="0"/>
-              </a:rPr>
-              <a:t> – </a:t>
-            </a:r>
-            <a:r>
-              <a:rPr lang="en-US" sz="2300" dirty="0">
-                <a:solidFill>
-                  <a:srgbClr val="FF0000"/>
-                </a:solidFill>
-                <a:latin typeface="Arial" pitchFamily="34" charset="0"/>
-                <a:cs typeface="Arial" pitchFamily="34" charset="0"/>
-              </a:rPr>
-              <a:t>close a terminal</a:t>
-            </a:r>
-          </a:p>
-          <a:p>
-            <a:pPr lvl="1" eaLnBrk="1" fontAlgn="auto" hangingPunct="1">
-              <a:spcAft>
-                <a:spcPts val="0"/>
-              </a:spcAft>
-              <a:buFont typeface="Arial" pitchFamily="34" charset="0"/>
-              <a:buChar char="•"/>
-              <a:defRPr/>
-            </a:pPr>
-            <a:r>
-              <a:rPr lang="en-US" sz="2300" b="1" dirty="0">
-                <a:latin typeface="Arial" pitchFamily="34" charset="0"/>
-                <a:cs typeface="Arial" pitchFamily="34" charset="0"/>
-              </a:rPr>
-              <a:t>clear</a:t>
-            </a:r>
-            <a:r>
-              <a:rPr lang="en-US" sz="2300" dirty="0">
-                <a:solidFill>
-                  <a:srgbClr val="FF0000"/>
-                </a:solidFill>
-                <a:latin typeface="Arial" pitchFamily="34" charset="0"/>
-                <a:cs typeface="Arial" pitchFamily="34" charset="0"/>
-              </a:rPr>
-              <a:t> – clear all text in a terminal</a:t>
-            </a:r>
-          </a:p>
-          <a:p>
-            <a:pPr lvl="1" eaLnBrk="1" fontAlgn="auto" hangingPunct="1">
-              <a:spcAft>
-                <a:spcPts val="0"/>
-              </a:spcAft>
-              <a:buFont typeface="Arial" pitchFamily="34" charset="0"/>
-              <a:buChar char="•"/>
-              <a:defRPr/>
-            </a:pPr>
-            <a:r>
-              <a:rPr lang="en-US" sz="2300" b="1" dirty="0" err="1">
-                <a:latin typeface="Arial" pitchFamily="34" charset="0"/>
-                <a:cs typeface="Arial" pitchFamily="34" charset="0"/>
-              </a:rPr>
-              <a:t>mkdir</a:t>
-            </a:r>
-            <a:r>
-              <a:rPr lang="en-US" sz="2300" dirty="0">
-                <a:latin typeface="Arial" pitchFamily="34" charset="0"/>
-                <a:cs typeface="Arial" pitchFamily="34" charset="0"/>
-              </a:rPr>
-              <a:t>  - </a:t>
-            </a:r>
-            <a:r>
-              <a:rPr lang="en-US" sz="2300" dirty="0">
-                <a:solidFill>
-                  <a:srgbClr val="FF0000"/>
-                </a:solidFill>
-                <a:latin typeface="Arial" pitchFamily="34" charset="0"/>
-                <a:cs typeface="Arial" pitchFamily="34" charset="0"/>
-              </a:rPr>
-              <a:t>make a new directory</a:t>
-            </a:r>
-          </a:p>
-          <a:p>
-            <a:pPr lvl="1" eaLnBrk="1" fontAlgn="auto" hangingPunct="1">
-              <a:spcAft>
-                <a:spcPts val="0"/>
-              </a:spcAft>
-              <a:buFont typeface="Arial" pitchFamily="34" charset="0"/>
-              <a:buChar char="•"/>
-              <a:defRPr/>
-            </a:pPr>
-            <a:r>
-              <a:rPr lang="en-US" sz="2300" b="1" dirty="0" err="1">
-                <a:latin typeface="Arial" pitchFamily="34" charset="0"/>
-                <a:cs typeface="Arial" pitchFamily="34" charset="0"/>
-              </a:rPr>
-              <a:t>rm</a:t>
-            </a:r>
-            <a:r>
-              <a:rPr lang="en-US" sz="2300" dirty="0">
-                <a:latin typeface="Arial" pitchFamily="34" charset="0"/>
-                <a:cs typeface="Arial" pitchFamily="34" charset="0"/>
-              </a:rPr>
-              <a:t> - </a:t>
-            </a:r>
-            <a:r>
-              <a:rPr lang="en-US" sz="2300" dirty="0">
-                <a:solidFill>
-                  <a:srgbClr val="FF0000"/>
-                </a:solidFill>
-                <a:latin typeface="Arial" pitchFamily="34" charset="0"/>
-                <a:cs typeface="Arial" pitchFamily="34" charset="0"/>
-              </a:rPr>
-              <a:t>remove/delete file</a:t>
-            </a:r>
-          </a:p>
-          <a:p>
-            <a:pPr lvl="1" eaLnBrk="1" fontAlgn="auto" hangingPunct="1">
-              <a:spcAft>
-                <a:spcPts val="0"/>
-              </a:spcAft>
-              <a:buFont typeface="Arial" pitchFamily="34" charset="0"/>
-              <a:buChar char="•"/>
-              <a:defRPr/>
-            </a:pPr>
-            <a:r>
-              <a:rPr lang="en-US" sz="2300" b="1" dirty="0">
-                <a:latin typeface="Arial" pitchFamily="34" charset="0"/>
-                <a:cs typeface="Arial" pitchFamily="34" charset="0"/>
-              </a:rPr>
-              <a:t>mv</a:t>
-            </a:r>
-            <a:r>
-              <a:rPr lang="en-US" sz="2300" dirty="0">
-                <a:latin typeface="Arial" pitchFamily="34" charset="0"/>
-                <a:cs typeface="Arial" pitchFamily="34" charset="0"/>
-              </a:rPr>
-              <a:t> - </a:t>
-            </a:r>
-            <a:r>
-              <a:rPr lang="en-US" sz="2300" dirty="0">
-                <a:solidFill>
-                  <a:srgbClr val="FF0000"/>
-                </a:solidFill>
-                <a:latin typeface="Arial" pitchFamily="34" charset="0"/>
-                <a:cs typeface="Arial" pitchFamily="34" charset="0"/>
-              </a:rPr>
-              <a:t>moves files </a:t>
-            </a:r>
-          </a:p>
-          <a:p>
-            <a:pPr lvl="1" eaLnBrk="1" fontAlgn="auto" hangingPunct="1">
-              <a:spcAft>
-                <a:spcPts val="0"/>
-              </a:spcAft>
-              <a:buFont typeface="Arial" pitchFamily="34" charset="0"/>
-              <a:buChar char="•"/>
-              <a:defRPr/>
-            </a:pPr>
-            <a:r>
-              <a:rPr lang="en-US" sz="2300" b="1" dirty="0" err="1">
-                <a:latin typeface="Arial" pitchFamily="34" charset="0"/>
-                <a:cs typeface="Arial" pitchFamily="34" charset="0"/>
-              </a:rPr>
-              <a:t>cp</a:t>
-            </a:r>
-            <a:r>
-              <a:rPr lang="en-US" sz="2300" dirty="0">
-                <a:latin typeface="Arial" pitchFamily="34" charset="0"/>
-                <a:cs typeface="Arial" pitchFamily="34" charset="0"/>
-              </a:rPr>
-              <a:t> - </a:t>
-            </a:r>
-            <a:r>
-              <a:rPr lang="en-US" sz="2300" dirty="0">
-                <a:solidFill>
-                  <a:srgbClr val="FF0000"/>
-                </a:solidFill>
-                <a:latin typeface="Arial" pitchFamily="34" charset="0"/>
-                <a:cs typeface="Arial" pitchFamily="34" charset="0"/>
-              </a:rPr>
-              <a:t>copies files </a:t>
-            </a:r>
-          </a:p>
-          <a:p>
-            <a:pPr lvl="1" eaLnBrk="1" fontAlgn="auto" hangingPunct="1">
-              <a:spcAft>
-                <a:spcPts val="0"/>
-              </a:spcAft>
-              <a:buFont typeface="Arial" pitchFamily="34" charset="0"/>
-              <a:buChar char="•"/>
-              <a:defRPr/>
-            </a:pPr>
-            <a:r>
-              <a:rPr lang="en-US" sz="2300" b="1" dirty="0" err="1">
-                <a:latin typeface="Arial" pitchFamily="34" charset="0"/>
-                <a:cs typeface="Arial" pitchFamily="34" charset="0"/>
-              </a:rPr>
-              <a:t>ps</a:t>
-            </a:r>
-            <a:r>
-              <a:rPr lang="en-US" sz="2300" dirty="0">
-                <a:latin typeface="Arial" pitchFamily="34" charset="0"/>
-                <a:cs typeface="Arial" pitchFamily="34" charset="0"/>
-              </a:rPr>
-              <a:t> – </a:t>
-            </a:r>
-            <a:r>
-              <a:rPr lang="en-US" sz="2300" dirty="0">
-                <a:solidFill>
-                  <a:srgbClr val="FF0000"/>
-                </a:solidFill>
-                <a:latin typeface="Arial" pitchFamily="34" charset="0"/>
-                <a:cs typeface="Arial" pitchFamily="34" charset="0"/>
-              </a:rPr>
-              <a:t>lists all active user programs and display a PID (process identification   	      number)</a:t>
-            </a:r>
-          </a:p>
-          <a:p>
-            <a:pPr lvl="1" eaLnBrk="1" fontAlgn="auto" hangingPunct="1">
-              <a:spcAft>
-                <a:spcPts val="0"/>
-              </a:spcAft>
-              <a:buFont typeface="Arial" pitchFamily="34" charset="0"/>
-              <a:buChar char="•"/>
-              <a:defRPr/>
-            </a:pPr>
-            <a:r>
-              <a:rPr lang="en-US" sz="2300" b="1" dirty="0">
-                <a:latin typeface="Arial" pitchFamily="34" charset="0"/>
-                <a:cs typeface="Arial" pitchFamily="34" charset="0"/>
-              </a:rPr>
-              <a:t>kill</a:t>
-            </a:r>
-            <a:r>
-              <a:rPr lang="en-US" sz="2300" dirty="0">
-                <a:latin typeface="Arial" pitchFamily="34" charset="0"/>
-                <a:cs typeface="Arial" pitchFamily="34" charset="0"/>
-              </a:rPr>
-              <a:t> </a:t>
-            </a:r>
-            <a:r>
-              <a:rPr lang="en-US" sz="2300" i="1" dirty="0" err="1">
-                <a:latin typeface="Arial" pitchFamily="34" charset="0"/>
-                <a:cs typeface="Arial" pitchFamily="34" charset="0"/>
-              </a:rPr>
-              <a:t>pid</a:t>
-            </a:r>
-            <a:r>
-              <a:rPr lang="en-US" sz="2300" dirty="0">
-                <a:latin typeface="Arial" pitchFamily="34" charset="0"/>
-                <a:cs typeface="Arial" pitchFamily="34" charset="0"/>
-              </a:rPr>
-              <a:t> - </a:t>
-            </a:r>
-            <a:r>
-              <a:rPr lang="en-US" sz="2300" dirty="0">
-                <a:solidFill>
-                  <a:srgbClr val="FF0000"/>
-                </a:solidFill>
-                <a:latin typeface="Arial" pitchFamily="34" charset="0"/>
-                <a:cs typeface="Arial" pitchFamily="34" charset="0"/>
-              </a:rPr>
-              <a:t>will kill (stop) the process with the listed </a:t>
-            </a:r>
-            <a:r>
-              <a:rPr lang="en-US" sz="2300" i="1" dirty="0" err="1">
-                <a:solidFill>
-                  <a:srgbClr val="FF0000"/>
-                </a:solidFill>
-                <a:latin typeface="Arial" pitchFamily="34" charset="0"/>
-                <a:cs typeface="Arial" pitchFamily="34" charset="0"/>
-              </a:rPr>
-              <a:t>pid</a:t>
-            </a:r>
-            <a:r>
-              <a:rPr lang="en-US" sz="2300" dirty="0">
-                <a:solidFill>
-                  <a:srgbClr val="FF0000"/>
-                </a:solidFill>
-                <a:latin typeface="Arial" pitchFamily="34" charset="0"/>
-                <a:cs typeface="Arial" pitchFamily="34" charset="0"/>
-              </a:rPr>
-              <a:t> number</a:t>
-            </a:r>
-            <a:r>
-              <a:rPr lang="en-US" sz="2300" dirty="0">
-                <a:latin typeface="Arial" pitchFamily="34" charset="0"/>
-                <a:cs typeface="Arial" pitchFamily="34" charset="0"/>
-              </a:rPr>
-              <a:t> </a:t>
-            </a:r>
-          </a:p>
-          <a:p>
-            <a:pPr lvl="1" eaLnBrk="1" fontAlgn="auto" hangingPunct="1">
-              <a:spcAft>
-                <a:spcPts val="0"/>
-              </a:spcAft>
-              <a:buFont typeface="Arial" pitchFamily="34" charset="0"/>
-              <a:buChar char="•"/>
-              <a:defRPr/>
-            </a:pPr>
-            <a:r>
-              <a:rPr lang="en-US" sz="2300" b="1" dirty="0">
-                <a:latin typeface="Arial" pitchFamily="34" charset="0"/>
-                <a:cs typeface="Arial" pitchFamily="34" charset="0"/>
-              </a:rPr>
-              <a:t>man</a:t>
-            </a:r>
-            <a:r>
-              <a:rPr lang="en-US" sz="2300" dirty="0">
-                <a:latin typeface="Arial" pitchFamily="34" charset="0"/>
-                <a:cs typeface="Arial" pitchFamily="34" charset="0"/>
-              </a:rPr>
-              <a:t> </a:t>
-            </a:r>
-            <a:r>
-              <a:rPr lang="en-US" sz="2300" i="1" dirty="0">
-                <a:latin typeface="Arial" pitchFamily="34" charset="0"/>
-                <a:cs typeface="Arial" pitchFamily="34" charset="0"/>
-              </a:rPr>
-              <a:t>command</a:t>
-            </a:r>
-            <a:r>
-              <a:rPr lang="en-US" sz="2300" dirty="0">
-                <a:latin typeface="Arial" pitchFamily="34" charset="0"/>
-                <a:cs typeface="Arial" pitchFamily="34" charset="0"/>
-              </a:rPr>
-              <a:t>  - </a:t>
-            </a:r>
-            <a:r>
-              <a:rPr lang="en-US" sz="2300" dirty="0">
-                <a:solidFill>
-                  <a:srgbClr val="FF0000"/>
-                </a:solidFill>
-                <a:latin typeface="Arial" pitchFamily="34" charset="0"/>
-                <a:cs typeface="Arial" pitchFamily="34" charset="0"/>
-              </a:rPr>
-              <a:t>will display the manual for the listed </a:t>
-            </a:r>
-            <a:r>
-              <a:rPr lang="en-US" sz="2300" i="1" dirty="0">
-                <a:solidFill>
-                  <a:srgbClr val="FF0000"/>
-                </a:solidFill>
-                <a:latin typeface="Arial" pitchFamily="34" charset="0"/>
-                <a:cs typeface="Arial" pitchFamily="34" charset="0"/>
-              </a:rPr>
-              <a:t>command</a:t>
-            </a:r>
-          </a:p>
-          <a:p>
-            <a:pPr lvl="1" eaLnBrk="1" fontAlgn="auto" hangingPunct="1">
-              <a:spcAft>
-                <a:spcPts val="0"/>
-              </a:spcAft>
-              <a:buFont typeface="Arial" pitchFamily="34" charset="0"/>
-              <a:buChar char="•"/>
-              <a:defRPr/>
-            </a:pPr>
-            <a:r>
-              <a:rPr lang="en-US" sz="2300" b="1" dirty="0">
-                <a:latin typeface="Arial" pitchFamily="34" charset="0"/>
-                <a:cs typeface="Arial" pitchFamily="34" charset="0"/>
-              </a:rPr>
-              <a:t>cat</a:t>
-            </a:r>
-            <a:r>
-              <a:rPr lang="en-US" sz="2300" i="1" dirty="0">
-                <a:solidFill>
-                  <a:srgbClr val="FF0000"/>
-                </a:solidFill>
-                <a:latin typeface="Arial" pitchFamily="34" charset="0"/>
-                <a:cs typeface="Arial" pitchFamily="34" charset="0"/>
-              </a:rPr>
-              <a:t> </a:t>
-            </a:r>
-            <a:r>
-              <a:rPr lang="en-US" sz="2300" i="1" dirty="0">
-                <a:latin typeface="Arial" pitchFamily="34" charset="0"/>
-                <a:cs typeface="Arial" pitchFamily="34" charset="0"/>
-              </a:rPr>
-              <a:t>file</a:t>
-            </a:r>
-            <a:r>
-              <a:rPr lang="en-US" sz="2300" i="1" dirty="0">
-                <a:solidFill>
-                  <a:srgbClr val="FF0000"/>
-                </a:solidFill>
-                <a:latin typeface="Arial" pitchFamily="34" charset="0"/>
-                <a:cs typeface="Arial" pitchFamily="34" charset="0"/>
-              </a:rPr>
-              <a:t> – </a:t>
-            </a:r>
-            <a:r>
-              <a:rPr lang="en-US" sz="2300" dirty="0">
-                <a:solidFill>
-                  <a:srgbClr val="FF0000"/>
-                </a:solidFill>
-                <a:latin typeface="Arial" pitchFamily="34" charset="0"/>
-                <a:cs typeface="Arial" pitchFamily="34" charset="0"/>
-              </a:rPr>
-              <a:t>display the contents of a </a:t>
-            </a:r>
-            <a:r>
-              <a:rPr lang="en-US" sz="2300" i="1" dirty="0">
-                <a:solidFill>
-                  <a:srgbClr val="FF0000"/>
-                </a:solidFill>
-                <a:latin typeface="Arial" pitchFamily="34" charset="0"/>
-                <a:cs typeface="Arial" pitchFamily="34" charset="0"/>
-              </a:rPr>
-              <a:t>file </a:t>
-            </a:r>
-            <a:r>
-              <a:rPr lang="en-US" sz="2300" dirty="0">
-                <a:solidFill>
-                  <a:srgbClr val="FF0000"/>
-                </a:solidFill>
-                <a:latin typeface="Arial" pitchFamily="34" charset="0"/>
-                <a:cs typeface="Arial" pitchFamily="34" charset="0"/>
-              </a:rPr>
-              <a:t>(also used to combine or 			            concatenate multiple files)</a:t>
-            </a:r>
-          </a:p>
-          <a:p>
-            <a:pPr lvl="1" eaLnBrk="1" fontAlgn="auto" hangingPunct="1">
-              <a:spcAft>
-                <a:spcPts val="0"/>
-              </a:spcAft>
-              <a:buFont typeface="Arial" pitchFamily="34" charset="0"/>
-              <a:buChar char="•"/>
-              <a:defRPr/>
-            </a:pPr>
-            <a:r>
-              <a:rPr lang="en-US" sz="2300" b="1" dirty="0">
-                <a:latin typeface="Arial" pitchFamily="34" charset="0"/>
-                <a:cs typeface="Arial" pitchFamily="34" charset="0"/>
-              </a:rPr>
-              <a:t>vi</a:t>
-            </a:r>
-            <a:r>
-              <a:rPr lang="en-US" sz="2300" dirty="0">
-                <a:latin typeface="Arial" pitchFamily="34" charset="0"/>
-                <a:cs typeface="Arial" pitchFamily="34" charset="0"/>
-              </a:rPr>
-              <a:t> </a:t>
-            </a:r>
-            <a:r>
-              <a:rPr lang="en-US" sz="2300" i="1" dirty="0">
-                <a:latin typeface="Arial" pitchFamily="34" charset="0"/>
-                <a:cs typeface="Arial" pitchFamily="34" charset="0"/>
-              </a:rPr>
-              <a:t>file – </a:t>
-            </a:r>
-            <a:r>
-              <a:rPr lang="en-US" sz="2300" dirty="0">
-                <a:solidFill>
-                  <a:srgbClr val="FF0000"/>
-                </a:solidFill>
-                <a:latin typeface="Arial" pitchFamily="34" charset="0"/>
-                <a:cs typeface="Arial" pitchFamily="34" charset="0"/>
-              </a:rPr>
-              <a:t>will open </a:t>
-            </a:r>
-            <a:r>
-              <a:rPr lang="en-US" sz="2300" i="1" dirty="0">
-                <a:solidFill>
-                  <a:srgbClr val="FF0000"/>
-                </a:solidFill>
-                <a:latin typeface="Arial" pitchFamily="34" charset="0"/>
-                <a:cs typeface="Arial" pitchFamily="34" charset="0"/>
-              </a:rPr>
-              <a:t>file</a:t>
-            </a:r>
-            <a:r>
-              <a:rPr lang="en-US" sz="2300" dirty="0">
-                <a:solidFill>
-                  <a:srgbClr val="FF0000"/>
-                </a:solidFill>
-                <a:latin typeface="Arial" pitchFamily="34" charset="0"/>
-                <a:cs typeface="Arial" pitchFamily="34" charset="0"/>
-              </a:rPr>
-              <a:t> with a primitive text editor</a:t>
-            </a:r>
-          </a:p>
-          <a:p>
-            <a:pPr lvl="1" eaLnBrk="1" fontAlgn="auto" hangingPunct="1">
-              <a:spcAft>
-                <a:spcPts val="0"/>
-              </a:spcAft>
-              <a:buFont typeface="Arial" pitchFamily="34" charset="0"/>
-              <a:buChar char="•"/>
-              <a:defRPr/>
-            </a:pPr>
-            <a:r>
-              <a:rPr lang="en-US" sz="2300" b="1" dirty="0" err="1">
-                <a:latin typeface="Arial" pitchFamily="34" charset="0"/>
-                <a:cs typeface="Arial" pitchFamily="34" charset="0"/>
-              </a:rPr>
-              <a:t>chmod</a:t>
-            </a:r>
-            <a:r>
-              <a:rPr lang="en-US" sz="2300" dirty="0">
-                <a:solidFill>
-                  <a:srgbClr val="FF0000"/>
-                </a:solidFill>
-                <a:latin typeface="Arial" pitchFamily="34" charset="0"/>
-                <a:cs typeface="Arial" pitchFamily="34" charset="0"/>
-              </a:rPr>
-              <a:t> </a:t>
-            </a:r>
-            <a:r>
-              <a:rPr lang="en-US" sz="2300" i="1" dirty="0">
-                <a:latin typeface="Arial" pitchFamily="34" charset="0"/>
-                <a:cs typeface="Arial" pitchFamily="34" charset="0"/>
-              </a:rPr>
-              <a:t>file</a:t>
-            </a:r>
-            <a:r>
-              <a:rPr lang="en-US" sz="2300" dirty="0">
-                <a:latin typeface="Arial" pitchFamily="34" charset="0"/>
-                <a:cs typeface="Arial" pitchFamily="34" charset="0"/>
-              </a:rPr>
-              <a:t> [</a:t>
-            </a:r>
-            <a:r>
-              <a:rPr lang="en-US" sz="2300" i="1" dirty="0">
-                <a:latin typeface="Arial" pitchFamily="34" charset="0"/>
-                <a:cs typeface="Arial" pitchFamily="34" charset="0"/>
-              </a:rPr>
-              <a:t>flags</a:t>
-            </a:r>
-            <a:r>
-              <a:rPr lang="en-US" sz="2300" dirty="0">
-                <a:latin typeface="Arial" pitchFamily="34" charset="0"/>
-                <a:cs typeface="Arial" pitchFamily="34" charset="0"/>
-              </a:rPr>
-              <a:t>] – </a:t>
-            </a:r>
-            <a:r>
-              <a:rPr lang="en-US" sz="2300" dirty="0">
-                <a:solidFill>
-                  <a:srgbClr val="FF0000"/>
-                </a:solidFill>
-                <a:latin typeface="Arial" pitchFamily="34" charset="0"/>
-                <a:cs typeface="Arial" pitchFamily="34" charset="0"/>
-              </a:rPr>
-              <a:t>will change or set permissions for </a:t>
-            </a:r>
-            <a:r>
-              <a:rPr lang="en-US" sz="2300" i="1" dirty="0">
-                <a:solidFill>
-                  <a:srgbClr val="FF0000"/>
-                </a:solidFill>
-                <a:latin typeface="Arial" pitchFamily="34" charset="0"/>
-                <a:cs typeface="Arial" pitchFamily="34" charset="0"/>
-              </a:rPr>
-              <a:t>file </a:t>
-            </a:r>
-            <a:r>
-              <a:rPr lang="en-US" sz="2300" dirty="0">
-                <a:solidFill>
-                  <a:srgbClr val="FF0000"/>
-                </a:solidFill>
-                <a:latin typeface="Arial" pitchFamily="34" charset="0"/>
-                <a:cs typeface="Arial" pitchFamily="34" charset="0"/>
-              </a:rPr>
-              <a:t>defined by </a:t>
-            </a:r>
-            <a:r>
-              <a:rPr lang="en-US" sz="2300" i="1" dirty="0" smtClean="0">
-                <a:solidFill>
-                  <a:srgbClr val="FF0000"/>
-                </a:solidFill>
-                <a:latin typeface="Arial" pitchFamily="34" charset="0"/>
-                <a:cs typeface="Arial" pitchFamily="34" charset="0"/>
-              </a:rPr>
-              <a:t>flags</a:t>
-            </a:r>
-          </a:p>
-          <a:p>
-            <a:pPr lvl="1" eaLnBrk="1" fontAlgn="auto" hangingPunct="1">
-              <a:spcAft>
-                <a:spcPts val="0"/>
-              </a:spcAft>
-              <a:buFont typeface="Arial" pitchFamily="34" charset="0"/>
-              <a:buChar char="•"/>
-              <a:defRPr/>
-            </a:pPr>
-            <a:r>
-              <a:rPr lang="en-US" sz="2300" b="1" dirty="0">
-                <a:latin typeface="Arial" pitchFamily="34" charset="0"/>
-                <a:cs typeface="Arial" pitchFamily="34" charset="0"/>
-              </a:rPr>
-              <a:t>t</a:t>
-            </a:r>
-            <a:r>
-              <a:rPr lang="en-US" sz="2300" b="1" dirty="0" smtClean="0">
-                <a:latin typeface="Arial" pitchFamily="34" charset="0"/>
-                <a:cs typeface="Arial" pitchFamily="34" charset="0"/>
-              </a:rPr>
-              <a:t>ouch</a:t>
-            </a:r>
-            <a:r>
-              <a:rPr lang="en-US" sz="2300" dirty="0" smtClean="0">
-                <a:latin typeface="Arial" pitchFamily="34" charset="0"/>
-                <a:cs typeface="Arial" pitchFamily="34" charset="0"/>
-              </a:rPr>
-              <a:t> </a:t>
-            </a:r>
-            <a:r>
-              <a:rPr lang="en-US" sz="2300" i="1" dirty="0" smtClean="0">
-                <a:latin typeface="Arial" pitchFamily="34" charset="0"/>
-                <a:cs typeface="Arial" pitchFamily="34" charset="0"/>
-              </a:rPr>
-              <a:t>file</a:t>
-            </a:r>
-            <a:r>
-              <a:rPr lang="en-US" sz="2300" dirty="0" smtClean="0">
-                <a:latin typeface="Arial" pitchFamily="34" charset="0"/>
-                <a:cs typeface="Arial" pitchFamily="34" charset="0"/>
-              </a:rPr>
-              <a:t> </a:t>
-            </a:r>
-            <a:r>
-              <a:rPr lang="en-US" sz="2300" dirty="0" smtClean="0">
-                <a:solidFill>
-                  <a:srgbClr val="FF0000"/>
-                </a:solidFill>
-                <a:latin typeface="Arial" pitchFamily="34" charset="0"/>
-                <a:cs typeface="Arial" pitchFamily="34" charset="0"/>
-              </a:rPr>
-              <a:t>– create an empty file or update the access of an existing file</a:t>
-            </a:r>
-            <a:endParaRPr lang="en-US" sz="2300" dirty="0">
-              <a:solidFill>
-                <a:srgbClr val="FF0000"/>
-              </a:solidFill>
-              <a:latin typeface="Arial" pitchFamily="34" charset="0"/>
-              <a:cs typeface="Arial" pitchFamily="34" charset="0"/>
-            </a:endParaRPr>
+              <a:t>Again, man pages, Linux web site and reference books provide more details</a:t>
+            </a:r>
           </a:p>
         </p:txBody>
       </p:sp>
     </p:spTree>
     <p:extLst>
       <p:ext uri="{BB962C8B-B14F-4D97-AF65-F5344CB8AC3E}">
-        <p14:creationId xmlns:p14="http://schemas.microsoft.com/office/powerpoint/2010/main" val="2432816148"/>
+        <p14:creationId xmlns:p14="http://schemas.microsoft.com/office/powerpoint/2010/main" val="1131872364"/>
       </p:ext>
     </p:extLst>
   </p:cSld>
@@ -8599,7 +8941,7 @@
       </p:grpSpPr>
       <p:sp>
         <p:nvSpPr>
-          <p:cNvPr id="46082" name="Title 1"/>
+          <p:cNvPr id="50178" name="Title 1"/>
           <p:cNvSpPr txBox="1">
             <a:spLocks/>
           </p:cNvSpPr>
@@ -8608,7 +8950,7 @@
         <p:spPr bwMode="auto">
           <a:xfrm>
             <a:off x="1746647" y="344488"/>
-            <a:ext cx="7013632" cy="735012"/>
+            <a:ext cx="5829300" cy="735012"/>
           </a:xfrm>
           <a:prstGeom prst="rect">
             <a:avLst/>
@@ -8740,17 +9082,17 @@
           <a:p>
             <a:pPr algn="ctr" eaLnBrk="1" hangingPunct="1"/>
             <a:r>
-              <a:rPr lang="en-US" altLang="en-US" sz="4400" dirty="0">
+              <a:rPr lang="en-US" altLang="en-US" sz="4400">
                 <a:latin typeface="Calibri" panose="020F0502020204030204" pitchFamily="34" charset="0"/>
               </a:rPr>
-              <a:t>Introduction to Linux/Unix</a:t>
+              <a:t>Permissions</a:t>
             </a:r>
           </a:p>
         </p:txBody>
       </p:sp>
       <p:sp>
         <p:nvSpPr>
-          <p:cNvPr id="4" name="Content Placeholder 2"/>
+          <p:cNvPr id="3" name="Content Placeholder 2"/>
           <p:cNvSpPr txBox="1">
             <a:spLocks/>
           </p:cNvSpPr>
@@ -8759,7 +9101,7 @@
         <p:spPr>
           <a:xfrm>
             <a:off x="1485901" y="1160463"/>
-            <a:ext cx="6369844" cy="5708650"/>
+            <a:ext cx="6369844" cy="531812"/>
           </a:xfrm>
           <a:prstGeom prst="rect">
             <a:avLst/>
@@ -8767,7 +9109,7 @@
         </p:spPr>
         <p:txBody>
           <a:bodyPr>
-            <a:normAutofit fontScale="92500" lnSpcReduction="10000"/>
+            <a:normAutofit fontScale="85000" lnSpcReduction="10000"/>
           </a:bodyPr>
           <a:lstStyle>
             <a:lvl1pPr marL="342900" indent="-342900" algn="l" rtl="0" eaLnBrk="0" fontAlgn="base" hangingPunct="0">
@@ -8935,7 +9277,21 @@
                 <a:latin typeface="Arial" pitchFamily="34" charset="0"/>
                 <a:cs typeface="Arial" pitchFamily="34" charset="0"/>
               </a:rPr>
-              <a:t>It Gets More Complicated!</a:t>
+              <a:t>Where did the 755 come from in the </a:t>
+            </a:r>
+            <a:r>
+              <a:rPr lang="en-US" sz="2000" b="1" dirty="0" err="1">
+                <a:latin typeface="Arial" pitchFamily="34" charset="0"/>
+                <a:cs typeface="Arial" pitchFamily="34" charset="0"/>
+              </a:rPr>
+              <a:t>chmod</a:t>
+            </a:r>
+            <a:r>
+              <a:rPr lang="en-US" sz="2000" dirty="0">
+                <a:latin typeface="Arial" pitchFamily="34" charset="0"/>
+                <a:cs typeface="Arial" pitchFamily="34" charset="0"/>
+              </a:rPr>
+              <a:t> command?</a:t>
             </a:r>
           </a:p>
           <a:p>
@@ -8954,404 +9310,371 @@
               <a:cs typeface="Arial" pitchFamily="34" charset="0"/>
             </a:endParaRPr>
           </a:p>
-          <a:p>
-            <a:pPr eaLnBrk="1" fontAlgn="auto" hangingPunct="1">
+        </p:txBody>
+      </p:sp>
+      <p:sp>
+        <p:nvSpPr>
+          <p:cNvPr id="50180" name="Rectangle 3"/>
+          <p:cNvSpPr>
+            <a:spLocks noChangeArrowheads="1"/>
+          </p:cNvSpPr>
+          <p:nvPr/>
+        </p:nvSpPr>
+        <p:spPr bwMode="auto">
+          <a:xfrm>
+            <a:off x="1746647" y="1835152"/>
+            <a:ext cx="4691063" cy="4801314"/>
+          </a:xfrm>
+          <a:prstGeom prst="rect">
+            <a:avLst/>
+          </a:prstGeom>
+          <a:noFill/>
+          <a:ln>
+            <a:noFill/>
+          </a:ln>
+          <a:extLst>
+            <a:ext uri="{909E8E84-426E-40DD-AFC4-6F175D3DCCD1}">
+              <a14:hiddenFill xmlns:a14="http://schemas.microsoft.com/office/drawing/2010/main">
+                <a:solidFill>
+                  <a:srgbClr val="FFFFFF"/>
+                </a:solidFill>
+              </a14:hiddenFill>
+            </a:ext>
+            <a:ext uri="{91240B29-F687-4F45-9708-019B960494DF}">
+              <a14:hiddenLine xmlns:a14="http://schemas.microsoft.com/office/drawing/2010/main" w="9525">
+                <a:solidFill>
+                  <a:srgbClr val="000000"/>
+                </a:solidFill>
+                <a:miter lim="800000"/>
+                <a:headEnd/>
+                <a:tailEnd/>
+              </a14:hiddenLine>
+            </a:ext>
+          </a:extLst>
+        </p:spPr>
+        <p:txBody>
+          <a:bodyPr>
+            <a:spAutoFit/>
+          </a:bodyPr>
+          <a:lstStyle>
+            <a:lvl1pPr eaLnBrk="0" hangingPunct="0">
+              <a:defRPr>
+                <a:solidFill>
+                  <a:schemeClr val="tx1"/>
+                </a:solidFill>
+                <a:latin typeface="Arial" panose="020B0604020202020204" pitchFamily="34" charset="0"/>
+              </a:defRPr>
+            </a:lvl1pPr>
+            <a:lvl2pPr marL="742950" indent="-285750" eaLnBrk="0" hangingPunct="0">
+              <a:defRPr>
+                <a:solidFill>
+                  <a:schemeClr val="tx1"/>
+                </a:solidFill>
+                <a:latin typeface="Arial" panose="020B0604020202020204" pitchFamily="34" charset="0"/>
+              </a:defRPr>
+            </a:lvl2pPr>
+            <a:lvl3pPr marL="1143000" indent="-228600" eaLnBrk="0" hangingPunct="0">
+              <a:defRPr>
+                <a:solidFill>
+                  <a:schemeClr val="tx1"/>
+                </a:solidFill>
+                <a:latin typeface="Arial" panose="020B0604020202020204" pitchFamily="34" charset="0"/>
+              </a:defRPr>
+            </a:lvl3pPr>
+            <a:lvl4pPr marL="1600200" indent="-228600" eaLnBrk="0" hangingPunct="0">
+              <a:defRPr>
+                <a:solidFill>
+                  <a:schemeClr val="tx1"/>
+                </a:solidFill>
+                <a:latin typeface="Arial" panose="020B0604020202020204" pitchFamily="34" charset="0"/>
+              </a:defRPr>
+            </a:lvl4pPr>
+            <a:lvl5pPr marL="2057400" indent="-228600" eaLnBrk="0" hangingPunct="0">
+              <a:defRPr>
+                <a:solidFill>
+                  <a:schemeClr val="tx1"/>
+                </a:solidFill>
+                <a:latin typeface="Arial" panose="020B0604020202020204" pitchFamily="34" charset="0"/>
+              </a:defRPr>
+            </a:lvl5pPr>
+            <a:lvl6pPr marL="2514600" indent="-228600" eaLnBrk="0" fontAlgn="base" hangingPunct="0">
+              <a:spcBef>
+                <a:spcPct val="0"/>
+              </a:spcBef>
               <a:spcAft>
-                <a:spcPts val="0"/>
+                <a:spcPct val="0"/>
               </a:spcAft>
-              <a:buFont typeface="Arial" pitchFamily="34" charset="0"/>
-              <a:buChar char="‒"/>
-              <a:defRPr/>
-            </a:pPr>
-            <a:r>
-              <a:rPr lang="en-US" sz="2000" dirty="0">
-                <a:latin typeface="Arial" pitchFamily="34" charset="0"/>
-                <a:cs typeface="Arial" pitchFamily="34" charset="0"/>
-              </a:rPr>
-              <a:t>A number of commands have a range of options that are implemented on the command line with a “flag”</a:t>
-            </a:r>
-          </a:p>
-          <a:p>
-            <a:pPr lvl="1" eaLnBrk="1" fontAlgn="auto" hangingPunct="1">
+              <a:defRPr>
+                <a:solidFill>
+                  <a:schemeClr val="tx1"/>
+                </a:solidFill>
+                <a:latin typeface="Arial" panose="020B0604020202020204" pitchFamily="34" charset="0"/>
+              </a:defRPr>
+            </a:lvl6pPr>
+            <a:lvl7pPr marL="2971800" indent="-228600" eaLnBrk="0" fontAlgn="base" hangingPunct="0">
+              <a:spcBef>
+                <a:spcPct val="0"/>
+              </a:spcBef>
               <a:spcAft>
-                <a:spcPts val="0"/>
+                <a:spcPct val="0"/>
               </a:spcAft>
-              <a:buFont typeface="Arial" pitchFamily="34" charset="0"/>
-              <a:buChar char="•"/>
-              <a:defRPr/>
-            </a:pPr>
-            <a:r>
-              <a:rPr lang="en-US" sz="1800" b="1" dirty="0" err="1">
-                <a:latin typeface="Arial" pitchFamily="34" charset="0"/>
-                <a:cs typeface="Arial" pitchFamily="34" charset="0"/>
-              </a:rPr>
-              <a:t>ls</a:t>
-            </a:r>
-            <a:r>
-              <a:rPr lang="en-US" sz="1800" b="1" dirty="0">
-                <a:latin typeface="Arial" pitchFamily="34" charset="0"/>
-                <a:cs typeface="Arial" pitchFamily="34" charset="0"/>
-              </a:rPr>
-              <a:t> –l</a:t>
-            </a:r>
-            <a:r>
-              <a:rPr lang="en-US" sz="1800" dirty="0">
-                <a:latin typeface="Arial" pitchFamily="34" charset="0"/>
-                <a:cs typeface="Arial" pitchFamily="34" charset="0"/>
-              </a:rPr>
-              <a:t>  - </a:t>
-            </a:r>
-            <a:r>
-              <a:rPr lang="en-US" sz="1800" dirty="0">
-                <a:solidFill>
-                  <a:srgbClr val="FF0000"/>
-                </a:solidFill>
-                <a:latin typeface="Arial" pitchFamily="34" charset="0"/>
-                <a:cs typeface="Arial" pitchFamily="34" charset="0"/>
-              </a:rPr>
-              <a:t>lists files and folders with associated permissions</a:t>
-            </a:r>
-          </a:p>
-          <a:p>
-            <a:pPr lvl="1" eaLnBrk="1" fontAlgn="auto" hangingPunct="1">
+              <a:defRPr>
+                <a:solidFill>
+                  <a:schemeClr val="tx1"/>
+                </a:solidFill>
+                <a:latin typeface="Arial" panose="020B0604020202020204" pitchFamily="34" charset="0"/>
+              </a:defRPr>
+            </a:lvl7pPr>
+            <a:lvl8pPr marL="3429000" indent="-228600" eaLnBrk="0" fontAlgn="base" hangingPunct="0">
+              <a:spcBef>
+                <a:spcPct val="0"/>
+              </a:spcBef>
               <a:spcAft>
-                <a:spcPts val="0"/>
+                <a:spcPct val="0"/>
               </a:spcAft>
-              <a:buFont typeface="Arial" pitchFamily="34" charset="0"/>
-              <a:buChar char="•"/>
-              <a:defRPr/>
-            </a:pPr>
-            <a:r>
-              <a:rPr lang="en-US" sz="1800" b="1" dirty="0" err="1">
-                <a:latin typeface="Arial" pitchFamily="34" charset="0"/>
-                <a:cs typeface="Arial" pitchFamily="34" charset="0"/>
-              </a:rPr>
-              <a:t>rm</a:t>
-            </a:r>
-            <a:r>
-              <a:rPr lang="en-US" sz="1800" b="1" dirty="0">
-                <a:latin typeface="Arial" pitchFamily="34" charset="0"/>
-                <a:cs typeface="Arial" pitchFamily="34" charset="0"/>
-              </a:rPr>
-              <a:t> –R</a:t>
-            </a:r>
-            <a:r>
-              <a:rPr lang="en-US" sz="1800" dirty="0">
-                <a:latin typeface="Arial" pitchFamily="34" charset="0"/>
-                <a:cs typeface="Arial" pitchFamily="34" charset="0"/>
-              </a:rPr>
-              <a:t> - </a:t>
-            </a:r>
-            <a:r>
-              <a:rPr lang="en-US" sz="1800" dirty="0">
-                <a:solidFill>
-                  <a:srgbClr val="FF0000"/>
-                </a:solidFill>
-                <a:latin typeface="Arial" pitchFamily="34" charset="0"/>
-                <a:cs typeface="Arial" pitchFamily="34" charset="0"/>
-              </a:rPr>
-              <a:t>remove/delete folde</a:t>
-            </a:r>
-            <a:r>
-              <a:rPr lang="en-US" sz="1800" dirty="0">
-                <a:latin typeface="Arial" pitchFamily="34" charset="0"/>
-                <a:cs typeface="Arial" pitchFamily="34" charset="0"/>
-              </a:rPr>
-              <a:t>r</a:t>
-            </a:r>
-          </a:p>
-          <a:p>
-            <a:pPr lvl="1" eaLnBrk="1" fontAlgn="auto" hangingPunct="1">
+              <a:defRPr>
+                <a:solidFill>
+                  <a:schemeClr val="tx1"/>
+                </a:solidFill>
+                <a:latin typeface="Arial" panose="020B0604020202020204" pitchFamily="34" charset="0"/>
+              </a:defRPr>
+            </a:lvl8pPr>
+            <a:lvl9pPr marL="3886200" indent="-228600" eaLnBrk="0" fontAlgn="base" hangingPunct="0">
+              <a:spcBef>
+                <a:spcPct val="0"/>
+              </a:spcBef>
               <a:spcAft>
-                <a:spcPts val="0"/>
+                <a:spcPct val="0"/>
               </a:spcAft>
-              <a:buFont typeface="Arial" pitchFamily="34" charset="0"/>
-              <a:buChar char="•"/>
-              <a:defRPr/>
-            </a:pPr>
-            <a:r>
-              <a:rPr lang="en-US" sz="1800" b="1" dirty="0">
-                <a:latin typeface="Arial" pitchFamily="34" charset="0"/>
-                <a:cs typeface="Arial" pitchFamily="34" charset="0"/>
-              </a:rPr>
-              <a:t>mv –</a:t>
-            </a:r>
-            <a:r>
-              <a:rPr lang="en-US" sz="1800" b="1" dirty="0" err="1">
-                <a:latin typeface="Arial" pitchFamily="34" charset="0"/>
-                <a:cs typeface="Arial" pitchFamily="34" charset="0"/>
-              </a:rPr>
-              <a:t>i</a:t>
-            </a:r>
-            <a:r>
-              <a:rPr lang="en-US" sz="1800" dirty="0">
-                <a:latin typeface="Arial" pitchFamily="34" charset="0"/>
-                <a:cs typeface="Arial" pitchFamily="34" charset="0"/>
-              </a:rPr>
-              <a:t> – </a:t>
-            </a:r>
-            <a:r>
-              <a:rPr lang="en-US" sz="1800" dirty="0">
-                <a:solidFill>
-                  <a:srgbClr val="FF0000"/>
-                </a:solidFill>
-                <a:latin typeface="Arial" pitchFamily="34" charset="0"/>
-                <a:cs typeface="Arial" pitchFamily="34" charset="0"/>
-              </a:rPr>
-              <a:t>prompt before overwriting an existing file with the same name</a:t>
-            </a:r>
-          </a:p>
-          <a:p>
-            <a:pPr lvl="1" eaLnBrk="1" fontAlgn="auto" hangingPunct="1">
-              <a:spcAft>
-                <a:spcPts val="0"/>
-              </a:spcAft>
-              <a:buFont typeface="Arial" pitchFamily="34" charset="0"/>
-              <a:buChar char="•"/>
-              <a:defRPr/>
-            </a:pPr>
-            <a:r>
-              <a:rPr lang="en-US" sz="1800" b="1" dirty="0" err="1">
-                <a:latin typeface="Arial" pitchFamily="34" charset="0"/>
-                <a:cs typeface="Arial" pitchFamily="34" charset="0"/>
-              </a:rPr>
-              <a:t>cp</a:t>
-            </a:r>
-            <a:r>
-              <a:rPr lang="en-US" sz="1800" b="1" dirty="0">
-                <a:latin typeface="Arial" pitchFamily="34" charset="0"/>
-                <a:cs typeface="Arial" pitchFamily="34" charset="0"/>
-              </a:rPr>
-              <a:t> –n</a:t>
-            </a:r>
-            <a:r>
-              <a:rPr lang="en-US" sz="1800" dirty="0">
-                <a:latin typeface="Arial" pitchFamily="34" charset="0"/>
-                <a:cs typeface="Arial" pitchFamily="34" charset="0"/>
-              </a:rPr>
-              <a:t> – </a:t>
-            </a:r>
-            <a:r>
-              <a:rPr lang="en-US" sz="1800" dirty="0">
-                <a:solidFill>
-                  <a:srgbClr val="FF0000"/>
-                </a:solidFill>
-                <a:latin typeface="Arial" pitchFamily="34" charset="0"/>
-                <a:cs typeface="Arial" pitchFamily="34" charset="0"/>
-              </a:rPr>
-              <a:t>do not overwrite an existing file with the same name</a:t>
-            </a:r>
-          </a:p>
-          <a:p>
-            <a:pPr lvl="1" eaLnBrk="1" fontAlgn="auto" hangingPunct="1">
-              <a:spcAft>
-                <a:spcPts val="0"/>
-              </a:spcAft>
-              <a:buFont typeface="Arial" pitchFamily="34" charset="0"/>
-              <a:buChar char="•"/>
-              <a:defRPr/>
-            </a:pPr>
-            <a:r>
-              <a:rPr lang="en-US" sz="1800" b="1" dirty="0" err="1">
-                <a:latin typeface="Arial" pitchFamily="34" charset="0"/>
-                <a:cs typeface="Arial" pitchFamily="34" charset="0"/>
-              </a:rPr>
-              <a:t>cp</a:t>
-            </a:r>
-            <a:r>
-              <a:rPr lang="en-US" sz="1800" b="1" dirty="0">
-                <a:latin typeface="Arial" pitchFamily="34" charset="0"/>
-                <a:cs typeface="Arial" pitchFamily="34" charset="0"/>
-              </a:rPr>
-              <a:t> –u </a:t>
-            </a:r>
-            <a:r>
-              <a:rPr lang="en-US" sz="1800" dirty="0">
-                <a:latin typeface="Arial" pitchFamily="34" charset="0"/>
-                <a:cs typeface="Arial" pitchFamily="34" charset="0"/>
-              </a:rPr>
-              <a:t>–</a:t>
-            </a:r>
-            <a:r>
-              <a:rPr lang="en-US" sz="1800" b="1" dirty="0">
-                <a:latin typeface="Arial" pitchFamily="34" charset="0"/>
-                <a:cs typeface="Arial" pitchFamily="34" charset="0"/>
-              </a:rPr>
-              <a:t> </a:t>
-            </a:r>
-            <a:r>
-              <a:rPr lang="en-US" sz="1800" dirty="0">
-                <a:solidFill>
-                  <a:srgbClr val="FF0000"/>
-                </a:solidFill>
-                <a:latin typeface="Arial" pitchFamily="34" charset="0"/>
-                <a:cs typeface="Arial" pitchFamily="34" charset="0"/>
-              </a:rPr>
-              <a:t>only overwrite an older file with the same name</a:t>
-            </a:r>
-          </a:p>
-          <a:p>
-            <a:pPr lvl="1" eaLnBrk="1" fontAlgn="auto" hangingPunct="1">
-              <a:spcAft>
-                <a:spcPts val="0"/>
-              </a:spcAft>
-              <a:buFont typeface="Arial" pitchFamily="34" charset="0"/>
-              <a:buChar char="•"/>
-              <a:defRPr/>
-            </a:pPr>
-            <a:r>
-              <a:rPr lang="en-US" sz="1800" b="1" dirty="0" err="1">
-                <a:latin typeface="Arial" pitchFamily="34" charset="0"/>
-                <a:cs typeface="Arial" pitchFamily="34" charset="0"/>
-              </a:rPr>
-              <a:t>ps</a:t>
-            </a:r>
-            <a:r>
-              <a:rPr lang="en-US" sz="1800" b="1" dirty="0">
-                <a:latin typeface="Arial" pitchFamily="34" charset="0"/>
-                <a:cs typeface="Arial" pitchFamily="34" charset="0"/>
-              </a:rPr>
-              <a:t> –</a:t>
-            </a:r>
-            <a:r>
-              <a:rPr lang="en-US" sz="1800" b="1" dirty="0" err="1">
-                <a:latin typeface="Arial" pitchFamily="34" charset="0"/>
-                <a:cs typeface="Arial" pitchFamily="34" charset="0"/>
-              </a:rPr>
-              <a:t>axu</a:t>
-            </a:r>
-            <a:r>
-              <a:rPr lang="en-US" sz="1800" dirty="0">
-                <a:latin typeface="Arial" pitchFamily="34" charset="0"/>
-                <a:cs typeface="Arial" pitchFamily="34" charset="0"/>
-              </a:rPr>
-              <a:t> – </a:t>
-            </a:r>
-            <a:r>
-              <a:rPr lang="en-US" sz="1800" dirty="0">
-                <a:solidFill>
-                  <a:srgbClr val="FF0000"/>
-                </a:solidFill>
-                <a:latin typeface="Arial" pitchFamily="34" charset="0"/>
-                <a:cs typeface="Arial" pitchFamily="34" charset="0"/>
-              </a:rPr>
-              <a:t>lists the detailed status of every process on the system with the 		name of the user</a:t>
-            </a:r>
-          </a:p>
-          <a:p>
-            <a:pPr lvl="1" eaLnBrk="1" fontAlgn="auto" hangingPunct="1">
-              <a:spcAft>
-                <a:spcPts val="0"/>
-              </a:spcAft>
-              <a:buFont typeface="Arial" pitchFamily="34" charset="0"/>
-              <a:buChar char="•"/>
-              <a:defRPr/>
-            </a:pPr>
-            <a:r>
-              <a:rPr lang="en-US" sz="1800" b="1" dirty="0" err="1">
-                <a:latin typeface="Arial" pitchFamily="34" charset="0"/>
-                <a:cs typeface="Arial" pitchFamily="34" charset="0"/>
-              </a:rPr>
-              <a:t>chmod</a:t>
-            </a:r>
-            <a:r>
-              <a:rPr lang="en-US" sz="1800" b="1" dirty="0">
-                <a:latin typeface="Arial" pitchFamily="34" charset="0"/>
-                <a:cs typeface="Arial" pitchFamily="34" charset="0"/>
-              </a:rPr>
-              <a:t> </a:t>
-            </a:r>
-            <a:r>
-              <a:rPr lang="en-US" sz="1800" dirty="0">
-                <a:latin typeface="Arial" pitchFamily="34" charset="0"/>
-                <a:cs typeface="Arial" pitchFamily="34" charset="0"/>
-              </a:rPr>
-              <a:t>755 </a:t>
-            </a:r>
-            <a:r>
-              <a:rPr lang="en-US" sz="1800" i="1" dirty="0">
-                <a:latin typeface="Arial" pitchFamily="34" charset="0"/>
-                <a:cs typeface="Arial" pitchFamily="34" charset="0"/>
-              </a:rPr>
-              <a:t>file</a:t>
-            </a:r>
-            <a:r>
-              <a:rPr lang="en-US" sz="1800" dirty="0">
-                <a:latin typeface="Arial" pitchFamily="34" charset="0"/>
-                <a:cs typeface="Arial" pitchFamily="34" charset="0"/>
-              </a:rPr>
-              <a:t> – </a:t>
-            </a:r>
-            <a:r>
-              <a:rPr lang="en-US" sz="1800" dirty="0">
-                <a:solidFill>
-                  <a:srgbClr val="FF0000"/>
-                </a:solidFill>
-                <a:latin typeface="Arial" pitchFamily="34" charset="0"/>
-                <a:cs typeface="Arial" pitchFamily="34" charset="0"/>
-              </a:rPr>
-              <a:t>change file’s permission such that file's owner may read, write, and execute the file. All others may only read and execute the file.</a:t>
-            </a:r>
-          </a:p>
-          <a:p>
-            <a:pPr marL="457200" lvl="1" indent="0" eaLnBrk="1" fontAlgn="auto" hangingPunct="1">
-              <a:spcAft>
-                <a:spcPts val="0"/>
-              </a:spcAft>
-              <a:buNone/>
-              <a:defRPr/>
-            </a:pPr>
-            <a:endParaRPr lang="en-US" sz="1800" dirty="0">
-              <a:solidFill>
-                <a:srgbClr val="FF0000"/>
-              </a:solidFill>
-              <a:latin typeface="Arial" pitchFamily="34" charset="0"/>
-              <a:cs typeface="Arial" pitchFamily="34" charset="0"/>
-            </a:endParaRPr>
-          </a:p>
-          <a:p>
-            <a:pPr eaLnBrk="1" fontAlgn="auto" hangingPunct="1">
-              <a:spcAft>
-                <a:spcPts val="0"/>
-              </a:spcAft>
-              <a:buFont typeface="Arial" pitchFamily="34" charset="0"/>
-              <a:buChar char="‒"/>
-              <a:defRPr/>
-            </a:pPr>
-            <a:r>
-              <a:rPr lang="en-US" sz="2000" dirty="0">
-                <a:latin typeface="Arial" pitchFamily="34" charset="0"/>
-                <a:cs typeface="Arial" pitchFamily="34" charset="0"/>
-              </a:rPr>
-              <a:t>Multiple flags can be used simultaneously</a:t>
-            </a:r>
-          </a:p>
-          <a:p>
-            <a:pPr lvl="1" eaLnBrk="1" fontAlgn="auto" hangingPunct="1">
-              <a:spcAft>
-                <a:spcPts val="0"/>
-              </a:spcAft>
-              <a:buFont typeface="Arial" pitchFamily="34" charset="0"/>
-              <a:buChar char="•"/>
-              <a:defRPr/>
-            </a:pPr>
-            <a:r>
-              <a:rPr lang="en-US" sz="1600" dirty="0">
-                <a:solidFill>
-                  <a:srgbClr val="FF0000"/>
-                </a:solidFill>
-                <a:latin typeface="Arial" pitchFamily="34" charset="0"/>
-                <a:cs typeface="Arial" pitchFamily="34" charset="0"/>
-              </a:rPr>
-              <a:t>Again, man pages, Linux web site and reference books provide more details</a:t>
-            </a:r>
+              <a:defRPr>
+                <a:solidFill>
+                  <a:schemeClr val="tx1"/>
+                </a:solidFill>
+                <a:latin typeface="Arial" panose="020B0604020202020204" pitchFamily="34" charset="0"/>
+              </a:defRPr>
+            </a:lvl9pPr>
+          </a:lstStyle>
+          <a:p>
+            <a:pPr eaLnBrk="1" hangingPunct="1"/>
+            <a:r>
+              <a:rPr lang="en-US" altLang="en-US">
+                <a:solidFill>
+                  <a:srgbClr val="7030A0"/>
+                </a:solidFill>
+              </a:rPr>
+              <a:t>Think of the permission settings as a series of bits :</a:t>
+            </a:r>
+          </a:p>
+          <a:p>
+            <a:pPr eaLnBrk="1" hangingPunct="1"/>
+            <a:endParaRPr lang="en-US" altLang="en-US"/>
+          </a:p>
+          <a:p>
+            <a:pPr eaLnBrk="1" hangingPunct="1"/>
+            <a:r>
+              <a:rPr lang="en-US" altLang="en-US">
+                <a:latin typeface="Courier New" panose="02070309020205020404" pitchFamily="49" charset="0"/>
+                <a:cs typeface="Courier New" panose="02070309020205020404" pitchFamily="49" charset="0"/>
+              </a:rPr>
+              <a:t>	rwx rwx rwx = 111 111 111</a:t>
+            </a:r>
+          </a:p>
+          <a:p>
+            <a:pPr eaLnBrk="1" hangingPunct="1"/>
+            <a:r>
+              <a:rPr lang="en-US" altLang="en-US">
+                <a:latin typeface="Courier New" panose="02070309020205020404" pitchFamily="49" charset="0"/>
+                <a:cs typeface="Courier New" panose="02070309020205020404" pitchFamily="49" charset="0"/>
+              </a:rPr>
+              <a:t>	rw- rw- rw- = 110 110 110</a:t>
+            </a:r>
+          </a:p>
+          <a:p>
+            <a:pPr eaLnBrk="1" hangingPunct="1"/>
+            <a:r>
+              <a:rPr lang="en-US" altLang="en-US">
+                <a:latin typeface="Courier New" panose="02070309020205020404" pitchFamily="49" charset="0"/>
+                <a:cs typeface="Courier New" panose="02070309020205020404" pitchFamily="49" charset="0"/>
+              </a:rPr>
+              <a:t>	rwx --- --- = 111 000 000</a:t>
+            </a:r>
+          </a:p>
+          <a:p>
+            <a:pPr eaLnBrk="1" hangingPunct="1"/>
+            <a:endParaRPr lang="en-US" altLang="en-US"/>
+          </a:p>
+          <a:p>
+            <a:pPr eaLnBrk="1" hangingPunct="1"/>
+            <a:r>
+              <a:rPr lang="en-US" altLang="en-US">
+                <a:solidFill>
+                  <a:srgbClr val="7030A0"/>
+                </a:solidFill>
+              </a:rPr>
+              <a:t>and so on...</a:t>
+            </a:r>
+          </a:p>
+          <a:p>
+            <a:pPr eaLnBrk="1" hangingPunct="1"/>
+            <a:endParaRPr lang="en-US" altLang="en-US"/>
+          </a:p>
+          <a:p>
+            <a:pPr eaLnBrk="1" hangingPunct="1"/>
+            <a:r>
+              <a:rPr lang="en-US" altLang="en-US">
+                <a:latin typeface="Courier New" panose="02070309020205020404" pitchFamily="49" charset="0"/>
+                <a:cs typeface="Courier New" panose="02070309020205020404" pitchFamily="49" charset="0"/>
+              </a:rPr>
+              <a:t>	rwx = 111 in binary = 7</a:t>
+            </a:r>
+          </a:p>
+          <a:p>
+            <a:pPr eaLnBrk="1" hangingPunct="1"/>
+            <a:r>
+              <a:rPr lang="en-US" altLang="en-US">
+                <a:latin typeface="Courier New" panose="02070309020205020404" pitchFamily="49" charset="0"/>
+                <a:cs typeface="Courier New" panose="02070309020205020404" pitchFamily="49" charset="0"/>
+              </a:rPr>
+              <a:t>	rw- = 110 in binary = 6</a:t>
+            </a:r>
+          </a:p>
+          <a:p>
+            <a:pPr eaLnBrk="1" hangingPunct="1"/>
+            <a:r>
+              <a:rPr lang="en-US" altLang="en-US">
+                <a:latin typeface="Courier New" panose="02070309020205020404" pitchFamily="49" charset="0"/>
+                <a:cs typeface="Courier New" panose="02070309020205020404" pitchFamily="49" charset="0"/>
+              </a:rPr>
+              <a:t>	r-x = 101 in binary = 5</a:t>
+            </a:r>
+          </a:p>
+          <a:p>
+            <a:pPr eaLnBrk="1" hangingPunct="1"/>
+            <a:r>
+              <a:rPr lang="en-US" altLang="en-US">
+                <a:latin typeface="Courier New" panose="02070309020205020404" pitchFamily="49" charset="0"/>
+                <a:cs typeface="Courier New" panose="02070309020205020404" pitchFamily="49" charset="0"/>
+              </a:rPr>
+              <a:t>	r-- = 100 in binary = 4</a:t>
+            </a:r>
+          </a:p>
+          <a:p>
+            <a:pPr eaLnBrk="1" hangingPunct="1"/>
+            <a:r>
+              <a:rPr lang="en-US" altLang="en-US">
+                <a:latin typeface="Courier New" panose="02070309020205020404" pitchFamily="49" charset="0"/>
+                <a:cs typeface="Courier New" panose="02070309020205020404" pitchFamily="49" charset="0"/>
+              </a:rPr>
+              <a:t>	-xx = 011 in binary = 3</a:t>
+            </a:r>
+          </a:p>
+          <a:p>
+            <a:pPr eaLnBrk="1" hangingPunct="1"/>
+            <a:r>
+              <a:rPr lang="en-US" altLang="en-US">
+                <a:latin typeface="Courier New" panose="02070309020205020404" pitchFamily="49" charset="0"/>
+                <a:cs typeface="Courier New" panose="02070309020205020404" pitchFamily="49" charset="0"/>
+              </a:rPr>
+              <a:t>	-x- = 010 in binary = 2</a:t>
+            </a:r>
+          </a:p>
+          <a:p>
+            <a:pPr eaLnBrk="1" hangingPunct="1"/>
+            <a:r>
+              <a:rPr lang="en-US" altLang="en-US">
+                <a:latin typeface="Courier New" panose="02070309020205020404" pitchFamily="49" charset="0"/>
+                <a:cs typeface="Courier New" panose="02070309020205020404" pitchFamily="49" charset="0"/>
+              </a:rPr>
+              <a:t>	--x = 001 in binary = 1</a:t>
+            </a:r>
+          </a:p>
+          <a:p>
+            <a:pPr eaLnBrk="1" hangingPunct="1"/>
+            <a:r>
+              <a:rPr lang="en-US" altLang="en-US">
+                <a:latin typeface="Courier New" panose="02070309020205020404" pitchFamily="49" charset="0"/>
+                <a:cs typeface="Courier New" panose="02070309020205020404" pitchFamily="49" charset="0"/>
+              </a:rPr>
+              <a:t>	--- = 000 in binary = 0</a:t>
+            </a:r>
+          </a:p>
+        </p:txBody>
+      </p:sp>
+      <p:sp>
+        <p:nvSpPr>
+          <p:cNvPr id="2" name="Right Brace 1"/>
+          <p:cNvSpPr/>
+          <p:nvPr/>
+        </p:nvSpPr>
+        <p:spPr>
+          <a:xfrm>
+            <a:off x="6041892" y="4349773"/>
+            <a:ext cx="715618" cy="2355574"/>
+          </a:xfrm>
+          <a:prstGeom prst="rightBrace">
+            <a:avLst>
+              <a:gd name="adj1" fmla="val 47916"/>
+              <a:gd name="adj2" fmla="val 50000"/>
+            </a:avLst>
+          </a:prstGeom>
+        </p:spPr>
+        <p:style>
+          <a:lnRef idx="1">
+            <a:schemeClr val="accent1"/>
+          </a:lnRef>
+          <a:fillRef idx="0">
+            <a:schemeClr val="accent1"/>
+          </a:fillRef>
+          <a:effectRef idx="0">
+            <a:schemeClr val="accent1"/>
+          </a:effectRef>
+          <a:fontRef idx="minor">
+            <a:schemeClr val="tx1"/>
+          </a:fontRef>
+        </p:style>
+        <p:txBody>
+          <a:bodyPr rtlCol="0" anchor="ctr"/>
+          <a:lstStyle/>
+          <a:p>
+            <a:pPr algn="ctr"/>
+            <a:endParaRPr lang="en-US"/>
+          </a:p>
+        </p:txBody>
+      </p:sp>
+      <p:sp>
+        <p:nvSpPr>
+          <p:cNvPr id="4" name="TextBox 3"/>
+          <p:cNvSpPr txBox="1"/>
+          <p:nvPr/>
+        </p:nvSpPr>
+        <p:spPr>
+          <a:xfrm>
+            <a:off x="6757510" y="5342894"/>
+            <a:ext cx="855875" cy="369332"/>
+          </a:xfrm>
+          <a:prstGeom prst="rect">
+            <a:avLst/>
+          </a:prstGeom>
+          <a:noFill/>
+        </p:spPr>
+        <p:txBody>
+          <a:bodyPr wrap="none" rtlCol="0">
+            <a:spAutoFit/>
+          </a:bodyPr>
+          <a:lstStyle/>
+          <a:p>
+            <a:r>
+              <a:rPr lang="en-US" dirty="0" smtClean="0"/>
+              <a:t>Binary!</a:t>
+            </a:r>
+            <a:endParaRPr lang="en-US" dirty="0"/>
           </a:p>
         </p:txBody>
       </p:sp>
     </p:spTree>
     <p:extLst>
       <p:ext uri="{BB962C8B-B14F-4D97-AF65-F5344CB8AC3E}">
-        <p14:creationId xmlns:p14="http://schemas.microsoft.com/office/powerpoint/2010/main" val="1131872364"/>
+        <p14:creationId xmlns:p14="http://schemas.microsoft.com/office/powerpoint/2010/main" val="343131066"/>
       </p:ext>
     </p:extLst>
   </p:cSld>
@@ -9387,627 +9710,949 @@
       </p:grpSpPr>
       <p:sp>
         <p:nvSpPr>
-          <p:cNvPr id="3" name="Content Placeholder 2"/>
+          <p:cNvPr id="5" name="Rectangle 4"/>
+          <p:cNvSpPr/>
+          <p:nvPr/>
+        </p:nvSpPr>
+        <p:spPr>
+          <a:xfrm>
+            <a:off x="0" y="0"/>
+            <a:ext cx="9144000" cy="6858000"/>
+          </a:xfrm>
+          <a:prstGeom prst="rect">
+            <a:avLst/>
+          </a:prstGeom>
+          <a:pattFill prst="wdDnDiag">
+            <a:fgClr>
+              <a:srgbClr val="FF0000"/>
+            </a:fgClr>
+            <a:bgClr>
+              <a:schemeClr val="bg1"/>
+            </a:bgClr>
+          </a:pattFill>
+          <a:ln>
+            <a:noFill/>
+          </a:ln>
+        </p:spPr>
+        <p:style>
+          <a:lnRef idx="2">
+            <a:schemeClr val="accent1">
+              <a:shade val="50000"/>
+            </a:schemeClr>
+          </a:lnRef>
+          <a:fillRef idx="1">
+            <a:schemeClr val="accent1"/>
+          </a:fillRef>
+          <a:effectRef idx="0">
+            <a:schemeClr val="accent1"/>
+          </a:effectRef>
+          <a:fontRef idx="minor">
+            <a:schemeClr val="lt1"/>
+          </a:fontRef>
+        </p:style>
+        <p:txBody>
+          <a:bodyPr rtlCol="0" anchor="ctr"/>
+          <a:lstStyle/>
+          <a:p>
+            <a:pPr algn="ctr"/>
+            <a:endParaRPr lang="en-US"/>
+          </a:p>
+        </p:txBody>
+      </p:sp>
+      <p:sp>
+        <p:nvSpPr>
+          <p:cNvPr id="2" name="Title 1"/>
           <p:cNvSpPr>
             <a:spLocks noGrp="1"/>
           </p:cNvSpPr>
           <p:nvPr>
-            <p:ph idx="4294967295"/>
+            <p:ph type="title"/>
           </p:nvPr>
         </p:nvSpPr>
         <p:spPr>
-          <a:xfrm>
-            <a:off x="1575197" y="1636713"/>
-            <a:ext cx="6172200" cy="4233862"/>
-          </a:xfrm>
+          <a:solidFill>
+            <a:schemeClr val="bg1"/>
+          </a:solidFill>
         </p:spPr>
         <p:txBody>
-          <a:bodyPr rtlCol="0">
-            <a:normAutofit lnSpcReduction="10000"/>
+          <a:bodyPr>
+            <a:normAutofit/>
           </a:bodyPr>
           <a:lstStyle/>
           <a:p>
-            <a:pPr marL="0" indent="0">
-              <a:buNone/>
-              <a:defRPr/>
-            </a:pPr>
-            <a:r>
-              <a:rPr lang="en-US" sz="2000" b="1" dirty="0">
-                <a:latin typeface="Arial" pitchFamily="34" charset="0"/>
-                <a:cs typeface="Arial" pitchFamily="34" charset="0"/>
-              </a:rPr>
-              <a:t>|</a:t>
-            </a:r>
-            <a:r>
-              <a:rPr lang="en-US" sz="2000" dirty="0">
-                <a:latin typeface="Arial" pitchFamily="34" charset="0"/>
-                <a:cs typeface="Arial" pitchFamily="34" charset="0"/>
-              </a:rPr>
-              <a:t> (pipe) - </a:t>
-            </a:r>
-            <a:r>
-              <a:rPr lang="en-US" sz="2000" dirty="0">
+            <a:pPr algn="ctr"/>
+            <a:r>
+              <a:rPr lang="en-US" sz="8800" b="1" dirty="0" smtClean="0">
                 <a:solidFill>
                   <a:srgbClr val="FF0000"/>
                 </a:solidFill>
-                <a:latin typeface="Arial" pitchFamily="34" charset="0"/>
-                <a:cs typeface="Arial" pitchFamily="34" charset="0"/>
-              </a:rPr>
-              <a:t>passes output of one Linux command to the input of a 	      	  second command </a:t>
-            </a:r>
-          </a:p>
-          <a:p>
-            <a:pPr lvl="1">
-              <a:defRPr/>
-            </a:pPr>
-            <a:r>
-              <a:rPr lang="en-US" sz="1800" b="1" dirty="0">
-                <a:solidFill>
-                  <a:srgbClr val="002060"/>
-                </a:solidFill>
-                <a:latin typeface="Arial" pitchFamily="34" charset="0"/>
-                <a:cs typeface="Arial" pitchFamily="34" charset="0"/>
-              </a:rPr>
-              <a:t>Example:</a:t>
-            </a:r>
-            <a:r>
-              <a:rPr lang="en-US" sz="1800" b="1" dirty="0">
-                <a:latin typeface="Arial" pitchFamily="34" charset="0"/>
-                <a:cs typeface="Arial" pitchFamily="34" charset="0"/>
-              </a:rPr>
-              <a:t> ls </a:t>
-            </a:r>
-            <a:r>
-              <a:rPr lang="en-US" sz="1800" b="1" dirty="0" smtClean="0">
-                <a:latin typeface="Arial" pitchFamily="34" charset="0"/>
-                <a:cs typeface="Arial" pitchFamily="34" charset="0"/>
-              </a:rPr>
-              <a:t>| </a:t>
-            </a:r>
-            <a:r>
-              <a:rPr lang="en-US" sz="1800" b="1" dirty="0" err="1" smtClean="0">
-                <a:latin typeface="Arial" pitchFamily="34" charset="0"/>
-                <a:cs typeface="Arial" pitchFamily="34" charset="0"/>
-              </a:rPr>
-              <a:t>wc</a:t>
-            </a:r>
-            <a:r>
-              <a:rPr lang="en-US" sz="1800" b="1" dirty="0" smtClean="0">
-                <a:latin typeface="Arial" pitchFamily="34" charset="0"/>
-                <a:cs typeface="Arial" pitchFamily="34" charset="0"/>
-              </a:rPr>
-              <a:t> </a:t>
-            </a:r>
-            <a:r>
-              <a:rPr lang="en-US" sz="1800" b="1" dirty="0">
-                <a:latin typeface="Arial" pitchFamily="34" charset="0"/>
-                <a:cs typeface="Arial" pitchFamily="34" charset="0"/>
-              </a:rPr>
-              <a:t>(</a:t>
-            </a:r>
-            <a:r>
-              <a:rPr lang="en-US" sz="1600" b="1" dirty="0" err="1">
-                <a:latin typeface="Arial" pitchFamily="34" charset="0"/>
-                <a:cs typeface="Arial" pitchFamily="34" charset="0"/>
-              </a:rPr>
-              <a:t>wc</a:t>
-            </a:r>
-            <a:r>
-              <a:rPr lang="en-US" sz="1600" b="1" dirty="0">
-                <a:latin typeface="Arial" pitchFamily="34" charset="0"/>
-                <a:cs typeface="Arial" pitchFamily="34" charset="0"/>
-              </a:rPr>
-              <a:t> </a:t>
-            </a:r>
-            <a:r>
-              <a:rPr lang="en-US" sz="1600" dirty="0">
-                <a:latin typeface="Arial" pitchFamily="34" charset="0"/>
-                <a:cs typeface="Arial" pitchFamily="34" charset="0"/>
-              </a:rPr>
-              <a:t>– </a:t>
-            </a:r>
-            <a:r>
-              <a:rPr lang="en-US" sz="1600" dirty="0">
-                <a:solidFill>
-                  <a:srgbClr val="0070C0"/>
-                </a:solidFill>
-                <a:latin typeface="Arial" pitchFamily="34" charset="0"/>
-                <a:cs typeface="Arial" pitchFamily="34" charset="0"/>
-              </a:rPr>
-              <a:t>counts the number of characters, words and lines</a:t>
-            </a:r>
-            <a:r>
-              <a:rPr lang="en-US" sz="1600" dirty="0">
-                <a:latin typeface="Arial" pitchFamily="34" charset="0"/>
-                <a:cs typeface="Arial" pitchFamily="34" charset="0"/>
-              </a:rPr>
-              <a:t>)</a:t>
-            </a:r>
-          </a:p>
-          <a:p>
-            <a:pPr lvl="1">
-              <a:defRPr/>
-            </a:pPr>
-            <a:r>
-              <a:rPr lang="en-US" sz="1800" dirty="0">
-                <a:latin typeface="Arial" pitchFamily="34" charset="0"/>
-                <a:cs typeface="Arial" pitchFamily="34" charset="0"/>
-              </a:rPr>
-              <a:t>Not limited to just one pipe,  can string multiple pipes together</a:t>
-            </a:r>
-          </a:p>
-          <a:p>
-            <a:pPr marL="457200" lvl="1" indent="0">
-              <a:buNone/>
-              <a:defRPr/>
-            </a:pPr>
-            <a:endParaRPr lang="en-US" sz="1800" dirty="0">
-              <a:latin typeface="Arial" pitchFamily="34" charset="0"/>
-              <a:cs typeface="Arial" pitchFamily="34" charset="0"/>
+              </a:rPr>
+              <a:t>DANGER</a:t>
+            </a:r>
+            <a:endParaRPr lang="en-US" sz="8800" b="1" dirty="0">
+              <a:solidFill>
+                <a:srgbClr val="FF0000"/>
+              </a:solidFill>
             </a:endParaRPr>
           </a:p>
-          <a:p>
-            <a:pPr marL="0" indent="0">
-              <a:buNone/>
-              <a:defRPr/>
-            </a:pPr>
-            <a:r>
-              <a:rPr lang="en-US" sz="2000" b="1" dirty="0">
-                <a:latin typeface="Arial" pitchFamily="34" charset="0"/>
-                <a:cs typeface="Arial" pitchFamily="34" charset="0"/>
-              </a:rPr>
-              <a:t>&gt;, &lt;</a:t>
-            </a:r>
-            <a:r>
-              <a:rPr lang="en-US" sz="2000" dirty="0">
-                <a:latin typeface="Arial" pitchFamily="34" charset="0"/>
-                <a:cs typeface="Arial" pitchFamily="34" charset="0"/>
-              </a:rPr>
-              <a:t>  - </a:t>
-            </a:r>
-            <a:r>
-              <a:rPr lang="en-US" sz="2000" dirty="0">
-                <a:solidFill>
-                  <a:srgbClr val="FF0000"/>
-                </a:solidFill>
-                <a:latin typeface="Arial" pitchFamily="34" charset="0"/>
-                <a:cs typeface="Arial" pitchFamily="34" charset="0"/>
-              </a:rPr>
-              <a:t>redirection of files </a:t>
-            </a:r>
-          </a:p>
-          <a:p>
-            <a:pPr lvl="1">
-              <a:defRPr/>
-            </a:pPr>
-            <a:r>
-              <a:rPr lang="en-US" sz="1800" b="1" dirty="0">
-                <a:latin typeface="Arial" pitchFamily="34" charset="0"/>
-                <a:cs typeface="Arial" pitchFamily="34" charset="0"/>
-              </a:rPr>
-              <a:t>command &gt;</a:t>
-            </a:r>
-            <a:r>
-              <a:rPr lang="en-US" sz="1800" dirty="0">
-                <a:latin typeface="Arial" pitchFamily="34" charset="0"/>
-                <a:cs typeface="Arial" pitchFamily="34" charset="0"/>
-              </a:rPr>
-              <a:t> </a:t>
-            </a:r>
-            <a:r>
-              <a:rPr lang="en-US" sz="1800" i="1" dirty="0">
-                <a:latin typeface="Arial" pitchFamily="34" charset="0"/>
-                <a:cs typeface="Arial" pitchFamily="34" charset="0"/>
-              </a:rPr>
-              <a:t>filename</a:t>
-            </a:r>
-            <a:r>
-              <a:rPr lang="en-US" sz="1800" dirty="0">
-                <a:latin typeface="Arial" pitchFamily="34" charset="0"/>
-                <a:cs typeface="Arial" pitchFamily="34" charset="0"/>
-              </a:rPr>
-              <a:t> – </a:t>
-            </a:r>
-            <a:r>
-              <a:rPr lang="en-US" sz="1800" dirty="0">
-                <a:solidFill>
-                  <a:srgbClr val="FF0000"/>
-                </a:solidFill>
-                <a:latin typeface="Arial" pitchFamily="34" charset="0"/>
-                <a:cs typeface="Arial" pitchFamily="34" charset="0"/>
-              </a:rPr>
-              <a:t>output of command (or program) is sent to a file called </a:t>
-            </a:r>
-            <a:r>
-              <a:rPr lang="en-US" sz="1800" i="1" dirty="0">
-                <a:solidFill>
-                  <a:srgbClr val="FF0000"/>
-                </a:solidFill>
-                <a:latin typeface="Arial" pitchFamily="34" charset="0"/>
-                <a:cs typeface="Arial" pitchFamily="34" charset="0"/>
-              </a:rPr>
-              <a:t>filename </a:t>
-            </a:r>
-            <a:r>
-              <a:rPr lang="en-US" sz="1800" dirty="0">
-                <a:solidFill>
-                  <a:srgbClr val="FF0000"/>
-                </a:solidFill>
-                <a:latin typeface="Arial" pitchFamily="34" charset="0"/>
-                <a:cs typeface="Arial" pitchFamily="34" charset="0"/>
-              </a:rPr>
-              <a:t>instead of being displayed on the screen</a:t>
-            </a:r>
-          </a:p>
-          <a:p>
-            <a:pPr lvl="3">
-              <a:buFont typeface="Wingdings" pitchFamily="2" charset="2"/>
-              <a:buChar char="Ø"/>
-              <a:defRPr/>
-            </a:pPr>
-            <a:r>
-              <a:rPr lang="en-US" sz="1600" b="1" dirty="0">
-                <a:solidFill>
-                  <a:srgbClr val="002060"/>
-                </a:solidFill>
-                <a:latin typeface="Arial" pitchFamily="34" charset="0"/>
-                <a:cs typeface="Arial" pitchFamily="34" charset="0"/>
-              </a:rPr>
-              <a:t>Example:</a:t>
-            </a:r>
-            <a:r>
-              <a:rPr lang="en-US" sz="1600" b="1" dirty="0">
-                <a:latin typeface="Arial" pitchFamily="34" charset="0"/>
-                <a:cs typeface="Arial" pitchFamily="34" charset="0"/>
-              </a:rPr>
-              <a:t> </a:t>
-            </a:r>
-            <a:r>
-              <a:rPr lang="en-US" sz="1600" b="1" dirty="0" err="1">
-                <a:latin typeface="Arial" pitchFamily="34" charset="0"/>
-                <a:cs typeface="Arial" pitchFamily="34" charset="0"/>
-              </a:rPr>
-              <a:t>ls</a:t>
-            </a:r>
-            <a:r>
-              <a:rPr lang="en-US" sz="1600" b="1" dirty="0">
-                <a:latin typeface="Arial" pitchFamily="34" charset="0"/>
-                <a:cs typeface="Arial" pitchFamily="34" charset="0"/>
-              </a:rPr>
-              <a:t> &gt; </a:t>
-            </a:r>
-            <a:r>
-              <a:rPr lang="en-US" sz="1600" b="1" i="1" dirty="0" err="1">
-                <a:latin typeface="Arial" pitchFamily="34" charset="0"/>
-                <a:cs typeface="Arial" pitchFamily="34" charset="0"/>
-              </a:rPr>
-              <a:t>file_list</a:t>
-            </a:r>
-            <a:endParaRPr lang="en-US" sz="1600" b="1" i="1" dirty="0">
-              <a:latin typeface="Arial" pitchFamily="34" charset="0"/>
-              <a:cs typeface="Arial" pitchFamily="34" charset="0"/>
-            </a:endParaRPr>
-          </a:p>
-          <a:p>
-            <a:pPr marL="1371600" lvl="3" indent="0">
-              <a:buNone/>
-              <a:defRPr/>
-            </a:pPr>
-            <a:endParaRPr lang="en-US" sz="1600" b="1" i="1" dirty="0">
-              <a:latin typeface="Arial" pitchFamily="34" charset="0"/>
-              <a:cs typeface="Arial" pitchFamily="34" charset="0"/>
-            </a:endParaRPr>
-          </a:p>
-          <a:p>
-            <a:pPr lvl="1">
-              <a:defRPr/>
-            </a:pPr>
-            <a:r>
-              <a:rPr lang="en-US" sz="1800" b="1" dirty="0">
-                <a:latin typeface="Arial" pitchFamily="34" charset="0"/>
-                <a:cs typeface="Arial" pitchFamily="34" charset="0"/>
-              </a:rPr>
-              <a:t>command &lt;</a:t>
-            </a:r>
-            <a:r>
-              <a:rPr lang="en-US" sz="1800" dirty="0">
-                <a:latin typeface="Arial" pitchFamily="34" charset="0"/>
-                <a:cs typeface="Arial" pitchFamily="34" charset="0"/>
-              </a:rPr>
-              <a:t> </a:t>
-            </a:r>
-            <a:r>
-              <a:rPr lang="en-US" sz="1800" i="1" dirty="0">
-                <a:latin typeface="Arial" pitchFamily="34" charset="0"/>
-                <a:cs typeface="Arial" pitchFamily="34" charset="0"/>
-              </a:rPr>
-              <a:t>filename</a:t>
-            </a:r>
-            <a:r>
-              <a:rPr lang="en-US" sz="1800" dirty="0">
-                <a:latin typeface="Arial" pitchFamily="34" charset="0"/>
-                <a:cs typeface="Arial" pitchFamily="34" charset="0"/>
-              </a:rPr>
-              <a:t> – </a:t>
-            </a:r>
-            <a:r>
-              <a:rPr lang="en-US" sz="1800" dirty="0">
-                <a:solidFill>
-                  <a:srgbClr val="FF0000"/>
-                </a:solidFill>
-                <a:latin typeface="Arial" pitchFamily="34" charset="0"/>
-                <a:cs typeface="Arial" pitchFamily="34" charset="0"/>
-              </a:rPr>
-              <a:t>the file </a:t>
-            </a:r>
-            <a:r>
-              <a:rPr lang="en-US" sz="1800" i="1" dirty="0">
-                <a:solidFill>
-                  <a:srgbClr val="FF0000"/>
-                </a:solidFill>
-                <a:latin typeface="Arial" pitchFamily="34" charset="0"/>
-                <a:cs typeface="Arial" pitchFamily="34" charset="0"/>
-              </a:rPr>
-              <a:t>filename</a:t>
-            </a:r>
-            <a:r>
-              <a:rPr lang="en-US" sz="1800" dirty="0">
-                <a:solidFill>
-                  <a:srgbClr val="FF0000"/>
-                </a:solidFill>
-                <a:latin typeface="Arial" pitchFamily="34" charset="0"/>
-                <a:cs typeface="Arial" pitchFamily="34" charset="0"/>
-              </a:rPr>
-              <a:t> is the input to the command or program</a:t>
-            </a:r>
-          </a:p>
-          <a:p>
-            <a:pPr lvl="3">
-              <a:buFont typeface="Wingdings" pitchFamily="2" charset="2"/>
-              <a:buChar char="Ø"/>
-              <a:defRPr/>
-            </a:pPr>
-            <a:r>
-              <a:rPr lang="en-US" sz="1600" b="1" dirty="0">
-                <a:solidFill>
-                  <a:srgbClr val="002060"/>
-                </a:solidFill>
-                <a:latin typeface="Arial" pitchFamily="34" charset="0"/>
-                <a:cs typeface="Arial" pitchFamily="34" charset="0"/>
-              </a:rPr>
-              <a:t>Example:</a:t>
-            </a:r>
-            <a:r>
-              <a:rPr lang="en-US" sz="1600" i="1" dirty="0">
-                <a:latin typeface="Arial" pitchFamily="34" charset="0"/>
-                <a:cs typeface="Arial" pitchFamily="34" charset="0"/>
-              </a:rPr>
-              <a:t> </a:t>
-            </a:r>
-            <a:r>
-              <a:rPr lang="en-US" sz="1600" b="1" dirty="0" err="1">
-                <a:latin typeface="Arial" pitchFamily="34" charset="0"/>
-                <a:cs typeface="Arial" pitchFamily="34" charset="0"/>
-              </a:rPr>
-              <a:t>xplor</a:t>
-            </a:r>
-            <a:r>
-              <a:rPr lang="en-US" sz="1600" i="1" dirty="0">
-                <a:latin typeface="Arial" pitchFamily="34" charset="0"/>
-                <a:cs typeface="Arial" pitchFamily="34" charset="0"/>
-              </a:rPr>
-              <a:t> </a:t>
-            </a:r>
-            <a:r>
-              <a:rPr lang="en-US" sz="1600" dirty="0">
-                <a:latin typeface="Arial" pitchFamily="34" charset="0"/>
-                <a:cs typeface="Arial" pitchFamily="34" charset="0"/>
-              </a:rPr>
-              <a:t>&lt; </a:t>
-            </a:r>
-            <a:r>
-              <a:rPr lang="en-US" sz="1600" i="1" dirty="0">
-                <a:latin typeface="Arial" pitchFamily="34" charset="0"/>
-                <a:cs typeface="Arial" pitchFamily="34" charset="0"/>
-              </a:rPr>
-              <a:t>psf.inp</a:t>
-            </a:r>
-            <a:r>
-              <a:rPr lang="en-US" sz="1600" dirty="0">
-                <a:latin typeface="Arial" pitchFamily="34" charset="0"/>
-                <a:cs typeface="Arial" pitchFamily="34" charset="0"/>
-              </a:rPr>
-              <a:t> </a:t>
-            </a:r>
-            <a:endParaRPr lang="en-US" sz="1600" i="1" dirty="0">
-              <a:latin typeface="Arial" pitchFamily="34" charset="0"/>
-              <a:cs typeface="Arial" pitchFamily="34" charset="0"/>
-            </a:endParaRPr>
-          </a:p>
-          <a:p>
-            <a:pPr marL="457200" lvl="1" indent="0">
-              <a:buNone/>
-              <a:defRPr/>
-            </a:pPr>
-            <a:endParaRPr lang="en-US" dirty="0" smtClean="0"/>
-          </a:p>
-          <a:p>
-            <a:pPr>
-              <a:buNone/>
-              <a:defRPr/>
-            </a:pPr>
-            <a:endParaRPr lang="en-US" dirty="0"/>
-          </a:p>
         </p:txBody>
       </p:sp>
       <p:sp>
         <p:nvSpPr>
-          <p:cNvPr id="51203" name="Title 1"/>
+          <p:cNvPr id="3" name="Title 1"/>
           <p:cNvSpPr txBox="1">
             <a:spLocks/>
           </p:cNvSpPr>
           <p:nvPr/>
         </p:nvSpPr>
-        <p:spPr bwMode="auto">
+        <p:spPr>
           <a:xfrm>
-            <a:off x="1746647" y="344488"/>
-            <a:ext cx="5829300" cy="735012"/>
+            <a:off x="729011" y="5111828"/>
+            <a:ext cx="7886700" cy="1325563"/>
           </a:xfrm>
           <a:prstGeom prst="rect">
             <a:avLst/>
           </a:prstGeom>
-          <a:noFill/>
-          <a:ln>
-            <a:noFill/>
-          </a:ln>
-          <a:extLst>
-            <a:ext uri="{909E8E84-426E-40DD-AFC4-6F175D3DCCD1}">
-              <a14:hiddenFill xmlns:a14="http://schemas.microsoft.com/office/drawing/2010/main">
-                <a:solidFill>
-                  <a:srgbClr val="FFFFFF"/>
-                </a:solidFill>
-              </a14:hiddenFill>
-            </a:ext>
-            <a:ext uri="{91240B29-F687-4F45-9708-019B960494DF}">
-              <a14:hiddenLine xmlns:a14="http://schemas.microsoft.com/office/drawing/2010/main" w="9525">
-                <a:solidFill>
-                  <a:srgbClr val="000000"/>
-                </a:solidFill>
-                <a:miter lim="800000"/>
-                <a:headEnd/>
-                <a:tailEnd/>
-              </a14:hiddenLine>
-            </a:ext>
-          </a:extLst>
+          <a:solidFill>
+            <a:schemeClr val="bg1"/>
+          </a:solidFill>
         </p:spPr>
         <p:txBody>
-          <a:bodyPr/>
+          <a:bodyPr vert="horz" lIns="91440" tIns="45720" rIns="91440" bIns="45720" rtlCol="0" anchor="ctr">
+            <a:normAutofit/>
+          </a:bodyPr>
           <a:lstStyle>
-            <a:lvl1pPr eaLnBrk="0" hangingPunct="0">
-              <a:defRPr>
-                <a:solidFill>
-                  <a:schemeClr val="tx1"/>
-                </a:solidFill>
-                <a:latin typeface="Arial" panose="020B0604020202020204" pitchFamily="34" charset="0"/>
+            <a:lvl1pPr algn="l" defTabSz="914400" rtl="0" eaLnBrk="1" latinLnBrk="0" hangingPunct="1">
+              <a:lnSpc>
+                <a:spcPct val="90000"/>
+              </a:lnSpc>
+              <a:spcBef>
+                <a:spcPct val="0"/>
+              </a:spcBef>
+              <a:buNone/>
+              <a:defRPr sz="4400" kern="1200">
+                <a:solidFill>
+                  <a:schemeClr val="tx1"/>
+                </a:solidFill>
+                <a:latin typeface="+mj-lt"/>
+                <a:ea typeface="+mj-ea"/>
+                <a:cs typeface="+mj-cs"/>
               </a:defRPr>
             </a:lvl1pPr>
-            <a:lvl2pPr marL="742950" indent="-285750" eaLnBrk="0" hangingPunct="0">
-              <a:defRPr>
-                <a:solidFill>
-                  <a:schemeClr val="tx1"/>
-                </a:solidFill>
-                <a:latin typeface="Arial" panose="020B0604020202020204" pitchFamily="34" charset="0"/>
-              </a:defRPr>
-            </a:lvl2pPr>
-            <a:lvl3pPr marL="1143000" indent="-228600" eaLnBrk="0" hangingPunct="0">
-              <a:defRPr>
-                <a:solidFill>
-                  <a:schemeClr val="tx1"/>
-                </a:solidFill>
-                <a:latin typeface="Arial" panose="020B0604020202020204" pitchFamily="34" charset="0"/>
-              </a:defRPr>
-            </a:lvl3pPr>
-            <a:lvl4pPr marL="1600200" indent="-228600" eaLnBrk="0" hangingPunct="0">
-              <a:defRPr>
-                <a:solidFill>
-                  <a:schemeClr val="tx1"/>
-                </a:solidFill>
-                <a:latin typeface="Arial" panose="020B0604020202020204" pitchFamily="34" charset="0"/>
-              </a:defRPr>
-            </a:lvl4pPr>
-            <a:lvl5pPr marL="2057400" indent="-228600" eaLnBrk="0" hangingPunct="0">
-              <a:defRPr>
-                <a:solidFill>
-                  <a:schemeClr val="tx1"/>
-                </a:solidFill>
-                <a:latin typeface="Arial" panose="020B0604020202020204" pitchFamily="34" charset="0"/>
-              </a:defRPr>
-            </a:lvl5pPr>
-            <a:lvl6pPr marL="2514600" indent="-228600" eaLnBrk="0" fontAlgn="base" hangingPunct="0">
-              <a:spcBef>
-                <a:spcPct val="0"/>
-              </a:spcBef>
-              <a:spcAft>
-                <a:spcPct val="0"/>
-              </a:spcAft>
-              <a:defRPr>
-                <a:solidFill>
-                  <a:schemeClr val="tx1"/>
-                </a:solidFill>
-                <a:latin typeface="Arial" panose="020B0604020202020204" pitchFamily="34" charset="0"/>
-              </a:defRPr>
-            </a:lvl6pPr>
-            <a:lvl7pPr marL="2971800" indent="-228600" eaLnBrk="0" fontAlgn="base" hangingPunct="0">
-              <a:spcBef>
-                <a:spcPct val="0"/>
-              </a:spcBef>
-              <a:spcAft>
-                <a:spcPct val="0"/>
-              </a:spcAft>
-              <a:defRPr>
-                <a:solidFill>
-                  <a:schemeClr val="tx1"/>
-                </a:solidFill>
-                <a:latin typeface="Arial" panose="020B0604020202020204" pitchFamily="34" charset="0"/>
-              </a:defRPr>
-            </a:lvl7pPr>
-            <a:lvl8pPr marL="3429000" indent="-228600" eaLnBrk="0" fontAlgn="base" hangingPunct="0">
-              <a:spcBef>
-                <a:spcPct val="0"/>
-              </a:spcBef>
-              <a:spcAft>
-                <a:spcPct val="0"/>
-              </a:spcAft>
-              <a:defRPr>
-                <a:solidFill>
-                  <a:schemeClr val="tx1"/>
-                </a:solidFill>
-                <a:latin typeface="Arial" panose="020B0604020202020204" pitchFamily="34" charset="0"/>
-              </a:defRPr>
-            </a:lvl8pPr>
-            <a:lvl9pPr marL="3886200" indent="-228600" eaLnBrk="0" fontAlgn="base" hangingPunct="0">
-              <a:spcBef>
-                <a:spcPct val="0"/>
-              </a:spcBef>
-              <a:spcAft>
-                <a:spcPct val="0"/>
-              </a:spcAft>
-              <a:defRPr>
-                <a:solidFill>
-                  <a:schemeClr val="tx1"/>
-                </a:solidFill>
-                <a:latin typeface="Arial" panose="020B0604020202020204" pitchFamily="34" charset="0"/>
-              </a:defRPr>
-            </a:lvl9pPr>
           </a:lstStyle>
           <a:p>
-            <a:pPr algn="ctr" eaLnBrk="1" hangingPunct="1"/>
-            <a:r>
-              <a:rPr lang="en-US" altLang="en-US" sz="4400">
-                <a:latin typeface="Calibri" panose="020F0502020204030204" pitchFamily="34" charset="0"/>
-              </a:rPr>
-              <a:t>Pipes and Redirection</a:t>
-            </a:r>
+            <a:pPr algn="ctr"/>
+            <a:r>
+              <a:rPr lang="en-US" sz="8800" b="1" dirty="0" smtClean="0">
+                <a:solidFill>
+                  <a:srgbClr val="FF0000"/>
+                </a:solidFill>
+              </a:rPr>
+              <a:t>DANGER</a:t>
+            </a:r>
+            <a:endParaRPr lang="en-US" sz="8800" b="1" dirty="0">
+              <a:solidFill>
+                <a:srgbClr val="FF0000"/>
+              </a:solidFill>
+            </a:endParaRPr>
+          </a:p>
+        </p:txBody>
+      </p:sp>
+      <p:sp>
+        <p:nvSpPr>
+          <p:cNvPr id="4" name="TextBox 3"/>
+          <p:cNvSpPr txBox="1"/>
+          <p:nvPr/>
+        </p:nvSpPr>
+        <p:spPr>
+          <a:xfrm>
+            <a:off x="992458" y="2639123"/>
+            <a:ext cx="7159083" cy="1477328"/>
+          </a:xfrm>
+          <a:prstGeom prst="rect">
+            <a:avLst/>
+          </a:prstGeom>
+          <a:solidFill>
+            <a:schemeClr val="bg1"/>
+          </a:solidFill>
+        </p:spPr>
+        <p:txBody>
+          <a:bodyPr wrap="square" rtlCol="0">
+            <a:spAutoFit/>
+          </a:bodyPr>
+          <a:lstStyle/>
+          <a:p>
+            <a:r>
+              <a:rPr lang="en-US" b="1" dirty="0" err="1" smtClean="0">
+                <a:solidFill>
+                  <a:srgbClr val="7030A0"/>
+                </a:solidFill>
+              </a:rPr>
+              <a:t>rm</a:t>
+            </a:r>
+            <a:r>
+              <a:rPr lang="en-US" b="1" dirty="0" smtClean="0">
+                <a:solidFill>
+                  <a:srgbClr val="7030A0"/>
+                </a:solidFill>
+              </a:rPr>
+              <a:t> –</a:t>
+            </a:r>
+            <a:r>
+              <a:rPr lang="en-US" b="1" dirty="0" err="1" smtClean="0">
+                <a:solidFill>
+                  <a:srgbClr val="7030A0"/>
+                </a:solidFill>
+              </a:rPr>
+              <a:t>Rf</a:t>
+            </a:r>
+            <a:r>
+              <a:rPr lang="en-US" b="1" dirty="0" smtClean="0">
+                <a:solidFill>
+                  <a:srgbClr val="7030A0"/>
+                </a:solidFill>
+              </a:rPr>
+              <a:t> </a:t>
+            </a:r>
+            <a:r>
+              <a:rPr lang="en-US" dirty="0" smtClean="0"/>
+              <a:t>is very powerful … you can wipe out </a:t>
+            </a:r>
+            <a:r>
+              <a:rPr lang="en-US" b="1" dirty="0" smtClean="0">
+                <a:solidFill>
+                  <a:srgbClr val="00B0F0"/>
+                </a:solidFill>
+              </a:rPr>
+              <a:t>all of your work </a:t>
+            </a:r>
+            <a:r>
+              <a:rPr lang="en-US" dirty="0" smtClean="0"/>
+              <a:t>and the </a:t>
+            </a:r>
+            <a:r>
+              <a:rPr lang="en-US" b="1" dirty="0" smtClean="0">
+                <a:solidFill>
+                  <a:srgbClr val="00B0F0"/>
+                </a:solidFill>
+              </a:rPr>
+              <a:t>operating system </a:t>
+            </a:r>
+            <a:r>
+              <a:rPr lang="en-US" dirty="0" smtClean="0"/>
+              <a:t>if used incorrectly!</a:t>
+            </a:r>
+          </a:p>
+          <a:p>
+            <a:endParaRPr lang="en-US" dirty="0"/>
+          </a:p>
+          <a:p>
+            <a:r>
+              <a:rPr lang="en-US" dirty="0" smtClean="0"/>
+              <a:t>I suggest </a:t>
+            </a:r>
+            <a:r>
+              <a:rPr lang="en-US" b="1" dirty="0" smtClean="0">
+                <a:solidFill>
+                  <a:srgbClr val="FF0000"/>
+                </a:solidFill>
+              </a:rPr>
+              <a:t>NEVER</a:t>
+            </a:r>
+            <a:r>
+              <a:rPr lang="en-US" dirty="0" smtClean="0">
+                <a:solidFill>
+                  <a:srgbClr val="FF0000"/>
+                </a:solidFill>
+              </a:rPr>
+              <a:t> </a:t>
+            </a:r>
+            <a:r>
+              <a:rPr lang="en-US" dirty="0" smtClean="0"/>
+              <a:t>deleting anything and if you do, just use </a:t>
+            </a:r>
+            <a:r>
+              <a:rPr lang="en-US" b="1" dirty="0" smtClean="0">
+                <a:solidFill>
+                  <a:srgbClr val="7030A0"/>
+                </a:solidFill>
+              </a:rPr>
+              <a:t>rm</a:t>
+            </a:r>
+            <a:r>
+              <a:rPr lang="en-US" dirty="0" smtClean="0"/>
+              <a:t>. The recursive and force can be vary dangerous … you have been warned.</a:t>
+            </a:r>
+            <a:endParaRPr lang="en-US" dirty="0"/>
           </a:p>
         </p:txBody>
       </p:sp>
     </p:spTree>
     <p:extLst>
       <p:ext uri="{BB962C8B-B14F-4D97-AF65-F5344CB8AC3E}">
-        <p14:creationId xmlns:p14="http://schemas.microsoft.com/office/powerpoint/2010/main" val="3112034824"/>
+        <p14:creationId xmlns:p14="http://schemas.microsoft.com/office/powerpoint/2010/main" val="3191714669"/>
       </p:ext>
     </p:extLst>
   </p:cSld>
   <p:clrMapOvr>
     <a:masterClrMapping/>
   </p:clrMapOvr>
-  <p:timing>
-    <p:tnLst>
-      <p:par>
-        <p:cTn id="1" dur="indefinite" restart="never" nodeType="tmRoot"/>
-      </p:par>
-    </p:tnLst>
-  </p:timing>
+</p:sld>
+</file>
+
+<file path=ppt/slides/slide16.xml><?xml version="1.0" encoding="utf-8"?>
+<p:sld xmlns:a="http://schemas.openxmlformats.org/drawingml/2006/main" xmlns:r="http://schemas.openxmlformats.org/officeDocument/2006/relationships" xmlns:p="http://schemas.openxmlformats.org/presentationml/2006/main">
+  <p:cSld>
+    <p:spTree>
+      <p:nvGrpSpPr>
+        <p:cNvPr id="1" name=""/>
+        <p:cNvGrpSpPr/>
+        <p:nvPr/>
+      </p:nvGrpSpPr>
+      <p:grpSpPr>
+        <a:xfrm>
+          <a:off x="0" y="0"/>
+          <a:ext cx="0" cy="0"/>
+          <a:chOff x="0" y="0"/>
+          <a:chExt cx="0" cy="0"/>
+        </a:xfrm>
+      </p:grpSpPr>
+      <p:sp>
+        <p:nvSpPr>
+          <p:cNvPr id="2" name="Title 1"/>
+          <p:cNvSpPr>
+            <a:spLocks noGrp="1"/>
+          </p:cNvSpPr>
+          <p:nvPr>
+            <p:ph type="title"/>
+          </p:nvPr>
+        </p:nvSpPr>
+        <p:spPr/>
+        <p:txBody>
+          <a:bodyPr/>
+          <a:lstStyle/>
+          <a:p>
+            <a:r>
+              <a:rPr lang="en-US" dirty="0" err="1" smtClean="0"/>
+              <a:t>htop</a:t>
+            </a:r>
+            <a:r>
+              <a:rPr lang="en-US" dirty="0" smtClean="0"/>
+              <a:t> (only on </a:t>
+            </a:r>
+            <a:r>
+              <a:rPr lang="en-US" dirty="0" err="1" smtClean="0"/>
+              <a:t>linux</a:t>
+            </a:r>
+            <a:r>
+              <a:rPr lang="en-US" dirty="0" smtClean="0"/>
+              <a:t>)</a:t>
+            </a:r>
+            <a:endParaRPr lang="en-US" dirty="0"/>
+          </a:p>
+        </p:txBody>
+      </p:sp>
+      <p:sp>
+        <p:nvSpPr>
+          <p:cNvPr id="3" name="TextBox 2"/>
+          <p:cNvSpPr txBox="1"/>
+          <p:nvPr/>
+        </p:nvSpPr>
+        <p:spPr>
+          <a:xfrm>
+            <a:off x="3427142" y="6108493"/>
+            <a:ext cx="2887650" cy="369332"/>
+          </a:xfrm>
+          <a:prstGeom prst="rect">
+            <a:avLst/>
+          </a:prstGeom>
+          <a:noFill/>
+        </p:spPr>
+        <p:txBody>
+          <a:bodyPr wrap="none" rtlCol="0">
+            <a:spAutoFit/>
+          </a:bodyPr>
+          <a:lstStyle/>
+          <a:p>
+            <a:r>
+              <a:rPr lang="en-US" dirty="0" err="1" smtClean="0"/>
+              <a:t>ps</a:t>
+            </a:r>
+            <a:r>
+              <a:rPr lang="en-US" dirty="0" smtClean="0"/>
+              <a:t> is nice, but </a:t>
+            </a:r>
+            <a:r>
+              <a:rPr lang="en-US" dirty="0" err="1" smtClean="0"/>
+              <a:t>htop</a:t>
+            </a:r>
+            <a:r>
+              <a:rPr lang="en-US" dirty="0" smtClean="0"/>
+              <a:t> is better </a:t>
+            </a:r>
+            <a:endParaRPr lang="en-US" dirty="0"/>
+          </a:p>
+        </p:txBody>
+      </p:sp>
+      <p:pic>
+        <p:nvPicPr>
+          <p:cNvPr id="1028" name="Picture 4" descr="See the source image"/>
+          <p:cNvPicPr>
+            <a:picLocks noChangeAspect="1" noChangeArrowheads="1"/>
+          </p:cNvPicPr>
+          <p:nvPr/>
+        </p:nvPicPr>
+        <p:blipFill>
+          <a:blip r:embed="rId2">
+            <a:extLst>
+              <a:ext uri="{28A0092B-C50C-407E-A947-70E740481C1C}">
+                <a14:useLocalDpi xmlns:a14="http://schemas.microsoft.com/office/drawing/2010/main" val="0"/>
+              </a:ext>
+            </a:extLst>
+          </a:blip>
+          <a:srcRect/>
+          <a:stretch>
+            <a:fillRect/>
+          </a:stretch>
+        </p:blipFill>
+        <p:spPr bwMode="auto">
+          <a:xfrm>
+            <a:off x="1553737" y="1489497"/>
+            <a:ext cx="6794810" cy="4618996"/>
+          </a:xfrm>
+          <a:prstGeom prst="rect">
+            <a:avLst/>
+          </a:prstGeom>
+          <a:noFill/>
+          <a:extLst>
+            <a:ext uri="{909E8E84-426E-40DD-AFC4-6F175D3DCCD1}">
+              <a14:hiddenFill xmlns:a14="http://schemas.microsoft.com/office/drawing/2010/main">
+                <a:solidFill>
+                  <a:srgbClr val="FFFFFF"/>
+                </a:solidFill>
+              </a14:hiddenFill>
+            </a:ext>
+          </a:extLst>
+        </p:spPr>
+      </p:pic>
+    </p:spTree>
+    <p:extLst>
+      <p:ext uri="{BB962C8B-B14F-4D97-AF65-F5344CB8AC3E}">
+        <p14:creationId xmlns:p14="http://schemas.microsoft.com/office/powerpoint/2010/main" val="116949078"/>
+      </p:ext>
+    </p:extLst>
+  </p:cSld>
+  <p:clrMapOvr>
+    <a:masterClrMapping/>
+  </p:clrMapOvr>
+</p:sld>
+</file>
+
+<file path=ppt/slides/slide17.xml><?xml version="1.0" encoding="utf-8"?>
+<p:sld xmlns:a="http://schemas.openxmlformats.org/drawingml/2006/main" xmlns:r="http://schemas.openxmlformats.org/officeDocument/2006/relationships" xmlns:p="http://schemas.openxmlformats.org/presentationml/2006/main">
+  <p:cSld>
+    <p:spTree>
+      <p:nvGrpSpPr>
+        <p:cNvPr id="1" name=""/>
+        <p:cNvGrpSpPr/>
+        <p:nvPr/>
+      </p:nvGrpSpPr>
+      <p:grpSpPr>
+        <a:xfrm>
+          <a:off x="0" y="0"/>
+          <a:ext cx="0" cy="0"/>
+          <a:chOff x="0" y="0"/>
+          <a:chExt cx="0" cy="0"/>
+        </a:xfrm>
+      </p:grpSpPr>
+      <p:sp>
+        <p:nvSpPr>
+          <p:cNvPr id="2" name="Title 1"/>
+          <p:cNvSpPr>
+            <a:spLocks noGrp="1"/>
+          </p:cNvSpPr>
+          <p:nvPr>
+            <p:ph type="title"/>
+          </p:nvPr>
+        </p:nvSpPr>
+        <p:spPr/>
+        <p:txBody>
+          <a:bodyPr/>
+          <a:lstStyle/>
+          <a:p>
+            <a:r>
+              <a:rPr lang="en-US" dirty="0" err="1" smtClean="0"/>
+              <a:t>pico</a:t>
+            </a:r>
+            <a:r>
+              <a:rPr lang="en-US" dirty="0" smtClean="0"/>
+              <a:t> (only on </a:t>
+            </a:r>
+            <a:r>
+              <a:rPr lang="en-US" dirty="0" err="1" smtClean="0"/>
+              <a:t>liux</a:t>
+            </a:r>
+            <a:r>
+              <a:rPr lang="en-US" dirty="0" smtClean="0"/>
+              <a:t>)</a:t>
+            </a:r>
+            <a:endParaRPr lang="en-US" dirty="0"/>
+          </a:p>
+        </p:txBody>
+      </p:sp>
+      <p:pic>
+        <p:nvPicPr>
+          <p:cNvPr id="2050" name="Picture 2" descr="See the source image"/>
+          <p:cNvPicPr>
+            <a:picLocks noChangeAspect="1" noChangeArrowheads="1"/>
+          </p:cNvPicPr>
+          <p:nvPr/>
+        </p:nvPicPr>
+        <p:blipFill>
+          <a:blip r:embed="rId2">
+            <a:extLst>
+              <a:ext uri="{28A0092B-C50C-407E-A947-70E740481C1C}">
+                <a14:useLocalDpi xmlns:a14="http://schemas.microsoft.com/office/drawing/2010/main" val="0"/>
+              </a:ext>
+            </a:extLst>
+          </a:blip>
+          <a:srcRect/>
+          <a:stretch>
+            <a:fillRect/>
+          </a:stretch>
+        </p:blipFill>
+        <p:spPr bwMode="auto">
+          <a:xfrm>
+            <a:off x="1092277" y="1830386"/>
+            <a:ext cx="6997835" cy="4429163"/>
+          </a:xfrm>
+          <a:prstGeom prst="rect">
+            <a:avLst/>
+          </a:prstGeom>
+          <a:noFill/>
+          <a:extLst>
+            <a:ext uri="{909E8E84-426E-40DD-AFC4-6F175D3DCCD1}">
+              <a14:hiddenFill xmlns:a14="http://schemas.microsoft.com/office/drawing/2010/main">
+                <a:solidFill>
+                  <a:srgbClr val="FFFFFF"/>
+                </a:solidFill>
+              </a14:hiddenFill>
+            </a:ext>
+          </a:extLst>
+        </p:spPr>
+      </p:pic>
+    </p:spTree>
+    <p:extLst>
+      <p:ext uri="{BB962C8B-B14F-4D97-AF65-F5344CB8AC3E}">
+        <p14:creationId xmlns:p14="http://schemas.microsoft.com/office/powerpoint/2010/main" val="762651550"/>
+      </p:ext>
+    </p:extLst>
+  </p:cSld>
+  <p:clrMapOvr>
+    <a:masterClrMapping/>
+  </p:clrMapOvr>
+</p:sld>
+</file>
+
+<file path=ppt/slides/slide18.xml><?xml version="1.0" encoding="utf-8"?>
+<p:sld xmlns:a="http://schemas.openxmlformats.org/drawingml/2006/main" xmlns:r="http://schemas.openxmlformats.org/officeDocument/2006/relationships" xmlns:p="http://schemas.openxmlformats.org/presentationml/2006/main">
+  <p:cSld>
+    <p:spTree>
+      <p:nvGrpSpPr>
+        <p:cNvPr id="1" name=""/>
+        <p:cNvGrpSpPr/>
+        <p:nvPr/>
+      </p:nvGrpSpPr>
+      <p:grpSpPr>
+        <a:xfrm>
+          <a:off x="0" y="0"/>
+          <a:ext cx="0" cy="0"/>
+          <a:chOff x="0" y="0"/>
+          <a:chExt cx="0" cy="0"/>
+        </a:xfrm>
+      </p:grpSpPr>
+      <p:sp>
+        <p:nvSpPr>
+          <p:cNvPr id="2" name="Title 1"/>
+          <p:cNvSpPr>
+            <a:spLocks noGrp="1"/>
+          </p:cNvSpPr>
+          <p:nvPr>
+            <p:ph type="title"/>
+          </p:nvPr>
+        </p:nvSpPr>
+        <p:spPr/>
+        <p:txBody>
+          <a:bodyPr/>
+          <a:lstStyle/>
+          <a:p>
+            <a:r>
+              <a:rPr lang="en-US" dirty="0" smtClean="0"/>
+              <a:t>Your Turn</a:t>
+            </a:r>
+            <a:endParaRPr lang="en-US" dirty="0"/>
+          </a:p>
+        </p:txBody>
+      </p:sp>
+      <p:sp>
+        <p:nvSpPr>
+          <p:cNvPr id="3" name="Content Placeholder 2"/>
+          <p:cNvSpPr>
+            <a:spLocks noGrp="1"/>
+          </p:cNvSpPr>
+          <p:nvPr>
+            <p:ph idx="1"/>
+          </p:nvPr>
+        </p:nvSpPr>
+        <p:spPr/>
+        <p:txBody>
+          <a:bodyPr>
+            <a:normAutofit fontScale="85000" lnSpcReduction="20000"/>
+          </a:bodyPr>
+          <a:lstStyle/>
+          <a:p>
+            <a:r>
+              <a:rPr lang="en-US" dirty="0" smtClean="0">
+                <a:solidFill>
+                  <a:srgbClr val="FF0000"/>
+                </a:solidFill>
+              </a:rPr>
+              <a:t>Individually</a:t>
+            </a:r>
+            <a:r>
+              <a:rPr lang="en-US" dirty="0" smtClean="0"/>
+              <a:t> log into your </a:t>
+            </a:r>
+            <a:r>
+              <a:rPr lang="en-US" dirty="0" err="1" smtClean="0"/>
+              <a:t>roomba</a:t>
+            </a:r>
+            <a:r>
+              <a:rPr lang="en-US" dirty="0" smtClean="0"/>
+              <a:t> robot.</a:t>
+            </a:r>
+          </a:p>
+          <a:p>
+            <a:pPr lvl="1"/>
+            <a:r>
+              <a:rPr lang="en-US" dirty="0" smtClean="0"/>
+              <a:t>Join its </a:t>
+            </a:r>
+            <a:r>
+              <a:rPr lang="en-US" dirty="0" err="1" smtClean="0"/>
+              <a:t>wifi</a:t>
+            </a:r>
+            <a:r>
+              <a:rPr lang="en-US" dirty="0" smtClean="0"/>
+              <a:t> network</a:t>
+            </a:r>
+          </a:p>
+          <a:p>
+            <a:pPr lvl="1"/>
+            <a:r>
+              <a:rPr lang="en-US" dirty="0" smtClean="0"/>
+              <a:t>Login (</a:t>
+            </a:r>
+            <a:r>
+              <a:rPr lang="en-US" b="1" dirty="0" smtClean="0">
+                <a:solidFill>
+                  <a:srgbClr val="FF0000"/>
+                </a:solidFill>
+              </a:rPr>
+              <a:t>yes I know this is terrible!</a:t>
+            </a:r>
+            <a:r>
+              <a:rPr lang="en-US" dirty="0" smtClean="0"/>
+              <a:t>):</a:t>
+            </a:r>
+          </a:p>
+          <a:p>
+            <a:pPr lvl="2"/>
+            <a:r>
+              <a:rPr lang="en-US" dirty="0"/>
+              <a:t>u</a:t>
+            </a:r>
+            <a:r>
+              <a:rPr lang="en-US" dirty="0" smtClean="0"/>
+              <a:t>sername: pi</a:t>
+            </a:r>
+          </a:p>
+          <a:p>
+            <a:pPr lvl="2"/>
+            <a:r>
+              <a:rPr lang="en-US" dirty="0" smtClean="0"/>
+              <a:t>password: raspberry</a:t>
+            </a:r>
+          </a:p>
+          <a:p>
+            <a:r>
+              <a:rPr lang="en-US" dirty="0" smtClean="0"/>
+              <a:t>Refer to the cheat sheet on the webpage for help with these commands (or these slides)</a:t>
+            </a:r>
+          </a:p>
+          <a:p>
+            <a:r>
+              <a:rPr lang="en-US" dirty="0" smtClean="0"/>
+              <a:t>Try:</a:t>
+            </a:r>
+          </a:p>
+          <a:p>
+            <a:pPr lvl="1"/>
+            <a:r>
+              <a:rPr lang="en-US" dirty="0" smtClean="0"/>
+              <a:t>Make a directory called </a:t>
+            </a:r>
+            <a:r>
+              <a:rPr lang="en-US" dirty="0" err="1" smtClean="0">
+                <a:solidFill>
+                  <a:srgbClr val="00B050"/>
+                </a:solidFill>
+              </a:rPr>
+              <a:t>your_name</a:t>
+            </a:r>
+            <a:r>
+              <a:rPr lang="en-US" dirty="0" smtClean="0"/>
+              <a:t> and change into that directory</a:t>
+            </a:r>
+          </a:p>
+          <a:p>
+            <a:pPr lvl="1"/>
+            <a:r>
+              <a:rPr lang="en-US" dirty="0" smtClean="0"/>
+              <a:t>Create a file with </a:t>
+            </a:r>
+            <a:r>
+              <a:rPr lang="en-US" b="1" dirty="0" smtClean="0">
+                <a:solidFill>
+                  <a:srgbClr val="7030A0"/>
+                </a:solidFill>
+              </a:rPr>
+              <a:t>touch</a:t>
+            </a:r>
+            <a:r>
+              <a:rPr lang="en-US" dirty="0" smtClean="0"/>
+              <a:t> called </a:t>
+            </a:r>
+            <a:r>
+              <a:rPr lang="en-US" dirty="0" smtClean="0">
+                <a:solidFill>
+                  <a:srgbClr val="00B050"/>
+                </a:solidFill>
+              </a:rPr>
+              <a:t>test.txt</a:t>
+            </a:r>
+          </a:p>
+          <a:p>
+            <a:pPr lvl="1"/>
+            <a:r>
+              <a:rPr lang="en-US" dirty="0" smtClean="0"/>
+              <a:t>Edit it with </a:t>
+            </a:r>
+            <a:r>
+              <a:rPr lang="en-US" b="1" dirty="0" err="1" smtClean="0">
+                <a:solidFill>
+                  <a:srgbClr val="7030A0"/>
+                </a:solidFill>
+              </a:rPr>
+              <a:t>pico</a:t>
+            </a:r>
+            <a:r>
+              <a:rPr lang="en-US" dirty="0" smtClean="0">
+                <a:solidFill>
+                  <a:srgbClr val="7030A0"/>
+                </a:solidFill>
+              </a:rPr>
+              <a:t> </a:t>
+            </a:r>
+            <a:r>
+              <a:rPr lang="en-US" dirty="0" smtClean="0"/>
+              <a:t>… just type “hello” in it</a:t>
+            </a:r>
+            <a:endParaRPr lang="en-US" b="1" dirty="0" smtClean="0">
+              <a:solidFill>
+                <a:srgbClr val="7030A0"/>
+              </a:solidFill>
+            </a:endParaRPr>
+          </a:p>
+          <a:p>
+            <a:pPr lvl="1"/>
+            <a:r>
+              <a:rPr lang="en-US" dirty="0" smtClean="0"/>
+              <a:t>List your home directory contents with: </a:t>
+            </a:r>
+            <a:r>
+              <a:rPr lang="en-US" b="1" dirty="0" smtClean="0">
+                <a:solidFill>
+                  <a:srgbClr val="7030A0"/>
+                </a:solidFill>
+              </a:rPr>
+              <a:t>ls</a:t>
+            </a:r>
+            <a:r>
+              <a:rPr lang="en-US" dirty="0" smtClean="0"/>
+              <a:t>, </a:t>
+            </a:r>
+            <a:r>
+              <a:rPr lang="en-US" b="1" dirty="0" smtClean="0">
+                <a:solidFill>
+                  <a:srgbClr val="7030A0"/>
+                </a:solidFill>
+              </a:rPr>
+              <a:t>ls –l</a:t>
+            </a:r>
+            <a:r>
+              <a:rPr lang="en-US" dirty="0" smtClean="0"/>
+              <a:t>, </a:t>
+            </a:r>
+            <a:r>
+              <a:rPr lang="en-US" b="1" dirty="0" smtClean="0">
+                <a:solidFill>
+                  <a:srgbClr val="7030A0"/>
+                </a:solidFill>
+              </a:rPr>
+              <a:t>ls –</a:t>
+            </a:r>
+            <a:r>
+              <a:rPr lang="en-US" b="1" dirty="0" err="1" smtClean="0">
+                <a:solidFill>
+                  <a:srgbClr val="7030A0"/>
+                </a:solidFill>
+              </a:rPr>
+              <a:t>alh</a:t>
+            </a:r>
+            <a:endParaRPr lang="en-US" b="1" dirty="0" smtClean="0">
+              <a:solidFill>
+                <a:srgbClr val="7030A0"/>
+              </a:solidFill>
+            </a:endParaRPr>
+          </a:p>
+          <a:p>
+            <a:pPr lvl="1"/>
+            <a:r>
+              <a:rPr lang="en-US" dirty="0" smtClean="0"/>
+              <a:t>Make </a:t>
+            </a:r>
+            <a:r>
+              <a:rPr lang="en-US" dirty="0" smtClean="0">
+                <a:solidFill>
+                  <a:srgbClr val="00B050"/>
+                </a:solidFill>
+              </a:rPr>
+              <a:t>test.txt</a:t>
+            </a:r>
+            <a:r>
+              <a:rPr lang="en-US" dirty="0" smtClean="0"/>
+              <a:t> executable</a:t>
+            </a:r>
+          </a:p>
+          <a:p>
+            <a:pPr lvl="1"/>
+            <a:r>
+              <a:rPr lang="en-US" dirty="0" smtClean="0"/>
+              <a:t>See what is running on your system with </a:t>
+            </a:r>
+            <a:r>
+              <a:rPr lang="en-US" b="1" dirty="0" err="1" smtClean="0">
+                <a:solidFill>
+                  <a:srgbClr val="7030A0"/>
+                </a:solidFill>
+              </a:rPr>
+              <a:t>htop</a:t>
+            </a:r>
+            <a:endParaRPr lang="en-US" b="1" dirty="0" smtClean="0">
+              <a:solidFill>
+                <a:srgbClr val="7030A0"/>
+              </a:solidFill>
+            </a:endParaRPr>
+          </a:p>
+          <a:p>
+            <a:pPr lvl="1"/>
+            <a:endParaRPr lang="en-US" dirty="0"/>
+          </a:p>
+        </p:txBody>
+      </p:sp>
+    </p:spTree>
+    <p:extLst>
+      <p:ext uri="{BB962C8B-B14F-4D97-AF65-F5344CB8AC3E}">
+        <p14:creationId xmlns:p14="http://schemas.microsoft.com/office/powerpoint/2010/main" val="3190848008"/>
+      </p:ext>
+    </p:extLst>
+  </p:cSld>
+  <p:clrMapOvr>
+    <a:masterClrMapping/>
+  </p:clrMapOvr>
+</p:sld>
+</file>
+
+<file path=ppt/slides/slide19.xml><?xml version="1.0" encoding="utf-8"?>
+<p:sld xmlns:a="http://schemas.openxmlformats.org/drawingml/2006/main" xmlns:r="http://schemas.openxmlformats.org/officeDocument/2006/relationships" xmlns:p="http://schemas.openxmlformats.org/presentationml/2006/main">
+  <p:cSld>
+    <p:spTree>
+      <p:nvGrpSpPr>
+        <p:cNvPr id="1" name=""/>
+        <p:cNvGrpSpPr/>
+        <p:nvPr/>
+      </p:nvGrpSpPr>
+      <p:grpSpPr>
+        <a:xfrm>
+          <a:off x="0" y="0"/>
+          <a:ext cx="0" cy="0"/>
+          <a:chOff x="0" y="0"/>
+          <a:chExt cx="0" cy="0"/>
+        </a:xfrm>
+      </p:grpSpPr>
+      <p:sp>
+        <p:nvSpPr>
+          <p:cNvPr id="2" name="Title 1"/>
+          <p:cNvSpPr>
+            <a:spLocks noGrp="1"/>
+          </p:cNvSpPr>
+          <p:nvPr>
+            <p:ph type="title"/>
+          </p:nvPr>
+        </p:nvSpPr>
+        <p:spPr/>
+        <p:txBody>
+          <a:bodyPr/>
+          <a:lstStyle/>
+          <a:p>
+            <a:r>
+              <a:rPr lang="en-US" dirty="0" smtClean="0"/>
+              <a:t>Backups</a:t>
+            </a:r>
+            <a:endParaRPr lang="en-US" dirty="0"/>
+          </a:p>
+        </p:txBody>
+      </p:sp>
+      <p:sp>
+        <p:nvSpPr>
+          <p:cNvPr id="3" name="Text Placeholder 2"/>
+          <p:cNvSpPr>
+            <a:spLocks noGrp="1"/>
+          </p:cNvSpPr>
+          <p:nvPr>
+            <p:ph type="body" idx="1"/>
+          </p:nvPr>
+        </p:nvSpPr>
+        <p:spPr/>
+        <p:txBody>
+          <a:bodyPr/>
+          <a:lstStyle/>
+          <a:p>
+            <a:endParaRPr lang="en-US"/>
+          </a:p>
+        </p:txBody>
+      </p:sp>
+    </p:spTree>
+    <p:extLst>
+      <p:ext uri="{BB962C8B-B14F-4D97-AF65-F5344CB8AC3E}">
+        <p14:creationId xmlns:p14="http://schemas.microsoft.com/office/powerpoint/2010/main" val="2614305812"/>
+      </p:ext>
+    </p:extLst>
+  </p:cSld>
+  <p:clrMapOvr>
+    <a:masterClrMapping/>
+  </p:clrMapOvr>
 </p:sld>
 </file>
 
@@ -10074,18 +10719,11 @@
           <a:p>
             <a:r>
               <a:rPr lang="en-US" dirty="0" smtClean="0"/>
-              <a:t>Today we will brush over them and expand a little upon them</a:t>
-            </a:r>
-          </a:p>
-          <a:p>
-            <a:pPr lvl="1"/>
-            <a:r>
-              <a:rPr lang="en-US" dirty="0" err="1"/>
-              <a:t>s</a:t>
-            </a:r>
-            <a:r>
-              <a:rPr lang="en-US" dirty="0" err="1" smtClean="0"/>
-              <a:t>udo</a:t>
+              <a:t>Today we will brush over them and expand a little upon </a:t>
+            </a:r>
+            <a:r>
+              <a:rPr lang="en-US" dirty="0" smtClean="0"/>
+              <a:t>them</a:t>
             </a:r>
             <a:endParaRPr lang="en-US" dirty="0" smtClean="0"/>
           </a:p>
@@ -10099,6 +10737,649 @@
     <p:extLst>
       <p:ext uri="{BB962C8B-B14F-4D97-AF65-F5344CB8AC3E}">
         <p14:creationId xmlns:p14="http://schemas.microsoft.com/office/powerpoint/2010/main" val="3902843424"/>
+      </p:ext>
+    </p:extLst>
+  </p:cSld>
+  <p:clrMapOvr>
+    <a:masterClrMapping/>
+  </p:clrMapOvr>
+  <p:timing>
+    <p:tnLst>
+      <p:par>
+        <p:cTn id="1" dur="indefinite" restart="never" nodeType="tmRoot"/>
+      </p:par>
+    </p:tnLst>
+  </p:timing>
+</p:sld>
+</file>
+
+<file path=ppt/slides/slide20.xml><?xml version="1.0" encoding="utf-8"?>
+<p:sld xmlns:a="http://schemas.openxmlformats.org/drawingml/2006/main" xmlns:r="http://schemas.openxmlformats.org/officeDocument/2006/relationships" xmlns:p="http://schemas.openxmlformats.org/presentationml/2006/main">
+  <p:cSld>
+    <p:spTree>
+      <p:nvGrpSpPr>
+        <p:cNvPr id="1" name=""/>
+        <p:cNvGrpSpPr/>
+        <p:nvPr/>
+      </p:nvGrpSpPr>
+      <p:grpSpPr>
+        <a:xfrm>
+          <a:off x="0" y="0"/>
+          <a:ext cx="0" cy="0"/>
+          <a:chOff x="0" y="0"/>
+          <a:chExt cx="0" cy="0"/>
+        </a:xfrm>
+      </p:grpSpPr>
+      <p:sp>
+        <p:nvSpPr>
+          <p:cNvPr id="3" name="Content Placeholder 2"/>
+          <p:cNvSpPr>
+            <a:spLocks noGrp="1"/>
+          </p:cNvSpPr>
+          <p:nvPr>
+            <p:ph idx="4294967295"/>
+          </p:nvPr>
+        </p:nvSpPr>
+        <p:spPr>
+          <a:xfrm>
+            <a:off x="1575197" y="1636713"/>
+            <a:ext cx="6172200" cy="4233862"/>
+          </a:xfrm>
+        </p:spPr>
+        <p:txBody>
+          <a:bodyPr rtlCol="0">
+            <a:normAutofit lnSpcReduction="10000"/>
+          </a:bodyPr>
+          <a:lstStyle/>
+          <a:p>
+            <a:pPr marL="0" indent="0">
+              <a:buNone/>
+              <a:defRPr/>
+            </a:pPr>
+            <a:r>
+              <a:rPr lang="en-US" sz="2000" b="1" dirty="0">
+                <a:latin typeface="Arial" pitchFamily="34" charset="0"/>
+                <a:cs typeface="Arial" pitchFamily="34" charset="0"/>
+              </a:rPr>
+              <a:t>|</a:t>
+            </a:r>
+            <a:r>
+              <a:rPr lang="en-US" sz="2000" dirty="0">
+                <a:latin typeface="Arial" pitchFamily="34" charset="0"/>
+                <a:cs typeface="Arial" pitchFamily="34" charset="0"/>
+              </a:rPr>
+              <a:t> (pipe) - </a:t>
+            </a:r>
+            <a:r>
+              <a:rPr lang="en-US" sz="2000" dirty="0">
+                <a:solidFill>
+                  <a:srgbClr val="FF0000"/>
+                </a:solidFill>
+                <a:latin typeface="Arial" pitchFamily="34" charset="0"/>
+                <a:cs typeface="Arial" pitchFamily="34" charset="0"/>
+              </a:rPr>
+              <a:t>passes output of one Linux command to the input of a 	      	  second command </a:t>
+            </a:r>
+          </a:p>
+          <a:p>
+            <a:pPr lvl="1">
+              <a:defRPr/>
+            </a:pPr>
+            <a:r>
+              <a:rPr lang="en-US" sz="1800" b="1" dirty="0">
+                <a:solidFill>
+                  <a:srgbClr val="002060"/>
+                </a:solidFill>
+                <a:latin typeface="Arial" pitchFamily="34" charset="0"/>
+                <a:cs typeface="Arial" pitchFamily="34" charset="0"/>
+              </a:rPr>
+              <a:t>Example:</a:t>
+            </a:r>
+            <a:r>
+              <a:rPr lang="en-US" sz="1800" b="1" dirty="0">
+                <a:latin typeface="Arial" pitchFamily="34" charset="0"/>
+                <a:cs typeface="Arial" pitchFamily="34" charset="0"/>
+              </a:rPr>
+              <a:t> ls </a:t>
+            </a:r>
+            <a:r>
+              <a:rPr lang="en-US" sz="1800" b="1" dirty="0" smtClean="0">
+                <a:latin typeface="Arial" pitchFamily="34" charset="0"/>
+                <a:cs typeface="Arial" pitchFamily="34" charset="0"/>
+              </a:rPr>
+              <a:t>| </a:t>
+            </a:r>
+            <a:r>
+              <a:rPr lang="en-US" sz="1800" b="1" dirty="0" err="1" smtClean="0">
+                <a:latin typeface="Arial" pitchFamily="34" charset="0"/>
+                <a:cs typeface="Arial" pitchFamily="34" charset="0"/>
+              </a:rPr>
+              <a:t>wc</a:t>
+            </a:r>
+            <a:r>
+              <a:rPr lang="en-US" sz="1800" b="1" dirty="0" smtClean="0">
+                <a:latin typeface="Arial" pitchFamily="34" charset="0"/>
+                <a:cs typeface="Arial" pitchFamily="34" charset="0"/>
+              </a:rPr>
+              <a:t> </a:t>
+            </a:r>
+            <a:r>
+              <a:rPr lang="en-US" sz="1800" b="1" dirty="0">
+                <a:latin typeface="Arial" pitchFamily="34" charset="0"/>
+                <a:cs typeface="Arial" pitchFamily="34" charset="0"/>
+              </a:rPr>
+              <a:t>(</a:t>
+            </a:r>
+            <a:r>
+              <a:rPr lang="en-US" sz="1600" b="1" dirty="0" err="1">
+                <a:latin typeface="Arial" pitchFamily="34" charset="0"/>
+                <a:cs typeface="Arial" pitchFamily="34" charset="0"/>
+              </a:rPr>
+              <a:t>wc</a:t>
+            </a:r>
+            <a:r>
+              <a:rPr lang="en-US" sz="1600" b="1" dirty="0">
+                <a:latin typeface="Arial" pitchFamily="34" charset="0"/>
+                <a:cs typeface="Arial" pitchFamily="34" charset="0"/>
+              </a:rPr>
+              <a:t> </a:t>
+            </a:r>
+            <a:r>
+              <a:rPr lang="en-US" sz="1600" dirty="0">
+                <a:latin typeface="Arial" pitchFamily="34" charset="0"/>
+                <a:cs typeface="Arial" pitchFamily="34" charset="0"/>
+              </a:rPr>
+              <a:t>– </a:t>
+            </a:r>
+            <a:r>
+              <a:rPr lang="en-US" sz="1600" dirty="0">
+                <a:solidFill>
+                  <a:srgbClr val="0070C0"/>
+                </a:solidFill>
+                <a:latin typeface="Arial" pitchFamily="34" charset="0"/>
+                <a:cs typeface="Arial" pitchFamily="34" charset="0"/>
+              </a:rPr>
+              <a:t>counts the number of characters, words and lines</a:t>
+            </a:r>
+            <a:r>
+              <a:rPr lang="en-US" sz="1600" dirty="0">
+                <a:latin typeface="Arial" pitchFamily="34" charset="0"/>
+                <a:cs typeface="Arial" pitchFamily="34" charset="0"/>
+              </a:rPr>
+              <a:t>)</a:t>
+            </a:r>
+          </a:p>
+          <a:p>
+            <a:pPr lvl="1">
+              <a:defRPr/>
+            </a:pPr>
+            <a:r>
+              <a:rPr lang="en-US" sz="1800" dirty="0">
+                <a:latin typeface="Arial" pitchFamily="34" charset="0"/>
+                <a:cs typeface="Arial" pitchFamily="34" charset="0"/>
+              </a:rPr>
+              <a:t>Not limited to just one pipe,  can string multiple pipes together</a:t>
+            </a:r>
+          </a:p>
+          <a:p>
+            <a:pPr marL="457200" lvl="1" indent="0">
+              <a:buNone/>
+              <a:defRPr/>
+            </a:pPr>
+            <a:endParaRPr lang="en-US" sz="1800" dirty="0">
+              <a:latin typeface="Arial" pitchFamily="34" charset="0"/>
+              <a:cs typeface="Arial" pitchFamily="34" charset="0"/>
+            </a:endParaRPr>
+          </a:p>
+          <a:p>
+            <a:pPr marL="0" indent="0">
+              <a:buNone/>
+              <a:defRPr/>
+            </a:pPr>
+            <a:r>
+              <a:rPr lang="en-US" sz="2000" b="1" dirty="0">
+                <a:latin typeface="Arial" pitchFamily="34" charset="0"/>
+                <a:cs typeface="Arial" pitchFamily="34" charset="0"/>
+              </a:rPr>
+              <a:t>&gt;, &lt;</a:t>
+            </a:r>
+            <a:r>
+              <a:rPr lang="en-US" sz="2000" dirty="0">
+                <a:latin typeface="Arial" pitchFamily="34" charset="0"/>
+                <a:cs typeface="Arial" pitchFamily="34" charset="0"/>
+              </a:rPr>
+              <a:t>  - </a:t>
+            </a:r>
+            <a:r>
+              <a:rPr lang="en-US" sz="2000" dirty="0">
+                <a:solidFill>
+                  <a:srgbClr val="FF0000"/>
+                </a:solidFill>
+                <a:latin typeface="Arial" pitchFamily="34" charset="0"/>
+                <a:cs typeface="Arial" pitchFamily="34" charset="0"/>
+              </a:rPr>
+              <a:t>redirection of files </a:t>
+            </a:r>
+          </a:p>
+          <a:p>
+            <a:pPr lvl="1">
+              <a:defRPr/>
+            </a:pPr>
+            <a:r>
+              <a:rPr lang="en-US" sz="1800" b="1" dirty="0">
+                <a:latin typeface="Arial" pitchFamily="34" charset="0"/>
+                <a:cs typeface="Arial" pitchFamily="34" charset="0"/>
+              </a:rPr>
+              <a:t>command &gt;</a:t>
+            </a:r>
+            <a:r>
+              <a:rPr lang="en-US" sz="1800" dirty="0">
+                <a:latin typeface="Arial" pitchFamily="34" charset="0"/>
+                <a:cs typeface="Arial" pitchFamily="34" charset="0"/>
+              </a:rPr>
+              <a:t> </a:t>
+            </a:r>
+            <a:r>
+              <a:rPr lang="en-US" sz="1800" i="1" dirty="0">
+                <a:latin typeface="Arial" pitchFamily="34" charset="0"/>
+                <a:cs typeface="Arial" pitchFamily="34" charset="0"/>
+              </a:rPr>
+              <a:t>filename</a:t>
+            </a:r>
+            <a:r>
+              <a:rPr lang="en-US" sz="1800" dirty="0">
+                <a:latin typeface="Arial" pitchFamily="34" charset="0"/>
+                <a:cs typeface="Arial" pitchFamily="34" charset="0"/>
+              </a:rPr>
+              <a:t> – </a:t>
+            </a:r>
+            <a:r>
+              <a:rPr lang="en-US" sz="1800" dirty="0">
+                <a:solidFill>
+                  <a:srgbClr val="FF0000"/>
+                </a:solidFill>
+                <a:latin typeface="Arial" pitchFamily="34" charset="0"/>
+                <a:cs typeface="Arial" pitchFamily="34" charset="0"/>
+              </a:rPr>
+              <a:t>output of command (or program) is sent to a file called </a:t>
+            </a:r>
+            <a:r>
+              <a:rPr lang="en-US" sz="1800" i="1" dirty="0">
+                <a:solidFill>
+                  <a:srgbClr val="FF0000"/>
+                </a:solidFill>
+                <a:latin typeface="Arial" pitchFamily="34" charset="0"/>
+                <a:cs typeface="Arial" pitchFamily="34" charset="0"/>
+              </a:rPr>
+              <a:t>filename </a:t>
+            </a:r>
+            <a:r>
+              <a:rPr lang="en-US" sz="1800" dirty="0">
+                <a:solidFill>
+                  <a:srgbClr val="FF0000"/>
+                </a:solidFill>
+                <a:latin typeface="Arial" pitchFamily="34" charset="0"/>
+                <a:cs typeface="Arial" pitchFamily="34" charset="0"/>
+              </a:rPr>
+              <a:t>instead of being displayed on the screen</a:t>
+            </a:r>
+          </a:p>
+          <a:p>
+            <a:pPr lvl="3">
+              <a:buFont typeface="Wingdings" pitchFamily="2" charset="2"/>
+              <a:buChar char="Ø"/>
+              <a:defRPr/>
+            </a:pPr>
+            <a:r>
+              <a:rPr lang="en-US" sz="1600" b="1" dirty="0">
+                <a:solidFill>
+                  <a:srgbClr val="002060"/>
+                </a:solidFill>
+                <a:latin typeface="Arial" pitchFamily="34" charset="0"/>
+                <a:cs typeface="Arial" pitchFamily="34" charset="0"/>
+              </a:rPr>
+              <a:t>Example:</a:t>
+            </a:r>
+            <a:r>
+              <a:rPr lang="en-US" sz="1600" b="1" dirty="0">
+                <a:latin typeface="Arial" pitchFamily="34" charset="0"/>
+                <a:cs typeface="Arial" pitchFamily="34" charset="0"/>
+              </a:rPr>
+              <a:t> </a:t>
+            </a:r>
+            <a:r>
+              <a:rPr lang="en-US" sz="1600" b="1" dirty="0" err="1">
+                <a:latin typeface="Arial" pitchFamily="34" charset="0"/>
+                <a:cs typeface="Arial" pitchFamily="34" charset="0"/>
+              </a:rPr>
+              <a:t>ls</a:t>
+            </a:r>
+            <a:r>
+              <a:rPr lang="en-US" sz="1600" b="1" dirty="0">
+                <a:latin typeface="Arial" pitchFamily="34" charset="0"/>
+                <a:cs typeface="Arial" pitchFamily="34" charset="0"/>
+              </a:rPr>
+              <a:t> &gt; </a:t>
+            </a:r>
+            <a:r>
+              <a:rPr lang="en-US" sz="1600" b="1" i="1" dirty="0" err="1">
+                <a:latin typeface="Arial" pitchFamily="34" charset="0"/>
+                <a:cs typeface="Arial" pitchFamily="34" charset="0"/>
+              </a:rPr>
+              <a:t>file_list</a:t>
+            </a:r>
+            <a:endParaRPr lang="en-US" sz="1600" b="1" i="1" dirty="0">
+              <a:latin typeface="Arial" pitchFamily="34" charset="0"/>
+              <a:cs typeface="Arial" pitchFamily="34" charset="0"/>
+            </a:endParaRPr>
+          </a:p>
+          <a:p>
+            <a:pPr marL="1371600" lvl="3" indent="0">
+              <a:buNone/>
+              <a:defRPr/>
+            </a:pPr>
+            <a:endParaRPr lang="en-US" sz="1600" b="1" i="1" dirty="0">
+              <a:latin typeface="Arial" pitchFamily="34" charset="0"/>
+              <a:cs typeface="Arial" pitchFamily="34" charset="0"/>
+            </a:endParaRPr>
+          </a:p>
+          <a:p>
+            <a:pPr lvl="1">
+              <a:defRPr/>
+            </a:pPr>
+            <a:r>
+              <a:rPr lang="en-US" sz="1800" b="1" dirty="0">
+                <a:latin typeface="Arial" pitchFamily="34" charset="0"/>
+                <a:cs typeface="Arial" pitchFamily="34" charset="0"/>
+              </a:rPr>
+              <a:t>command &lt;</a:t>
+            </a:r>
+            <a:r>
+              <a:rPr lang="en-US" sz="1800" dirty="0">
+                <a:latin typeface="Arial" pitchFamily="34" charset="0"/>
+                <a:cs typeface="Arial" pitchFamily="34" charset="0"/>
+              </a:rPr>
+              <a:t> </a:t>
+            </a:r>
+            <a:r>
+              <a:rPr lang="en-US" sz="1800" i="1" dirty="0">
+                <a:latin typeface="Arial" pitchFamily="34" charset="0"/>
+                <a:cs typeface="Arial" pitchFamily="34" charset="0"/>
+              </a:rPr>
+              <a:t>filename</a:t>
+            </a:r>
+            <a:r>
+              <a:rPr lang="en-US" sz="1800" dirty="0">
+                <a:latin typeface="Arial" pitchFamily="34" charset="0"/>
+                <a:cs typeface="Arial" pitchFamily="34" charset="0"/>
+              </a:rPr>
+              <a:t> – </a:t>
+            </a:r>
+            <a:r>
+              <a:rPr lang="en-US" sz="1800" dirty="0">
+                <a:solidFill>
+                  <a:srgbClr val="FF0000"/>
+                </a:solidFill>
+                <a:latin typeface="Arial" pitchFamily="34" charset="0"/>
+                <a:cs typeface="Arial" pitchFamily="34" charset="0"/>
+              </a:rPr>
+              <a:t>the file </a:t>
+            </a:r>
+            <a:r>
+              <a:rPr lang="en-US" sz="1800" i="1" dirty="0">
+                <a:solidFill>
+                  <a:srgbClr val="FF0000"/>
+                </a:solidFill>
+                <a:latin typeface="Arial" pitchFamily="34" charset="0"/>
+                <a:cs typeface="Arial" pitchFamily="34" charset="0"/>
+              </a:rPr>
+              <a:t>filename</a:t>
+            </a:r>
+            <a:r>
+              <a:rPr lang="en-US" sz="1800" dirty="0">
+                <a:solidFill>
+                  <a:srgbClr val="FF0000"/>
+                </a:solidFill>
+                <a:latin typeface="Arial" pitchFamily="34" charset="0"/>
+                <a:cs typeface="Arial" pitchFamily="34" charset="0"/>
+              </a:rPr>
+              <a:t> is the input to the command or program</a:t>
+            </a:r>
+          </a:p>
+          <a:p>
+            <a:pPr lvl="3">
+              <a:buFont typeface="Wingdings" pitchFamily="2" charset="2"/>
+              <a:buChar char="Ø"/>
+              <a:defRPr/>
+            </a:pPr>
+            <a:r>
+              <a:rPr lang="en-US" sz="1600" b="1" dirty="0">
+                <a:solidFill>
+                  <a:srgbClr val="002060"/>
+                </a:solidFill>
+                <a:latin typeface="Arial" pitchFamily="34" charset="0"/>
+                <a:cs typeface="Arial" pitchFamily="34" charset="0"/>
+              </a:rPr>
+              <a:t>Example:</a:t>
+            </a:r>
+            <a:r>
+              <a:rPr lang="en-US" sz="1600" i="1" dirty="0">
+                <a:latin typeface="Arial" pitchFamily="34" charset="0"/>
+                <a:cs typeface="Arial" pitchFamily="34" charset="0"/>
+              </a:rPr>
+              <a:t> </a:t>
+            </a:r>
+            <a:r>
+              <a:rPr lang="en-US" sz="1600" b="1" dirty="0" err="1">
+                <a:latin typeface="Arial" pitchFamily="34" charset="0"/>
+                <a:cs typeface="Arial" pitchFamily="34" charset="0"/>
+              </a:rPr>
+              <a:t>xplor</a:t>
+            </a:r>
+            <a:r>
+              <a:rPr lang="en-US" sz="1600" i="1" dirty="0">
+                <a:latin typeface="Arial" pitchFamily="34" charset="0"/>
+                <a:cs typeface="Arial" pitchFamily="34" charset="0"/>
+              </a:rPr>
+              <a:t> </a:t>
+            </a:r>
+            <a:r>
+              <a:rPr lang="en-US" sz="1600" dirty="0">
+                <a:latin typeface="Arial" pitchFamily="34" charset="0"/>
+                <a:cs typeface="Arial" pitchFamily="34" charset="0"/>
+              </a:rPr>
+              <a:t>&lt; </a:t>
+            </a:r>
+            <a:r>
+              <a:rPr lang="en-US" sz="1600" i="1" dirty="0">
+                <a:latin typeface="Arial" pitchFamily="34" charset="0"/>
+                <a:cs typeface="Arial" pitchFamily="34" charset="0"/>
+              </a:rPr>
+              <a:t>psf.inp</a:t>
+            </a:r>
+            <a:r>
+              <a:rPr lang="en-US" sz="1600" dirty="0">
+                <a:latin typeface="Arial" pitchFamily="34" charset="0"/>
+                <a:cs typeface="Arial" pitchFamily="34" charset="0"/>
+              </a:rPr>
+              <a:t> </a:t>
+            </a:r>
+            <a:endParaRPr lang="en-US" sz="1600" i="1" dirty="0">
+              <a:latin typeface="Arial" pitchFamily="34" charset="0"/>
+              <a:cs typeface="Arial" pitchFamily="34" charset="0"/>
+            </a:endParaRPr>
+          </a:p>
+          <a:p>
+            <a:pPr marL="457200" lvl="1" indent="0">
+              <a:buNone/>
+              <a:defRPr/>
+            </a:pPr>
+            <a:endParaRPr lang="en-US" dirty="0" smtClean="0"/>
+          </a:p>
+          <a:p>
+            <a:pPr>
+              <a:buNone/>
+              <a:defRPr/>
+            </a:pPr>
+            <a:endParaRPr lang="en-US" dirty="0"/>
+          </a:p>
+        </p:txBody>
+      </p:sp>
+      <p:sp>
+        <p:nvSpPr>
+          <p:cNvPr id="51203" name="Title 1"/>
+          <p:cNvSpPr txBox="1">
+            <a:spLocks/>
+          </p:cNvSpPr>
+          <p:nvPr/>
+        </p:nvSpPr>
+        <p:spPr bwMode="auto">
+          <a:xfrm>
+            <a:off x="1746647" y="344488"/>
+            <a:ext cx="5829300" cy="735012"/>
+          </a:xfrm>
+          <a:prstGeom prst="rect">
+            <a:avLst/>
+          </a:prstGeom>
+          <a:noFill/>
+          <a:ln>
+            <a:noFill/>
+          </a:ln>
+          <a:extLst>
+            <a:ext uri="{909E8E84-426E-40DD-AFC4-6F175D3DCCD1}">
+              <a14:hiddenFill xmlns:a14="http://schemas.microsoft.com/office/drawing/2010/main">
+                <a:solidFill>
+                  <a:srgbClr val="FFFFFF"/>
+                </a:solidFill>
+              </a14:hiddenFill>
+            </a:ext>
+            <a:ext uri="{91240B29-F687-4F45-9708-019B960494DF}">
+              <a14:hiddenLine xmlns:a14="http://schemas.microsoft.com/office/drawing/2010/main" w="9525">
+                <a:solidFill>
+                  <a:srgbClr val="000000"/>
+                </a:solidFill>
+                <a:miter lim="800000"/>
+                <a:headEnd/>
+                <a:tailEnd/>
+              </a14:hiddenLine>
+            </a:ext>
+          </a:extLst>
+        </p:spPr>
+        <p:txBody>
+          <a:bodyPr/>
+          <a:lstStyle>
+            <a:lvl1pPr eaLnBrk="0" hangingPunct="0">
+              <a:defRPr>
+                <a:solidFill>
+                  <a:schemeClr val="tx1"/>
+                </a:solidFill>
+                <a:latin typeface="Arial" panose="020B0604020202020204" pitchFamily="34" charset="0"/>
+              </a:defRPr>
+            </a:lvl1pPr>
+            <a:lvl2pPr marL="742950" indent="-285750" eaLnBrk="0" hangingPunct="0">
+              <a:defRPr>
+                <a:solidFill>
+                  <a:schemeClr val="tx1"/>
+                </a:solidFill>
+                <a:latin typeface="Arial" panose="020B0604020202020204" pitchFamily="34" charset="0"/>
+              </a:defRPr>
+            </a:lvl2pPr>
+            <a:lvl3pPr marL="1143000" indent="-228600" eaLnBrk="0" hangingPunct="0">
+              <a:defRPr>
+                <a:solidFill>
+                  <a:schemeClr val="tx1"/>
+                </a:solidFill>
+                <a:latin typeface="Arial" panose="020B0604020202020204" pitchFamily="34" charset="0"/>
+              </a:defRPr>
+            </a:lvl3pPr>
+            <a:lvl4pPr marL="1600200" indent="-228600" eaLnBrk="0" hangingPunct="0">
+              <a:defRPr>
+                <a:solidFill>
+                  <a:schemeClr val="tx1"/>
+                </a:solidFill>
+                <a:latin typeface="Arial" panose="020B0604020202020204" pitchFamily="34" charset="0"/>
+              </a:defRPr>
+            </a:lvl4pPr>
+            <a:lvl5pPr marL="2057400" indent="-228600" eaLnBrk="0" hangingPunct="0">
+              <a:defRPr>
+                <a:solidFill>
+                  <a:schemeClr val="tx1"/>
+                </a:solidFill>
+                <a:latin typeface="Arial" panose="020B0604020202020204" pitchFamily="34" charset="0"/>
+              </a:defRPr>
+            </a:lvl5pPr>
+            <a:lvl6pPr marL="2514600" indent="-228600" eaLnBrk="0" fontAlgn="base" hangingPunct="0">
+              <a:spcBef>
+                <a:spcPct val="0"/>
+              </a:spcBef>
+              <a:spcAft>
+                <a:spcPct val="0"/>
+              </a:spcAft>
+              <a:defRPr>
+                <a:solidFill>
+                  <a:schemeClr val="tx1"/>
+                </a:solidFill>
+                <a:latin typeface="Arial" panose="020B0604020202020204" pitchFamily="34" charset="0"/>
+              </a:defRPr>
+            </a:lvl6pPr>
+            <a:lvl7pPr marL="2971800" indent="-228600" eaLnBrk="0" fontAlgn="base" hangingPunct="0">
+              <a:spcBef>
+                <a:spcPct val="0"/>
+              </a:spcBef>
+              <a:spcAft>
+                <a:spcPct val="0"/>
+              </a:spcAft>
+              <a:defRPr>
+                <a:solidFill>
+                  <a:schemeClr val="tx1"/>
+                </a:solidFill>
+                <a:latin typeface="Arial" panose="020B0604020202020204" pitchFamily="34" charset="0"/>
+              </a:defRPr>
+            </a:lvl7pPr>
+            <a:lvl8pPr marL="3429000" indent="-228600" eaLnBrk="0" fontAlgn="base" hangingPunct="0">
+              <a:spcBef>
+                <a:spcPct val="0"/>
+              </a:spcBef>
+              <a:spcAft>
+                <a:spcPct val="0"/>
+              </a:spcAft>
+              <a:defRPr>
+                <a:solidFill>
+                  <a:schemeClr val="tx1"/>
+                </a:solidFill>
+                <a:latin typeface="Arial" panose="020B0604020202020204" pitchFamily="34" charset="0"/>
+              </a:defRPr>
+            </a:lvl8pPr>
+            <a:lvl9pPr marL="3886200" indent="-228600" eaLnBrk="0" fontAlgn="base" hangingPunct="0">
+              <a:spcBef>
+                <a:spcPct val="0"/>
+              </a:spcBef>
+              <a:spcAft>
+                <a:spcPct val="0"/>
+              </a:spcAft>
+              <a:defRPr>
+                <a:solidFill>
+                  <a:schemeClr val="tx1"/>
+                </a:solidFill>
+                <a:latin typeface="Arial" panose="020B0604020202020204" pitchFamily="34" charset="0"/>
+              </a:defRPr>
+            </a:lvl9pPr>
+          </a:lstStyle>
+          <a:p>
+            <a:pPr algn="ctr" eaLnBrk="1" hangingPunct="1"/>
+            <a:r>
+              <a:rPr lang="en-US" altLang="en-US" sz="4400">
+                <a:latin typeface="Calibri" panose="020F0502020204030204" pitchFamily="34" charset="0"/>
+              </a:rPr>
+              <a:t>Pipes and Redirection</a:t>
+            </a:r>
+          </a:p>
+        </p:txBody>
+      </p:sp>
+    </p:spTree>
+    <p:extLst>
+      <p:ext uri="{BB962C8B-B14F-4D97-AF65-F5344CB8AC3E}">
+        <p14:creationId xmlns:p14="http://schemas.microsoft.com/office/powerpoint/2010/main" val="3112034824"/>
       </p:ext>
     </p:extLst>
   </p:cSld>
@@ -10150,14 +11431,19 @@
         </p:spPr>
         <p:txBody>
           <a:bodyPr>
-            <a:normAutofit fontScale="85000" lnSpcReduction="20000"/>
+            <a:normAutofit fontScale="92500" lnSpcReduction="20000"/>
           </a:bodyPr>
           <a:lstStyle/>
           <a:p>
             <a:r>
               <a:rPr lang="en-US" dirty="0" smtClean="0"/>
-              <a:t>Linux is an O/S kernel written by Linus Torvalds and others AND</a:t>
-            </a:r>
+              <a:t>Linux is an O/S kernel written by Linus Torvalds and </a:t>
+            </a:r>
+            <a:r>
+              <a:rPr lang="en-US" dirty="0" smtClean="0"/>
+              <a:t>others</a:t>
+            </a:r>
+            <a:endParaRPr lang="en-US" dirty="0" smtClean="0"/>
           </a:p>
           <a:p>
             <a:pPr marL="109728" indent="0">
@@ -10180,31 +11466,42 @@
         <p:spPr>
           <a:xfrm>
             <a:off x="4739978" y="4314465"/>
-            <a:ext cx="3028950" cy="2314937"/>
+            <a:ext cx="3712646" cy="2314937"/>
           </a:xfrm>
         </p:spPr>
         <p:txBody>
           <a:bodyPr>
-            <a:normAutofit fontScale="85000" lnSpcReduction="20000"/>
+            <a:normAutofit fontScale="92500" lnSpcReduction="20000"/>
           </a:bodyPr>
           <a:lstStyle/>
           <a:p>
             <a:r>
+              <a:rPr lang="en-US" dirty="0" smtClean="0"/>
+              <a:t>GNU utilities are a small </a:t>
+            </a:r>
+            <a:r>
               <a:rPr lang="en-US" dirty="0"/>
-              <a:t>a set of small programs written by Richard Stallman and others</a:t>
+              <a:t>set </a:t>
             </a:r>
             <a:r>
               <a:rPr lang="en-US" dirty="0" smtClean="0"/>
-              <a:t>. They are the GNU utilities.</a:t>
-            </a:r>
-          </a:p>
-          <a:p>
-            <a:pPr marL="109728" indent="0">
-              <a:buNone/>
-            </a:pPr>
+              <a:t>of programs </a:t>
+            </a:r>
+            <a:r>
+              <a:rPr lang="en-US" dirty="0"/>
+              <a:t>written by Richard Stallman and others</a:t>
+            </a:r>
+            <a:r>
+              <a:rPr lang="en-US" dirty="0" smtClean="0"/>
+              <a:t>. They make the kernel work. </a:t>
+            </a:r>
+            <a:r>
+              <a:rPr lang="en-US" u="sng" dirty="0" smtClean="0"/>
+              <a:t>http</a:t>
+            </a:r>
             <a:r>
               <a:rPr lang="en-US" u="sng" dirty="0"/>
-              <a:t>http://www.gnu.org/</a:t>
+              <a:t>://www.gnu.org/</a:t>
             </a:r>
           </a:p>
           <a:p>
@@ -10233,8 +11530,8 @@
         </p:nvSpPr>
         <p:spPr>
           <a:xfrm>
-            <a:off x="1543050" y="228600"/>
-            <a:ext cx="6343650" cy="990600"/>
+            <a:off x="758283" y="228600"/>
+            <a:ext cx="7701776" cy="990600"/>
           </a:xfrm>
         </p:spPr>
         <p:txBody>
@@ -10280,7 +11577,7 @@
         </p:blipFill>
         <p:spPr bwMode="auto">
           <a:xfrm>
-            <a:off x="5086351" y="1447802"/>
+            <a:off x="5502663" y="1444908"/>
             <a:ext cx="2009836" cy="2679781"/>
           </a:xfrm>
           <a:prstGeom prst="rect">
@@ -10321,8 +11618,8 @@
         </p:blipFill>
         <p:spPr bwMode="auto">
           <a:xfrm>
-            <a:off x="2474089" y="1444908"/>
-            <a:ext cx="1469261" cy="3008875"/>
+            <a:off x="2118733" y="1444908"/>
+            <a:ext cx="1824618" cy="3008875"/>
           </a:xfrm>
           <a:prstGeom prst="rect">
             <a:avLst/>
@@ -10832,8 +12129,8 @@
         </p:nvSpPr>
         <p:spPr>
           <a:xfrm>
-            <a:off x="1432322" y="228600"/>
-            <a:ext cx="6229350" cy="762000"/>
+            <a:off x="676507" y="228600"/>
+            <a:ext cx="7724078" cy="1486830"/>
           </a:xfrm>
         </p:spPr>
         <p:txBody>
@@ -10874,7 +12171,7 @@
         </p:blipFill>
         <p:spPr bwMode="auto">
           <a:xfrm>
-            <a:off x="1771651" y="1143001"/>
+            <a:off x="2069017" y="1715430"/>
             <a:ext cx="5550694" cy="3752851"/>
           </a:xfrm>
           <a:prstGeom prst="rect">
@@ -10915,8 +12212,8 @@
         </p:blipFill>
         <p:spPr bwMode="auto">
           <a:xfrm>
-            <a:off x="417443" y="5048251"/>
-            <a:ext cx="2442438" cy="1537832"/>
+            <a:off x="0" y="5021420"/>
+            <a:ext cx="2859881" cy="1537832"/>
           </a:xfrm>
           <a:prstGeom prst="rect">
             <a:avLst/>
@@ -10941,7 +12238,7 @@
         </p:nvSpPr>
         <p:spPr>
           <a:xfrm>
-            <a:off x="2243758" y="5605670"/>
+            <a:off x="2243758" y="5858431"/>
             <a:ext cx="6231258" cy="369332"/>
           </a:xfrm>
           <a:prstGeom prst="rect">
@@ -10968,8 +12265,12 @@
               <a:t> on a Raspberry Pi 3 … it is based off </a:t>
             </a:r>
             <a:r>
+              <a:rPr lang="en-US" dirty="0" err="1"/>
+              <a:t>D</a:t>
+            </a:r>
+            <a:r>
               <a:rPr lang="en-US" dirty="0" err="1" smtClean="0"/>
-              <a:t>debian</a:t>
+              <a:t>ebian</a:t>
             </a:r>
             <a:endParaRPr lang="en-US" dirty="0"/>
           </a:p>
@@ -11223,7 +12524,12 @@
             <p:ph type="title"/>
           </p:nvPr>
         </p:nvSpPr>
-        <p:spPr/>
+        <p:spPr>
+          <a:xfrm>
+            <a:off x="628650" y="365126"/>
+            <a:ext cx="7886700" cy="898679"/>
+          </a:xfrm>
+        </p:spPr>
         <p:txBody>
           <a:bodyPr/>
           <a:lstStyle/>
@@ -11260,7 +12566,7 @@
         </p:blipFill>
         <p:spPr>
           <a:xfrm>
-            <a:off x="2365513" y="1331844"/>
+            <a:off x="2863599" y="1272370"/>
             <a:ext cx="6270404" cy="5408682"/>
           </a:xfrm>
         </p:spPr>
@@ -11280,6 +12586,9 @@
             <a:off x="0" y="6257994"/>
             <a:ext cx="4837872" cy="600007"/>
           </a:xfrm>
+          <a:solidFill>
+            <a:schemeClr val="accent1"/>
+          </a:solidFill>
         </p:spPr>
         <p:txBody>
           <a:bodyPr/>
@@ -11288,6 +12597,163 @@
             <a:r>
               <a:rPr lang="en-US" dirty="0" smtClean="0"/>
               <a:t>A Typical Linux File System</a:t>
+            </a:r>
+            <a:endParaRPr lang="en-US" dirty="0"/>
+          </a:p>
+        </p:txBody>
+      </p:sp>
+      <p:sp>
+        <p:nvSpPr>
+          <p:cNvPr id="2" name="TextBox 1"/>
+          <p:cNvSpPr txBox="1"/>
+          <p:nvPr/>
+        </p:nvSpPr>
+        <p:spPr>
+          <a:xfrm>
+            <a:off x="0" y="1286106"/>
+            <a:ext cx="3010504" cy="2308324"/>
+          </a:xfrm>
+          <a:prstGeom prst="rect">
+            <a:avLst/>
+          </a:prstGeom>
+          <a:noFill/>
+        </p:spPr>
+        <p:txBody>
+          <a:bodyPr wrap="none" rtlCol="0">
+            <a:spAutoFit/>
+          </a:bodyPr>
+          <a:lstStyle/>
+          <a:p>
+            <a:pPr marL="285750" indent="-285750">
+              <a:buFont typeface="Arial" panose="020B0604020202020204" pitchFamily="34" charset="0"/>
+              <a:buChar char="•"/>
+            </a:pPr>
+            <a:r>
+              <a:rPr lang="en-US" dirty="0" smtClean="0"/>
+              <a:t>/bin – binaries</a:t>
+            </a:r>
+          </a:p>
+          <a:p>
+            <a:pPr marL="285750" indent="-285750">
+              <a:buFont typeface="Arial" panose="020B0604020202020204" pitchFamily="34" charset="0"/>
+              <a:buChar char="•"/>
+            </a:pPr>
+            <a:r>
+              <a:rPr lang="en-US" dirty="0" smtClean="0"/>
+              <a:t>/</a:t>
+            </a:r>
+            <a:r>
+              <a:rPr lang="en-US" dirty="0" err="1" smtClean="0"/>
+              <a:t>etc</a:t>
+            </a:r>
+            <a:r>
+              <a:rPr lang="en-US" dirty="0" smtClean="0"/>
+              <a:t> – </a:t>
+            </a:r>
+            <a:r>
+              <a:rPr lang="en-US" dirty="0" err="1" smtClean="0"/>
+              <a:t>config</a:t>
+            </a:r>
+            <a:r>
+              <a:rPr lang="en-US" dirty="0" smtClean="0"/>
+              <a:t> files</a:t>
+            </a:r>
+          </a:p>
+          <a:p>
+            <a:pPr marL="285750" indent="-285750">
+              <a:buFont typeface="Arial" panose="020B0604020202020204" pitchFamily="34" charset="0"/>
+              <a:buChar char="•"/>
+            </a:pPr>
+            <a:r>
+              <a:rPr lang="en-US" dirty="0" smtClean="0"/>
+              <a:t>/boot – </a:t>
+            </a:r>
+            <a:r>
+              <a:rPr lang="en-US" dirty="0" err="1" smtClean="0"/>
+              <a:t>ramdisk</a:t>
+            </a:r>
+            <a:endParaRPr lang="en-US" dirty="0" smtClean="0"/>
+          </a:p>
+          <a:p>
+            <a:pPr marL="285750" indent="-285750">
+              <a:buFont typeface="Arial" panose="020B0604020202020204" pitchFamily="34" charset="0"/>
+              <a:buChar char="•"/>
+            </a:pPr>
+            <a:r>
+              <a:rPr lang="en-US" dirty="0" smtClean="0"/>
+              <a:t>/</a:t>
+            </a:r>
+            <a:r>
+              <a:rPr lang="en-US" dirty="0" err="1" smtClean="0"/>
+              <a:t>usr</a:t>
+            </a:r>
+            <a:r>
+              <a:rPr lang="en-US" dirty="0" smtClean="0"/>
+              <a:t> – </a:t>
+            </a:r>
+            <a:r>
+              <a:rPr lang="en-US" dirty="0" err="1" smtClean="0"/>
+              <a:t>userland</a:t>
+            </a:r>
+            <a:r>
+              <a:rPr lang="en-US" dirty="0" smtClean="0"/>
+              <a:t> binaries</a:t>
+            </a:r>
+          </a:p>
+          <a:p>
+            <a:pPr marL="285750" indent="-285750">
+              <a:buFont typeface="Arial" panose="020B0604020202020204" pitchFamily="34" charset="0"/>
+              <a:buChar char="•"/>
+            </a:pPr>
+            <a:r>
+              <a:rPr lang="en-US" dirty="0" smtClean="0"/>
+              <a:t>/</a:t>
+            </a:r>
+            <a:r>
+              <a:rPr lang="en-US" dirty="0" err="1" smtClean="0"/>
+              <a:t>var</a:t>
+            </a:r>
+            <a:r>
+              <a:rPr lang="en-US" dirty="0" smtClean="0"/>
+              <a:t> – temporary</a:t>
+            </a:r>
+          </a:p>
+          <a:p>
+            <a:pPr marL="285750" indent="-285750">
+              <a:buFont typeface="Arial" panose="020B0604020202020204" pitchFamily="34" charset="0"/>
+              <a:buChar char="•"/>
+            </a:pPr>
+            <a:r>
+              <a:rPr lang="en-US" dirty="0" smtClean="0"/>
+              <a:t>/home – user home folder</a:t>
+            </a:r>
+          </a:p>
+          <a:p>
+            <a:pPr marL="285750" indent="-285750">
+              <a:buFont typeface="Arial" panose="020B0604020202020204" pitchFamily="34" charset="0"/>
+              <a:buChar char="•"/>
+            </a:pPr>
+            <a:r>
+              <a:rPr lang="en-US" dirty="0" smtClean="0"/>
+              <a:t>/dev – device drivers</a:t>
+            </a:r>
+          </a:p>
+          <a:p>
+            <a:pPr marL="285750" indent="-285750">
+              <a:buFont typeface="Arial" panose="020B0604020202020204" pitchFamily="34" charset="0"/>
+              <a:buChar char="•"/>
+            </a:pPr>
+            <a:r>
+              <a:rPr lang="en-US" dirty="0" smtClean="0"/>
+              <a:t>/</a:t>
+            </a:r>
+            <a:r>
+              <a:rPr lang="en-US" dirty="0" err="1" smtClean="0"/>
+              <a:t>mnt</a:t>
+            </a:r>
+            <a:r>
+              <a:rPr lang="en-US" dirty="0" smtClean="0"/>
+              <a:t> – mount point</a:t>
             </a:r>
             <a:endParaRPr lang="en-US" dirty="0"/>
           </a:p>
@@ -11453,47 +12919,6 @@
           </a:p>
         </p:txBody>
       </p:sp>
-      <p:pic>
-        <p:nvPicPr>
-          <p:cNvPr id="11270" name="Picture 6" descr="Image result for git-bash"/>
-          <p:cNvPicPr>
-            <a:picLocks noChangeAspect="1" noChangeArrowheads="1"/>
-          </p:cNvPicPr>
-          <p:nvPr/>
-        </p:nvPicPr>
-        <p:blipFill>
-          <a:blip r:embed="rId4">
-            <a:extLst>
-              <a:ext uri="{28A0092B-C50C-407E-A947-70E740481C1C}">
-                <a14:useLocalDpi xmlns:a14="http://schemas.microsoft.com/office/drawing/2010/main" val="0"/>
-              </a:ext>
-            </a:extLst>
-          </a:blip>
-          <a:srcRect/>
-          <a:stretch>
-            <a:fillRect/>
-          </a:stretch>
-        </p:blipFill>
-        <p:spPr bwMode="auto">
-          <a:xfrm>
-            <a:off x="176316" y="4312064"/>
-            <a:ext cx="1357520" cy="1810026"/>
-          </a:xfrm>
-          <a:prstGeom prst="rect">
-            <a:avLst/>
-          </a:prstGeom>
-          <a:noFill/>
-          <a:extLst>
-            <a:ext uri="{909E8E84-426E-40DD-AFC4-6F175D3DCCD1}">
-              <a14:hiddenFill xmlns:a14="http://schemas.microsoft.com/office/drawing/2010/main">
-                <a:solidFill>
-                  <a:srgbClr val="FFFFFF"/>
-                </a:solidFill>
-              </a14:hiddenFill>
-            </a:ext>
-          </a:extLst>
-        </p:spPr>
-      </p:pic>
       <p:sp>
         <p:nvSpPr>
           <p:cNvPr id="6" name="TextBox 5"/>
@@ -11502,8 +12927,8 @@
         </p:nvSpPr>
         <p:spPr>
           <a:xfrm>
-            <a:off x="1533836" y="4478413"/>
-            <a:ext cx="3473726" cy="2031325"/>
+            <a:off x="79515" y="4478413"/>
+            <a:ext cx="5063986" cy="923330"/>
           </a:xfrm>
           <a:prstGeom prst="rect">
             <a:avLst/>
@@ -11521,39 +12946,38 @@
               <a:t>However, since we are on Windows, we will use </a:t>
             </a:r>
             <a:r>
-              <a:rPr lang="en-US" dirty="0" err="1" smtClean="0"/>
+              <a:rPr lang="en-US" dirty="0" err="1" smtClean="0">
+                <a:solidFill>
+                  <a:srgbClr val="FF0000"/>
+                </a:solidFill>
+              </a:rPr>
               <a:t>git</a:t>
             </a:r>
             <a:r>
+              <a:rPr lang="en-US" dirty="0" smtClean="0">
+                <a:solidFill>
+                  <a:srgbClr val="FF0000"/>
+                </a:solidFill>
+              </a:rPr>
+              <a:t>-bash</a:t>
+            </a:r>
+            <a:r>
               <a:rPr lang="en-US" dirty="0" smtClean="0"/>
-              <a:t>-bash to practice today. Later, we will use it to login to our Linux robots.</a:t>
-            </a:r>
-          </a:p>
-          <a:p>
-            <a:endParaRPr lang="en-US" dirty="0"/>
-          </a:p>
-          <a:p>
+              <a:t> to </a:t>
+            </a:r>
             <a:r>
               <a:rPr lang="en-US" dirty="0" smtClean="0"/>
-              <a:t>Also, later, we will cover the </a:t>
-            </a:r>
-            <a:r>
-              <a:rPr lang="en-US" dirty="0" err="1" smtClean="0"/>
-              <a:t>git</a:t>
+              <a:t>practice. </a:t>
             </a:r>
             <a:r>
               <a:rPr lang="en-US" dirty="0" smtClean="0"/>
-              <a:t> part of </a:t>
-            </a:r>
-            <a:r>
-              <a:rPr lang="en-US" dirty="0" err="1" smtClean="0"/>
-              <a:t>git</a:t>
+              <a:t>Later, we will use it to login to our Linux robots</a:t>
             </a:r>
             <a:r>
               <a:rPr lang="en-US" dirty="0" smtClean="0"/>
-              <a:t>-bash.</a:t>
-            </a:r>
-            <a:endParaRPr lang="en-US" dirty="0"/>
+              <a:t>.</a:t>
+            </a:r>
+            <a:endParaRPr lang="en-US" dirty="0" smtClean="0"/>
           </a:p>
         </p:txBody>
       </p:sp>
@@ -12106,6 +13530,58 @@
           </a:extLst>
         </p:spPr>
       </p:pic>
+      <p:sp>
+        <p:nvSpPr>
+          <p:cNvPr id="2" name="Rectangle 1"/>
+          <p:cNvSpPr/>
+          <p:nvPr/>
+        </p:nvSpPr>
+        <p:spPr>
+          <a:xfrm>
+            <a:off x="550127" y="5991922"/>
+            <a:ext cx="7947102" cy="735980"/>
+          </a:xfrm>
+          <a:prstGeom prst="rect">
+            <a:avLst/>
+          </a:prstGeom>
+        </p:spPr>
+        <p:style>
+          <a:lnRef idx="2">
+            <a:schemeClr val="accent1">
+              <a:shade val="50000"/>
+            </a:schemeClr>
+          </a:lnRef>
+          <a:fillRef idx="1">
+            <a:schemeClr val="accent1"/>
+          </a:fillRef>
+          <a:effectRef idx="0">
+            <a:schemeClr val="accent1"/>
+          </a:effectRef>
+          <a:fontRef idx="minor">
+            <a:schemeClr val="lt1"/>
+          </a:fontRef>
+        </p:style>
+        <p:txBody>
+          <a:bodyPr rtlCol="0" anchor="ctr"/>
+          <a:lstStyle/>
+          <a:p>
+            <a:pPr algn="ctr"/>
+            <a:r>
+              <a:rPr lang="en-US" sz="2000" dirty="0" smtClean="0"/>
+              <a:t>Go ahead and open up </a:t>
+            </a:r>
+            <a:r>
+              <a:rPr lang="en-US" sz="2000" dirty="0" err="1" smtClean="0"/>
+              <a:t>gitbash</a:t>
+            </a:r>
+            <a:r>
+              <a:rPr lang="en-US" sz="2000" dirty="0" smtClean="0"/>
+              <a:t> and follow along … after this lesson I will consider you an expert!</a:t>
+            </a:r>
+            <a:endParaRPr lang="en-US" sz="2000" dirty="0"/>
+          </a:p>
+        </p:txBody>
+      </p:sp>
     </p:spTree>
     <p:extLst>
       <p:ext uri="{BB962C8B-B14F-4D97-AF65-F5344CB8AC3E}">
@@ -12381,7 +13857,7 @@
   <a:extraClrSchemeLst/>
   <a:extLst>
     <a:ext uri="{05A4C25C-085E-4340-85A3-A5531E510DB2}">
-      <thm15:themeFamily xmlns="" xmlns:thm15="http://schemas.microsoft.com/office/thememl/2012/main" name="Office Theme" id="{62F939B6-93AF-4DB8-9C6B-D6C7DFDC589F}" vid="{4A3C46E8-61CC-4603-A589-7422A47A8E4A}"/>
+      <thm15:themeFamily xmlns:thm15="http://schemas.microsoft.com/office/thememl/2012/main" xmlns="" name="Office Theme" id="{62F939B6-93AF-4DB8-9C6B-D6C7DFDC589F}" vid="{4A3C46E8-61CC-4603-A589-7422A47A8E4A}"/>
     </a:ext>
   </a:extLst>
 </a:theme>
@@ -12642,7 +14118,7 @@
   <a:extraClrSchemeLst/>
   <a:extLst>
     <a:ext uri="{05A4C25C-085E-4340-85A3-A5531E510DB2}">
-      <thm15:themeFamily xmlns="" xmlns:thm15="http://schemas.microsoft.com/office/thememl/2012/main" name="Office Theme" id="{62F939B6-93AF-4DB8-9C6B-D6C7DFDC589F}" vid="{4A3C46E8-61CC-4603-A589-7422A47A8E4A}"/>
+      <thm15:themeFamily xmlns:thm15="http://schemas.microsoft.com/office/thememl/2012/main" xmlns="" name="Office Theme" id="{62F939B6-93AF-4DB8-9C6B-D6C7DFDC589F}" vid="{4A3C46E8-61CC-4603-A589-7422A47A8E4A}"/>
     </a:ext>
   </a:extLst>
 </a:theme>

--- a/website/block_1_basics/lsn2/lsn2-linux.pptx
+++ b/website/block_1_basics/lsn2/lsn2-linux.pptx
@@ -211,7 +211,7 @@
           <a:p>
             <a:fld id="{9A69F45A-0349-48D7-BEAD-5F887E66A039}" type="datetimeFigureOut">
               <a:rPr lang="en-US" smtClean="0"/>
-              <a:t>11/27/2017</a:t>
+              <a:t>12/11/2017</a:t>
             </a:fld>
             <a:endParaRPr lang="en-US"/>
           </a:p>
@@ -1104,7 +1104,7 @@
           <a:p>
             <a:fld id="{DBC5F202-3DD9-4D71-BBDA-356EBAE30ACE}" type="datetimeFigureOut">
               <a:rPr lang="en-US" smtClean="0"/>
-              <a:t>11/27/2017</a:t>
+              <a:t>12/11/2017</a:t>
             </a:fld>
             <a:endParaRPr lang="en-US"/>
           </a:p>
@@ -1274,7 +1274,7 @@
           <a:p>
             <a:fld id="{DBC5F202-3DD9-4D71-BBDA-356EBAE30ACE}" type="datetimeFigureOut">
               <a:rPr lang="en-US" smtClean="0"/>
-              <a:t>11/27/2017</a:t>
+              <a:t>12/11/2017</a:t>
             </a:fld>
             <a:endParaRPr lang="en-US"/>
           </a:p>
@@ -1454,7 +1454,7 @@
           <a:p>
             <a:fld id="{DBC5F202-3DD9-4D71-BBDA-356EBAE30ACE}" type="datetimeFigureOut">
               <a:rPr lang="en-US" smtClean="0"/>
-              <a:t>11/27/2017</a:t>
+              <a:t>12/11/2017</a:t>
             </a:fld>
             <a:endParaRPr lang="en-US"/>
           </a:p>
@@ -1624,7 +1624,7 @@
           <a:p>
             <a:fld id="{DBC5F202-3DD9-4D71-BBDA-356EBAE30ACE}" type="datetimeFigureOut">
               <a:rPr lang="en-US" smtClean="0"/>
-              <a:t>11/27/2017</a:t>
+              <a:t>12/11/2017</a:t>
             </a:fld>
             <a:endParaRPr lang="en-US"/>
           </a:p>
@@ -1870,7 +1870,7 @@
           <a:p>
             <a:fld id="{DBC5F202-3DD9-4D71-BBDA-356EBAE30ACE}" type="datetimeFigureOut">
               <a:rPr lang="en-US" smtClean="0"/>
-              <a:t>11/27/2017</a:t>
+              <a:t>12/11/2017</a:t>
             </a:fld>
             <a:endParaRPr lang="en-US"/>
           </a:p>
@@ -2102,7 +2102,7 @@
           <a:p>
             <a:fld id="{DBC5F202-3DD9-4D71-BBDA-356EBAE30ACE}" type="datetimeFigureOut">
               <a:rPr lang="en-US" smtClean="0"/>
-              <a:t>11/27/2017</a:t>
+              <a:t>12/11/2017</a:t>
             </a:fld>
             <a:endParaRPr lang="en-US"/>
           </a:p>
@@ -2469,7 +2469,7 @@
           <a:p>
             <a:fld id="{DBC5F202-3DD9-4D71-BBDA-356EBAE30ACE}" type="datetimeFigureOut">
               <a:rPr lang="en-US" smtClean="0"/>
-              <a:t>11/27/2017</a:t>
+              <a:t>12/11/2017</a:t>
             </a:fld>
             <a:endParaRPr lang="en-US"/>
           </a:p>
@@ -2587,7 +2587,7 @@
           <a:p>
             <a:fld id="{DBC5F202-3DD9-4D71-BBDA-356EBAE30ACE}" type="datetimeFigureOut">
               <a:rPr lang="en-US" smtClean="0"/>
-              <a:t>11/27/2017</a:t>
+              <a:t>12/11/2017</a:t>
             </a:fld>
             <a:endParaRPr lang="en-US"/>
           </a:p>
@@ -2682,7 +2682,7 @@
           <a:p>
             <a:fld id="{DBC5F202-3DD9-4D71-BBDA-356EBAE30ACE}" type="datetimeFigureOut">
               <a:rPr lang="en-US" smtClean="0"/>
-              <a:t>11/27/2017</a:t>
+              <a:t>12/11/2017</a:t>
             </a:fld>
             <a:endParaRPr lang="en-US"/>
           </a:p>
@@ -2959,7 +2959,7 @@
           <a:p>
             <a:fld id="{DBC5F202-3DD9-4D71-BBDA-356EBAE30ACE}" type="datetimeFigureOut">
               <a:rPr lang="en-US" smtClean="0"/>
-              <a:t>11/27/2017</a:t>
+              <a:t>12/11/2017</a:t>
             </a:fld>
             <a:endParaRPr lang="en-US"/>
           </a:p>
@@ -3212,7 +3212,7 @@
           <a:p>
             <a:fld id="{DBC5F202-3DD9-4D71-BBDA-356EBAE30ACE}" type="datetimeFigureOut">
               <a:rPr lang="en-US" smtClean="0"/>
-              <a:t>11/27/2017</a:t>
+              <a:t>12/11/2017</a:t>
             </a:fld>
             <a:endParaRPr lang="en-US"/>
           </a:p>
@@ -3425,7 +3425,7 @@
           <a:p>
             <a:fld id="{DBC5F202-3DD9-4D71-BBDA-356EBAE30ACE}" type="datetimeFigureOut">
               <a:rPr lang="en-US" smtClean="0"/>
-              <a:t>11/27/2017</a:t>
+              <a:t>12/11/2017</a:t>
             </a:fld>
             <a:endParaRPr lang="en-US"/>
           </a:p>
@@ -7271,14 +7271,7 @@
                 <a:latin typeface="Arial" pitchFamily="34" charset="0"/>
                 <a:cs typeface="Arial" pitchFamily="34" charset="0"/>
               </a:rPr>
-              <a:t>p</a:t>
-            </a:r>
-            <a:r>
-              <a:rPr lang="en-US" sz="2300" b="1" dirty="0" err="1" smtClean="0">
-                <a:latin typeface="Arial" pitchFamily="34" charset="0"/>
-                <a:cs typeface="Arial" pitchFamily="34" charset="0"/>
-              </a:rPr>
-              <a:t>ico</a:t>
+              <a:t>pico</a:t>
             </a:r>
             <a:r>
               <a:rPr lang="en-US" sz="2300" b="1" dirty="0" smtClean="0">
@@ -7836,13 +7829,6 @@
               </a:rPr>
               <a:t>– changes the owner of a file</a:t>
             </a:r>
-            <a:endParaRPr lang="en-US" sz="2300" dirty="0" smtClean="0">
-              <a:solidFill>
-                <a:srgbClr val="FF0000"/>
-              </a:solidFill>
-              <a:latin typeface="Arial" pitchFamily="34" charset="0"/>
-              <a:cs typeface="Arial" pitchFamily="34" charset="0"/>
-            </a:endParaRPr>
           </a:p>
           <a:p>
             <a:pPr lvl="1" eaLnBrk="1" fontAlgn="auto" hangingPunct="1">
@@ -8698,13 +8684,6 @@
               </a:rPr>
               <a:t>allow anyone to execute file</a:t>
             </a:r>
-            <a:endParaRPr lang="en-US" sz="1800" dirty="0" smtClean="0">
-              <a:solidFill>
-                <a:srgbClr val="FF0000"/>
-              </a:solidFill>
-              <a:latin typeface="Arial" pitchFamily="34" charset="0"/>
-              <a:cs typeface="Arial" pitchFamily="34" charset="0"/>
-            </a:endParaRPr>
           </a:p>
           <a:p>
             <a:pPr lvl="1" eaLnBrk="1" fontAlgn="auto" hangingPunct="1">
@@ -9997,6 +9976,13 @@
   <p:clrMapOvr>
     <a:masterClrMapping/>
   </p:clrMapOvr>
+  <p:timing>
+    <p:tnLst>
+      <p:par>
+        <p:cTn id="1" dur="indefinite" restart="never" nodeType="tmRoot"/>
+      </p:par>
+    </p:tnLst>
+  </p:timing>
 </p:sld>
 </file>
 
@@ -10061,7 +10047,7 @@
         <p:spPr>
           <a:xfrm>
             <a:off x="3427142" y="6108493"/>
-            <a:ext cx="2887650" cy="369332"/>
+            <a:ext cx="3773662" cy="369332"/>
           </a:xfrm>
           <a:prstGeom prst="rect">
             <a:avLst/>
@@ -10075,12 +10061,20 @@
           <a:lstStyle/>
           <a:p>
             <a:r>
+              <a:rPr lang="en-US" dirty="0" err="1"/>
+              <a:t>p</a:t>
+            </a:r>
+            <a:r>
               <a:rPr lang="en-US" dirty="0" err="1" smtClean="0"/>
-              <a:t>ps</a:t>
+              <a:t>s</a:t>
             </a:r>
             <a:r>
               <a:rPr lang="en-US" dirty="0" smtClean="0"/>
-              <a:t> is nice, but </a:t>
+              <a:t> and top are </a:t>
+            </a:r>
+            <a:r>
+              <a:rPr lang="en-US" dirty="0" smtClean="0"/>
+              <a:t>nice, but </a:t>
             </a:r>
             <a:r>
               <a:rPr lang="en-US" dirty="0" err="1" smtClean="0"/>
@@ -10145,6 +10139,13 @@
   <p:clrMapOvr>
     <a:masterClrMapping/>
   </p:clrMapOvr>
+  <p:timing>
+    <p:tnLst>
+      <p:par>
+        <p:cTn id="1" dur="indefinite" restart="never" nodeType="tmRoot"/>
+      </p:par>
+    </p:tnLst>
+  </p:timing>
 </p:sld>
 </file>
 
@@ -10241,6 +10242,36 @@
           </a:extLst>
         </p:spPr>
       </p:pic>
+      <p:sp>
+        <p:nvSpPr>
+          <p:cNvPr id="3" name="TextBox 2"/>
+          <p:cNvSpPr txBox="1"/>
+          <p:nvPr/>
+        </p:nvSpPr>
+        <p:spPr>
+          <a:xfrm>
+            <a:off x="3302000" y="6334668"/>
+            <a:ext cx="2731838" cy="369332"/>
+          </a:xfrm>
+          <a:prstGeom prst="rect">
+            <a:avLst/>
+          </a:prstGeom>
+          <a:noFill/>
+        </p:spPr>
+        <p:txBody>
+          <a:bodyPr wrap="none" rtlCol="0">
+            <a:spAutoFit/>
+          </a:bodyPr>
+          <a:lstStyle/>
+          <a:p>
+            <a:r>
+              <a:rPr lang="en-US" dirty="0" smtClean="0"/>
+              <a:t>If you love vi, it is there too</a:t>
+            </a:r>
+            <a:endParaRPr lang="en-US" dirty="0"/>
+          </a:p>
+        </p:txBody>
+      </p:sp>
     </p:spTree>
     <p:extLst>
       <p:ext uri="{BB962C8B-B14F-4D97-AF65-F5344CB8AC3E}">
@@ -10251,6 +10282,13 @@
   <p:clrMapOvr>
     <a:masterClrMapping/>
   </p:clrMapOvr>
+  <p:timing>
+    <p:tnLst>
+      <p:par>
+        <p:cTn id="1" dur="indefinite" restart="never" nodeType="tmRoot"/>
+      </p:par>
+    </p:tnLst>
+  </p:timing>
 </p:sld>
 </file>
 
@@ -10304,10 +10342,15 @@
             <p:ph idx="1"/>
           </p:nvPr>
         </p:nvSpPr>
-        <p:spPr/>
+        <p:spPr>
+          <a:xfrm>
+            <a:off x="662518" y="1419225"/>
+            <a:ext cx="7886700" cy="5244041"/>
+          </a:xfrm>
+        </p:spPr>
         <p:txBody>
           <a:bodyPr>
-            <a:normAutofit fontScale="85000" lnSpcReduction="20000"/>
+            <a:normAutofit fontScale="77500" lnSpcReduction="20000"/>
           </a:bodyPr>
           <a:lstStyle/>
           <a:p>
@@ -10351,20 +10394,9 @@
             <a:pPr lvl="1"/>
             <a:r>
               <a:rPr lang="en-US" dirty="0" smtClean="0"/>
-              <a:t>Login (</a:t>
-            </a:r>
-            <a:r>
-              <a:rPr lang="en-US" b="1" dirty="0" smtClean="0">
-                <a:solidFill>
-                  <a:srgbClr val="FF0000"/>
-                </a:solidFill>
-              </a:rPr>
-              <a:t>yes I know this is terrible!</a:t>
-            </a:r>
-            <a:r>
-              <a:rPr lang="en-US" dirty="0" smtClean="0"/>
-              <a:t>):</a:t>
-            </a:r>
+              <a:t>Login:</a:t>
+            </a:r>
+            <a:endParaRPr lang="en-US" dirty="0" smtClean="0"/>
           </a:p>
           <a:p>
             <a:pPr lvl="2"/>
@@ -10374,15 +10406,48 @@
             </a:r>
             <a:r>
               <a:rPr lang="en-US" dirty="0" smtClean="0"/>
-              <a:t>sername: pi</a:t>
-            </a:r>
+              <a:t>sername: </a:t>
+            </a:r>
+            <a:r>
+              <a:rPr lang="en-US" dirty="0" err="1" smtClean="0"/>
+              <a:t>mday</a:t>
+            </a:r>
+            <a:r>
+              <a:rPr lang="en-US" dirty="0" smtClean="0"/>
+              <a:t> or </a:t>
+            </a:r>
+            <a:r>
+              <a:rPr lang="en-US" dirty="0" err="1" smtClean="0"/>
+              <a:t>tday</a:t>
+            </a:r>
+            <a:endParaRPr lang="en-US" dirty="0" smtClean="0"/>
           </a:p>
           <a:p>
             <a:pPr lvl="2"/>
             <a:r>
               <a:rPr lang="en-US" dirty="0" smtClean="0"/>
-              <a:t>password: raspberry</a:t>
-            </a:r>
+              <a:t>password: </a:t>
+            </a:r>
+            <a:r>
+              <a:rPr lang="en-US" dirty="0" smtClean="0"/>
+              <a:t>raspberry</a:t>
+            </a:r>
+          </a:p>
+          <a:p>
+            <a:pPr lvl="1"/>
+            <a:r>
+              <a:rPr lang="en-US" b="1" dirty="0" smtClean="0">
+                <a:solidFill>
+                  <a:srgbClr val="FF0000"/>
+                </a:solidFill>
+              </a:rPr>
+              <a:t>NEVER LOG IN AS ANOTHER DAY</a:t>
+            </a:r>
+            <a:endParaRPr lang="en-US" b="1" dirty="0" smtClean="0">
+              <a:solidFill>
+                <a:srgbClr val="FF0000"/>
+              </a:solidFill>
+            </a:endParaRPr>
           </a:p>
           <a:p>
             <a:r>
@@ -10412,7 +10477,15 @@
             </a:r>
             <a:r>
               <a:rPr lang="en-US" dirty="0" smtClean="0"/>
-              <a:t> and change into that directory</a:t>
+              <a:t> </a:t>
+            </a:r>
+            <a:r>
+              <a:rPr lang="en-US" dirty="0" smtClean="0"/>
+              <a:t>(remember, others are login in too) and </a:t>
+            </a:r>
+            <a:r>
+              <a:rPr lang="en-US" dirty="0" smtClean="0"/>
+              <a:t>change into that directory</a:t>
             </a:r>
           </a:p>
           <a:p>
@@ -10439,8 +10512,13 @@
                   <a:srgbClr val="00B050"/>
                 </a:solidFill>
               </a:rPr>
-              <a:t>test.txt</a:t>
-            </a:r>
+              <a:t>test.py</a:t>
+            </a:r>
+            <a:endParaRPr lang="en-US" dirty="0" smtClean="0">
+              <a:solidFill>
+                <a:srgbClr val="00B050"/>
+              </a:solidFill>
+            </a:endParaRPr>
           </a:p>
           <a:p>
             <a:pPr lvl="1"/>
@@ -10466,9 +10544,91 @@
             </a:r>
             <a:r>
               <a:rPr lang="en-US" dirty="0" smtClean="0"/>
-              <a:t>… just type “hello” in it</a:t>
-            </a:r>
-            <a:endParaRPr lang="en-US" b="1" dirty="0" smtClean="0">
+              <a:t>and type:</a:t>
+            </a:r>
+          </a:p>
+          <a:p>
+            <a:pPr lvl="2"/>
+            <a:r>
+              <a:rPr lang="en-US" dirty="0" smtClean="0"/>
+              <a:t>#!/</a:t>
+            </a:r>
+            <a:r>
+              <a:rPr lang="en-US" dirty="0" err="1" smtClean="0"/>
+              <a:t>usr</a:t>
+            </a:r>
+            <a:r>
+              <a:rPr lang="en-US" dirty="0" smtClean="0"/>
+              <a:t>/bin/</a:t>
+            </a:r>
+            <a:r>
+              <a:rPr lang="en-US" dirty="0" err="1" smtClean="0"/>
+              <a:t>env</a:t>
+            </a:r>
+            <a:r>
+              <a:rPr lang="en-US" dirty="0" smtClean="0"/>
+              <a:t> python</a:t>
+            </a:r>
+          </a:p>
+          <a:p>
+            <a:pPr lvl="2"/>
+            <a:r>
+              <a:rPr lang="en-US" dirty="0" smtClean="0"/>
+              <a:t>print ‘hello world’</a:t>
+            </a:r>
+            <a:endParaRPr lang="en-US" dirty="0" smtClean="0"/>
+          </a:p>
+          <a:p>
+            <a:pPr lvl="1"/>
+            <a:r>
+              <a:rPr lang="en-US" dirty="0" smtClean="0"/>
+              <a:t>Make </a:t>
+            </a:r>
+            <a:r>
+              <a:rPr lang="en-US" dirty="0" smtClean="0">
+                <a:solidFill>
+                  <a:srgbClr val="00B050"/>
+                </a:solidFill>
+              </a:rPr>
+              <a:t>test.py</a:t>
+            </a:r>
+            <a:r>
+              <a:rPr lang="en-US" dirty="0" smtClean="0"/>
+              <a:t> executable with </a:t>
+            </a:r>
+            <a:r>
+              <a:rPr lang="en-US" dirty="0" err="1" smtClean="0">
+                <a:solidFill>
+                  <a:srgbClr val="7030A0"/>
+                </a:solidFill>
+              </a:rPr>
+              <a:t>chmod</a:t>
+            </a:r>
+            <a:r>
+              <a:rPr lang="en-US" dirty="0" smtClean="0">
+                <a:solidFill>
+                  <a:srgbClr val="7030A0"/>
+                </a:solidFill>
+              </a:rPr>
+              <a:t> </a:t>
+            </a:r>
+            <a:r>
+              <a:rPr lang="en-US" dirty="0" err="1" smtClean="0">
+                <a:solidFill>
+                  <a:srgbClr val="7030A0"/>
+                </a:solidFill>
+              </a:rPr>
+              <a:t>a+x</a:t>
+            </a:r>
+            <a:r>
+              <a:rPr lang="en-US" dirty="0" smtClean="0">
+                <a:solidFill>
+                  <a:srgbClr val="7030A0"/>
+                </a:solidFill>
+              </a:rPr>
+              <a:t> test.py</a:t>
+            </a:r>
+            <a:endParaRPr lang="en-US" dirty="0" smtClean="0">
               <a:solidFill>
                 <a:srgbClr val="7030A0"/>
               </a:solidFill>
@@ -10478,22 +10638,53 @@
             <a:pPr lvl="1"/>
             <a:r>
               <a:rPr lang="en-US" dirty="0" smtClean="0"/>
-              <a:t>List your home directory contents with: </a:t>
-            </a:r>
-            <a:r>
-              <a:rPr lang="en-US" b="1" dirty="0" smtClean="0">
+              <a:t>Now run </a:t>
+            </a:r>
+            <a:r>
+              <a:rPr lang="en-US" dirty="0" smtClean="0">
+                <a:solidFill>
+                  <a:srgbClr val="00B050"/>
+                </a:solidFill>
+              </a:rPr>
+              <a:t>test.py</a:t>
+            </a:r>
+            <a:r>
+              <a:rPr lang="en-US" dirty="0" smtClean="0"/>
+              <a:t> by doing: </a:t>
+            </a:r>
+            <a:r>
+              <a:rPr lang="en-US" dirty="0" smtClean="0">
                 <a:solidFill>
                   <a:srgbClr val="7030A0"/>
                 </a:solidFill>
               </a:rPr>
+              <a:t>./test.py</a:t>
+            </a:r>
+          </a:p>
+          <a:p>
+            <a:pPr lvl="1"/>
+            <a:r>
+              <a:rPr lang="en-US" dirty="0" smtClean="0"/>
+              <a:t>List </a:t>
+            </a:r>
+            <a:r>
+              <a:rPr lang="en-US" dirty="0"/>
+              <a:t>your home directory contents with: </a:t>
+            </a:r>
+            <a:r>
+              <a:rPr lang="en-US" b="1" dirty="0">
+                <a:solidFill>
+                  <a:srgbClr val="7030A0"/>
+                </a:solidFill>
+              </a:rPr>
               <a:t>ls</a:t>
             </a:r>
             <a:r>
-              <a:rPr lang="en-US" dirty="0" smtClean="0"/>
+              <a:rPr lang="en-US" dirty="0"/>
               <a:t>, </a:t>
             </a:r>
             <a:r>
-              <a:rPr lang="en-US" b="1" dirty="0" smtClean="0">
+              <a:rPr lang="en-US" b="1" dirty="0">
                 <a:solidFill>
                   <a:srgbClr val="7030A0"/>
                 </a:solidFill>
@@ -10501,11 +10692,11 @@
               <a:t>ls –l</a:t>
             </a:r>
             <a:r>
-              <a:rPr lang="en-US" dirty="0" smtClean="0"/>
+              <a:rPr lang="en-US" dirty="0"/>
               <a:t>, </a:t>
             </a:r>
             <a:r>
-              <a:rPr lang="en-US" b="1" dirty="0" smtClean="0">
+              <a:rPr lang="en-US" b="1" dirty="0">
                 <a:solidFill>
                   <a:srgbClr val="7030A0"/>
                 </a:solidFill>
@@ -10513,14 +10704,14 @@
               <a:t>ls –</a:t>
             </a:r>
             <a:r>
-              <a:rPr lang="en-US" b="1" dirty="0" err="1" smtClean="0">
+              <a:rPr lang="en-US" b="1" dirty="0" err="1">
                 <a:solidFill>
                   <a:srgbClr val="7030A0"/>
                 </a:solidFill>
               </a:rPr>
               <a:t>alh</a:t>
             </a:r>
-            <a:endParaRPr lang="en-US" b="1" dirty="0" smtClean="0">
+            <a:endParaRPr lang="en-US" b="1" dirty="0">
               <a:solidFill>
                 <a:srgbClr val="7030A0"/>
               </a:solidFill>
@@ -10530,26 +10721,11 @@
             <a:pPr lvl="1"/>
             <a:r>
               <a:rPr lang="en-US" dirty="0" smtClean="0"/>
-              <a:t>Make </a:t>
-            </a:r>
-            <a:r>
-              <a:rPr lang="en-US" dirty="0" smtClean="0">
-                <a:solidFill>
-                  <a:srgbClr val="00B050"/>
-                </a:solidFill>
-              </a:rPr>
-              <a:t>test.txt</a:t>
+              <a:t>See </a:t>
             </a:r>
             <a:r>
               <a:rPr lang="en-US" dirty="0" smtClean="0"/>
-              <a:t> executable</a:t>
-            </a:r>
-          </a:p>
-          <a:p>
-            <a:pPr lvl="1"/>
-            <a:r>
-              <a:rPr lang="en-US" dirty="0" smtClean="0"/>
-              <a:t>See what is running on your system with </a:t>
+              <a:t>what is running on your system with </a:t>
             </a:r>
             <a:r>
               <a:rPr lang="en-US" b="1" dirty="0" err="1" smtClean="0">
@@ -10581,6 +10757,13 @@
   <p:clrMapOvr>
     <a:masterClrMapping/>
   </p:clrMapOvr>
+  <p:timing>
+    <p:tnLst>
+      <p:par>
+        <p:cTn id="1" dur="indefinite" restart="never" nodeType="tmRoot"/>
+      </p:par>
+    </p:tnLst>
+  </p:timing>
 </p:sld>
 </file>
 
@@ -10653,6 +10836,13 @@
   <p:clrMapOvr>
     <a:masterClrMapping/>
   </p:clrMapOvr>
+  <p:timing>
+    <p:tnLst>
+      <p:par>
+        <p:cTn id="1" dur="indefinite" restart="never" nodeType="tmRoot"/>
+      </p:par>
+    </p:tnLst>
+  </p:timing>
 </p:sld>
 </file>
 
@@ -10719,13 +10909,8 @@
           <a:p>
             <a:r>
               <a:rPr lang="en-US" dirty="0" smtClean="0"/>
-              <a:t>Today we will brush over them and expand a little upon </a:t>
-            </a:r>
-            <a:r>
-              <a:rPr lang="en-US" dirty="0" smtClean="0"/>
-              <a:t>them</a:t>
-            </a:r>
-            <a:endParaRPr lang="en-US" dirty="0" smtClean="0"/>
+              <a:t>Today we will brush over them and expand a little upon them</a:t>
+            </a:r>
           </a:p>
           <a:p>
             <a:pPr lvl="1"/>
@@ -11437,13 +11622,8 @@
           <a:p>
             <a:r>
               <a:rPr lang="en-US" dirty="0" smtClean="0"/>
-              <a:t>Linux is an O/S kernel written by Linus Torvalds and </a:t>
-            </a:r>
-            <a:r>
-              <a:rPr lang="en-US" dirty="0" smtClean="0"/>
-              <a:t>others</a:t>
-            </a:r>
-            <a:endParaRPr lang="en-US" dirty="0" smtClean="0"/>
+              <a:t>Linux is an O/S kernel written by Linus Torvalds and others</a:t>
+            </a:r>
           </a:p>
           <a:p>
             <a:pPr marL="109728" indent="0">
@@ -12963,21 +13143,8 @@
             </a:r>
             <a:r>
               <a:rPr lang="en-US" dirty="0" smtClean="0"/>
-              <a:t> to </a:t>
-            </a:r>
-            <a:r>
-              <a:rPr lang="en-US" dirty="0" smtClean="0"/>
-              <a:t>practice. </a:t>
-            </a:r>
-            <a:r>
-              <a:rPr lang="en-US" dirty="0" smtClean="0"/>
-              <a:t>Later, we will use it to login to our Linux robots</a:t>
-            </a:r>
-            <a:r>
-              <a:rPr lang="en-US" dirty="0" smtClean="0"/>
-              <a:t>.</a:t>
-            </a:r>
-            <a:endParaRPr lang="en-US" dirty="0" smtClean="0"/>
+              <a:t> to practice. Later, we will use it to login to our Linux robots.</a:t>
+            </a:r>
           </a:p>
         </p:txBody>
       </p:sp>
@@ -13857,7 +14024,7 @@
   <a:extraClrSchemeLst/>
   <a:extLst>
     <a:ext uri="{05A4C25C-085E-4340-85A3-A5531E510DB2}">
-      <thm15:themeFamily xmlns:thm15="http://schemas.microsoft.com/office/thememl/2012/main" xmlns="" name="Office Theme" id="{62F939B6-93AF-4DB8-9C6B-D6C7DFDC589F}" vid="{4A3C46E8-61CC-4603-A589-7422A47A8E4A}"/>
+      <thm15:themeFamily xmlns="" xmlns:thm15="http://schemas.microsoft.com/office/thememl/2012/main" name="Office Theme" id="{62F939B6-93AF-4DB8-9C6B-D6C7DFDC589F}" vid="{4A3C46E8-61CC-4603-A589-7422A47A8E4A}"/>
     </a:ext>
   </a:extLst>
 </a:theme>
@@ -14118,7 +14285,7 @@
   <a:extraClrSchemeLst/>
   <a:extLst>
     <a:ext uri="{05A4C25C-085E-4340-85A3-A5531E510DB2}">
-      <thm15:themeFamily xmlns:thm15="http://schemas.microsoft.com/office/thememl/2012/main" xmlns="" name="Office Theme" id="{62F939B6-93AF-4DB8-9C6B-D6C7DFDC589F}" vid="{4A3C46E8-61CC-4603-A589-7422A47A8E4A}"/>
+      <thm15:themeFamily xmlns="" xmlns:thm15="http://schemas.microsoft.com/office/thememl/2012/main" name="Office Theme" id="{62F939B6-93AF-4DB8-9C6B-D6C7DFDC589F}" vid="{4A3C46E8-61CC-4603-A589-7422A47A8E4A}"/>
     </a:ext>
   </a:extLst>
 </a:theme>

--- a/website/block_1_basics/lsn2/lsn2-linux.pptx
+++ b/website/block_1_basics/lsn2/lsn2-linux.pptx
@@ -5,7 +5,7 @@
     <p:sldMasterId id="2147483648" r:id="rId1"/>
   </p:sldMasterIdLst>
   <p:notesMasterIdLst>
-    <p:notesMasterId r:id="rId22"/>
+    <p:notesMasterId r:id="rId24"/>
   </p:notesMasterIdLst>
   <p:sldIdLst>
     <p:sldId id="273" r:id="rId2"/>
@@ -14,20 +14,22 @@
     <p:sldId id="270" r:id="rId5"/>
     <p:sldId id="269" r:id="rId6"/>
     <p:sldId id="267" r:id="rId7"/>
-    <p:sldId id="266" r:id="rId8"/>
+    <p:sldId id="280" r:id="rId8"/>
     <p:sldId id="274" r:id="rId9"/>
     <p:sldId id="263" r:id="rId10"/>
-    <p:sldId id="258" r:id="rId11"/>
-    <p:sldId id="259" r:id="rId12"/>
-    <p:sldId id="262" r:id="rId13"/>
-    <p:sldId id="257" r:id="rId14"/>
-    <p:sldId id="260" r:id="rId15"/>
-    <p:sldId id="279" r:id="rId16"/>
+    <p:sldId id="262" r:id="rId11"/>
+    <p:sldId id="257" r:id="rId12"/>
+    <p:sldId id="279" r:id="rId13"/>
+    <p:sldId id="258" r:id="rId14"/>
+    <p:sldId id="259" r:id="rId15"/>
+    <p:sldId id="260" r:id="rId16"/>
     <p:sldId id="276" r:id="rId17"/>
     <p:sldId id="277" r:id="rId18"/>
     <p:sldId id="278" r:id="rId19"/>
-    <p:sldId id="275" r:id="rId20"/>
-    <p:sldId id="261" r:id="rId21"/>
+    <p:sldId id="281" r:id="rId20"/>
+    <p:sldId id="275" r:id="rId21"/>
+    <p:sldId id="261" r:id="rId22"/>
+    <p:sldId id="266" r:id="rId23"/>
   </p:sldIdLst>
   <p:sldSz cx="9144000" cy="6858000" type="screen4x3"/>
   <p:notesSz cx="6858000" cy="9144000"/>
@@ -211,7 +213,7 @@
           <a:p>
             <a:fld id="{9A69F45A-0349-48D7-BEAD-5F887E66A039}" type="datetimeFigureOut">
               <a:rPr lang="en-US" smtClean="0"/>
-              <a:t>12/11/2017</a:t>
+              <a:t>1/8/2018</a:t>
             </a:fld>
             <a:endParaRPr lang="en-US"/>
           </a:p>
@@ -954,7 +956,7 @@
           <a:p>
             <a:fld id="{34D18838-FCC7-4FB5-827F-A208D4952F96}" type="slidenum">
               <a:rPr lang="en-US" smtClean="0"/>
-              <a:t>7</a:t>
+              <a:t>22</a:t>
             </a:fld>
             <a:endParaRPr lang="en-US"/>
           </a:p>
@@ -1104,7 +1106,7 @@
           <a:p>
             <a:fld id="{DBC5F202-3DD9-4D71-BBDA-356EBAE30ACE}" type="datetimeFigureOut">
               <a:rPr lang="en-US" smtClean="0"/>
-              <a:t>12/11/2017</a:t>
+              <a:t>1/8/2018</a:t>
             </a:fld>
             <a:endParaRPr lang="en-US"/>
           </a:p>
@@ -1274,7 +1276,7 @@
           <a:p>
             <a:fld id="{DBC5F202-3DD9-4D71-BBDA-356EBAE30ACE}" type="datetimeFigureOut">
               <a:rPr lang="en-US" smtClean="0"/>
-              <a:t>12/11/2017</a:t>
+              <a:t>1/8/2018</a:t>
             </a:fld>
             <a:endParaRPr lang="en-US"/>
           </a:p>
@@ -1454,7 +1456,7 @@
           <a:p>
             <a:fld id="{DBC5F202-3DD9-4D71-BBDA-356EBAE30ACE}" type="datetimeFigureOut">
               <a:rPr lang="en-US" smtClean="0"/>
-              <a:t>12/11/2017</a:t>
+              <a:t>1/8/2018</a:t>
             </a:fld>
             <a:endParaRPr lang="en-US"/>
           </a:p>
@@ -1624,7 +1626,7 @@
           <a:p>
             <a:fld id="{DBC5F202-3DD9-4D71-BBDA-356EBAE30ACE}" type="datetimeFigureOut">
               <a:rPr lang="en-US" smtClean="0"/>
-              <a:t>12/11/2017</a:t>
+              <a:t>1/8/2018</a:t>
             </a:fld>
             <a:endParaRPr lang="en-US"/>
           </a:p>
@@ -1870,7 +1872,7 @@
           <a:p>
             <a:fld id="{DBC5F202-3DD9-4D71-BBDA-356EBAE30ACE}" type="datetimeFigureOut">
               <a:rPr lang="en-US" smtClean="0"/>
-              <a:t>12/11/2017</a:t>
+              <a:t>1/8/2018</a:t>
             </a:fld>
             <a:endParaRPr lang="en-US"/>
           </a:p>
@@ -2102,7 +2104,7 @@
           <a:p>
             <a:fld id="{DBC5F202-3DD9-4D71-BBDA-356EBAE30ACE}" type="datetimeFigureOut">
               <a:rPr lang="en-US" smtClean="0"/>
-              <a:t>12/11/2017</a:t>
+              <a:t>1/8/2018</a:t>
             </a:fld>
             <a:endParaRPr lang="en-US"/>
           </a:p>
@@ -2469,7 +2471,7 @@
           <a:p>
             <a:fld id="{DBC5F202-3DD9-4D71-BBDA-356EBAE30ACE}" type="datetimeFigureOut">
               <a:rPr lang="en-US" smtClean="0"/>
-              <a:t>12/11/2017</a:t>
+              <a:t>1/8/2018</a:t>
             </a:fld>
             <a:endParaRPr lang="en-US"/>
           </a:p>
@@ -2587,7 +2589,7 @@
           <a:p>
             <a:fld id="{DBC5F202-3DD9-4D71-BBDA-356EBAE30ACE}" type="datetimeFigureOut">
               <a:rPr lang="en-US" smtClean="0"/>
-              <a:t>12/11/2017</a:t>
+              <a:t>1/8/2018</a:t>
             </a:fld>
             <a:endParaRPr lang="en-US"/>
           </a:p>
@@ -2682,7 +2684,7 @@
           <a:p>
             <a:fld id="{DBC5F202-3DD9-4D71-BBDA-356EBAE30ACE}" type="datetimeFigureOut">
               <a:rPr lang="en-US" smtClean="0"/>
-              <a:t>12/11/2017</a:t>
+              <a:t>1/8/2018</a:t>
             </a:fld>
             <a:endParaRPr lang="en-US"/>
           </a:p>
@@ -2959,7 +2961,7 @@
           <a:p>
             <a:fld id="{DBC5F202-3DD9-4D71-BBDA-356EBAE30ACE}" type="datetimeFigureOut">
               <a:rPr lang="en-US" smtClean="0"/>
-              <a:t>12/11/2017</a:t>
+              <a:t>1/8/2018</a:t>
             </a:fld>
             <a:endParaRPr lang="en-US"/>
           </a:p>
@@ -3212,7 +3214,7 @@
           <a:p>
             <a:fld id="{DBC5F202-3DD9-4D71-BBDA-356EBAE30ACE}" type="datetimeFigureOut">
               <a:rPr lang="en-US" smtClean="0"/>
-              <a:t>12/11/2017</a:t>
+              <a:t>1/8/2018</a:t>
             </a:fld>
             <a:endParaRPr lang="en-US"/>
           </a:p>
@@ -3425,7 +3427,7 @@
           <a:p>
             <a:fld id="{DBC5F202-3DD9-4D71-BBDA-356EBAE30ACE}" type="datetimeFigureOut">
               <a:rPr lang="en-US" smtClean="0"/>
-              <a:t>12/11/2017</a:t>
+              <a:t>1/8/2018</a:t>
             </a:fld>
             <a:endParaRPr lang="en-US"/>
           </a:p>
@@ -3992,6 +3994,2465 @@
       </p:grpSpPr>
       <p:sp>
         <p:nvSpPr>
+          <p:cNvPr id="45058" name="Title 1"/>
+          <p:cNvSpPr txBox="1">
+            <a:spLocks/>
+          </p:cNvSpPr>
+          <p:nvPr/>
+        </p:nvSpPr>
+        <p:spPr bwMode="auto">
+          <a:xfrm>
+            <a:off x="1746646" y="344488"/>
+            <a:ext cx="7119767" cy="735012"/>
+          </a:xfrm>
+          <a:prstGeom prst="rect">
+            <a:avLst/>
+          </a:prstGeom>
+          <a:noFill/>
+          <a:ln>
+            <a:noFill/>
+          </a:ln>
+          <a:extLst>
+            <a:ext uri="{909E8E84-426E-40DD-AFC4-6F175D3DCCD1}">
+              <a14:hiddenFill xmlns:a14="http://schemas.microsoft.com/office/drawing/2010/main">
+                <a:solidFill>
+                  <a:srgbClr val="FFFFFF"/>
+                </a:solidFill>
+              </a14:hiddenFill>
+            </a:ext>
+            <a:ext uri="{91240B29-F687-4F45-9708-019B960494DF}">
+              <a14:hiddenLine xmlns:a14="http://schemas.microsoft.com/office/drawing/2010/main" w="9525">
+                <a:solidFill>
+                  <a:srgbClr val="000000"/>
+                </a:solidFill>
+                <a:miter lim="800000"/>
+                <a:headEnd/>
+                <a:tailEnd/>
+              </a14:hiddenLine>
+            </a:ext>
+          </a:extLst>
+        </p:spPr>
+        <p:txBody>
+          <a:bodyPr/>
+          <a:lstStyle>
+            <a:lvl1pPr eaLnBrk="0" hangingPunct="0">
+              <a:defRPr>
+                <a:solidFill>
+                  <a:schemeClr val="tx1"/>
+                </a:solidFill>
+                <a:latin typeface="Arial" panose="020B0604020202020204" pitchFamily="34" charset="0"/>
+              </a:defRPr>
+            </a:lvl1pPr>
+            <a:lvl2pPr marL="742950" indent="-285750" eaLnBrk="0" hangingPunct="0">
+              <a:defRPr>
+                <a:solidFill>
+                  <a:schemeClr val="tx1"/>
+                </a:solidFill>
+                <a:latin typeface="Arial" panose="020B0604020202020204" pitchFamily="34" charset="0"/>
+              </a:defRPr>
+            </a:lvl2pPr>
+            <a:lvl3pPr marL="1143000" indent="-228600" eaLnBrk="0" hangingPunct="0">
+              <a:defRPr>
+                <a:solidFill>
+                  <a:schemeClr val="tx1"/>
+                </a:solidFill>
+                <a:latin typeface="Arial" panose="020B0604020202020204" pitchFamily="34" charset="0"/>
+              </a:defRPr>
+            </a:lvl3pPr>
+            <a:lvl4pPr marL="1600200" indent="-228600" eaLnBrk="0" hangingPunct="0">
+              <a:defRPr>
+                <a:solidFill>
+                  <a:schemeClr val="tx1"/>
+                </a:solidFill>
+                <a:latin typeface="Arial" panose="020B0604020202020204" pitchFamily="34" charset="0"/>
+              </a:defRPr>
+            </a:lvl4pPr>
+            <a:lvl5pPr marL="2057400" indent="-228600" eaLnBrk="0" hangingPunct="0">
+              <a:defRPr>
+                <a:solidFill>
+                  <a:schemeClr val="tx1"/>
+                </a:solidFill>
+                <a:latin typeface="Arial" panose="020B0604020202020204" pitchFamily="34" charset="0"/>
+              </a:defRPr>
+            </a:lvl5pPr>
+            <a:lvl6pPr marL="2514600" indent="-228600" eaLnBrk="0" fontAlgn="base" hangingPunct="0">
+              <a:spcBef>
+                <a:spcPct val="0"/>
+              </a:spcBef>
+              <a:spcAft>
+                <a:spcPct val="0"/>
+              </a:spcAft>
+              <a:defRPr>
+                <a:solidFill>
+                  <a:schemeClr val="tx1"/>
+                </a:solidFill>
+                <a:latin typeface="Arial" panose="020B0604020202020204" pitchFamily="34" charset="0"/>
+              </a:defRPr>
+            </a:lvl6pPr>
+            <a:lvl7pPr marL="2971800" indent="-228600" eaLnBrk="0" fontAlgn="base" hangingPunct="0">
+              <a:spcBef>
+                <a:spcPct val="0"/>
+              </a:spcBef>
+              <a:spcAft>
+                <a:spcPct val="0"/>
+              </a:spcAft>
+              <a:defRPr>
+                <a:solidFill>
+                  <a:schemeClr val="tx1"/>
+                </a:solidFill>
+                <a:latin typeface="Arial" panose="020B0604020202020204" pitchFamily="34" charset="0"/>
+              </a:defRPr>
+            </a:lvl7pPr>
+            <a:lvl8pPr marL="3429000" indent="-228600" eaLnBrk="0" fontAlgn="base" hangingPunct="0">
+              <a:spcBef>
+                <a:spcPct val="0"/>
+              </a:spcBef>
+              <a:spcAft>
+                <a:spcPct val="0"/>
+              </a:spcAft>
+              <a:defRPr>
+                <a:solidFill>
+                  <a:schemeClr val="tx1"/>
+                </a:solidFill>
+                <a:latin typeface="Arial" panose="020B0604020202020204" pitchFamily="34" charset="0"/>
+              </a:defRPr>
+            </a:lvl8pPr>
+            <a:lvl9pPr marL="3886200" indent="-228600" eaLnBrk="0" fontAlgn="base" hangingPunct="0">
+              <a:spcBef>
+                <a:spcPct val="0"/>
+              </a:spcBef>
+              <a:spcAft>
+                <a:spcPct val="0"/>
+              </a:spcAft>
+              <a:defRPr>
+                <a:solidFill>
+                  <a:schemeClr val="tx1"/>
+                </a:solidFill>
+                <a:latin typeface="Arial" panose="020B0604020202020204" pitchFamily="34" charset="0"/>
+              </a:defRPr>
+            </a:lvl9pPr>
+          </a:lstStyle>
+          <a:p>
+            <a:pPr algn="ctr" eaLnBrk="1" hangingPunct="1"/>
+            <a:r>
+              <a:rPr lang="en-US" altLang="en-US" sz="4400" dirty="0">
+                <a:latin typeface="Calibri" panose="020F0502020204030204" pitchFamily="34" charset="0"/>
+              </a:rPr>
+              <a:t>Introduction to Linux/Unix</a:t>
+            </a:r>
+          </a:p>
+        </p:txBody>
+      </p:sp>
+      <p:sp>
+        <p:nvSpPr>
+          <p:cNvPr id="3" name="Content Placeholder 2"/>
+          <p:cNvSpPr txBox="1">
+            <a:spLocks/>
+          </p:cNvSpPr>
+          <p:nvPr/>
+        </p:nvSpPr>
+        <p:spPr>
+          <a:xfrm>
+            <a:off x="653144" y="1160465"/>
+            <a:ext cx="7886700" cy="5697537"/>
+          </a:xfrm>
+          <a:prstGeom prst="rect">
+            <a:avLst/>
+          </a:prstGeom>
+        </p:spPr>
+        <p:txBody>
+          <a:bodyPr>
+            <a:normAutofit fontScale="70000" lnSpcReduction="20000"/>
+          </a:bodyPr>
+          <a:lstStyle>
+            <a:lvl1pPr marL="342900" indent="-342900" algn="l" rtl="0" eaLnBrk="0" fontAlgn="base" hangingPunct="0">
+              <a:spcBef>
+                <a:spcPct val="20000"/>
+              </a:spcBef>
+              <a:spcAft>
+                <a:spcPct val="0"/>
+              </a:spcAft>
+              <a:buFont typeface="Arial" charset="0"/>
+              <a:buChar char="•"/>
+              <a:defRPr sz="3200" kern="1200">
+                <a:solidFill>
+                  <a:schemeClr val="tx1"/>
+                </a:solidFill>
+                <a:latin typeface="+mn-lt"/>
+                <a:ea typeface="+mn-ea"/>
+                <a:cs typeface="+mn-cs"/>
+              </a:defRPr>
+            </a:lvl1pPr>
+            <a:lvl2pPr marL="742950" indent="-285750" algn="l" rtl="0" eaLnBrk="0" fontAlgn="base" hangingPunct="0">
+              <a:spcBef>
+                <a:spcPct val="20000"/>
+              </a:spcBef>
+              <a:spcAft>
+                <a:spcPct val="0"/>
+              </a:spcAft>
+              <a:buFont typeface="Arial" charset="0"/>
+              <a:buChar char="–"/>
+              <a:defRPr sz="2800" kern="1200">
+                <a:solidFill>
+                  <a:schemeClr val="tx1"/>
+                </a:solidFill>
+                <a:latin typeface="+mn-lt"/>
+                <a:ea typeface="+mn-ea"/>
+                <a:cs typeface="+mn-cs"/>
+              </a:defRPr>
+            </a:lvl2pPr>
+            <a:lvl3pPr marL="1143000" indent="-228600" algn="l" rtl="0" eaLnBrk="0" fontAlgn="base" hangingPunct="0">
+              <a:spcBef>
+                <a:spcPct val="20000"/>
+              </a:spcBef>
+              <a:spcAft>
+                <a:spcPct val="0"/>
+              </a:spcAft>
+              <a:buFont typeface="Arial" charset="0"/>
+              <a:buChar char="•"/>
+              <a:defRPr sz="2400" kern="1200">
+                <a:solidFill>
+                  <a:schemeClr val="tx1"/>
+                </a:solidFill>
+                <a:latin typeface="+mn-lt"/>
+                <a:ea typeface="+mn-ea"/>
+                <a:cs typeface="+mn-cs"/>
+              </a:defRPr>
+            </a:lvl3pPr>
+            <a:lvl4pPr marL="1600200" indent="-228600" algn="l" rtl="0" eaLnBrk="0" fontAlgn="base" hangingPunct="0">
+              <a:spcBef>
+                <a:spcPct val="20000"/>
+              </a:spcBef>
+              <a:spcAft>
+                <a:spcPct val="0"/>
+              </a:spcAft>
+              <a:buFont typeface="Arial" charset="0"/>
+              <a:buChar char="–"/>
+              <a:defRPr sz="2000" kern="1200">
+                <a:solidFill>
+                  <a:schemeClr val="tx1"/>
+                </a:solidFill>
+                <a:latin typeface="+mn-lt"/>
+                <a:ea typeface="+mn-ea"/>
+                <a:cs typeface="+mn-cs"/>
+              </a:defRPr>
+            </a:lvl4pPr>
+            <a:lvl5pPr marL="2057400" indent="-228600" algn="l" rtl="0" eaLnBrk="0" fontAlgn="base" hangingPunct="0">
+              <a:spcBef>
+                <a:spcPct val="20000"/>
+              </a:spcBef>
+              <a:spcAft>
+                <a:spcPct val="0"/>
+              </a:spcAft>
+              <a:buFont typeface="Arial" charset="0"/>
+              <a:buChar char="»"/>
+              <a:defRPr sz="2000" kern="1200">
+                <a:solidFill>
+                  <a:schemeClr val="tx1"/>
+                </a:solidFill>
+                <a:latin typeface="+mn-lt"/>
+                <a:ea typeface="+mn-ea"/>
+                <a:cs typeface="+mn-cs"/>
+              </a:defRPr>
+            </a:lvl5pPr>
+            <a:lvl6pPr marL="2514600" indent="-228600" algn="l" defTabSz="914400" rtl="0" eaLnBrk="1" latinLnBrk="0" hangingPunct="1">
+              <a:spcBef>
+                <a:spcPct val="20000"/>
+              </a:spcBef>
+              <a:buFont typeface="Arial" pitchFamily="34" charset="0"/>
+              <a:buChar char="•"/>
+              <a:defRPr sz="2000" kern="1200">
+                <a:solidFill>
+                  <a:schemeClr val="tx1"/>
+                </a:solidFill>
+                <a:latin typeface="+mn-lt"/>
+                <a:ea typeface="+mn-ea"/>
+                <a:cs typeface="+mn-cs"/>
+              </a:defRPr>
+            </a:lvl6pPr>
+            <a:lvl7pPr marL="2971800" indent="-228600" algn="l" defTabSz="914400" rtl="0" eaLnBrk="1" latinLnBrk="0" hangingPunct="1">
+              <a:spcBef>
+                <a:spcPct val="20000"/>
+              </a:spcBef>
+              <a:buFont typeface="Arial" pitchFamily="34" charset="0"/>
+              <a:buChar char="•"/>
+              <a:defRPr sz="2000" kern="1200">
+                <a:solidFill>
+                  <a:schemeClr val="tx1"/>
+                </a:solidFill>
+                <a:latin typeface="+mn-lt"/>
+                <a:ea typeface="+mn-ea"/>
+                <a:cs typeface="+mn-cs"/>
+              </a:defRPr>
+            </a:lvl7pPr>
+            <a:lvl8pPr marL="3429000" indent="-228600" algn="l" defTabSz="914400" rtl="0" eaLnBrk="1" latinLnBrk="0" hangingPunct="1">
+              <a:spcBef>
+                <a:spcPct val="20000"/>
+              </a:spcBef>
+              <a:buFont typeface="Arial" pitchFamily="34" charset="0"/>
+              <a:buChar char="•"/>
+              <a:defRPr sz="2000" kern="1200">
+                <a:solidFill>
+                  <a:schemeClr val="tx1"/>
+                </a:solidFill>
+                <a:latin typeface="+mn-lt"/>
+                <a:ea typeface="+mn-ea"/>
+                <a:cs typeface="+mn-cs"/>
+              </a:defRPr>
+            </a:lvl8pPr>
+            <a:lvl9pPr marL="3886200" indent="-228600" algn="l" defTabSz="914400" rtl="0" eaLnBrk="1" latinLnBrk="0" hangingPunct="1">
+              <a:spcBef>
+                <a:spcPct val="20000"/>
+              </a:spcBef>
+              <a:buFont typeface="Arial" pitchFamily="34" charset="0"/>
+              <a:buChar char="•"/>
+              <a:defRPr sz="2000" kern="1200">
+                <a:solidFill>
+                  <a:schemeClr val="tx1"/>
+                </a:solidFill>
+                <a:latin typeface="+mn-lt"/>
+                <a:ea typeface="+mn-ea"/>
+                <a:cs typeface="+mn-cs"/>
+              </a:defRPr>
+            </a:lvl9pPr>
+          </a:lstStyle>
+          <a:p>
+            <a:pPr eaLnBrk="1" fontAlgn="auto" hangingPunct="1">
+              <a:spcAft>
+                <a:spcPts val="0"/>
+              </a:spcAft>
+              <a:buFont typeface="Arial" pitchFamily="34" charset="0"/>
+              <a:buChar char="‒"/>
+              <a:defRPr/>
+            </a:pPr>
+            <a:r>
+              <a:rPr lang="en-US" sz="2600" dirty="0">
+                <a:latin typeface="Arial" pitchFamily="34" charset="0"/>
+                <a:cs typeface="Arial" pitchFamily="34" charset="0"/>
+              </a:rPr>
+              <a:t>For a Complete List of Linux Commands and Explanations see</a:t>
+            </a:r>
+          </a:p>
+          <a:p>
+            <a:pPr lvl="1" eaLnBrk="1" fontAlgn="auto" hangingPunct="1">
+              <a:spcAft>
+                <a:spcPts val="0"/>
+              </a:spcAft>
+              <a:buFont typeface="Arial" pitchFamily="34" charset="0"/>
+              <a:buChar char="•"/>
+              <a:defRPr/>
+            </a:pPr>
+            <a:r>
+              <a:rPr lang="en-US" sz="2300" dirty="0">
+                <a:latin typeface="Arial" pitchFamily="34" charset="0"/>
+                <a:cs typeface="Arial" pitchFamily="34" charset="0"/>
+                <a:hlinkClick r:id="rId2"/>
+              </a:rPr>
+              <a:t>http://linuxcommand.org</a:t>
+            </a:r>
+            <a:r>
+              <a:rPr lang="en-US" sz="2300" dirty="0" smtClean="0">
+                <a:latin typeface="Arial" pitchFamily="34" charset="0"/>
+                <a:cs typeface="Arial" pitchFamily="34" charset="0"/>
+                <a:hlinkClick r:id="rId2"/>
+              </a:rPr>
+              <a:t>/</a:t>
+            </a:r>
+            <a:endParaRPr lang="en-US" sz="2300" dirty="0" smtClean="0">
+              <a:latin typeface="Arial" pitchFamily="34" charset="0"/>
+              <a:cs typeface="Arial" pitchFamily="34" charset="0"/>
+            </a:endParaRPr>
+          </a:p>
+          <a:p>
+            <a:pPr lvl="1" eaLnBrk="1" fontAlgn="auto" hangingPunct="1">
+              <a:spcAft>
+                <a:spcPts val="0"/>
+              </a:spcAft>
+              <a:buFont typeface="Arial" pitchFamily="34" charset="0"/>
+              <a:buChar char="•"/>
+              <a:defRPr/>
+            </a:pPr>
+            <a:endParaRPr lang="en-US" sz="1400" dirty="0">
+              <a:latin typeface="Arial" pitchFamily="34" charset="0"/>
+              <a:cs typeface="Arial" pitchFamily="34" charset="0"/>
+            </a:endParaRPr>
+          </a:p>
+          <a:p>
+            <a:pPr eaLnBrk="1" fontAlgn="auto" hangingPunct="1">
+              <a:spcAft>
+                <a:spcPts val="0"/>
+              </a:spcAft>
+              <a:buFont typeface="Arial" pitchFamily="34" charset="0"/>
+              <a:buChar char="‒"/>
+              <a:defRPr/>
+            </a:pPr>
+            <a:r>
+              <a:rPr lang="en-US" sz="2600" dirty="0">
+                <a:latin typeface="Arial" pitchFamily="34" charset="0"/>
+                <a:cs typeface="Arial" pitchFamily="34" charset="0"/>
+              </a:rPr>
+              <a:t>Some Other Common Commands</a:t>
+            </a:r>
+            <a:r>
+              <a:rPr lang="en-US" sz="2400" dirty="0">
+                <a:latin typeface="Arial" pitchFamily="34" charset="0"/>
+                <a:cs typeface="Arial" pitchFamily="34" charset="0"/>
+              </a:rPr>
+              <a:t> </a:t>
+            </a:r>
+          </a:p>
+          <a:p>
+            <a:pPr lvl="1" eaLnBrk="1" fontAlgn="auto" hangingPunct="1">
+              <a:spcAft>
+                <a:spcPts val="0"/>
+              </a:spcAft>
+              <a:buFont typeface="Arial" pitchFamily="34" charset="0"/>
+              <a:buChar char="•"/>
+              <a:defRPr/>
+            </a:pPr>
+            <a:r>
+              <a:rPr lang="en-US" sz="2300" b="1" dirty="0" err="1">
+                <a:latin typeface="Arial" pitchFamily="34" charset="0"/>
+                <a:cs typeface="Arial" pitchFamily="34" charset="0"/>
+              </a:rPr>
+              <a:t>p</a:t>
+            </a:r>
+            <a:r>
+              <a:rPr lang="en-US" sz="2300" b="1" dirty="0" err="1" smtClean="0">
+                <a:latin typeface="Arial" pitchFamily="34" charset="0"/>
+                <a:cs typeface="Arial" pitchFamily="34" charset="0"/>
+              </a:rPr>
+              <a:t>wd</a:t>
+            </a:r>
+            <a:r>
+              <a:rPr lang="en-US" sz="2300" b="1" dirty="0" smtClean="0">
+                <a:latin typeface="Arial" pitchFamily="34" charset="0"/>
+                <a:cs typeface="Arial" pitchFamily="34" charset="0"/>
+              </a:rPr>
+              <a:t> </a:t>
+            </a:r>
+            <a:r>
+              <a:rPr lang="en-US" sz="2300" i="1" dirty="0" smtClean="0">
+                <a:latin typeface="Arial" pitchFamily="34" charset="0"/>
+                <a:cs typeface="Arial" pitchFamily="34" charset="0"/>
+              </a:rPr>
+              <a:t>– </a:t>
+            </a:r>
+            <a:r>
+              <a:rPr lang="en-US" sz="2300" dirty="0">
+                <a:solidFill>
+                  <a:srgbClr val="FF0000"/>
+                </a:solidFill>
+                <a:latin typeface="Arial" pitchFamily="34" charset="0"/>
+                <a:cs typeface="Arial" pitchFamily="34" charset="0"/>
+              </a:rPr>
+              <a:t>display </a:t>
+            </a:r>
+            <a:r>
+              <a:rPr lang="en-US" sz="2300" dirty="0" smtClean="0">
+                <a:solidFill>
+                  <a:srgbClr val="FF0000"/>
+                </a:solidFill>
+                <a:latin typeface="Arial" pitchFamily="34" charset="0"/>
+                <a:cs typeface="Arial" pitchFamily="34" charset="0"/>
+              </a:rPr>
+              <a:t>the current path (or where are you in the file system?)</a:t>
+            </a:r>
+            <a:endParaRPr lang="en-US" sz="2300" i="1" dirty="0">
+              <a:solidFill>
+                <a:srgbClr val="FF0000"/>
+              </a:solidFill>
+              <a:latin typeface="Arial" pitchFamily="34" charset="0"/>
+              <a:cs typeface="Arial" pitchFamily="34" charset="0"/>
+            </a:endParaRPr>
+          </a:p>
+          <a:p>
+            <a:pPr lvl="1" eaLnBrk="1" fontAlgn="auto" hangingPunct="1">
+              <a:spcAft>
+                <a:spcPts val="0"/>
+              </a:spcAft>
+              <a:buFont typeface="Arial" pitchFamily="34" charset="0"/>
+              <a:buChar char="•"/>
+              <a:defRPr/>
+            </a:pPr>
+            <a:r>
+              <a:rPr lang="en-US" sz="2300" b="1" dirty="0">
+                <a:latin typeface="Arial" pitchFamily="34" charset="0"/>
+                <a:cs typeface="Arial" pitchFamily="34" charset="0"/>
+              </a:rPr>
+              <a:t>exit</a:t>
+            </a:r>
+            <a:r>
+              <a:rPr lang="en-US" sz="2300" i="1" dirty="0">
+                <a:solidFill>
+                  <a:srgbClr val="FF0000"/>
+                </a:solidFill>
+                <a:latin typeface="Arial" pitchFamily="34" charset="0"/>
+                <a:cs typeface="Arial" pitchFamily="34" charset="0"/>
+              </a:rPr>
+              <a:t> – </a:t>
+            </a:r>
+            <a:r>
+              <a:rPr lang="en-US" sz="2300" dirty="0">
+                <a:solidFill>
+                  <a:srgbClr val="FF0000"/>
+                </a:solidFill>
+                <a:latin typeface="Arial" pitchFamily="34" charset="0"/>
+                <a:cs typeface="Arial" pitchFamily="34" charset="0"/>
+              </a:rPr>
+              <a:t>close a terminal</a:t>
+            </a:r>
+          </a:p>
+          <a:p>
+            <a:pPr lvl="1" eaLnBrk="1" fontAlgn="auto" hangingPunct="1">
+              <a:spcAft>
+                <a:spcPts val="0"/>
+              </a:spcAft>
+              <a:buFont typeface="Arial" pitchFamily="34" charset="0"/>
+              <a:buChar char="•"/>
+              <a:defRPr/>
+            </a:pPr>
+            <a:r>
+              <a:rPr lang="en-US" sz="2300" b="1" dirty="0">
+                <a:latin typeface="Arial" pitchFamily="34" charset="0"/>
+                <a:cs typeface="Arial" pitchFamily="34" charset="0"/>
+              </a:rPr>
+              <a:t>clear</a:t>
+            </a:r>
+            <a:r>
+              <a:rPr lang="en-US" sz="2300" dirty="0">
+                <a:solidFill>
+                  <a:srgbClr val="FF0000"/>
+                </a:solidFill>
+                <a:latin typeface="Arial" pitchFamily="34" charset="0"/>
+                <a:cs typeface="Arial" pitchFamily="34" charset="0"/>
+              </a:rPr>
+              <a:t> – clear all text in a </a:t>
+            </a:r>
+            <a:r>
+              <a:rPr lang="en-US" sz="2300" dirty="0" smtClean="0">
+                <a:solidFill>
+                  <a:srgbClr val="FF0000"/>
+                </a:solidFill>
+                <a:latin typeface="Arial" pitchFamily="34" charset="0"/>
+                <a:cs typeface="Arial" pitchFamily="34" charset="0"/>
+              </a:rPr>
+              <a:t>terminal</a:t>
+            </a:r>
+          </a:p>
+          <a:p>
+            <a:pPr lvl="1" eaLnBrk="1" fontAlgn="auto" hangingPunct="1">
+              <a:spcAft>
+                <a:spcPts val="0"/>
+              </a:spcAft>
+              <a:buFont typeface="Arial" pitchFamily="34" charset="0"/>
+              <a:buChar char="•"/>
+              <a:defRPr/>
+            </a:pPr>
+            <a:r>
+              <a:rPr lang="en-US" sz="2300" b="1" dirty="0" err="1" smtClean="0">
+                <a:latin typeface="Arial" pitchFamily="34" charset="0"/>
+                <a:cs typeface="Arial" pitchFamily="34" charset="0"/>
+              </a:rPr>
+              <a:t>nano</a:t>
+            </a:r>
+            <a:r>
+              <a:rPr lang="en-US" sz="2300" b="1" dirty="0" smtClean="0">
+                <a:latin typeface="Arial" pitchFamily="34" charset="0"/>
+                <a:cs typeface="Arial" pitchFamily="34" charset="0"/>
+              </a:rPr>
+              <a:t> </a:t>
+            </a:r>
+            <a:r>
+              <a:rPr lang="en-US" sz="2300" i="1" dirty="0" smtClean="0">
+                <a:latin typeface="Arial" pitchFamily="34" charset="0"/>
+                <a:cs typeface="Arial" pitchFamily="34" charset="0"/>
+              </a:rPr>
+              <a:t>[file]</a:t>
+            </a:r>
+            <a:r>
+              <a:rPr lang="en-US" sz="2300" b="1" dirty="0" smtClean="0">
+                <a:solidFill>
+                  <a:srgbClr val="FF0000"/>
+                </a:solidFill>
+                <a:latin typeface="Arial" pitchFamily="34" charset="0"/>
+                <a:cs typeface="Arial" pitchFamily="34" charset="0"/>
+              </a:rPr>
+              <a:t> </a:t>
+            </a:r>
+            <a:r>
+              <a:rPr lang="en-US" sz="2300" dirty="0" smtClean="0">
+                <a:solidFill>
+                  <a:srgbClr val="FF0000"/>
+                </a:solidFill>
+                <a:latin typeface="Arial" pitchFamily="34" charset="0"/>
+                <a:cs typeface="Arial" pitchFamily="34" charset="0"/>
+              </a:rPr>
+              <a:t>– open a simple text editor</a:t>
+            </a:r>
+            <a:r>
+              <a:rPr lang="en-US" sz="2300" b="1" dirty="0" smtClean="0">
+                <a:solidFill>
+                  <a:srgbClr val="FF0000"/>
+                </a:solidFill>
+                <a:latin typeface="Arial" pitchFamily="34" charset="0"/>
+                <a:cs typeface="Arial" pitchFamily="34" charset="0"/>
+              </a:rPr>
+              <a:t> </a:t>
+            </a:r>
+            <a:endParaRPr lang="en-US" sz="2300" b="1" dirty="0">
+              <a:latin typeface="Arial" pitchFamily="34" charset="0"/>
+              <a:cs typeface="Arial" pitchFamily="34" charset="0"/>
+            </a:endParaRPr>
+          </a:p>
+          <a:p>
+            <a:pPr lvl="1" eaLnBrk="1" fontAlgn="auto" hangingPunct="1">
+              <a:spcAft>
+                <a:spcPts val="0"/>
+              </a:spcAft>
+              <a:buFont typeface="Arial" pitchFamily="34" charset="0"/>
+              <a:buChar char="•"/>
+              <a:defRPr/>
+            </a:pPr>
+            <a:r>
+              <a:rPr lang="en-US" sz="2300" b="1" dirty="0" err="1">
+                <a:latin typeface="Arial" pitchFamily="34" charset="0"/>
+                <a:cs typeface="Arial" pitchFamily="34" charset="0"/>
+              </a:rPr>
+              <a:t>mkdir</a:t>
+            </a:r>
+            <a:r>
+              <a:rPr lang="en-US" sz="2300" dirty="0">
+                <a:latin typeface="Arial" pitchFamily="34" charset="0"/>
+                <a:cs typeface="Arial" pitchFamily="34" charset="0"/>
+              </a:rPr>
+              <a:t> </a:t>
+            </a:r>
+            <a:r>
+              <a:rPr lang="en-US" sz="2300" i="1" dirty="0" smtClean="0">
+                <a:latin typeface="Arial" pitchFamily="34" charset="0"/>
+                <a:cs typeface="Arial" pitchFamily="34" charset="0"/>
+              </a:rPr>
+              <a:t>file </a:t>
+            </a:r>
+            <a:r>
+              <a:rPr lang="en-US" sz="2300" dirty="0" smtClean="0">
+                <a:latin typeface="Arial" pitchFamily="34" charset="0"/>
+                <a:cs typeface="Arial" pitchFamily="34" charset="0"/>
+              </a:rPr>
+              <a:t>- </a:t>
+            </a:r>
+            <a:r>
+              <a:rPr lang="en-US" sz="2300" dirty="0">
+                <a:solidFill>
+                  <a:srgbClr val="FF0000"/>
+                </a:solidFill>
+                <a:latin typeface="Arial" pitchFamily="34" charset="0"/>
+                <a:cs typeface="Arial" pitchFamily="34" charset="0"/>
+              </a:rPr>
+              <a:t>make a new directory</a:t>
+            </a:r>
+          </a:p>
+          <a:p>
+            <a:pPr lvl="1" eaLnBrk="1" fontAlgn="auto" hangingPunct="1">
+              <a:spcAft>
+                <a:spcPts val="0"/>
+              </a:spcAft>
+              <a:buFont typeface="Arial" pitchFamily="34" charset="0"/>
+              <a:buChar char="•"/>
+              <a:defRPr/>
+            </a:pPr>
+            <a:r>
+              <a:rPr lang="en-US" sz="2300" b="1" dirty="0" err="1">
+                <a:latin typeface="Arial" pitchFamily="34" charset="0"/>
+                <a:cs typeface="Arial" pitchFamily="34" charset="0"/>
+              </a:rPr>
+              <a:t>rm</a:t>
+            </a:r>
+            <a:r>
+              <a:rPr lang="en-US" sz="2300" dirty="0">
+                <a:latin typeface="Arial" pitchFamily="34" charset="0"/>
+                <a:cs typeface="Arial" pitchFamily="34" charset="0"/>
+              </a:rPr>
+              <a:t> </a:t>
+            </a:r>
+            <a:r>
+              <a:rPr lang="en-US" sz="2300" i="1" dirty="0" smtClean="0">
+                <a:latin typeface="Arial" pitchFamily="34" charset="0"/>
+                <a:cs typeface="Arial" pitchFamily="34" charset="0"/>
+              </a:rPr>
+              <a:t>file</a:t>
+            </a:r>
+            <a:r>
+              <a:rPr lang="en-US" sz="2300" dirty="0" smtClean="0">
+                <a:latin typeface="Arial" pitchFamily="34" charset="0"/>
+                <a:cs typeface="Arial" pitchFamily="34" charset="0"/>
+              </a:rPr>
+              <a:t> - </a:t>
+            </a:r>
+            <a:r>
+              <a:rPr lang="en-US" sz="2300" dirty="0">
+                <a:solidFill>
+                  <a:srgbClr val="FF0000"/>
+                </a:solidFill>
+                <a:latin typeface="Arial" pitchFamily="34" charset="0"/>
+                <a:cs typeface="Arial" pitchFamily="34" charset="0"/>
+              </a:rPr>
+              <a:t>remove/delete file</a:t>
+            </a:r>
+          </a:p>
+          <a:p>
+            <a:pPr lvl="1" eaLnBrk="1" fontAlgn="auto" hangingPunct="1">
+              <a:spcAft>
+                <a:spcPts val="0"/>
+              </a:spcAft>
+              <a:buFont typeface="Arial" pitchFamily="34" charset="0"/>
+              <a:buChar char="•"/>
+              <a:defRPr/>
+            </a:pPr>
+            <a:r>
+              <a:rPr lang="en-US" sz="2300" b="1" dirty="0" smtClean="0">
+                <a:latin typeface="Arial" pitchFamily="34" charset="0"/>
+                <a:cs typeface="Arial" pitchFamily="34" charset="0"/>
+              </a:rPr>
+              <a:t>mv </a:t>
+            </a:r>
+            <a:r>
+              <a:rPr lang="en-US" sz="2300" i="1" dirty="0" smtClean="0">
+                <a:latin typeface="Arial" pitchFamily="34" charset="0"/>
+                <a:cs typeface="Arial" pitchFamily="34" charset="0"/>
+              </a:rPr>
+              <a:t>file</a:t>
+            </a:r>
+            <a:r>
+              <a:rPr lang="en-US" sz="2300" dirty="0" smtClean="0">
+                <a:latin typeface="Arial" pitchFamily="34" charset="0"/>
+                <a:cs typeface="Arial" pitchFamily="34" charset="0"/>
+              </a:rPr>
+              <a:t> </a:t>
+            </a:r>
+            <a:r>
+              <a:rPr lang="en-US" sz="2300" dirty="0">
+                <a:latin typeface="Arial" pitchFamily="34" charset="0"/>
+                <a:cs typeface="Arial" pitchFamily="34" charset="0"/>
+              </a:rPr>
+              <a:t>- </a:t>
+            </a:r>
+            <a:r>
+              <a:rPr lang="en-US" sz="2300" dirty="0">
+                <a:solidFill>
+                  <a:srgbClr val="FF0000"/>
+                </a:solidFill>
+                <a:latin typeface="Arial" pitchFamily="34" charset="0"/>
+                <a:cs typeface="Arial" pitchFamily="34" charset="0"/>
+              </a:rPr>
+              <a:t>moves files </a:t>
+            </a:r>
+            <a:r>
+              <a:rPr lang="en-US" sz="2300" dirty="0" smtClean="0">
+                <a:solidFill>
+                  <a:srgbClr val="FF0000"/>
+                </a:solidFill>
+                <a:latin typeface="Arial" pitchFamily="34" charset="0"/>
+                <a:cs typeface="Arial" pitchFamily="34" charset="0"/>
+              </a:rPr>
+              <a:t>or renames them: mv old_name.txt new_name.txt</a:t>
+            </a:r>
+            <a:endParaRPr lang="en-US" sz="2300" dirty="0">
+              <a:solidFill>
+                <a:srgbClr val="FF0000"/>
+              </a:solidFill>
+              <a:latin typeface="Arial" pitchFamily="34" charset="0"/>
+              <a:cs typeface="Arial" pitchFamily="34" charset="0"/>
+            </a:endParaRPr>
+          </a:p>
+          <a:p>
+            <a:pPr lvl="1" eaLnBrk="1" fontAlgn="auto" hangingPunct="1">
+              <a:spcAft>
+                <a:spcPts val="0"/>
+              </a:spcAft>
+              <a:buFont typeface="Arial" pitchFamily="34" charset="0"/>
+              <a:buChar char="•"/>
+              <a:defRPr/>
+            </a:pPr>
+            <a:r>
+              <a:rPr lang="en-US" sz="2300" b="1" dirty="0" err="1">
+                <a:latin typeface="Arial" pitchFamily="34" charset="0"/>
+                <a:cs typeface="Arial" pitchFamily="34" charset="0"/>
+              </a:rPr>
+              <a:t>cp</a:t>
+            </a:r>
+            <a:r>
+              <a:rPr lang="en-US" sz="2300" dirty="0">
+                <a:latin typeface="Arial" pitchFamily="34" charset="0"/>
+                <a:cs typeface="Arial" pitchFamily="34" charset="0"/>
+              </a:rPr>
+              <a:t> </a:t>
+            </a:r>
+            <a:r>
+              <a:rPr lang="en-US" sz="2300" i="1" dirty="0" smtClean="0">
+                <a:latin typeface="Arial" pitchFamily="34" charset="0"/>
+                <a:cs typeface="Arial" pitchFamily="34" charset="0"/>
+              </a:rPr>
+              <a:t>file</a:t>
+            </a:r>
+            <a:r>
+              <a:rPr lang="en-US" sz="2300" dirty="0" smtClean="0">
+                <a:latin typeface="Arial" pitchFamily="34" charset="0"/>
+                <a:cs typeface="Arial" pitchFamily="34" charset="0"/>
+              </a:rPr>
+              <a:t> - </a:t>
+            </a:r>
+            <a:r>
+              <a:rPr lang="en-US" sz="2300" dirty="0">
+                <a:solidFill>
+                  <a:srgbClr val="FF0000"/>
+                </a:solidFill>
+                <a:latin typeface="Arial" pitchFamily="34" charset="0"/>
+                <a:cs typeface="Arial" pitchFamily="34" charset="0"/>
+              </a:rPr>
+              <a:t>copies files </a:t>
+            </a:r>
+          </a:p>
+          <a:p>
+            <a:pPr lvl="1" eaLnBrk="1" fontAlgn="auto" hangingPunct="1">
+              <a:spcAft>
+                <a:spcPts val="0"/>
+              </a:spcAft>
+              <a:buFont typeface="Arial" pitchFamily="34" charset="0"/>
+              <a:buChar char="•"/>
+              <a:defRPr/>
+            </a:pPr>
+            <a:r>
+              <a:rPr lang="en-US" sz="2300" b="1" dirty="0" err="1">
+                <a:latin typeface="Arial" pitchFamily="34" charset="0"/>
+                <a:cs typeface="Arial" pitchFamily="34" charset="0"/>
+              </a:rPr>
+              <a:t>ps</a:t>
+            </a:r>
+            <a:r>
+              <a:rPr lang="en-US" sz="2300" dirty="0">
+                <a:latin typeface="Arial" pitchFamily="34" charset="0"/>
+                <a:cs typeface="Arial" pitchFamily="34" charset="0"/>
+              </a:rPr>
+              <a:t> – </a:t>
+            </a:r>
+            <a:r>
+              <a:rPr lang="en-US" sz="2300" dirty="0">
+                <a:solidFill>
+                  <a:srgbClr val="FF0000"/>
+                </a:solidFill>
+                <a:latin typeface="Arial" pitchFamily="34" charset="0"/>
+                <a:cs typeface="Arial" pitchFamily="34" charset="0"/>
+              </a:rPr>
+              <a:t>lists all active user programs and display a PID (process identification   	      number)</a:t>
+            </a:r>
+          </a:p>
+          <a:p>
+            <a:pPr lvl="1" eaLnBrk="1" fontAlgn="auto" hangingPunct="1">
+              <a:spcAft>
+                <a:spcPts val="0"/>
+              </a:spcAft>
+              <a:buFont typeface="Arial" pitchFamily="34" charset="0"/>
+              <a:buChar char="•"/>
+              <a:defRPr/>
+            </a:pPr>
+            <a:r>
+              <a:rPr lang="en-US" sz="2300" b="1" dirty="0">
+                <a:latin typeface="Arial" pitchFamily="34" charset="0"/>
+                <a:cs typeface="Arial" pitchFamily="34" charset="0"/>
+              </a:rPr>
+              <a:t>kill</a:t>
+            </a:r>
+            <a:r>
+              <a:rPr lang="en-US" sz="2300" dirty="0">
+                <a:latin typeface="Arial" pitchFamily="34" charset="0"/>
+                <a:cs typeface="Arial" pitchFamily="34" charset="0"/>
+              </a:rPr>
+              <a:t> </a:t>
+            </a:r>
+            <a:r>
+              <a:rPr lang="en-US" sz="2300" i="1" dirty="0" err="1">
+                <a:latin typeface="Arial" pitchFamily="34" charset="0"/>
+                <a:cs typeface="Arial" pitchFamily="34" charset="0"/>
+              </a:rPr>
+              <a:t>pid</a:t>
+            </a:r>
+            <a:r>
+              <a:rPr lang="en-US" sz="2300" dirty="0">
+                <a:latin typeface="Arial" pitchFamily="34" charset="0"/>
+                <a:cs typeface="Arial" pitchFamily="34" charset="0"/>
+              </a:rPr>
+              <a:t> - </a:t>
+            </a:r>
+            <a:r>
+              <a:rPr lang="en-US" sz="2300" dirty="0">
+                <a:solidFill>
+                  <a:srgbClr val="FF0000"/>
+                </a:solidFill>
+                <a:latin typeface="Arial" pitchFamily="34" charset="0"/>
+                <a:cs typeface="Arial" pitchFamily="34" charset="0"/>
+              </a:rPr>
+              <a:t>will kill (stop) the process with the listed </a:t>
+            </a:r>
+            <a:r>
+              <a:rPr lang="en-US" sz="2300" i="1" dirty="0" err="1">
+                <a:solidFill>
+                  <a:srgbClr val="FF0000"/>
+                </a:solidFill>
+                <a:latin typeface="Arial" pitchFamily="34" charset="0"/>
+                <a:cs typeface="Arial" pitchFamily="34" charset="0"/>
+              </a:rPr>
+              <a:t>pid</a:t>
+            </a:r>
+            <a:r>
+              <a:rPr lang="en-US" sz="2300" dirty="0">
+                <a:solidFill>
+                  <a:srgbClr val="FF0000"/>
+                </a:solidFill>
+                <a:latin typeface="Arial" pitchFamily="34" charset="0"/>
+                <a:cs typeface="Arial" pitchFamily="34" charset="0"/>
+              </a:rPr>
+              <a:t> number</a:t>
+            </a:r>
+            <a:r>
+              <a:rPr lang="en-US" sz="2300" dirty="0">
+                <a:latin typeface="Arial" pitchFamily="34" charset="0"/>
+                <a:cs typeface="Arial" pitchFamily="34" charset="0"/>
+              </a:rPr>
+              <a:t> </a:t>
+            </a:r>
+          </a:p>
+          <a:p>
+            <a:pPr lvl="1" eaLnBrk="1" fontAlgn="auto" hangingPunct="1">
+              <a:spcAft>
+                <a:spcPts val="0"/>
+              </a:spcAft>
+              <a:buFont typeface="Arial" pitchFamily="34" charset="0"/>
+              <a:buChar char="•"/>
+              <a:defRPr/>
+            </a:pPr>
+            <a:r>
+              <a:rPr lang="en-US" sz="2300" b="1" dirty="0" smtClean="0">
+                <a:latin typeface="Arial" pitchFamily="34" charset="0"/>
+                <a:cs typeface="Arial" pitchFamily="34" charset="0"/>
+              </a:rPr>
+              <a:t>man</a:t>
+            </a:r>
+            <a:r>
+              <a:rPr lang="en-US" sz="2300" dirty="0" smtClean="0">
+                <a:latin typeface="Arial" pitchFamily="34" charset="0"/>
+                <a:cs typeface="Arial" pitchFamily="34" charset="0"/>
+              </a:rPr>
+              <a:t> </a:t>
+            </a:r>
+            <a:r>
+              <a:rPr lang="en-US" sz="2300" i="1" dirty="0" smtClean="0">
+                <a:latin typeface="Arial" pitchFamily="34" charset="0"/>
+                <a:cs typeface="Arial" pitchFamily="34" charset="0"/>
+              </a:rPr>
+              <a:t>command</a:t>
+            </a:r>
+            <a:r>
+              <a:rPr lang="en-US" sz="2300" dirty="0" smtClean="0">
+                <a:latin typeface="Arial" pitchFamily="34" charset="0"/>
+                <a:cs typeface="Arial" pitchFamily="34" charset="0"/>
+              </a:rPr>
+              <a:t>  - </a:t>
+            </a:r>
+            <a:r>
+              <a:rPr lang="en-US" sz="2300" dirty="0">
+                <a:solidFill>
+                  <a:srgbClr val="FF0000"/>
+                </a:solidFill>
+                <a:latin typeface="Arial" pitchFamily="34" charset="0"/>
+                <a:cs typeface="Arial" pitchFamily="34" charset="0"/>
+              </a:rPr>
+              <a:t>will display the manual for the listed </a:t>
+            </a:r>
+            <a:r>
+              <a:rPr lang="en-US" sz="2300" i="1" dirty="0">
+                <a:solidFill>
+                  <a:srgbClr val="FF0000"/>
+                </a:solidFill>
+                <a:latin typeface="Arial" pitchFamily="34" charset="0"/>
+                <a:cs typeface="Arial" pitchFamily="34" charset="0"/>
+              </a:rPr>
+              <a:t>command</a:t>
+            </a:r>
+          </a:p>
+          <a:p>
+            <a:pPr lvl="1" eaLnBrk="1" fontAlgn="auto" hangingPunct="1">
+              <a:spcAft>
+                <a:spcPts val="0"/>
+              </a:spcAft>
+              <a:buFont typeface="Arial" pitchFamily="34" charset="0"/>
+              <a:buChar char="•"/>
+              <a:defRPr/>
+            </a:pPr>
+            <a:r>
+              <a:rPr lang="en-US" sz="2300" b="1" dirty="0">
+                <a:latin typeface="Arial" pitchFamily="34" charset="0"/>
+                <a:cs typeface="Arial" pitchFamily="34" charset="0"/>
+              </a:rPr>
+              <a:t>cat</a:t>
+            </a:r>
+            <a:r>
+              <a:rPr lang="en-US" sz="2300" i="1" dirty="0">
+                <a:solidFill>
+                  <a:srgbClr val="FF0000"/>
+                </a:solidFill>
+                <a:latin typeface="Arial" pitchFamily="34" charset="0"/>
+                <a:cs typeface="Arial" pitchFamily="34" charset="0"/>
+              </a:rPr>
+              <a:t> </a:t>
+            </a:r>
+            <a:r>
+              <a:rPr lang="en-US" sz="2300" i="1" dirty="0">
+                <a:latin typeface="Arial" pitchFamily="34" charset="0"/>
+                <a:cs typeface="Arial" pitchFamily="34" charset="0"/>
+              </a:rPr>
+              <a:t>file</a:t>
+            </a:r>
+            <a:r>
+              <a:rPr lang="en-US" sz="2300" i="1" dirty="0">
+                <a:solidFill>
+                  <a:srgbClr val="FF0000"/>
+                </a:solidFill>
+                <a:latin typeface="Arial" pitchFamily="34" charset="0"/>
+                <a:cs typeface="Arial" pitchFamily="34" charset="0"/>
+              </a:rPr>
+              <a:t> – </a:t>
+            </a:r>
+            <a:r>
+              <a:rPr lang="en-US" sz="2300" dirty="0">
+                <a:solidFill>
+                  <a:srgbClr val="FF0000"/>
+                </a:solidFill>
+                <a:latin typeface="Arial" pitchFamily="34" charset="0"/>
+                <a:cs typeface="Arial" pitchFamily="34" charset="0"/>
+              </a:rPr>
+              <a:t>display the contents of a </a:t>
+            </a:r>
+            <a:r>
+              <a:rPr lang="en-US" sz="2300" i="1" dirty="0">
+                <a:solidFill>
+                  <a:srgbClr val="FF0000"/>
+                </a:solidFill>
+                <a:latin typeface="Arial" pitchFamily="34" charset="0"/>
+                <a:cs typeface="Arial" pitchFamily="34" charset="0"/>
+              </a:rPr>
+              <a:t>file </a:t>
+            </a:r>
+            <a:r>
+              <a:rPr lang="en-US" sz="2300" dirty="0">
+                <a:solidFill>
+                  <a:srgbClr val="FF0000"/>
+                </a:solidFill>
+                <a:latin typeface="Arial" pitchFamily="34" charset="0"/>
+                <a:cs typeface="Arial" pitchFamily="34" charset="0"/>
+              </a:rPr>
+              <a:t>(also used to combine or 			            concatenate multiple files</a:t>
+            </a:r>
+            <a:r>
+              <a:rPr lang="en-US" sz="2300" dirty="0" smtClean="0">
+                <a:solidFill>
+                  <a:srgbClr val="FF0000"/>
+                </a:solidFill>
+                <a:latin typeface="Arial" pitchFamily="34" charset="0"/>
+                <a:cs typeface="Arial" pitchFamily="34" charset="0"/>
+              </a:rPr>
+              <a:t>)</a:t>
+            </a:r>
+          </a:p>
+          <a:p>
+            <a:pPr lvl="1" eaLnBrk="1" fontAlgn="auto" hangingPunct="1">
+              <a:spcAft>
+                <a:spcPts val="0"/>
+              </a:spcAft>
+              <a:buFont typeface="Arial" pitchFamily="34" charset="0"/>
+              <a:buChar char="•"/>
+              <a:defRPr/>
+            </a:pPr>
+            <a:r>
+              <a:rPr lang="en-US" sz="2300" b="1" dirty="0" err="1" smtClean="0">
+                <a:latin typeface="Arial" pitchFamily="34" charset="0"/>
+                <a:cs typeface="Arial" pitchFamily="34" charset="0"/>
+              </a:rPr>
+              <a:t>chown</a:t>
+            </a:r>
+            <a:r>
+              <a:rPr lang="en-US" sz="2300" b="1" dirty="0" smtClean="0">
+                <a:latin typeface="Arial" pitchFamily="34" charset="0"/>
+                <a:cs typeface="Arial" pitchFamily="34" charset="0"/>
+              </a:rPr>
+              <a:t> </a:t>
+            </a:r>
+            <a:r>
+              <a:rPr lang="en-US" sz="2300" i="1" dirty="0" err="1" smtClean="0">
+                <a:latin typeface="Arial" pitchFamily="34" charset="0"/>
+                <a:cs typeface="Arial" pitchFamily="34" charset="0"/>
+              </a:rPr>
+              <a:t>usr:grp</a:t>
+            </a:r>
+            <a:r>
+              <a:rPr lang="en-US" sz="2300" i="1" dirty="0" smtClean="0">
+                <a:latin typeface="Arial" pitchFamily="34" charset="0"/>
+                <a:cs typeface="Arial" pitchFamily="34" charset="0"/>
+              </a:rPr>
+              <a:t> file</a:t>
+            </a:r>
+            <a:r>
+              <a:rPr lang="en-US" sz="2300" i="1" dirty="0" smtClean="0">
+                <a:solidFill>
+                  <a:srgbClr val="FF0000"/>
+                </a:solidFill>
+                <a:latin typeface="Arial" pitchFamily="34" charset="0"/>
+                <a:cs typeface="Arial" pitchFamily="34" charset="0"/>
+              </a:rPr>
+              <a:t> </a:t>
+            </a:r>
+            <a:r>
+              <a:rPr lang="en-US" sz="2300" dirty="0" smtClean="0">
+                <a:solidFill>
+                  <a:srgbClr val="FF0000"/>
+                </a:solidFill>
+                <a:latin typeface="Arial" pitchFamily="34" charset="0"/>
+                <a:cs typeface="Arial" pitchFamily="34" charset="0"/>
+              </a:rPr>
+              <a:t>– changes the owner of a file</a:t>
+            </a:r>
+          </a:p>
+          <a:p>
+            <a:pPr lvl="1" eaLnBrk="1" fontAlgn="auto" hangingPunct="1">
+              <a:spcAft>
+                <a:spcPts val="0"/>
+              </a:spcAft>
+              <a:buFont typeface="Arial" pitchFamily="34" charset="0"/>
+              <a:buChar char="•"/>
+              <a:defRPr/>
+            </a:pPr>
+            <a:r>
+              <a:rPr lang="en-US" sz="2300" b="1" dirty="0" err="1" smtClean="0">
+                <a:latin typeface="Arial" pitchFamily="34" charset="0"/>
+                <a:cs typeface="Arial" pitchFamily="34" charset="0"/>
+              </a:rPr>
+              <a:t>chmod</a:t>
+            </a:r>
+            <a:r>
+              <a:rPr lang="en-US" sz="2300" dirty="0" smtClean="0">
+                <a:solidFill>
+                  <a:srgbClr val="FF0000"/>
+                </a:solidFill>
+                <a:latin typeface="Arial" pitchFamily="34" charset="0"/>
+                <a:cs typeface="Arial" pitchFamily="34" charset="0"/>
+              </a:rPr>
+              <a:t> </a:t>
+            </a:r>
+            <a:r>
+              <a:rPr lang="en-US" sz="2300" i="1" dirty="0" smtClean="0">
+                <a:latin typeface="Arial" pitchFamily="34" charset="0"/>
+                <a:cs typeface="Arial" pitchFamily="34" charset="0"/>
+              </a:rPr>
+              <a:t>file</a:t>
+            </a:r>
+            <a:r>
+              <a:rPr lang="en-US" sz="2300" dirty="0" smtClean="0">
+                <a:latin typeface="Arial" pitchFamily="34" charset="0"/>
+                <a:cs typeface="Arial" pitchFamily="34" charset="0"/>
+              </a:rPr>
+              <a:t> </a:t>
+            </a:r>
+            <a:r>
+              <a:rPr lang="en-US" sz="2300" i="1" dirty="0" smtClean="0">
+                <a:latin typeface="Arial" pitchFamily="34" charset="0"/>
+                <a:cs typeface="Arial" pitchFamily="34" charset="0"/>
+              </a:rPr>
+              <a:t>flags</a:t>
+            </a:r>
+            <a:r>
+              <a:rPr lang="en-US" sz="2300" dirty="0" smtClean="0">
+                <a:latin typeface="Arial" pitchFamily="34" charset="0"/>
+                <a:cs typeface="Arial" pitchFamily="34" charset="0"/>
+              </a:rPr>
+              <a:t> – </a:t>
+            </a:r>
+            <a:r>
+              <a:rPr lang="en-US" sz="2300" dirty="0" smtClean="0">
+                <a:solidFill>
+                  <a:srgbClr val="FF0000"/>
+                </a:solidFill>
+                <a:latin typeface="Arial" pitchFamily="34" charset="0"/>
+                <a:cs typeface="Arial" pitchFamily="34" charset="0"/>
+              </a:rPr>
+              <a:t>will change or set permissions for </a:t>
+            </a:r>
+            <a:r>
+              <a:rPr lang="en-US" sz="2300" i="1" dirty="0" smtClean="0">
+                <a:solidFill>
+                  <a:srgbClr val="FF0000"/>
+                </a:solidFill>
+                <a:latin typeface="Arial" pitchFamily="34" charset="0"/>
+                <a:cs typeface="Arial" pitchFamily="34" charset="0"/>
+              </a:rPr>
+              <a:t>file </a:t>
+            </a:r>
+            <a:r>
+              <a:rPr lang="en-US" sz="2300" dirty="0" smtClean="0">
+                <a:solidFill>
+                  <a:srgbClr val="FF0000"/>
+                </a:solidFill>
+                <a:latin typeface="Arial" pitchFamily="34" charset="0"/>
+                <a:cs typeface="Arial" pitchFamily="34" charset="0"/>
+              </a:rPr>
+              <a:t>defined by </a:t>
+            </a:r>
+            <a:r>
+              <a:rPr lang="en-US" sz="2300" i="1" dirty="0" smtClean="0">
+                <a:solidFill>
+                  <a:srgbClr val="FF0000"/>
+                </a:solidFill>
+                <a:latin typeface="Arial" pitchFamily="34" charset="0"/>
+                <a:cs typeface="Arial" pitchFamily="34" charset="0"/>
+              </a:rPr>
+              <a:t>flags</a:t>
+            </a:r>
+          </a:p>
+          <a:p>
+            <a:pPr lvl="1" eaLnBrk="1" fontAlgn="auto" hangingPunct="1">
+              <a:spcAft>
+                <a:spcPts val="0"/>
+              </a:spcAft>
+              <a:buFont typeface="Arial" pitchFamily="34" charset="0"/>
+              <a:buChar char="•"/>
+              <a:defRPr/>
+            </a:pPr>
+            <a:r>
+              <a:rPr lang="en-US" sz="2300" b="1" dirty="0" smtClean="0">
+                <a:latin typeface="Arial" pitchFamily="34" charset="0"/>
+                <a:cs typeface="Arial" pitchFamily="34" charset="0"/>
+              </a:rPr>
+              <a:t>touch</a:t>
+            </a:r>
+            <a:r>
+              <a:rPr lang="en-US" sz="2300" dirty="0" smtClean="0">
+                <a:latin typeface="Arial" pitchFamily="34" charset="0"/>
+                <a:cs typeface="Arial" pitchFamily="34" charset="0"/>
+              </a:rPr>
+              <a:t> </a:t>
+            </a:r>
+            <a:r>
+              <a:rPr lang="en-US" sz="2300" i="1" dirty="0" smtClean="0">
+                <a:latin typeface="Arial" pitchFamily="34" charset="0"/>
+                <a:cs typeface="Arial" pitchFamily="34" charset="0"/>
+              </a:rPr>
+              <a:t>file</a:t>
+            </a:r>
+            <a:r>
+              <a:rPr lang="en-US" sz="2300" dirty="0" smtClean="0">
+                <a:latin typeface="Arial" pitchFamily="34" charset="0"/>
+                <a:cs typeface="Arial" pitchFamily="34" charset="0"/>
+              </a:rPr>
+              <a:t> </a:t>
+            </a:r>
+            <a:r>
+              <a:rPr lang="en-US" sz="2300" dirty="0" smtClean="0">
+                <a:solidFill>
+                  <a:srgbClr val="FF0000"/>
+                </a:solidFill>
+                <a:latin typeface="Arial" pitchFamily="34" charset="0"/>
+                <a:cs typeface="Arial" pitchFamily="34" charset="0"/>
+              </a:rPr>
+              <a:t>– create an empty file or update the access of an existing file</a:t>
+            </a:r>
+            <a:endParaRPr lang="en-US" sz="2300" dirty="0">
+              <a:solidFill>
+                <a:srgbClr val="FF0000"/>
+              </a:solidFill>
+              <a:latin typeface="Arial" pitchFamily="34" charset="0"/>
+              <a:cs typeface="Arial" pitchFamily="34" charset="0"/>
+            </a:endParaRPr>
+          </a:p>
+        </p:txBody>
+      </p:sp>
+    </p:spTree>
+    <p:extLst>
+      <p:ext uri="{BB962C8B-B14F-4D97-AF65-F5344CB8AC3E}">
+        <p14:creationId xmlns:p14="http://schemas.microsoft.com/office/powerpoint/2010/main" val="2432816148"/>
+      </p:ext>
+    </p:extLst>
+  </p:cSld>
+  <p:clrMapOvr>
+    <a:masterClrMapping/>
+  </p:clrMapOvr>
+  <p:timing>
+    <p:tnLst>
+      <p:par>
+        <p:cTn id="1" dur="indefinite" restart="never" nodeType="tmRoot"/>
+      </p:par>
+    </p:tnLst>
+  </p:timing>
+</p:sld>
+</file>
+
+<file path=ppt/slides/slide11.xml><?xml version="1.0" encoding="utf-8"?>
+<p:sld xmlns:a="http://schemas.openxmlformats.org/drawingml/2006/main" xmlns:r="http://schemas.openxmlformats.org/officeDocument/2006/relationships" xmlns:p="http://schemas.openxmlformats.org/presentationml/2006/main">
+  <p:cSld>
+    <p:spTree>
+      <p:nvGrpSpPr>
+        <p:cNvPr id="1" name=""/>
+        <p:cNvGrpSpPr/>
+        <p:nvPr/>
+      </p:nvGrpSpPr>
+      <p:grpSpPr>
+        <a:xfrm>
+          <a:off x="0" y="0"/>
+          <a:ext cx="0" cy="0"/>
+          <a:chOff x="0" y="0"/>
+          <a:chExt cx="0" cy="0"/>
+        </a:xfrm>
+      </p:grpSpPr>
+      <p:sp>
+        <p:nvSpPr>
+          <p:cNvPr id="46082" name="Title 1"/>
+          <p:cNvSpPr txBox="1">
+            <a:spLocks/>
+          </p:cNvSpPr>
+          <p:nvPr/>
+        </p:nvSpPr>
+        <p:spPr bwMode="auto">
+          <a:xfrm>
+            <a:off x="1746647" y="344488"/>
+            <a:ext cx="7013632" cy="735012"/>
+          </a:xfrm>
+          <a:prstGeom prst="rect">
+            <a:avLst/>
+          </a:prstGeom>
+          <a:noFill/>
+          <a:ln>
+            <a:noFill/>
+          </a:ln>
+          <a:extLst>
+            <a:ext uri="{909E8E84-426E-40DD-AFC4-6F175D3DCCD1}">
+              <a14:hiddenFill xmlns:a14="http://schemas.microsoft.com/office/drawing/2010/main">
+                <a:solidFill>
+                  <a:srgbClr val="FFFFFF"/>
+                </a:solidFill>
+              </a14:hiddenFill>
+            </a:ext>
+            <a:ext uri="{91240B29-F687-4F45-9708-019B960494DF}">
+              <a14:hiddenLine xmlns:a14="http://schemas.microsoft.com/office/drawing/2010/main" w="9525">
+                <a:solidFill>
+                  <a:srgbClr val="000000"/>
+                </a:solidFill>
+                <a:miter lim="800000"/>
+                <a:headEnd/>
+                <a:tailEnd/>
+              </a14:hiddenLine>
+            </a:ext>
+          </a:extLst>
+        </p:spPr>
+        <p:txBody>
+          <a:bodyPr/>
+          <a:lstStyle>
+            <a:lvl1pPr eaLnBrk="0" hangingPunct="0">
+              <a:defRPr>
+                <a:solidFill>
+                  <a:schemeClr val="tx1"/>
+                </a:solidFill>
+                <a:latin typeface="Arial" panose="020B0604020202020204" pitchFamily="34" charset="0"/>
+              </a:defRPr>
+            </a:lvl1pPr>
+            <a:lvl2pPr marL="742950" indent="-285750" eaLnBrk="0" hangingPunct="0">
+              <a:defRPr>
+                <a:solidFill>
+                  <a:schemeClr val="tx1"/>
+                </a:solidFill>
+                <a:latin typeface="Arial" panose="020B0604020202020204" pitchFamily="34" charset="0"/>
+              </a:defRPr>
+            </a:lvl2pPr>
+            <a:lvl3pPr marL="1143000" indent="-228600" eaLnBrk="0" hangingPunct="0">
+              <a:defRPr>
+                <a:solidFill>
+                  <a:schemeClr val="tx1"/>
+                </a:solidFill>
+                <a:latin typeface="Arial" panose="020B0604020202020204" pitchFamily="34" charset="0"/>
+              </a:defRPr>
+            </a:lvl3pPr>
+            <a:lvl4pPr marL="1600200" indent="-228600" eaLnBrk="0" hangingPunct="0">
+              <a:defRPr>
+                <a:solidFill>
+                  <a:schemeClr val="tx1"/>
+                </a:solidFill>
+                <a:latin typeface="Arial" panose="020B0604020202020204" pitchFamily="34" charset="0"/>
+              </a:defRPr>
+            </a:lvl4pPr>
+            <a:lvl5pPr marL="2057400" indent="-228600" eaLnBrk="0" hangingPunct="0">
+              <a:defRPr>
+                <a:solidFill>
+                  <a:schemeClr val="tx1"/>
+                </a:solidFill>
+                <a:latin typeface="Arial" panose="020B0604020202020204" pitchFamily="34" charset="0"/>
+              </a:defRPr>
+            </a:lvl5pPr>
+            <a:lvl6pPr marL="2514600" indent="-228600" eaLnBrk="0" fontAlgn="base" hangingPunct="0">
+              <a:spcBef>
+                <a:spcPct val="0"/>
+              </a:spcBef>
+              <a:spcAft>
+                <a:spcPct val="0"/>
+              </a:spcAft>
+              <a:defRPr>
+                <a:solidFill>
+                  <a:schemeClr val="tx1"/>
+                </a:solidFill>
+                <a:latin typeface="Arial" panose="020B0604020202020204" pitchFamily="34" charset="0"/>
+              </a:defRPr>
+            </a:lvl6pPr>
+            <a:lvl7pPr marL="2971800" indent="-228600" eaLnBrk="0" fontAlgn="base" hangingPunct="0">
+              <a:spcBef>
+                <a:spcPct val="0"/>
+              </a:spcBef>
+              <a:spcAft>
+                <a:spcPct val="0"/>
+              </a:spcAft>
+              <a:defRPr>
+                <a:solidFill>
+                  <a:schemeClr val="tx1"/>
+                </a:solidFill>
+                <a:latin typeface="Arial" panose="020B0604020202020204" pitchFamily="34" charset="0"/>
+              </a:defRPr>
+            </a:lvl7pPr>
+            <a:lvl8pPr marL="3429000" indent="-228600" eaLnBrk="0" fontAlgn="base" hangingPunct="0">
+              <a:spcBef>
+                <a:spcPct val="0"/>
+              </a:spcBef>
+              <a:spcAft>
+                <a:spcPct val="0"/>
+              </a:spcAft>
+              <a:defRPr>
+                <a:solidFill>
+                  <a:schemeClr val="tx1"/>
+                </a:solidFill>
+                <a:latin typeface="Arial" panose="020B0604020202020204" pitchFamily="34" charset="0"/>
+              </a:defRPr>
+            </a:lvl8pPr>
+            <a:lvl9pPr marL="3886200" indent="-228600" eaLnBrk="0" fontAlgn="base" hangingPunct="0">
+              <a:spcBef>
+                <a:spcPct val="0"/>
+              </a:spcBef>
+              <a:spcAft>
+                <a:spcPct val="0"/>
+              </a:spcAft>
+              <a:defRPr>
+                <a:solidFill>
+                  <a:schemeClr val="tx1"/>
+                </a:solidFill>
+                <a:latin typeface="Arial" panose="020B0604020202020204" pitchFamily="34" charset="0"/>
+              </a:defRPr>
+            </a:lvl9pPr>
+          </a:lstStyle>
+          <a:p>
+            <a:pPr algn="ctr" eaLnBrk="1" hangingPunct="1"/>
+            <a:r>
+              <a:rPr lang="en-US" altLang="en-US" sz="4400" dirty="0">
+                <a:latin typeface="Calibri" panose="020F0502020204030204" pitchFamily="34" charset="0"/>
+              </a:rPr>
+              <a:t>Introduction to Linux/Unix</a:t>
+            </a:r>
+          </a:p>
+        </p:txBody>
+      </p:sp>
+      <p:sp>
+        <p:nvSpPr>
+          <p:cNvPr id="4" name="Content Placeholder 2"/>
+          <p:cNvSpPr txBox="1">
+            <a:spLocks/>
+          </p:cNvSpPr>
+          <p:nvPr/>
+        </p:nvSpPr>
+        <p:spPr>
+          <a:xfrm>
+            <a:off x="1485901" y="1160463"/>
+            <a:ext cx="6369844" cy="5708650"/>
+          </a:xfrm>
+          <a:prstGeom prst="rect">
+            <a:avLst/>
+          </a:prstGeom>
+        </p:spPr>
+        <p:txBody>
+          <a:bodyPr>
+            <a:normAutofit fontScale="92500"/>
+          </a:bodyPr>
+          <a:lstStyle>
+            <a:lvl1pPr marL="342900" indent="-342900" algn="l" rtl="0" eaLnBrk="0" fontAlgn="base" hangingPunct="0">
+              <a:spcBef>
+                <a:spcPct val="20000"/>
+              </a:spcBef>
+              <a:spcAft>
+                <a:spcPct val="0"/>
+              </a:spcAft>
+              <a:buFont typeface="Arial" charset="0"/>
+              <a:buChar char="•"/>
+              <a:defRPr sz="3200" kern="1200">
+                <a:solidFill>
+                  <a:schemeClr val="tx1"/>
+                </a:solidFill>
+                <a:latin typeface="+mn-lt"/>
+                <a:ea typeface="+mn-ea"/>
+                <a:cs typeface="+mn-cs"/>
+              </a:defRPr>
+            </a:lvl1pPr>
+            <a:lvl2pPr marL="742950" indent="-285750" algn="l" rtl="0" eaLnBrk="0" fontAlgn="base" hangingPunct="0">
+              <a:spcBef>
+                <a:spcPct val="20000"/>
+              </a:spcBef>
+              <a:spcAft>
+                <a:spcPct val="0"/>
+              </a:spcAft>
+              <a:buFont typeface="Arial" charset="0"/>
+              <a:buChar char="–"/>
+              <a:defRPr sz="2800" kern="1200">
+                <a:solidFill>
+                  <a:schemeClr val="tx1"/>
+                </a:solidFill>
+                <a:latin typeface="+mn-lt"/>
+                <a:ea typeface="+mn-ea"/>
+                <a:cs typeface="+mn-cs"/>
+              </a:defRPr>
+            </a:lvl2pPr>
+            <a:lvl3pPr marL="1143000" indent="-228600" algn="l" rtl="0" eaLnBrk="0" fontAlgn="base" hangingPunct="0">
+              <a:spcBef>
+                <a:spcPct val="20000"/>
+              </a:spcBef>
+              <a:spcAft>
+                <a:spcPct val="0"/>
+              </a:spcAft>
+              <a:buFont typeface="Arial" charset="0"/>
+              <a:buChar char="•"/>
+              <a:defRPr sz="2400" kern="1200">
+                <a:solidFill>
+                  <a:schemeClr val="tx1"/>
+                </a:solidFill>
+                <a:latin typeface="+mn-lt"/>
+                <a:ea typeface="+mn-ea"/>
+                <a:cs typeface="+mn-cs"/>
+              </a:defRPr>
+            </a:lvl3pPr>
+            <a:lvl4pPr marL="1600200" indent="-228600" algn="l" rtl="0" eaLnBrk="0" fontAlgn="base" hangingPunct="0">
+              <a:spcBef>
+                <a:spcPct val="20000"/>
+              </a:spcBef>
+              <a:spcAft>
+                <a:spcPct val="0"/>
+              </a:spcAft>
+              <a:buFont typeface="Arial" charset="0"/>
+              <a:buChar char="–"/>
+              <a:defRPr sz="2000" kern="1200">
+                <a:solidFill>
+                  <a:schemeClr val="tx1"/>
+                </a:solidFill>
+                <a:latin typeface="+mn-lt"/>
+                <a:ea typeface="+mn-ea"/>
+                <a:cs typeface="+mn-cs"/>
+              </a:defRPr>
+            </a:lvl4pPr>
+            <a:lvl5pPr marL="2057400" indent="-228600" algn="l" rtl="0" eaLnBrk="0" fontAlgn="base" hangingPunct="0">
+              <a:spcBef>
+                <a:spcPct val="20000"/>
+              </a:spcBef>
+              <a:spcAft>
+                <a:spcPct val="0"/>
+              </a:spcAft>
+              <a:buFont typeface="Arial" charset="0"/>
+              <a:buChar char="»"/>
+              <a:defRPr sz="2000" kern="1200">
+                <a:solidFill>
+                  <a:schemeClr val="tx1"/>
+                </a:solidFill>
+                <a:latin typeface="+mn-lt"/>
+                <a:ea typeface="+mn-ea"/>
+                <a:cs typeface="+mn-cs"/>
+              </a:defRPr>
+            </a:lvl5pPr>
+            <a:lvl6pPr marL="2514600" indent="-228600" algn="l" defTabSz="914400" rtl="0" eaLnBrk="1" latinLnBrk="0" hangingPunct="1">
+              <a:spcBef>
+                <a:spcPct val="20000"/>
+              </a:spcBef>
+              <a:buFont typeface="Arial" pitchFamily="34" charset="0"/>
+              <a:buChar char="•"/>
+              <a:defRPr sz="2000" kern="1200">
+                <a:solidFill>
+                  <a:schemeClr val="tx1"/>
+                </a:solidFill>
+                <a:latin typeface="+mn-lt"/>
+                <a:ea typeface="+mn-ea"/>
+                <a:cs typeface="+mn-cs"/>
+              </a:defRPr>
+            </a:lvl6pPr>
+            <a:lvl7pPr marL="2971800" indent="-228600" algn="l" defTabSz="914400" rtl="0" eaLnBrk="1" latinLnBrk="0" hangingPunct="1">
+              <a:spcBef>
+                <a:spcPct val="20000"/>
+              </a:spcBef>
+              <a:buFont typeface="Arial" pitchFamily="34" charset="0"/>
+              <a:buChar char="•"/>
+              <a:defRPr sz="2000" kern="1200">
+                <a:solidFill>
+                  <a:schemeClr val="tx1"/>
+                </a:solidFill>
+                <a:latin typeface="+mn-lt"/>
+                <a:ea typeface="+mn-ea"/>
+                <a:cs typeface="+mn-cs"/>
+              </a:defRPr>
+            </a:lvl7pPr>
+            <a:lvl8pPr marL="3429000" indent="-228600" algn="l" defTabSz="914400" rtl="0" eaLnBrk="1" latinLnBrk="0" hangingPunct="1">
+              <a:spcBef>
+                <a:spcPct val="20000"/>
+              </a:spcBef>
+              <a:buFont typeface="Arial" pitchFamily="34" charset="0"/>
+              <a:buChar char="•"/>
+              <a:defRPr sz="2000" kern="1200">
+                <a:solidFill>
+                  <a:schemeClr val="tx1"/>
+                </a:solidFill>
+                <a:latin typeface="+mn-lt"/>
+                <a:ea typeface="+mn-ea"/>
+                <a:cs typeface="+mn-cs"/>
+              </a:defRPr>
+            </a:lvl8pPr>
+            <a:lvl9pPr marL="3886200" indent="-228600" algn="l" defTabSz="914400" rtl="0" eaLnBrk="1" latinLnBrk="0" hangingPunct="1">
+              <a:spcBef>
+                <a:spcPct val="20000"/>
+              </a:spcBef>
+              <a:buFont typeface="Arial" pitchFamily="34" charset="0"/>
+              <a:buChar char="•"/>
+              <a:defRPr sz="2000" kern="1200">
+                <a:solidFill>
+                  <a:schemeClr val="tx1"/>
+                </a:solidFill>
+                <a:latin typeface="+mn-lt"/>
+                <a:ea typeface="+mn-ea"/>
+                <a:cs typeface="+mn-cs"/>
+              </a:defRPr>
+            </a:lvl9pPr>
+          </a:lstStyle>
+          <a:p>
+            <a:pPr eaLnBrk="1" fontAlgn="auto" hangingPunct="1">
+              <a:spcAft>
+                <a:spcPts val="0"/>
+              </a:spcAft>
+              <a:buFont typeface="Arial" pitchFamily="34" charset="0"/>
+              <a:buChar char="‒"/>
+              <a:defRPr/>
+            </a:pPr>
+            <a:r>
+              <a:rPr lang="en-US" sz="2000" dirty="0">
+                <a:latin typeface="Arial" pitchFamily="34" charset="0"/>
+                <a:cs typeface="Arial" pitchFamily="34" charset="0"/>
+              </a:rPr>
+              <a:t>It Gets More Complicated!</a:t>
+            </a:r>
+          </a:p>
+          <a:p>
+            <a:pPr marL="0" indent="0" eaLnBrk="1" fontAlgn="auto" hangingPunct="1">
+              <a:spcAft>
+                <a:spcPts val="0"/>
+              </a:spcAft>
+              <a:buNone/>
+              <a:defRPr/>
+            </a:pPr>
+            <a:endParaRPr lang="en-US" sz="2000" dirty="0">
+              <a:solidFill>
+                <a:srgbClr val="FF0000"/>
+              </a:solidFill>
+              <a:latin typeface="Arial" pitchFamily="34" charset="0"/>
+              <a:cs typeface="Arial" pitchFamily="34" charset="0"/>
+            </a:endParaRPr>
+          </a:p>
+          <a:p>
+            <a:pPr eaLnBrk="1" fontAlgn="auto" hangingPunct="1">
+              <a:spcAft>
+                <a:spcPts val="0"/>
+              </a:spcAft>
+              <a:buFont typeface="Arial" pitchFamily="34" charset="0"/>
+              <a:buChar char="‒"/>
+              <a:defRPr/>
+            </a:pPr>
+            <a:r>
+              <a:rPr lang="en-US" sz="2000" dirty="0">
+                <a:latin typeface="Arial" pitchFamily="34" charset="0"/>
+                <a:cs typeface="Arial" pitchFamily="34" charset="0"/>
+              </a:rPr>
+              <a:t>A number of commands have a range of options that are implemented on the command line with a “flag”</a:t>
+            </a:r>
+          </a:p>
+          <a:p>
+            <a:pPr lvl="1" eaLnBrk="1" fontAlgn="auto" hangingPunct="1">
+              <a:spcAft>
+                <a:spcPts val="0"/>
+              </a:spcAft>
+              <a:buFont typeface="Arial" pitchFamily="34" charset="0"/>
+              <a:buChar char="•"/>
+              <a:defRPr/>
+            </a:pPr>
+            <a:r>
+              <a:rPr lang="en-US" sz="1800" b="1" dirty="0">
+                <a:latin typeface="Arial" pitchFamily="34" charset="0"/>
+                <a:cs typeface="Arial" pitchFamily="34" charset="0"/>
+              </a:rPr>
+              <a:t>ls </a:t>
+            </a:r>
+            <a:r>
+              <a:rPr lang="en-US" sz="1800" dirty="0">
+                <a:latin typeface="Arial" pitchFamily="34" charset="0"/>
+                <a:cs typeface="Arial" pitchFamily="34" charset="0"/>
+              </a:rPr>
+              <a:t>–l  - </a:t>
+            </a:r>
+            <a:r>
+              <a:rPr lang="en-US" sz="1800" dirty="0">
+                <a:solidFill>
+                  <a:srgbClr val="FF0000"/>
+                </a:solidFill>
+                <a:latin typeface="Arial" pitchFamily="34" charset="0"/>
+                <a:cs typeface="Arial" pitchFamily="34" charset="0"/>
+              </a:rPr>
+              <a:t>lists files and folders with associated </a:t>
+            </a:r>
+            <a:r>
+              <a:rPr lang="en-US" sz="1800" dirty="0" smtClean="0">
+                <a:solidFill>
+                  <a:srgbClr val="FF0000"/>
+                </a:solidFill>
+                <a:latin typeface="Arial" pitchFamily="34" charset="0"/>
+                <a:cs typeface="Arial" pitchFamily="34" charset="0"/>
+              </a:rPr>
+              <a:t>permissions</a:t>
+            </a:r>
+          </a:p>
+          <a:p>
+            <a:pPr lvl="1" eaLnBrk="1" fontAlgn="auto" hangingPunct="1">
+              <a:spcAft>
+                <a:spcPts val="0"/>
+              </a:spcAft>
+              <a:buFont typeface="Arial" pitchFamily="34" charset="0"/>
+              <a:buChar char="•"/>
+              <a:defRPr/>
+            </a:pPr>
+            <a:r>
+              <a:rPr lang="en-US" sz="1800" b="1" dirty="0" smtClean="0">
+                <a:latin typeface="Arial" pitchFamily="34" charset="0"/>
+                <a:cs typeface="Arial" pitchFamily="34" charset="0"/>
+              </a:rPr>
+              <a:t>ls </a:t>
+            </a:r>
+            <a:r>
+              <a:rPr lang="en-US" sz="1800" dirty="0" smtClean="0">
+                <a:latin typeface="Arial" pitchFamily="34" charset="0"/>
+                <a:cs typeface="Arial" pitchFamily="34" charset="0"/>
+              </a:rPr>
+              <a:t>–</a:t>
+            </a:r>
+            <a:r>
+              <a:rPr lang="en-US" sz="1800" dirty="0" err="1" smtClean="0">
+                <a:latin typeface="Arial" pitchFamily="34" charset="0"/>
+                <a:cs typeface="Arial" pitchFamily="34" charset="0"/>
+              </a:rPr>
+              <a:t>alh</a:t>
+            </a:r>
+            <a:r>
+              <a:rPr lang="en-US" sz="1800" dirty="0" smtClean="0">
+                <a:latin typeface="Arial" pitchFamily="34" charset="0"/>
+                <a:cs typeface="Arial" pitchFamily="34" charset="0"/>
+              </a:rPr>
+              <a:t> – </a:t>
+            </a:r>
+            <a:r>
+              <a:rPr lang="en-US" sz="1800" dirty="0" smtClean="0">
+                <a:solidFill>
+                  <a:srgbClr val="FF0000"/>
+                </a:solidFill>
+                <a:latin typeface="Arial" pitchFamily="34" charset="0"/>
+                <a:cs typeface="Arial" pitchFamily="34" charset="0"/>
+              </a:rPr>
+              <a:t>list all files (including hidden) with permissions and make file size human readable</a:t>
+            </a:r>
+          </a:p>
+          <a:p>
+            <a:pPr lvl="1" eaLnBrk="1" fontAlgn="auto" hangingPunct="1">
+              <a:spcAft>
+                <a:spcPts val="0"/>
+              </a:spcAft>
+              <a:buFont typeface="Arial" pitchFamily="34" charset="0"/>
+              <a:buChar char="•"/>
+              <a:defRPr/>
+            </a:pPr>
+            <a:r>
+              <a:rPr lang="en-US" sz="1800" b="1" dirty="0" err="1" smtClean="0">
+                <a:latin typeface="Arial" pitchFamily="34" charset="0"/>
+                <a:cs typeface="Arial" pitchFamily="34" charset="0"/>
+              </a:rPr>
+              <a:t>cp</a:t>
+            </a:r>
+            <a:r>
+              <a:rPr lang="en-US" sz="1800" b="1" dirty="0" smtClean="0">
+                <a:latin typeface="Arial" pitchFamily="34" charset="0"/>
+                <a:cs typeface="Arial" pitchFamily="34" charset="0"/>
+              </a:rPr>
+              <a:t> </a:t>
+            </a:r>
+            <a:r>
+              <a:rPr lang="en-US" sz="1800" dirty="0" smtClean="0">
+                <a:latin typeface="Arial" pitchFamily="34" charset="0"/>
+                <a:cs typeface="Arial" pitchFamily="34" charset="0"/>
+              </a:rPr>
+              <a:t>–u</a:t>
+            </a:r>
+            <a:r>
+              <a:rPr lang="en-US" sz="1800" b="1" dirty="0" smtClean="0">
+                <a:latin typeface="Arial" pitchFamily="34" charset="0"/>
+                <a:cs typeface="Arial" pitchFamily="34" charset="0"/>
+              </a:rPr>
+              <a:t> </a:t>
+            </a:r>
+            <a:r>
+              <a:rPr lang="en-US" sz="1800" dirty="0" smtClean="0">
+                <a:latin typeface="Arial" pitchFamily="34" charset="0"/>
+                <a:cs typeface="Arial" pitchFamily="34" charset="0"/>
+              </a:rPr>
+              <a:t>–</a:t>
+            </a:r>
+            <a:r>
+              <a:rPr lang="en-US" sz="1800" b="1" dirty="0" smtClean="0">
+                <a:latin typeface="Arial" pitchFamily="34" charset="0"/>
+                <a:cs typeface="Arial" pitchFamily="34" charset="0"/>
+              </a:rPr>
+              <a:t> </a:t>
+            </a:r>
+            <a:r>
+              <a:rPr lang="en-US" sz="1800" dirty="0" smtClean="0">
+                <a:solidFill>
+                  <a:srgbClr val="FF0000"/>
+                </a:solidFill>
+                <a:latin typeface="Arial" pitchFamily="34" charset="0"/>
+                <a:cs typeface="Arial" pitchFamily="34" charset="0"/>
+              </a:rPr>
+              <a:t>only overwrite an older file with the same name</a:t>
+            </a:r>
+          </a:p>
+          <a:p>
+            <a:pPr lvl="1" eaLnBrk="1" fontAlgn="auto" hangingPunct="1">
+              <a:spcAft>
+                <a:spcPts val="0"/>
+              </a:spcAft>
+              <a:buFont typeface="Arial" pitchFamily="34" charset="0"/>
+              <a:buChar char="•"/>
+              <a:defRPr/>
+            </a:pPr>
+            <a:r>
+              <a:rPr lang="en-US" sz="1800" b="1" dirty="0" err="1" smtClean="0">
+                <a:latin typeface="Arial" pitchFamily="34" charset="0"/>
+                <a:cs typeface="Arial" pitchFamily="34" charset="0"/>
+              </a:rPr>
+              <a:t>chmod</a:t>
+            </a:r>
+            <a:r>
+              <a:rPr lang="en-US" sz="1800" b="1" dirty="0" smtClean="0">
+                <a:latin typeface="Arial" pitchFamily="34" charset="0"/>
+                <a:cs typeface="Arial" pitchFamily="34" charset="0"/>
+              </a:rPr>
+              <a:t> </a:t>
+            </a:r>
+            <a:r>
+              <a:rPr lang="en-US" sz="1800" dirty="0" err="1" smtClean="0">
+                <a:latin typeface="Arial" pitchFamily="34" charset="0"/>
+                <a:cs typeface="Arial" pitchFamily="34" charset="0"/>
+              </a:rPr>
+              <a:t>a+x</a:t>
+            </a:r>
+            <a:r>
+              <a:rPr lang="en-US" sz="1800" dirty="0" smtClean="0">
+                <a:latin typeface="Arial" pitchFamily="34" charset="0"/>
+                <a:cs typeface="Arial" pitchFamily="34" charset="0"/>
+              </a:rPr>
+              <a:t> </a:t>
+            </a:r>
+            <a:r>
+              <a:rPr lang="en-US" sz="1800" i="1" dirty="0" smtClean="0">
+                <a:latin typeface="Arial" pitchFamily="34" charset="0"/>
+                <a:cs typeface="Arial" pitchFamily="34" charset="0"/>
+              </a:rPr>
+              <a:t>file</a:t>
+            </a:r>
+            <a:r>
+              <a:rPr lang="en-US" sz="1800" dirty="0" smtClean="0">
+                <a:latin typeface="Arial" pitchFamily="34" charset="0"/>
+                <a:cs typeface="Arial" pitchFamily="34" charset="0"/>
+              </a:rPr>
+              <a:t> – </a:t>
+            </a:r>
+            <a:r>
+              <a:rPr lang="en-US" sz="1800" dirty="0" smtClean="0">
+                <a:solidFill>
+                  <a:srgbClr val="FF0000"/>
+                </a:solidFill>
+                <a:latin typeface="Arial" pitchFamily="34" charset="0"/>
+                <a:cs typeface="Arial" pitchFamily="34" charset="0"/>
+              </a:rPr>
+              <a:t>allow anyone to execute file</a:t>
+            </a:r>
+          </a:p>
+          <a:p>
+            <a:pPr lvl="1" eaLnBrk="1" fontAlgn="auto" hangingPunct="1">
+              <a:spcAft>
+                <a:spcPts val="0"/>
+              </a:spcAft>
+              <a:buFont typeface="Arial" pitchFamily="34" charset="0"/>
+              <a:buChar char="•"/>
+              <a:defRPr/>
+            </a:pPr>
+            <a:r>
+              <a:rPr lang="en-US" sz="1800" b="1" dirty="0" err="1" smtClean="0">
+                <a:latin typeface="Arial" pitchFamily="34" charset="0"/>
+                <a:cs typeface="Arial" pitchFamily="34" charset="0"/>
+              </a:rPr>
+              <a:t>chmod</a:t>
+            </a:r>
+            <a:r>
+              <a:rPr lang="en-US" sz="1800" b="1" dirty="0" smtClean="0">
+                <a:latin typeface="Arial" pitchFamily="34" charset="0"/>
+                <a:cs typeface="Arial" pitchFamily="34" charset="0"/>
+              </a:rPr>
+              <a:t> </a:t>
+            </a:r>
+            <a:r>
+              <a:rPr lang="en-US" sz="1800" dirty="0">
+                <a:latin typeface="Arial" pitchFamily="34" charset="0"/>
+                <a:cs typeface="Arial" pitchFamily="34" charset="0"/>
+              </a:rPr>
+              <a:t>755 </a:t>
+            </a:r>
+            <a:r>
+              <a:rPr lang="en-US" sz="1800" i="1" dirty="0">
+                <a:latin typeface="Arial" pitchFamily="34" charset="0"/>
+                <a:cs typeface="Arial" pitchFamily="34" charset="0"/>
+              </a:rPr>
+              <a:t>file</a:t>
+            </a:r>
+            <a:r>
+              <a:rPr lang="en-US" sz="1800" dirty="0">
+                <a:latin typeface="Arial" pitchFamily="34" charset="0"/>
+                <a:cs typeface="Arial" pitchFamily="34" charset="0"/>
+              </a:rPr>
+              <a:t> – </a:t>
+            </a:r>
+            <a:r>
+              <a:rPr lang="en-US" sz="1800" dirty="0">
+                <a:solidFill>
+                  <a:srgbClr val="FF0000"/>
+                </a:solidFill>
+                <a:latin typeface="Arial" pitchFamily="34" charset="0"/>
+                <a:cs typeface="Arial" pitchFamily="34" charset="0"/>
+              </a:rPr>
+              <a:t>change file’s permission such that file's owner may read, write, and execute the file. All others may only read and execute the file</a:t>
+            </a:r>
+            <a:r>
+              <a:rPr lang="en-US" sz="1800" dirty="0" smtClean="0">
+                <a:solidFill>
+                  <a:srgbClr val="FF0000"/>
+                </a:solidFill>
+                <a:latin typeface="Arial" pitchFamily="34" charset="0"/>
+                <a:cs typeface="Arial" pitchFamily="34" charset="0"/>
+              </a:rPr>
+              <a:t>.</a:t>
+            </a:r>
+          </a:p>
+          <a:p>
+            <a:pPr lvl="1" eaLnBrk="1" fontAlgn="auto" hangingPunct="1">
+              <a:spcAft>
+                <a:spcPts val="0"/>
+              </a:spcAft>
+              <a:buFont typeface="Arial" pitchFamily="34" charset="0"/>
+              <a:buChar char="•"/>
+              <a:defRPr/>
+            </a:pPr>
+            <a:r>
+              <a:rPr lang="en-US" sz="1800" b="1" dirty="0" err="1">
+                <a:latin typeface="Arial" pitchFamily="34" charset="0"/>
+                <a:cs typeface="Arial" pitchFamily="34" charset="0"/>
+              </a:rPr>
+              <a:t>c</a:t>
+            </a:r>
+            <a:r>
+              <a:rPr lang="en-US" sz="1800" b="1" dirty="0" err="1" smtClean="0">
+                <a:latin typeface="Arial" pitchFamily="34" charset="0"/>
+                <a:cs typeface="Arial" pitchFamily="34" charset="0"/>
+              </a:rPr>
+              <a:t>hown</a:t>
+            </a:r>
+            <a:r>
+              <a:rPr lang="en-US" sz="1800" dirty="0" smtClean="0">
+                <a:latin typeface="Arial" pitchFamily="34" charset="0"/>
+                <a:cs typeface="Arial" pitchFamily="34" charset="0"/>
+              </a:rPr>
+              <a:t> </a:t>
+            </a:r>
+            <a:r>
+              <a:rPr lang="en-US" sz="1800" dirty="0" err="1" smtClean="0">
+                <a:latin typeface="Arial" pitchFamily="34" charset="0"/>
+                <a:cs typeface="Arial" pitchFamily="34" charset="0"/>
+              </a:rPr>
+              <a:t>pi:pi</a:t>
+            </a:r>
+            <a:r>
+              <a:rPr lang="en-US" sz="1800" dirty="0" smtClean="0">
+                <a:latin typeface="Arial" pitchFamily="34" charset="0"/>
+                <a:cs typeface="Arial" pitchFamily="34" charset="0"/>
+              </a:rPr>
+              <a:t> -R /</a:t>
+            </a:r>
+            <a:r>
+              <a:rPr lang="en-US" sz="1800" dirty="0" err="1" smtClean="0">
+                <a:latin typeface="Arial" pitchFamily="34" charset="0"/>
+                <a:cs typeface="Arial" pitchFamily="34" charset="0"/>
+              </a:rPr>
+              <a:t>my_folder</a:t>
+            </a:r>
+            <a:r>
+              <a:rPr lang="en-US" sz="1800" dirty="0" smtClean="0">
+                <a:latin typeface="Arial" pitchFamily="34" charset="0"/>
+                <a:cs typeface="Arial" pitchFamily="34" charset="0"/>
+              </a:rPr>
+              <a:t> – </a:t>
+            </a:r>
+            <a:r>
+              <a:rPr lang="en-US" sz="1800" dirty="0" smtClean="0">
+                <a:solidFill>
+                  <a:srgbClr val="FF0000"/>
+                </a:solidFill>
+                <a:latin typeface="Arial" pitchFamily="34" charset="0"/>
+                <a:cs typeface="Arial" pitchFamily="34" charset="0"/>
+              </a:rPr>
+              <a:t>change user/grp to pi and do it recursively for the following folder</a:t>
+            </a:r>
+            <a:endParaRPr lang="en-US" sz="1800" dirty="0">
+              <a:solidFill>
+                <a:srgbClr val="FF0000"/>
+              </a:solidFill>
+              <a:latin typeface="Arial" pitchFamily="34" charset="0"/>
+              <a:cs typeface="Arial" pitchFamily="34" charset="0"/>
+            </a:endParaRPr>
+          </a:p>
+          <a:p>
+            <a:pPr marL="457200" lvl="1" indent="0" eaLnBrk="1" fontAlgn="auto" hangingPunct="1">
+              <a:spcAft>
+                <a:spcPts val="0"/>
+              </a:spcAft>
+              <a:buNone/>
+              <a:defRPr/>
+            </a:pPr>
+            <a:endParaRPr lang="en-US" sz="1800" dirty="0">
+              <a:solidFill>
+                <a:srgbClr val="FF0000"/>
+              </a:solidFill>
+              <a:latin typeface="Arial" pitchFamily="34" charset="0"/>
+              <a:cs typeface="Arial" pitchFamily="34" charset="0"/>
+            </a:endParaRPr>
+          </a:p>
+          <a:p>
+            <a:pPr eaLnBrk="1" fontAlgn="auto" hangingPunct="1">
+              <a:spcAft>
+                <a:spcPts val="0"/>
+              </a:spcAft>
+              <a:buFont typeface="Arial" pitchFamily="34" charset="0"/>
+              <a:buChar char="‒"/>
+              <a:defRPr/>
+            </a:pPr>
+            <a:r>
+              <a:rPr lang="en-US" sz="2000" dirty="0">
+                <a:latin typeface="Arial" pitchFamily="34" charset="0"/>
+                <a:cs typeface="Arial" pitchFamily="34" charset="0"/>
+              </a:rPr>
+              <a:t>Multiple flags can be used simultaneously</a:t>
+            </a:r>
+          </a:p>
+          <a:p>
+            <a:pPr lvl="1" eaLnBrk="1" fontAlgn="auto" hangingPunct="1">
+              <a:spcAft>
+                <a:spcPts val="0"/>
+              </a:spcAft>
+              <a:buFont typeface="Arial" pitchFamily="34" charset="0"/>
+              <a:buChar char="•"/>
+              <a:defRPr/>
+            </a:pPr>
+            <a:r>
+              <a:rPr lang="en-US" sz="1600" dirty="0">
+                <a:solidFill>
+                  <a:srgbClr val="FF0000"/>
+                </a:solidFill>
+                <a:latin typeface="Arial" pitchFamily="34" charset="0"/>
+                <a:cs typeface="Arial" pitchFamily="34" charset="0"/>
+              </a:rPr>
+              <a:t>Again, man pages, Linux web site and reference books provide more details</a:t>
+            </a:r>
+          </a:p>
+        </p:txBody>
+      </p:sp>
+    </p:spTree>
+    <p:extLst>
+      <p:ext uri="{BB962C8B-B14F-4D97-AF65-F5344CB8AC3E}">
+        <p14:creationId xmlns:p14="http://schemas.microsoft.com/office/powerpoint/2010/main" val="1131872364"/>
+      </p:ext>
+    </p:extLst>
+  </p:cSld>
+  <p:clrMapOvr>
+    <a:masterClrMapping/>
+  </p:clrMapOvr>
+  <p:timing>
+    <p:tnLst>
+      <p:par>
+        <p:cTn id="1" dur="indefinite" restart="never" nodeType="tmRoot"/>
+      </p:par>
+    </p:tnLst>
+  </p:timing>
+</p:sld>
+</file>
+
+<file path=ppt/slides/slide12.xml><?xml version="1.0" encoding="utf-8"?>
+<p:sld xmlns:a="http://schemas.openxmlformats.org/drawingml/2006/main" xmlns:r="http://schemas.openxmlformats.org/officeDocument/2006/relationships" xmlns:p="http://schemas.openxmlformats.org/presentationml/2006/main">
+  <p:cSld>
+    <p:spTree>
+      <p:nvGrpSpPr>
+        <p:cNvPr id="1" name=""/>
+        <p:cNvGrpSpPr/>
+        <p:nvPr/>
+      </p:nvGrpSpPr>
+      <p:grpSpPr>
+        <a:xfrm>
+          <a:off x="0" y="0"/>
+          <a:ext cx="0" cy="0"/>
+          <a:chOff x="0" y="0"/>
+          <a:chExt cx="0" cy="0"/>
+        </a:xfrm>
+      </p:grpSpPr>
+      <p:sp>
+        <p:nvSpPr>
+          <p:cNvPr id="5" name="Rectangle 4"/>
+          <p:cNvSpPr/>
+          <p:nvPr/>
+        </p:nvSpPr>
+        <p:spPr>
+          <a:xfrm>
+            <a:off x="0" y="0"/>
+            <a:ext cx="9144000" cy="6858000"/>
+          </a:xfrm>
+          <a:prstGeom prst="rect">
+            <a:avLst/>
+          </a:prstGeom>
+          <a:pattFill prst="wdDnDiag">
+            <a:fgClr>
+              <a:srgbClr val="FF0000"/>
+            </a:fgClr>
+            <a:bgClr>
+              <a:schemeClr val="bg1"/>
+            </a:bgClr>
+          </a:pattFill>
+          <a:ln>
+            <a:noFill/>
+          </a:ln>
+        </p:spPr>
+        <p:style>
+          <a:lnRef idx="2">
+            <a:schemeClr val="accent1">
+              <a:shade val="50000"/>
+            </a:schemeClr>
+          </a:lnRef>
+          <a:fillRef idx="1">
+            <a:schemeClr val="accent1"/>
+          </a:fillRef>
+          <a:effectRef idx="0">
+            <a:schemeClr val="accent1"/>
+          </a:effectRef>
+          <a:fontRef idx="minor">
+            <a:schemeClr val="lt1"/>
+          </a:fontRef>
+        </p:style>
+        <p:txBody>
+          <a:bodyPr rtlCol="0" anchor="ctr"/>
+          <a:lstStyle/>
+          <a:p>
+            <a:pPr algn="ctr"/>
+            <a:endParaRPr lang="en-US"/>
+          </a:p>
+        </p:txBody>
+      </p:sp>
+      <p:sp>
+        <p:nvSpPr>
+          <p:cNvPr id="2" name="Title 1"/>
+          <p:cNvSpPr>
+            <a:spLocks noGrp="1"/>
+          </p:cNvSpPr>
+          <p:nvPr>
+            <p:ph type="title"/>
+          </p:nvPr>
+        </p:nvSpPr>
+        <p:spPr>
+          <a:solidFill>
+            <a:schemeClr val="bg1"/>
+          </a:solidFill>
+        </p:spPr>
+        <p:txBody>
+          <a:bodyPr>
+            <a:normAutofit/>
+          </a:bodyPr>
+          <a:lstStyle/>
+          <a:p>
+            <a:pPr algn="ctr"/>
+            <a:r>
+              <a:rPr lang="en-US" sz="8800" b="1" dirty="0" smtClean="0">
+                <a:solidFill>
+                  <a:srgbClr val="FF0000"/>
+                </a:solidFill>
+              </a:rPr>
+              <a:t>DANGER</a:t>
+            </a:r>
+            <a:endParaRPr lang="en-US" sz="8800" b="1" dirty="0">
+              <a:solidFill>
+                <a:srgbClr val="FF0000"/>
+              </a:solidFill>
+            </a:endParaRPr>
+          </a:p>
+        </p:txBody>
+      </p:sp>
+      <p:sp>
+        <p:nvSpPr>
+          <p:cNvPr id="3" name="Title 1"/>
+          <p:cNvSpPr txBox="1">
+            <a:spLocks/>
+          </p:cNvSpPr>
+          <p:nvPr/>
+        </p:nvSpPr>
+        <p:spPr>
+          <a:xfrm>
+            <a:off x="729011" y="5111828"/>
+            <a:ext cx="7886700" cy="1325563"/>
+          </a:xfrm>
+          <a:prstGeom prst="rect">
+            <a:avLst/>
+          </a:prstGeom>
+          <a:solidFill>
+            <a:schemeClr val="bg1"/>
+          </a:solidFill>
+        </p:spPr>
+        <p:txBody>
+          <a:bodyPr vert="horz" lIns="91440" tIns="45720" rIns="91440" bIns="45720" rtlCol="0" anchor="ctr">
+            <a:normAutofit/>
+          </a:bodyPr>
+          <a:lstStyle>
+            <a:lvl1pPr algn="l" defTabSz="914400" rtl="0" eaLnBrk="1" latinLnBrk="0" hangingPunct="1">
+              <a:lnSpc>
+                <a:spcPct val="90000"/>
+              </a:lnSpc>
+              <a:spcBef>
+                <a:spcPct val="0"/>
+              </a:spcBef>
+              <a:buNone/>
+              <a:defRPr sz="4400" kern="1200">
+                <a:solidFill>
+                  <a:schemeClr val="tx1"/>
+                </a:solidFill>
+                <a:latin typeface="+mj-lt"/>
+                <a:ea typeface="+mj-ea"/>
+                <a:cs typeface="+mj-cs"/>
+              </a:defRPr>
+            </a:lvl1pPr>
+          </a:lstStyle>
+          <a:p>
+            <a:pPr algn="ctr"/>
+            <a:r>
+              <a:rPr lang="en-US" sz="8800" b="1" dirty="0" smtClean="0">
+                <a:solidFill>
+                  <a:srgbClr val="FF0000"/>
+                </a:solidFill>
+              </a:rPr>
+              <a:t>DANGER</a:t>
+            </a:r>
+            <a:endParaRPr lang="en-US" sz="8800" b="1" dirty="0">
+              <a:solidFill>
+                <a:srgbClr val="FF0000"/>
+              </a:solidFill>
+            </a:endParaRPr>
+          </a:p>
+        </p:txBody>
+      </p:sp>
+      <p:sp>
+        <p:nvSpPr>
+          <p:cNvPr id="4" name="TextBox 3"/>
+          <p:cNvSpPr txBox="1"/>
+          <p:nvPr/>
+        </p:nvSpPr>
+        <p:spPr>
+          <a:xfrm>
+            <a:off x="992458" y="2639123"/>
+            <a:ext cx="7159083" cy="1477328"/>
+          </a:xfrm>
+          <a:prstGeom prst="rect">
+            <a:avLst/>
+          </a:prstGeom>
+          <a:solidFill>
+            <a:schemeClr val="bg1"/>
+          </a:solidFill>
+        </p:spPr>
+        <p:txBody>
+          <a:bodyPr wrap="square" rtlCol="0">
+            <a:spAutoFit/>
+          </a:bodyPr>
+          <a:lstStyle/>
+          <a:p>
+            <a:r>
+              <a:rPr lang="en-US" b="1" dirty="0" err="1" smtClean="0">
+                <a:solidFill>
+                  <a:srgbClr val="7030A0"/>
+                </a:solidFill>
+              </a:rPr>
+              <a:t>rm</a:t>
+            </a:r>
+            <a:r>
+              <a:rPr lang="en-US" b="1" dirty="0" smtClean="0">
+                <a:solidFill>
+                  <a:srgbClr val="7030A0"/>
+                </a:solidFill>
+              </a:rPr>
+              <a:t> –</a:t>
+            </a:r>
+            <a:r>
+              <a:rPr lang="en-US" b="1" dirty="0" err="1" smtClean="0">
+                <a:solidFill>
+                  <a:srgbClr val="7030A0"/>
+                </a:solidFill>
+              </a:rPr>
+              <a:t>Rf</a:t>
+            </a:r>
+            <a:r>
+              <a:rPr lang="en-US" b="1" dirty="0" smtClean="0">
+                <a:solidFill>
+                  <a:srgbClr val="7030A0"/>
+                </a:solidFill>
+              </a:rPr>
+              <a:t> </a:t>
+            </a:r>
+            <a:r>
+              <a:rPr lang="en-US" dirty="0" smtClean="0"/>
+              <a:t>is very powerful … you can wipe out </a:t>
+            </a:r>
+            <a:r>
+              <a:rPr lang="en-US" b="1" dirty="0" smtClean="0">
+                <a:solidFill>
+                  <a:srgbClr val="00B0F0"/>
+                </a:solidFill>
+              </a:rPr>
+              <a:t>all of your work </a:t>
+            </a:r>
+            <a:r>
+              <a:rPr lang="en-US" dirty="0" smtClean="0"/>
+              <a:t>and the </a:t>
+            </a:r>
+            <a:r>
+              <a:rPr lang="en-US" b="1" dirty="0" smtClean="0">
+                <a:solidFill>
+                  <a:srgbClr val="00B0F0"/>
+                </a:solidFill>
+              </a:rPr>
+              <a:t>operating system </a:t>
+            </a:r>
+            <a:r>
+              <a:rPr lang="en-US" dirty="0" smtClean="0"/>
+              <a:t>if used incorrectly!</a:t>
+            </a:r>
+          </a:p>
+          <a:p>
+            <a:endParaRPr lang="en-US" dirty="0"/>
+          </a:p>
+          <a:p>
+            <a:r>
+              <a:rPr lang="en-US" dirty="0" smtClean="0"/>
+              <a:t>I suggest </a:t>
+            </a:r>
+            <a:r>
+              <a:rPr lang="en-US" b="1" dirty="0" smtClean="0">
+                <a:solidFill>
+                  <a:srgbClr val="FF0000"/>
+                </a:solidFill>
+              </a:rPr>
+              <a:t>NEVER</a:t>
+            </a:r>
+            <a:r>
+              <a:rPr lang="en-US" dirty="0" smtClean="0">
+                <a:solidFill>
+                  <a:srgbClr val="FF0000"/>
+                </a:solidFill>
+              </a:rPr>
+              <a:t> </a:t>
+            </a:r>
+            <a:r>
+              <a:rPr lang="en-US" dirty="0" smtClean="0"/>
+              <a:t>deleting anything and if you do, just use </a:t>
+            </a:r>
+            <a:r>
+              <a:rPr lang="en-US" b="1" dirty="0" smtClean="0">
+                <a:solidFill>
+                  <a:srgbClr val="7030A0"/>
+                </a:solidFill>
+              </a:rPr>
+              <a:t>rm</a:t>
+            </a:r>
+            <a:r>
+              <a:rPr lang="en-US" dirty="0" smtClean="0"/>
+              <a:t>. The recursive and force can be vary dangerous … you have been warned.</a:t>
+            </a:r>
+            <a:endParaRPr lang="en-US" dirty="0"/>
+          </a:p>
+        </p:txBody>
+      </p:sp>
+    </p:spTree>
+    <p:extLst>
+      <p:ext uri="{BB962C8B-B14F-4D97-AF65-F5344CB8AC3E}">
+        <p14:creationId xmlns:p14="http://schemas.microsoft.com/office/powerpoint/2010/main" val="3191714669"/>
+      </p:ext>
+    </p:extLst>
+  </p:cSld>
+  <p:clrMapOvr>
+    <a:masterClrMapping/>
+  </p:clrMapOvr>
+  <p:timing>
+    <p:tnLst>
+      <p:par>
+        <p:cTn id="1" dur="indefinite" restart="never" nodeType="tmRoot"/>
+      </p:par>
+    </p:tnLst>
+  </p:timing>
+</p:sld>
+</file>
+
+<file path=ppt/slides/slide13.xml><?xml version="1.0" encoding="utf-8"?>
+<p:sld xmlns:a="http://schemas.openxmlformats.org/drawingml/2006/main" xmlns:r="http://schemas.openxmlformats.org/officeDocument/2006/relationships" xmlns:p="http://schemas.openxmlformats.org/presentationml/2006/main">
+  <p:cSld>
+    <p:spTree>
+      <p:nvGrpSpPr>
+        <p:cNvPr id="1" name=""/>
+        <p:cNvGrpSpPr/>
+        <p:nvPr/>
+      </p:nvGrpSpPr>
+      <p:grpSpPr>
+        <a:xfrm>
+          <a:off x="0" y="0"/>
+          <a:ext cx="0" cy="0"/>
+          <a:chOff x="0" y="0"/>
+          <a:chExt cx="0" cy="0"/>
+        </a:xfrm>
+      </p:grpSpPr>
+      <p:sp>
+        <p:nvSpPr>
           <p:cNvPr id="48130" name="Title 1"/>
           <p:cNvSpPr txBox="1">
             <a:spLocks/>
@@ -5885,7 +8346,7 @@
 </p:sld>
 </file>
 
-<file path=ppt/slides/slide11.xml><?xml version="1.0" encoding="utf-8"?>
+<file path=ppt/slides/slide14.xml><?xml version="1.0" encoding="utf-8"?>
 <p:sld xmlns:a="http://schemas.openxmlformats.org/drawingml/2006/main" xmlns:r="http://schemas.openxmlformats.org/officeDocument/2006/relationships" xmlns:p="http://schemas.openxmlformats.org/presentationml/2006/main">
   <p:cSld>
     <p:spTree>
@@ -6655,7 +9116,7 @@
         <p:spPr>
           <a:xfrm>
             <a:off x="4083240" y="3235881"/>
-            <a:ext cx="1696298" cy="369332"/>
+            <a:ext cx="1608133" cy="369332"/>
           </a:xfrm>
           <a:prstGeom prst="rect">
             <a:avLst/>
@@ -6676,7 +9137,11 @@
             </a:r>
             <a:r>
               <a:rPr lang="en-US" dirty="0" smtClean="0"/>
-              <a:t>  Grp  Owner</a:t>
+              <a:t>  Grp  </a:t>
+            </a:r>
+            <a:r>
+              <a:rPr lang="en-US" dirty="0" smtClean="0"/>
+              <a:t>Other</a:t>
             </a:r>
             <a:endParaRPr lang="en-US" dirty="0"/>
           </a:p>
@@ -6702,2206 +9167,7 @@
 </p:sld>
 </file>
 
-<file path=ppt/slides/slide12.xml><?xml version="1.0" encoding="utf-8"?>
-<p:sld xmlns:a="http://schemas.openxmlformats.org/drawingml/2006/main" xmlns:r="http://schemas.openxmlformats.org/officeDocument/2006/relationships" xmlns:p="http://schemas.openxmlformats.org/presentationml/2006/main">
-  <p:cSld>
-    <p:spTree>
-      <p:nvGrpSpPr>
-        <p:cNvPr id="1" name=""/>
-        <p:cNvGrpSpPr/>
-        <p:nvPr/>
-      </p:nvGrpSpPr>
-      <p:grpSpPr>
-        <a:xfrm>
-          <a:off x="0" y="0"/>
-          <a:ext cx="0" cy="0"/>
-          <a:chOff x="0" y="0"/>
-          <a:chExt cx="0" cy="0"/>
-        </a:xfrm>
-      </p:grpSpPr>
-      <p:sp>
-        <p:nvSpPr>
-          <p:cNvPr id="45058" name="Title 1"/>
-          <p:cNvSpPr txBox="1">
-            <a:spLocks/>
-          </p:cNvSpPr>
-          <p:nvPr/>
-        </p:nvSpPr>
-        <p:spPr bwMode="auto">
-          <a:xfrm>
-            <a:off x="1746646" y="344488"/>
-            <a:ext cx="7119767" cy="735012"/>
-          </a:xfrm>
-          <a:prstGeom prst="rect">
-            <a:avLst/>
-          </a:prstGeom>
-          <a:noFill/>
-          <a:ln>
-            <a:noFill/>
-          </a:ln>
-          <a:extLst>
-            <a:ext uri="{909E8E84-426E-40DD-AFC4-6F175D3DCCD1}">
-              <a14:hiddenFill xmlns:a14="http://schemas.microsoft.com/office/drawing/2010/main">
-                <a:solidFill>
-                  <a:srgbClr val="FFFFFF"/>
-                </a:solidFill>
-              </a14:hiddenFill>
-            </a:ext>
-            <a:ext uri="{91240B29-F687-4F45-9708-019B960494DF}">
-              <a14:hiddenLine xmlns:a14="http://schemas.microsoft.com/office/drawing/2010/main" w="9525">
-                <a:solidFill>
-                  <a:srgbClr val="000000"/>
-                </a:solidFill>
-                <a:miter lim="800000"/>
-                <a:headEnd/>
-                <a:tailEnd/>
-              </a14:hiddenLine>
-            </a:ext>
-          </a:extLst>
-        </p:spPr>
-        <p:txBody>
-          <a:bodyPr/>
-          <a:lstStyle>
-            <a:lvl1pPr eaLnBrk="0" hangingPunct="0">
-              <a:defRPr>
-                <a:solidFill>
-                  <a:schemeClr val="tx1"/>
-                </a:solidFill>
-                <a:latin typeface="Arial" panose="020B0604020202020204" pitchFamily="34" charset="0"/>
-              </a:defRPr>
-            </a:lvl1pPr>
-            <a:lvl2pPr marL="742950" indent="-285750" eaLnBrk="0" hangingPunct="0">
-              <a:defRPr>
-                <a:solidFill>
-                  <a:schemeClr val="tx1"/>
-                </a:solidFill>
-                <a:latin typeface="Arial" panose="020B0604020202020204" pitchFamily="34" charset="0"/>
-              </a:defRPr>
-            </a:lvl2pPr>
-            <a:lvl3pPr marL="1143000" indent="-228600" eaLnBrk="0" hangingPunct="0">
-              <a:defRPr>
-                <a:solidFill>
-                  <a:schemeClr val="tx1"/>
-                </a:solidFill>
-                <a:latin typeface="Arial" panose="020B0604020202020204" pitchFamily="34" charset="0"/>
-              </a:defRPr>
-            </a:lvl3pPr>
-            <a:lvl4pPr marL="1600200" indent="-228600" eaLnBrk="0" hangingPunct="0">
-              <a:defRPr>
-                <a:solidFill>
-                  <a:schemeClr val="tx1"/>
-                </a:solidFill>
-                <a:latin typeface="Arial" panose="020B0604020202020204" pitchFamily="34" charset="0"/>
-              </a:defRPr>
-            </a:lvl4pPr>
-            <a:lvl5pPr marL="2057400" indent="-228600" eaLnBrk="0" hangingPunct="0">
-              <a:defRPr>
-                <a:solidFill>
-                  <a:schemeClr val="tx1"/>
-                </a:solidFill>
-                <a:latin typeface="Arial" panose="020B0604020202020204" pitchFamily="34" charset="0"/>
-              </a:defRPr>
-            </a:lvl5pPr>
-            <a:lvl6pPr marL="2514600" indent="-228600" eaLnBrk="0" fontAlgn="base" hangingPunct="0">
-              <a:spcBef>
-                <a:spcPct val="0"/>
-              </a:spcBef>
-              <a:spcAft>
-                <a:spcPct val="0"/>
-              </a:spcAft>
-              <a:defRPr>
-                <a:solidFill>
-                  <a:schemeClr val="tx1"/>
-                </a:solidFill>
-                <a:latin typeface="Arial" panose="020B0604020202020204" pitchFamily="34" charset="0"/>
-              </a:defRPr>
-            </a:lvl6pPr>
-            <a:lvl7pPr marL="2971800" indent="-228600" eaLnBrk="0" fontAlgn="base" hangingPunct="0">
-              <a:spcBef>
-                <a:spcPct val="0"/>
-              </a:spcBef>
-              <a:spcAft>
-                <a:spcPct val="0"/>
-              </a:spcAft>
-              <a:defRPr>
-                <a:solidFill>
-                  <a:schemeClr val="tx1"/>
-                </a:solidFill>
-                <a:latin typeface="Arial" panose="020B0604020202020204" pitchFamily="34" charset="0"/>
-              </a:defRPr>
-            </a:lvl7pPr>
-            <a:lvl8pPr marL="3429000" indent="-228600" eaLnBrk="0" fontAlgn="base" hangingPunct="0">
-              <a:spcBef>
-                <a:spcPct val="0"/>
-              </a:spcBef>
-              <a:spcAft>
-                <a:spcPct val="0"/>
-              </a:spcAft>
-              <a:defRPr>
-                <a:solidFill>
-                  <a:schemeClr val="tx1"/>
-                </a:solidFill>
-                <a:latin typeface="Arial" panose="020B0604020202020204" pitchFamily="34" charset="0"/>
-              </a:defRPr>
-            </a:lvl8pPr>
-            <a:lvl9pPr marL="3886200" indent="-228600" eaLnBrk="0" fontAlgn="base" hangingPunct="0">
-              <a:spcBef>
-                <a:spcPct val="0"/>
-              </a:spcBef>
-              <a:spcAft>
-                <a:spcPct val="0"/>
-              </a:spcAft>
-              <a:defRPr>
-                <a:solidFill>
-                  <a:schemeClr val="tx1"/>
-                </a:solidFill>
-                <a:latin typeface="Arial" panose="020B0604020202020204" pitchFamily="34" charset="0"/>
-              </a:defRPr>
-            </a:lvl9pPr>
-          </a:lstStyle>
-          <a:p>
-            <a:pPr algn="ctr" eaLnBrk="1" hangingPunct="1"/>
-            <a:r>
-              <a:rPr lang="en-US" altLang="en-US" sz="4400" dirty="0">
-                <a:latin typeface="Calibri" panose="020F0502020204030204" pitchFamily="34" charset="0"/>
-              </a:rPr>
-              <a:t>Introduction to Linux/Unix</a:t>
-            </a:r>
-          </a:p>
-        </p:txBody>
-      </p:sp>
-      <p:sp>
-        <p:nvSpPr>
-          <p:cNvPr id="3" name="Content Placeholder 2"/>
-          <p:cNvSpPr txBox="1">
-            <a:spLocks/>
-          </p:cNvSpPr>
-          <p:nvPr/>
-        </p:nvSpPr>
-        <p:spPr>
-          <a:xfrm>
-            <a:off x="653144" y="1160465"/>
-            <a:ext cx="7886700" cy="5697537"/>
-          </a:xfrm>
-          <a:prstGeom prst="rect">
-            <a:avLst/>
-          </a:prstGeom>
-        </p:spPr>
-        <p:txBody>
-          <a:bodyPr>
-            <a:normAutofit fontScale="70000" lnSpcReduction="20000"/>
-          </a:bodyPr>
-          <a:lstStyle>
-            <a:lvl1pPr marL="342900" indent="-342900" algn="l" rtl="0" eaLnBrk="0" fontAlgn="base" hangingPunct="0">
-              <a:spcBef>
-                <a:spcPct val="20000"/>
-              </a:spcBef>
-              <a:spcAft>
-                <a:spcPct val="0"/>
-              </a:spcAft>
-              <a:buFont typeface="Arial" charset="0"/>
-              <a:buChar char="•"/>
-              <a:defRPr sz="3200" kern="1200">
-                <a:solidFill>
-                  <a:schemeClr val="tx1"/>
-                </a:solidFill>
-                <a:latin typeface="+mn-lt"/>
-                <a:ea typeface="+mn-ea"/>
-                <a:cs typeface="+mn-cs"/>
-              </a:defRPr>
-            </a:lvl1pPr>
-            <a:lvl2pPr marL="742950" indent="-285750" algn="l" rtl="0" eaLnBrk="0" fontAlgn="base" hangingPunct="0">
-              <a:spcBef>
-                <a:spcPct val="20000"/>
-              </a:spcBef>
-              <a:spcAft>
-                <a:spcPct val="0"/>
-              </a:spcAft>
-              <a:buFont typeface="Arial" charset="0"/>
-              <a:buChar char="–"/>
-              <a:defRPr sz="2800" kern="1200">
-                <a:solidFill>
-                  <a:schemeClr val="tx1"/>
-                </a:solidFill>
-                <a:latin typeface="+mn-lt"/>
-                <a:ea typeface="+mn-ea"/>
-                <a:cs typeface="+mn-cs"/>
-              </a:defRPr>
-            </a:lvl2pPr>
-            <a:lvl3pPr marL="1143000" indent="-228600" algn="l" rtl="0" eaLnBrk="0" fontAlgn="base" hangingPunct="0">
-              <a:spcBef>
-                <a:spcPct val="20000"/>
-              </a:spcBef>
-              <a:spcAft>
-                <a:spcPct val="0"/>
-              </a:spcAft>
-              <a:buFont typeface="Arial" charset="0"/>
-              <a:buChar char="•"/>
-              <a:defRPr sz="2400" kern="1200">
-                <a:solidFill>
-                  <a:schemeClr val="tx1"/>
-                </a:solidFill>
-                <a:latin typeface="+mn-lt"/>
-                <a:ea typeface="+mn-ea"/>
-                <a:cs typeface="+mn-cs"/>
-              </a:defRPr>
-            </a:lvl3pPr>
-            <a:lvl4pPr marL="1600200" indent="-228600" algn="l" rtl="0" eaLnBrk="0" fontAlgn="base" hangingPunct="0">
-              <a:spcBef>
-                <a:spcPct val="20000"/>
-              </a:spcBef>
-              <a:spcAft>
-                <a:spcPct val="0"/>
-              </a:spcAft>
-              <a:buFont typeface="Arial" charset="0"/>
-              <a:buChar char="–"/>
-              <a:defRPr sz="2000" kern="1200">
-                <a:solidFill>
-                  <a:schemeClr val="tx1"/>
-                </a:solidFill>
-                <a:latin typeface="+mn-lt"/>
-                <a:ea typeface="+mn-ea"/>
-                <a:cs typeface="+mn-cs"/>
-              </a:defRPr>
-            </a:lvl4pPr>
-            <a:lvl5pPr marL="2057400" indent="-228600" algn="l" rtl="0" eaLnBrk="0" fontAlgn="base" hangingPunct="0">
-              <a:spcBef>
-                <a:spcPct val="20000"/>
-              </a:spcBef>
-              <a:spcAft>
-                <a:spcPct val="0"/>
-              </a:spcAft>
-              <a:buFont typeface="Arial" charset="0"/>
-              <a:buChar char="»"/>
-              <a:defRPr sz="2000" kern="1200">
-                <a:solidFill>
-                  <a:schemeClr val="tx1"/>
-                </a:solidFill>
-                <a:latin typeface="+mn-lt"/>
-                <a:ea typeface="+mn-ea"/>
-                <a:cs typeface="+mn-cs"/>
-              </a:defRPr>
-            </a:lvl5pPr>
-            <a:lvl6pPr marL="2514600" indent="-228600" algn="l" defTabSz="914400" rtl="0" eaLnBrk="1" latinLnBrk="0" hangingPunct="1">
-              <a:spcBef>
-                <a:spcPct val="20000"/>
-              </a:spcBef>
-              <a:buFont typeface="Arial" pitchFamily="34" charset="0"/>
-              <a:buChar char="•"/>
-              <a:defRPr sz="2000" kern="1200">
-                <a:solidFill>
-                  <a:schemeClr val="tx1"/>
-                </a:solidFill>
-                <a:latin typeface="+mn-lt"/>
-                <a:ea typeface="+mn-ea"/>
-                <a:cs typeface="+mn-cs"/>
-              </a:defRPr>
-            </a:lvl6pPr>
-            <a:lvl7pPr marL="2971800" indent="-228600" algn="l" defTabSz="914400" rtl="0" eaLnBrk="1" latinLnBrk="0" hangingPunct="1">
-              <a:spcBef>
-                <a:spcPct val="20000"/>
-              </a:spcBef>
-              <a:buFont typeface="Arial" pitchFamily="34" charset="0"/>
-              <a:buChar char="•"/>
-              <a:defRPr sz="2000" kern="1200">
-                <a:solidFill>
-                  <a:schemeClr val="tx1"/>
-                </a:solidFill>
-                <a:latin typeface="+mn-lt"/>
-                <a:ea typeface="+mn-ea"/>
-                <a:cs typeface="+mn-cs"/>
-              </a:defRPr>
-            </a:lvl7pPr>
-            <a:lvl8pPr marL="3429000" indent="-228600" algn="l" defTabSz="914400" rtl="0" eaLnBrk="1" latinLnBrk="0" hangingPunct="1">
-              <a:spcBef>
-                <a:spcPct val="20000"/>
-              </a:spcBef>
-              <a:buFont typeface="Arial" pitchFamily="34" charset="0"/>
-              <a:buChar char="•"/>
-              <a:defRPr sz="2000" kern="1200">
-                <a:solidFill>
-                  <a:schemeClr val="tx1"/>
-                </a:solidFill>
-                <a:latin typeface="+mn-lt"/>
-                <a:ea typeface="+mn-ea"/>
-                <a:cs typeface="+mn-cs"/>
-              </a:defRPr>
-            </a:lvl8pPr>
-            <a:lvl9pPr marL="3886200" indent="-228600" algn="l" defTabSz="914400" rtl="0" eaLnBrk="1" latinLnBrk="0" hangingPunct="1">
-              <a:spcBef>
-                <a:spcPct val="20000"/>
-              </a:spcBef>
-              <a:buFont typeface="Arial" pitchFamily="34" charset="0"/>
-              <a:buChar char="•"/>
-              <a:defRPr sz="2000" kern="1200">
-                <a:solidFill>
-                  <a:schemeClr val="tx1"/>
-                </a:solidFill>
-                <a:latin typeface="+mn-lt"/>
-                <a:ea typeface="+mn-ea"/>
-                <a:cs typeface="+mn-cs"/>
-              </a:defRPr>
-            </a:lvl9pPr>
-          </a:lstStyle>
-          <a:p>
-            <a:pPr eaLnBrk="1" fontAlgn="auto" hangingPunct="1">
-              <a:spcAft>
-                <a:spcPts val="0"/>
-              </a:spcAft>
-              <a:buFont typeface="Arial" pitchFamily="34" charset="0"/>
-              <a:buChar char="‒"/>
-              <a:defRPr/>
-            </a:pPr>
-            <a:r>
-              <a:rPr lang="en-US" sz="2600" dirty="0">
-                <a:latin typeface="Arial" pitchFamily="34" charset="0"/>
-                <a:cs typeface="Arial" pitchFamily="34" charset="0"/>
-              </a:rPr>
-              <a:t>For a Complete List of Linux Commands and Explanations see</a:t>
-            </a:r>
-          </a:p>
-          <a:p>
-            <a:pPr lvl="1" eaLnBrk="1" fontAlgn="auto" hangingPunct="1">
-              <a:spcAft>
-                <a:spcPts val="0"/>
-              </a:spcAft>
-              <a:buFont typeface="Arial" pitchFamily="34" charset="0"/>
-              <a:buChar char="•"/>
-              <a:defRPr/>
-            </a:pPr>
-            <a:r>
-              <a:rPr lang="en-US" sz="2300" dirty="0">
-                <a:latin typeface="Arial" pitchFamily="34" charset="0"/>
-                <a:cs typeface="Arial" pitchFamily="34" charset="0"/>
-                <a:hlinkClick r:id="rId2"/>
-              </a:rPr>
-              <a:t>http://linuxcommand.org/</a:t>
-            </a:r>
-            <a:endParaRPr lang="en-US" sz="2300" dirty="0">
-              <a:latin typeface="Arial" pitchFamily="34" charset="0"/>
-              <a:cs typeface="Arial" pitchFamily="34" charset="0"/>
-            </a:endParaRPr>
-          </a:p>
-          <a:p>
-            <a:pPr lvl="1" eaLnBrk="1" fontAlgn="auto" hangingPunct="1">
-              <a:spcAft>
-                <a:spcPts val="0"/>
-              </a:spcAft>
-              <a:buFont typeface="Arial" pitchFamily="34" charset="0"/>
-              <a:buChar char="•"/>
-              <a:defRPr/>
-            </a:pPr>
-            <a:r>
-              <a:rPr lang="en-US" sz="2300" dirty="0">
-                <a:solidFill>
-                  <a:srgbClr val="FF0000"/>
-                </a:solidFill>
-                <a:latin typeface="Arial" pitchFamily="34" charset="0"/>
-                <a:cs typeface="Arial" pitchFamily="34" charset="0"/>
-              </a:rPr>
-              <a:t>Or the book “Linux in a Nutshell”</a:t>
-            </a:r>
-          </a:p>
-          <a:p>
-            <a:pPr marL="457200" lvl="1" indent="0" eaLnBrk="1" fontAlgn="auto" hangingPunct="1">
-              <a:spcAft>
-                <a:spcPts val="0"/>
-              </a:spcAft>
-              <a:buNone/>
-              <a:defRPr/>
-            </a:pPr>
-            <a:endParaRPr lang="en-US" sz="1400" dirty="0">
-              <a:latin typeface="Arial" pitchFamily="34" charset="0"/>
-              <a:cs typeface="Arial" pitchFamily="34" charset="0"/>
-            </a:endParaRPr>
-          </a:p>
-          <a:p>
-            <a:pPr eaLnBrk="1" fontAlgn="auto" hangingPunct="1">
-              <a:spcAft>
-                <a:spcPts val="0"/>
-              </a:spcAft>
-              <a:buFont typeface="Arial" pitchFamily="34" charset="0"/>
-              <a:buChar char="‒"/>
-              <a:defRPr/>
-            </a:pPr>
-            <a:r>
-              <a:rPr lang="en-US" sz="2600" dirty="0">
-                <a:latin typeface="Arial" pitchFamily="34" charset="0"/>
-                <a:cs typeface="Arial" pitchFamily="34" charset="0"/>
-              </a:rPr>
-              <a:t>Some Other Common Commands</a:t>
-            </a:r>
-            <a:r>
-              <a:rPr lang="en-US" sz="2400" dirty="0">
-                <a:latin typeface="Arial" pitchFamily="34" charset="0"/>
-                <a:cs typeface="Arial" pitchFamily="34" charset="0"/>
-              </a:rPr>
-              <a:t> </a:t>
-            </a:r>
-          </a:p>
-          <a:p>
-            <a:pPr lvl="1" eaLnBrk="1" fontAlgn="auto" hangingPunct="1">
-              <a:spcAft>
-                <a:spcPts val="0"/>
-              </a:spcAft>
-              <a:buFont typeface="Arial" pitchFamily="34" charset="0"/>
-              <a:buChar char="•"/>
-              <a:defRPr/>
-            </a:pPr>
-            <a:r>
-              <a:rPr lang="en-US" sz="2300" b="1" dirty="0">
-                <a:latin typeface="Arial" pitchFamily="34" charset="0"/>
-                <a:cs typeface="Arial" pitchFamily="34" charset="0"/>
-              </a:rPr>
-              <a:t>echo “</a:t>
-            </a:r>
-            <a:r>
-              <a:rPr lang="en-US" sz="2300" i="1" dirty="0">
-                <a:latin typeface="Arial" pitchFamily="34" charset="0"/>
-                <a:cs typeface="Arial" pitchFamily="34" charset="0"/>
-              </a:rPr>
-              <a:t>text” – </a:t>
-            </a:r>
-            <a:r>
-              <a:rPr lang="en-US" sz="2300" dirty="0">
-                <a:solidFill>
-                  <a:srgbClr val="FF0000"/>
-                </a:solidFill>
-                <a:latin typeface="Arial" pitchFamily="34" charset="0"/>
-                <a:cs typeface="Arial" pitchFamily="34" charset="0"/>
-              </a:rPr>
-              <a:t>display or print </a:t>
-            </a:r>
-            <a:r>
-              <a:rPr lang="en-US" sz="2300" i="1" dirty="0">
-                <a:solidFill>
-                  <a:srgbClr val="FF0000"/>
-                </a:solidFill>
-                <a:latin typeface="Arial" pitchFamily="34" charset="0"/>
-                <a:cs typeface="Arial" pitchFamily="34" charset="0"/>
-              </a:rPr>
-              <a:t>text</a:t>
-            </a:r>
-          </a:p>
-          <a:p>
-            <a:pPr lvl="1" eaLnBrk="1" fontAlgn="auto" hangingPunct="1">
-              <a:spcAft>
-                <a:spcPts val="0"/>
-              </a:spcAft>
-              <a:buFont typeface="Arial" pitchFamily="34" charset="0"/>
-              <a:buChar char="•"/>
-              <a:defRPr/>
-            </a:pPr>
-            <a:r>
-              <a:rPr lang="en-US" sz="2300" b="1" dirty="0">
-                <a:latin typeface="Arial" pitchFamily="34" charset="0"/>
-                <a:cs typeface="Arial" pitchFamily="34" charset="0"/>
-              </a:rPr>
-              <a:t>exit</a:t>
-            </a:r>
-            <a:r>
-              <a:rPr lang="en-US" sz="2300" i="1" dirty="0">
-                <a:solidFill>
-                  <a:srgbClr val="FF0000"/>
-                </a:solidFill>
-                <a:latin typeface="Arial" pitchFamily="34" charset="0"/>
-                <a:cs typeface="Arial" pitchFamily="34" charset="0"/>
-              </a:rPr>
-              <a:t> – </a:t>
-            </a:r>
-            <a:r>
-              <a:rPr lang="en-US" sz="2300" dirty="0">
-                <a:solidFill>
-                  <a:srgbClr val="FF0000"/>
-                </a:solidFill>
-                <a:latin typeface="Arial" pitchFamily="34" charset="0"/>
-                <a:cs typeface="Arial" pitchFamily="34" charset="0"/>
-              </a:rPr>
-              <a:t>close a terminal</a:t>
-            </a:r>
-          </a:p>
-          <a:p>
-            <a:pPr lvl="1" eaLnBrk="1" fontAlgn="auto" hangingPunct="1">
-              <a:spcAft>
-                <a:spcPts val="0"/>
-              </a:spcAft>
-              <a:buFont typeface="Arial" pitchFamily="34" charset="0"/>
-              <a:buChar char="•"/>
-              <a:defRPr/>
-            </a:pPr>
-            <a:r>
-              <a:rPr lang="en-US" sz="2300" b="1" dirty="0">
-                <a:latin typeface="Arial" pitchFamily="34" charset="0"/>
-                <a:cs typeface="Arial" pitchFamily="34" charset="0"/>
-              </a:rPr>
-              <a:t>clear</a:t>
-            </a:r>
-            <a:r>
-              <a:rPr lang="en-US" sz="2300" dirty="0">
-                <a:solidFill>
-                  <a:srgbClr val="FF0000"/>
-                </a:solidFill>
-                <a:latin typeface="Arial" pitchFamily="34" charset="0"/>
-                <a:cs typeface="Arial" pitchFamily="34" charset="0"/>
-              </a:rPr>
-              <a:t> – clear all text in a </a:t>
-            </a:r>
-            <a:r>
-              <a:rPr lang="en-US" sz="2300" dirty="0" smtClean="0">
-                <a:solidFill>
-                  <a:srgbClr val="FF0000"/>
-                </a:solidFill>
-                <a:latin typeface="Arial" pitchFamily="34" charset="0"/>
-                <a:cs typeface="Arial" pitchFamily="34" charset="0"/>
-              </a:rPr>
-              <a:t>terminal</a:t>
-            </a:r>
-          </a:p>
-          <a:p>
-            <a:pPr lvl="1" eaLnBrk="1" fontAlgn="auto" hangingPunct="1">
-              <a:spcAft>
-                <a:spcPts val="0"/>
-              </a:spcAft>
-              <a:buFont typeface="Arial" pitchFamily="34" charset="0"/>
-              <a:buChar char="•"/>
-              <a:defRPr/>
-            </a:pPr>
-            <a:r>
-              <a:rPr lang="en-US" sz="2300" b="1" dirty="0" err="1" smtClean="0">
-                <a:latin typeface="Arial" pitchFamily="34" charset="0"/>
-                <a:cs typeface="Arial" pitchFamily="34" charset="0"/>
-              </a:rPr>
-              <a:t>pico</a:t>
-            </a:r>
-            <a:r>
-              <a:rPr lang="en-US" sz="2300" b="1" dirty="0" smtClean="0">
-                <a:latin typeface="Arial" pitchFamily="34" charset="0"/>
-                <a:cs typeface="Arial" pitchFamily="34" charset="0"/>
-              </a:rPr>
-              <a:t> </a:t>
-            </a:r>
-            <a:r>
-              <a:rPr lang="en-US" sz="2300" i="1" dirty="0" smtClean="0">
-                <a:latin typeface="Arial" pitchFamily="34" charset="0"/>
-                <a:cs typeface="Arial" pitchFamily="34" charset="0"/>
-              </a:rPr>
-              <a:t>[file]</a:t>
-            </a:r>
-            <a:r>
-              <a:rPr lang="en-US" sz="2300" b="1" dirty="0" smtClean="0">
-                <a:solidFill>
-                  <a:srgbClr val="FF0000"/>
-                </a:solidFill>
-                <a:latin typeface="Arial" pitchFamily="34" charset="0"/>
-                <a:cs typeface="Arial" pitchFamily="34" charset="0"/>
-              </a:rPr>
-              <a:t> </a:t>
-            </a:r>
-            <a:r>
-              <a:rPr lang="en-US" sz="2300" dirty="0" smtClean="0">
-                <a:solidFill>
-                  <a:srgbClr val="FF0000"/>
-                </a:solidFill>
-                <a:latin typeface="Arial" pitchFamily="34" charset="0"/>
-                <a:cs typeface="Arial" pitchFamily="34" charset="0"/>
-              </a:rPr>
-              <a:t>– open a simple text editor</a:t>
-            </a:r>
-            <a:r>
-              <a:rPr lang="en-US" sz="2300" b="1" dirty="0" smtClean="0">
-                <a:solidFill>
-                  <a:srgbClr val="FF0000"/>
-                </a:solidFill>
-                <a:latin typeface="Arial" pitchFamily="34" charset="0"/>
-                <a:cs typeface="Arial" pitchFamily="34" charset="0"/>
-              </a:rPr>
-              <a:t> </a:t>
-            </a:r>
-            <a:endParaRPr lang="en-US" sz="2300" b="1" dirty="0">
-              <a:latin typeface="Arial" pitchFamily="34" charset="0"/>
-              <a:cs typeface="Arial" pitchFamily="34" charset="0"/>
-            </a:endParaRPr>
-          </a:p>
-          <a:p>
-            <a:pPr lvl="1" eaLnBrk="1" fontAlgn="auto" hangingPunct="1">
-              <a:spcAft>
-                <a:spcPts val="0"/>
-              </a:spcAft>
-              <a:buFont typeface="Arial" pitchFamily="34" charset="0"/>
-              <a:buChar char="•"/>
-              <a:defRPr/>
-            </a:pPr>
-            <a:r>
-              <a:rPr lang="en-US" sz="2300" b="1" dirty="0" err="1">
-                <a:latin typeface="Arial" pitchFamily="34" charset="0"/>
-                <a:cs typeface="Arial" pitchFamily="34" charset="0"/>
-              </a:rPr>
-              <a:t>mkdir</a:t>
-            </a:r>
-            <a:r>
-              <a:rPr lang="en-US" sz="2300" dirty="0">
-                <a:latin typeface="Arial" pitchFamily="34" charset="0"/>
-                <a:cs typeface="Arial" pitchFamily="34" charset="0"/>
-              </a:rPr>
-              <a:t> </a:t>
-            </a:r>
-            <a:r>
-              <a:rPr lang="en-US" sz="2300" i="1" dirty="0" smtClean="0">
-                <a:latin typeface="Arial" pitchFamily="34" charset="0"/>
-                <a:cs typeface="Arial" pitchFamily="34" charset="0"/>
-              </a:rPr>
-              <a:t>file </a:t>
-            </a:r>
-            <a:r>
-              <a:rPr lang="en-US" sz="2300" dirty="0" smtClean="0">
-                <a:latin typeface="Arial" pitchFamily="34" charset="0"/>
-                <a:cs typeface="Arial" pitchFamily="34" charset="0"/>
-              </a:rPr>
-              <a:t>- </a:t>
-            </a:r>
-            <a:r>
-              <a:rPr lang="en-US" sz="2300" dirty="0">
-                <a:solidFill>
-                  <a:srgbClr val="FF0000"/>
-                </a:solidFill>
-                <a:latin typeface="Arial" pitchFamily="34" charset="0"/>
-                <a:cs typeface="Arial" pitchFamily="34" charset="0"/>
-              </a:rPr>
-              <a:t>make a new directory</a:t>
-            </a:r>
-          </a:p>
-          <a:p>
-            <a:pPr lvl="1" eaLnBrk="1" fontAlgn="auto" hangingPunct="1">
-              <a:spcAft>
-                <a:spcPts val="0"/>
-              </a:spcAft>
-              <a:buFont typeface="Arial" pitchFamily="34" charset="0"/>
-              <a:buChar char="•"/>
-              <a:defRPr/>
-            </a:pPr>
-            <a:r>
-              <a:rPr lang="en-US" sz="2300" b="1" dirty="0" err="1">
-                <a:latin typeface="Arial" pitchFamily="34" charset="0"/>
-                <a:cs typeface="Arial" pitchFamily="34" charset="0"/>
-              </a:rPr>
-              <a:t>rm</a:t>
-            </a:r>
-            <a:r>
-              <a:rPr lang="en-US" sz="2300" dirty="0">
-                <a:latin typeface="Arial" pitchFamily="34" charset="0"/>
-                <a:cs typeface="Arial" pitchFamily="34" charset="0"/>
-              </a:rPr>
-              <a:t> </a:t>
-            </a:r>
-            <a:r>
-              <a:rPr lang="en-US" sz="2300" i="1" dirty="0" smtClean="0">
-                <a:latin typeface="Arial" pitchFamily="34" charset="0"/>
-                <a:cs typeface="Arial" pitchFamily="34" charset="0"/>
-              </a:rPr>
-              <a:t>file</a:t>
-            </a:r>
-            <a:r>
-              <a:rPr lang="en-US" sz="2300" dirty="0" smtClean="0">
-                <a:latin typeface="Arial" pitchFamily="34" charset="0"/>
-                <a:cs typeface="Arial" pitchFamily="34" charset="0"/>
-              </a:rPr>
-              <a:t> - </a:t>
-            </a:r>
-            <a:r>
-              <a:rPr lang="en-US" sz="2300" dirty="0">
-                <a:solidFill>
-                  <a:srgbClr val="FF0000"/>
-                </a:solidFill>
-                <a:latin typeface="Arial" pitchFamily="34" charset="0"/>
-                <a:cs typeface="Arial" pitchFamily="34" charset="0"/>
-              </a:rPr>
-              <a:t>remove/delete file</a:t>
-            </a:r>
-          </a:p>
-          <a:p>
-            <a:pPr lvl="1" eaLnBrk="1" fontAlgn="auto" hangingPunct="1">
-              <a:spcAft>
-                <a:spcPts val="0"/>
-              </a:spcAft>
-              <a:buFont typeface="Arial" pitchFamily="34" charset="0"/>
-              <a:buChar char="•"/>
-              <a:defRPr/>
-            </a:pPr>
-            <a:r>
-              <a:rPr lang="en-US" sz="2300" b="1" dirty="0" err="1" smtClean="0">
-                <a:latin typeface="Arial" pitchFamily="34" charset="0"/>
-                <a:cs typeface="Arial" pitchFamily="34" charset="0"/>
-              </a:rPr>
-              <a:t>Mv</a:t>
-            </a:r>
-            <a:r>
-              <a:rPr lang="en-US" sz="2300" b="1" dirty="0" smtClean="0">
-                <a:latin typeface="Arial" pitchFamily="34" charset="0"/>
-                <a:cs typeface="Arial" pitchFamily="34" charset="0"/>
-              </a:rPr>
-              <a:t> </a:t>
-            </a:r>
-            <a:r>
-              <a:rPr lang="en-US" sz="2300" i="1" dirty="0" smtClean="0">
-                <a:latin typeface="Arial" pitchFamily="34" charset="0"/>
-                <a:cs typeface="Arial" pitchFamily="34" charset="0"/>
-              </a:rPr>
-              <a:t>file</a:t>
-            </a:r>
-            <a:r>
-              <a:rPr lang="en-US" sz="2300" dirty="0" smtClean="0">
-                <a:latin typeface="Arial" pitchFamily="34" charset="0"/>
-                <a:cs typeface="Arial" pitchFamily="34" charset="0"/>
-              </a:rPr>
-              <a:t> </a:t>
-            </a:r>
-            <a:r>
-              <a:rPr lang="en-US" sz="2300" dirty="0">
-                <a:latin typeface="Arial" pitchFamily="34" charset="0"/>
-                <a:cs typeface="Arial" pitchFamily="34" charset="0"/>
-              </a:rPr>
-              <a:t>- </a:t>
-            </a:r>
-            <a:r>
-              <a:rPr lang="en-US" sz="2300" dirty="0">
-                <a:solidFill>
-                  <a:srgbClr val="FF0000"/>
-                </a:solidFill>
-                <a:latin typeface="Arial" pitchFamily="34" charset="0"/>
-                <a:cs typeface="Arial" pitchFamily="34" charset="0"/>
-              </a:rPr>
-              <a:t>moves files </a:t>
-            </a:r>
-          </a:p>
-          <a:p>
-            <a:pPr lvl="1" eaLnBrk="1" fontAlgn="auto" hangingPunct="1">
-              <a:spcAft>
-                <a:spcPts val="0"/>
-              </a:spcAft>
-              <a:buFont typeface="Arial" pitchFamily="34" charset="0"/>
-              <a:buChar char="•"/>
-              <a:defRPr/>
-            </a:pPr>
-            <a:r>
-              <a:rPr lang="en-US" sz="2300" b="1" dirty="0" err="1">
-                <a:latin typeface="Arial" pitchFamily="34" charset="0"/>
-                <a:cs typeface="Arial" pitchFamily="34" charset="0"/>
-              </a:rPr>
-              <a:t>cp</a:t>
-            </a:r>
-            <a:r>
-              <a:rPr lang="en-US" sz="2300" dirty="0">
-                <a:latin typeface="Arial" pitchFamily="34" charset="0"/>
-                <a:cs typeface="Arial" pitchFamily="34" charset="0"/>
-              </a:rPr>
-              <a:t> </a:t>
-            </a:r>
-            <a:r>
-              <a:rPr lang="en-US" sz="2300" i="1" dirty="0" smtClean="0">
-                <a:latin typeface="Arial" pitchFamily="34" charset="0"/>
-                <a:cs typeface="Arial" pitchFamily="34" charset="0"/>
-              </a:rPr>
-              <a:t>file</a:t>
-            </a:r>
-            <a:r>
-              <a:rPr lang="en-US" sz="2300" dirty="0" smtClean="0">
-                <a:latin typeface="Arial" pitchFamily="34" charset="0"/>
-                <a:cs typeface="Arial" pitchFamily="34" charset="0"/>
-              </a:rPr>
-              <a:t> - </a:t>
-            </a:r>
-            <a:r>
-              <a:rPr lang="en-US" sz="2300" dirty="0">
-                <a:solidFill>
-                  <a:srgbClr val="FF0000"/>
-                </a:solidFill>
-                <a:latin typeface="Arial" pitchFamily="34" charset="0"/>
-                <a:cs typeface="Arial" pitchFamily="34" charset="0"/>
-              </a:rPr>
-              <a:t>copies files </a:t>
-            </a:r>
-          </a:p>
-          <a:p>
-            <a:pPr lvl="1" eaLnBrk="1" fontAlgn="auto" hangingPunct="1">
-              <a:spcAft>
-                <a:spcPts val="0"/>
-              </a:spcAft>
-              <a:buFont typeface="Arial" pitchFamily="34" charset="0"/>
-              <a:buChar char="•"/>
-              <a:defRPr/>
-            </a:pPr>
-            <a:r>
-              <a:rPr lang="en-US" sz="2300" b="1" dirty="0" err="1">
-                <a:latin typeface="Arial" pitchFamily="34" charset="0"/>
-                <a:cs typeface="Arial" pitchFamily="34" charset="0"/>
-              </a:rPr>
-              <a:t>ps</a:t>
-            </a:r>
-            <a:r>
-              <a:rPr lang="en-US" sz="2300" dirty="0">
-                <a:latin typeface="Arial" pitchFamily="34" charset="0"/>
-                <a:cs typeface="Arial" pitchFamily="34" charset="0"/>
-              </a:rPr>
-              <a:t> – </a:t>
-            </a:r>
-            <a:r>
-              <a:rPr lang="en-US" sz="2300" dirty="0">
-                <a:solidFill>
-                  <a:srgbClr val="FF0000"/>
-                </a:solidFill>
-                <a:latin typeface="Arial" pitchFamily="34" charset="0"/>
-                <a:cs typeface="Arial" pitchFamily="34" charset="0"/>
-              </a:rPr>
-              <a:t>lists all active user programs and display a PID (process identification   	      number)</a:t>
-            </a:r>
-          </a:p>
-          <a:p>
-            <a:pPr lvl="1" eaLnBrk="1" fontAlgn="auto" hangingPunct="1">
-              <a:spcAft>
-                <a:spcPts val="0"/>
-              </a:spcAft>
-              <a:buFont typeface="Arial" pitchFamily="34" charset="0"/>
-              <a:buChar char="•"/>
-              <a:defRPr/>
-            </a:pPr>
-            <a:r>
-              <a:rPr lang="en-US" sz="2300" b="1" dirty="0">
-                <a:latin typeface="Arial" pitchFamily="34" charset="0"/>
-                <a:cs typeface="Arial" pitchFamily="34" charset="0"/>
-              </a:rPr>
-              <a:t>kill</a:t>
-            </a:r>
-            <a:r>
-              <a:rPr lang="en-US" sz="2300" dirty="0">
-                <a:latin typeface="Arial" pitchFamily="34" charset="0"/>
-                <a:cs typeface="Arial" pitchFamily="34" charset="0"/>
-              </a:rPr>
-              <a:t> </a:t>
-            </a:r>
-            <a:r>
-              <a:rPr lang="en-US" sz="2300" i="1" dirty="0" err="1">
-                <a:latin typeface="Arial" pitchFamily="34" charset="0"/>
-                <a:cs typeface="Arial" pitchFamily="34" charset="0"/>
-              </a:rPr>
-              <a:t>pid</a:t>
-            </a:r>
-            <a:r>
-              <a:rPr lang="en-US" sz="2300" dirty="0">
-                <a:latin typeface="Arial" pitchFamily="34" charset="0"/>
-                <a:cs typeface="Arial" pitchFamily="34" charset="0"/>
-              </a:rPr>
-              <a:t> - </a:t>
-            </a:r>
-            <a:r>
-              <a:rPr lang="en-US" sz="2300" dirty="0">
-                <a:solidFill>
-                  <a:srgbClr val="FF0000"/>
-                </a:solidFill>
-                <a:latin typeface="Arial" pitchFamily="34" charset="0"/>
-                <a:cs typeface="Arial" pitchFamily="34" charset="0"/>
-              </a:rPr>
-              <a:t>will kill (stop) the process with the listed </a:t>
-            </a:r>
-            <a:r>
-              <a:rPr lang="en-US" sz="2300" i="1" dirty="0" err="1">
-                <a:solidFill>
-                  <a:srgbClr val="FF0000"/>
-                </a:solidFill>
-                <a:latin typeface="Arial" pitchFamily="34" charset="0"/>
-                <a:cs typeface="Arial" pitchFamily="34" charset="0"/>
-              </a:rPr>
-              <a:t>pid</a:t>
-            </a:r>
-            <a:r>
-              <a:rPr lang="en-US" sz="2300" dirty="0">
-                <a:solidFill>
-                  <a:srgbClr val="FF0000"/>
-                </a:solidFill>
-                <a:latin typeface="Arial" pitchFamily="34" charset="0"/>
-                <a:cs typeface="Arial" pitchFamily="34" charset="0"/>
-              </a:rPr>
-              <a:t> number</a:t>
-            </a:r>
-            <a:r>
-              <a:rPr lang="en-US" sz="2300" dirty="0">
-                <a:latin typeface="Arial" pitchFamily="34" charset="0"/>
-                <a:cs typeface="Arial" pitchFamily="34" charset="0"/>
-              </a:rPr>
-              <a:t> </a:t>
-            </a:r>
-          </a:p>
-          <a:p>
-            <a:pPr lvl="1" eaLnBrk="1" fontAlgn="auto" hangingPunct="1">
-              <a:spcAft>
-                <a:spcPts val="0"/>
-              </a:spcAft>
-              <a:buFont typeface="Arial" pitchFamily="34" charset="0"/>
-              <a:buChar char="•"/>
-              <a:defRPr/>
-            </a:pPr>
-            <a:r>
-              <a:rPr lang="en-US" sz="2300" b="1" dirty="0">
-                <a:latin typeface="Arial" pitchFamily="34" charset="0"/>
-                <a:cs typeface="Arial" pitchFamily="34" charset="0"/>
-              </a:rPr>
-              <a:t>man</a:t>
-            </a:r>
-            <a:r>
-              <a:rPr lang="en-US" sz="2300" dirty="0">
-                <a:latin typeface="Arial" pitchFamily="34" charset="0"/>
-                <a:cs typeface="Arial" pitchFamily="34" charset="0"/>
-              </a:rPr>
-              <a:t> </a:t>
-            </a:r>
-            <a:r>
-              <a:rPr lang="en-US" sz="2300" i="1" dirty="0">
-                <a:latin typeface="Arial" pitchFamily="34" charset="0"/>
-                <a:cs typeface="Arial" pitchFamily="34" charset="0"/>
-              </a:rPr>
-              <a:t>command</a:t>
-            </a:r>
-            <a:r>
-              <a:rPr lang="en-US" sz="2300" dirty="0">
-                <a:latin typeface="Arial" pitchFamily="34" charset="0"/>
-                <a:cs typeface="Arial" pitchFamily="34" charset="0"/>
-              </a:rPr>
-              <a:t>  - </a:t>
-            </a:r>
-            <a:r>
-              <a:rPr lang="en-US" sz="2300" dirty="0">
-                <a:solidFill>
-                  <a:srgbClr val="FF0000"/>
-                </a:solidFill>
-                <a:latin typeface="Arial" pitchFamily="34" charset="0"/>
-                <a:cs typeface="Arial" pitchFamily="34" charset="0"/>
-              </a:rPr>
-              <a:t>will display the manual for the listed </a:t>
-            </a:r>
-            <a:r>
-              <a:rPr lang="en-US" sz="2300" i="1" dirty="0">
-                <a:solidFill>
-                  <a:srgbClr val="FF0000"/>
-                </a:solidFill>
-                <a:latin typeface="Arial" pitchFamily="34" charset="0"/>
-                <a:cs typeface="Arial" pitchFamily="34" charset="0"/>
-              </a:rPr>
-              <a:t>command</a:t>
-            </a:r>
-          </a:p>
-          <a:p>
-            <a:pPr lvl="1" eaLnBrk="1" fontAlgn="auto" hangingPunct="1">
-              <a:spcAft>
-                <a:spcPts val="0"/>
-              </a:spcAft>
-              <a:buFont typeface="Arial" pitchFamily="34" charset="0"/>
-              <a:buChar char="•"/>
-              <a:defRPr/>
-            </a:pPr>
-            <a:r>
-              <a:rPr lang="en-US" sz="2300" b="1" dirty="0">
-                <a:latin typeface="Arial" pitchFamily="34" charset="0"/>
-                <a:cs typeface="Arial" pitchFamily="34" charset="0"/>
-              </a:rPr>
-              <a:t>cat</a:t>
-            </a:r>
-            <a:r>
-              <a:rPr lang="en-US" sz="2300" i="1" dirty="0">
-                <a:solidFill>
-                  <a:srgbClr val="FF0000"/>
-                </a:solidFill>
-                <a:latin typeface="Arial" pitchFamily="34" charset="0"/>
-                <a:cs typeface="Arial" pitchFamily="34" charset="0"/>
-              </a:rPr>
-              <a:t> </a:t>
-            </a:r>
-            <a:r>
-              <a:rPr lang="en-US" sz="2300" i="1" dirty="0">
-                <a:latin typeface="Arial" pitchFamily="34" charset="0"/>
-                <a:cs typeface="Arial" pitchFamily="34" charset="0"/>
-              </a:rPr>
-              <a:t>file</a:t>
-            </a:r>
-            <a:r>
-              <a:rPr lang="en-US" sz="2300" i="1" dirty="0">
-                <a:solidFill>
-                  <a:srgbClr val="FF0000"/>
-                </a:solidFill>
-                <a:latin typeface="Arial" pitchFamily="34" charset="0"/>
-                <a:cs typeface="Arial" pitchFamily="34" charset="0"/>
-              </a:rPr>
-              <a:t> – </a:t>
-            </a:r>
-            <a:r>
-              <a:rPr lang="en-US" sz="2300" dirty="0">
-                <a:solidFill>
-                  <a:srgbClr val="FF0000"/>
-                </a:solidFill>
-                <a:latin typeface="Arial" pitchFamily="34" charset="0"/>
-                <a:cs typeface="Arial" pitchFamily="34" charset="0"/>
-              </a:rPr>
-              <a:t>display the contents of a </a:t>
-            </a:r>
-            <a:r>
-              <a:rPr lang="en-US" sz="2300" i="1" dirty="0">
-                <a:solidFill>
-                  <a:srgbClr val="FF0000"/>
-                </a:solidFill>
-                <a:latin typeface="Arial" pitchFamily="34" charset="0"/>
-                <a:cs typeface="Arial" pitchFamily="34" charset="0"/>
-              </a:rPr>
-              <a:t>file </a:t>
-            </a:r>
-            <a:r>
-              <a:rPr lang="en-US" sz="2300" dirty="0">
-                <a:solidFill>
-                  <a:srgbClr val="FF0000"/>
-                </a:solidFill>
-                <a:latin typeface="Arial" pitchFamily="34" charset="0"/>
-                <a:cs typeface="Arial" pitchFamily="34" charset="0"/>
-              </a:rPr>
-              <a:t>(also used to combine or 			            concatenate multiple files</a:t>
-            </a:r>
-            <a:r>
-              <a:rPr lang="en-US" sz="2300" dirty="0" smtClean="0">
-                <a:solidFill>
-                  <a:srgbClr val="FF0000"/>
-                </a:solidFill>
-                <a:latin typeface="Arial" pitchFamily="34" charset="0"/>
-                <a:cs typeface="Arial" pitchFamily="34" charset="0"/>
-              </a:rPr>
-              <a:t>)</a:t>
-            </a:r>
-          </a:p>
-          <a:p>
-            <a:pPr lvl="1" eaLnBrk="1" fontAlgn="auto" hangingPunct="1">
-              <a:spcAft>
-                <a:spcPts val="0"/>
-              </a:spcAft>
-              <a:buFont typeface="Arial" pitchFamily="34" charset="0"/>
-              <a:buChar char="•"/>
-              <a:defRPr/>
-            </a:pPr>
-            <a:r>
-              <a:rPr lang="en-US" sz="2300" b="1" dirty="0" err="1" smtClean="0">
-                <a:latin typeface="Arial" pitchFamily="34" charset="0"/>
-                <a:cs typeface="Arial" pitchFamily="34" charset="0"/>
-              </a:rPr>
-              <a:t>chown</a:t>
-            </a:r>
-            <a:r>
-              <a:rPr lang="en-US" sz="2300" b="1" dirty="0" smtClean="0">
-                <a:latin typeface="Arial" pitchFamily="34" charset="0"/>
-                <a:cs typeface="Arial" pitchFamily="34" charset="0"/>
-              </a:rPr>
-              <a:t> </a:t>
-            </a:r>
-            <a:r>
-              <a:rPr lang="en-US" sz="2300" i="1" dirty="0" err="1" smtClean="0">
-                <a:latin typeface="Arial" pitchFamily="34" charset="0"/>
-                <a:cs typeface="Arial" pitchFamily="34" charset="0"/>
-              </a:rPr>
-              <a:t>usr:grp</a:t>
-            </a:r>
-            <a:r>
-              <a:rPr lang="en-US" sz="2300" i="1" dirty="0" smtClean="0">
-                <a:latin typeface="Arial" pitchFamily="34" charset="0"/>
-                <a:cs typeface="Arial" pitchFamily="34" charset="0"/>
-              </a:rPr>
-              <a:t> file</a:t>
-            </a:r>
-            <a:r>
-              <a:rPr lang="en-US" sz="2300" i="1" dirty="0" smtClean="0">
-                <a:solidFill>
-                  <a:srgbClr val="FF0000"/>
-                </a:solidFill>
-                <a:latin typeface="Arial" pitchFamily="34" charset="0"/>
-                <a:cs typeface="Arial" pitchFamily="34" charset="0"/>
-              </a:rPr>
-              <a:t> </a:t>
-            </a:r>
-            <a:r>
-              <a:rPr lang="en-US" sz="2300" dirty="0" smtClean="0">
-                <a:solidFill>
-                  <a:srgbClr val="FF0000"/>
-                </a:solidFill>
-                <a:latin typeface="Arial" pitchFamily="34" charset="0"/>
-                <a:cs typeface="Arial" pitchFamily="34" charset="0"/>
-              </a:rPr>
-              <a:t>– changes the owner of a file</a:t>
-            </a:r>
-          </a:p>
-          <a:p>
-            <a:pPr lvl="1" eaLnBrk="1" fontAlgn="auto" hangingPunct="1">
-              <a:spcAft>
-                <a:spcPts val="0"/>
-              </a:spcAft>
-              <a:buFont typeface="Arial" pitchFamily="34" charset="0"/>
-              <a:buChar char="•"/>
-              <a:defRPr/>
-            </a:pPr>
-            <a:r>
-              <a:rPr lang="en-US" sz="2300" b="1" dirty="0" err="1" smtClean="0">
-                <a:latin typeface="Arial" pitchFamily="34" charset="0"/>
-                <a:cs typeface="Arial" pitchFamily="34" charset="0"/>
-              </a:rPr>
-              <a:t>chmod</a:t>
-            </a:r>
-            <a:r>
-              <a:rPr lang="en-US" sz="2300" dirty="0" smtClean="0">
-                <a:solidFill>
-                  <a:srgbClr val="FF0000"/>
-                </a:solidFill>
-                <a:latin typeface="Arial" pitchFamily="34" charset="0"/>
-                <a:cs typeface="Arial" pitchFamily="34" charset="0"/>
-              </a:rPr>
-              <a:t> </a:t>
-            </a:r>
-            <a:r>
-              <a:rPr lang="en-US" sz="2300" i="1" dirty="0" smtClean="0">
-                <a:latin typeface="Arial" pitchFamily="34" charset="0"/>
-                <a:cs typeface="Arial" pitchFamily="34" charset="0"/>
-              </a:rPr>
-              <a:t>file</a:t>
-            </a:r>
-            <a:r>
-              <a:rPr lang="en-US" sz="2300" dirty="0" smtClean="0">
-                <a:latin typeface="Arial" pitchFamily="34" charset="0"/>
-                <a:cs typeface="Arial" pitchFamily="34" charset="0"/>
-              </a:rPr>
-              <a:t> </a:t>
-            </a:r>
-            <a:r>
-              <a:rPr lang="en-US" sz="2300" i="1" dirty="0" smtClean="0">
-                <a:latin typeface="Arial" pitchFamily="34" charset="0"/>
-                <a:cs typeface="Arial" pitchFamily="34" charset="0"/>
-              </a:rPr>
-              <a:t>flags</a:t>
-            </a:r>
-            <a:r>
-              <a:rPr lang="en-US" sz="2300" dirty="0" smtClean="0">
-                <a:latin typeface="Arial" pitchFamily="34" charset="0"/>
-                <a:cs typeface="Arial" pitchFamily="34" charset="0"/>
-              </a:rPr>
-              <a:t> – </a:t>
-            </a:r>
-            <a:r>
-              <a:rPr lang="en-US" sz="2300" dirty="0" smtClean="0">
-                <a:solidFill>
-                  <a:srgbClr val="FF0000"/>
-                </a:solidFill>
-                <a:latin typeface="Arial" pitchFamily="34" charset="0"/>
-                <a:cs typeface="Arial" pitchFamily="34" charset="0"/>
-              </a:rPr>
-              <a:t>will change or set permissions for </a:t>
-            </a:r>
-            <a:r>
-              <a:rPr lang="en-US" sz="2300" i="1" dirty="0" smtClean="0">
-                <a:solidFill>
-                  <a:srgbClr val="FF0000"/>
-                </a:solidFill>
-                <a:latin typeface="Arial" pitchFamily="34" charset="0"/>
-                <a:cs typeface="Arial" pitchFamily="34" charset="0"/>
-              </a:rPr>
-              <a:t>file </a:t>
-            </a:r>
-            <a:r>
-              <a:rPr lang="en-US" sz="2300" dirty="0" smtClean="0">
-                <a:solidFill>
-                  <a:srgbClr val="FF0000"/>
-                </a:solidFill>
-                <a:latin typeface="Arial" pitchFamily="34" charset="0"/>
-                <a:cs typeface="Arial" pitchFamily="34" charset="0"/>
-              </a:rPr>
-              <a:t>defined by </a:t>
-            </a:r>
-            <a:r>
-              <a:rPr lang="en-US" sz="2300" i="1" dirty="0" smtClean="0">
-                <a:solidFill>
-                  <a:srgbClr val="FF0000"/>
-                </a:solidFill>
-                <a:latin typeface="Arial" pitchFamily="34" charset="0"/>
-                <a:cs typeface="Arial" pitchFamily="34" charset="0"/>
-              </a:rPr>
-              <a:t>flags</a:t>
-            </a:r>
-          </a:p>
-          <a:p>
-            <a:pPr lvl="1" eaLnBrk="1" fontAlgn="auto" hangingPunct="1">
-              <a:spcAft>
-                <a:spcPts val="0"/>
-              </a:spcAft>
-              <a:buFont typeface="Arial" pitchFamily="34" charset="0"/>
-              <a:buChar char="•"/>
-              <a:defRPr/>
-            </a:pPr>
-            <a:r>
-              <a:rPr lang="en-US" sz="2300" b="1" dirty="0" smtClean="0">
-                <a:latin typeface="Arial" pitchFamily="34" charset="0"/>
-                <a:cs typeface="Arial" pitchFamily="34" charset="0"/>
-              </a:rPr>
-              <a:t>touch</a:t>
-            </a:r>
-            <a:r>
-              <a:rPr lang="en-US" sz="2300" dirty="0" smtClean="0">
-                <a:latin typeface="Arial" pitchFamily="34" charset="0"/>
-                <a:cs typeface="Arial" pitchFamily="34" charset="0"/>
-              </a:rPr>
-              <a:t> </a:t>
-            </a:r>
-            <a:r>
-              <a:rPr lang="en-US" sz="2300" i="1" dirty="0" smtClean="0">
-                <a:latin typeface="Arial" pitchFamily="34" charset="0"/>
-                <a:cs typeface="Arial" pitchFamily="34" charset="0"/>
-              </a:rPr>
-              <a:t>file</a:t>
-            </a:r>
-            <a:r>
-              <a:rPr lang="en-US" sz="2300" dirty="0" smtClean="0">
-                <a:latin typeface="Arial" pitchFamily="34" charset="0"/>
-                <a:cs typeface="Arial" pitchFamily="34" charset="0"/>
-              </a:rPr>
-              <a:t> </a:t>
-            </a:r>
-            <a:r>
-              <a:rPr lang="en-US" sz="2300" dirty="0" smtClean="0">
-                <a:solidFill>
-                  <a:srgbClr val="FF0000"/>
-                </a:solidFill>
-                <a:latin typeface="Arial" pitchFamily="34" charset="0"/>
-                <a:cs typeface="Arial" pitchFamily="34" charset="0"/>
-              </a:rPr>
-              <a:t>– create an empty file or update the access of an existing file</a:t>
-            </a:r>
-            <a:endParaRPr lang="en-US" sz="2300" dirty="0">
-              <a:solidFill>
-                <a:srgbClr val="FF0000"/>
-              </a:solidFill>
-              <a:latin typeface="Arial" pitchFamily="34" charset="0"/>
-              <a:cs typeface="Arial" pitchFamily="34" charset="0"/>
-            </a:endParaRPr>
-          </a:p>
-        </p:txBody>
-      </p:sp>
-    </p:spTree>
-    <p:extLst>
-      <p:ext uri="{BB962C8B-B14F-4D97-AF65-F5344CB8AC3E}">
-        <p14:creationId xmlns:p14="http://schemas.microsoft.com/office/powerpoint/2010/main" val="2432816148"/>
-      </p:ext>
-    </p:extLst>
-  </p:cSld>
-  <p:clrMapOvr>
-    <a:masterClrMapping/>
-  </p:clrMapOvr>
-  <p:timing>
-    <p:tnLst>
-      <p:par>
-        <p:cTn id="1" dur="indefinite" restart="never" nodeType="tmRoot"/>
-      </p:par>
-    </p:tnLst>
-  </p:timing>
-</p:sld>
-</file>
-
-<file path=ppt/slides/slide13.xml><?xml version="1.0" encoding="utf-8"?>
-<p:sld xmlns:a="http://schemas.openxmlformats.org/drawingml/2006/main" xmlns:r="http://schemas.openxmlformats.org/officeDocument/2006/relationships" xmlns:p="http://schemas.openxmlformats.org/presentationml/2006/main">
-  <p:cSld>
-    <p:spTree>
-      <p:nvGrpSpPr>
-        <p:cNvPr id="1" name=""/>
-        <p:cNvGrpSpPr/>
-        <p:nvPr/>
-      </p:nvGrpSpPr>
-      <p:grpSpPr>
-        <a:xfrm>
-          <a:off x="0" y="0"/>
-          <a:ext cx="0" cy="0"/>
-          <a:chOff x="0" y="0"/>
-          <a:chExt cx="0" cy="0"/>
-        </a:xfrm>
-      </p:grpSpPr>
-      <p:sp>
-        <p:nvSpPr>
-          <p:cNvPr id="46082" name="Title 1"/>
-          <p:cNvSpPr txBox="1">
-            <a:spLocks/>
-          </p:cNvSpPr>
-          <p:nvPr/>
-        </p:nvSpPr>
-        <p:spPr bwMode="auto">
-          <a:xfrm>
-            <a:off x="1746647" y="344488"/>
-            <a:ext cx="7013632" cy="735012"/>
-          </a:xfrm>
-          <a:prstGeom prst="rect">
-            <a:avLst/>
-          </a:prstGeom>
-          <a:noFill/>
-          <a:ln>
-            <a:noFill/>
-          </a:ln>
-          <a:extLst>
-            <a:ext uri="{909E8E84-426E-40DD-AFC4-6F175D3DCCD1}">
-              <a14:hiddenFill xmlns:a14="http://schemas.microsoft.com/office/drawing/2010/main">
-                <a:solidFill>
-                  <a:srgbClr val="FFFFFF"/>
-                </a:solidFill>
-              </a14:hiddenFill>
-            </a:ext>
-            <a:ext uri="{91240B29-F687-4F45-9708-019B960494DF}">
-              <a14:hiddenLine xmlns:a14="http://schemas.microsoft.com/office/drawing/2010/main" w="9525">
-                <a:solidFill>
-                  <a:srgbClr val="000000"/>
-                </a:solidFill>
-                <a:miter lim="800000"/>
-                <a:headEnd/>
-                <a:tailEnd/>
-              </a14:hiddenLine>
-            </a:ext>
-          </a:extLst>
-        </p:spPr>
-        <p:txBody>
-          <a:bodyPr/>
-          <a:lstStyle>
-            <a:lvl1pPr eaLnBrk="0" hangingPunct="0">
-              <a:defRPr>
-                <a:solidFill>
-                  <a:schemeClr val="tx1"/>
-                </a:solidFill>
-                <a:latin typeface="Arial" panose="020B0604020202020204" pitchFamily="34" charset="0"/>
-              </a:defRPr>
-            </a:lvl1pPr>
-            <a:lvl2pPr marL="742950" indent="-285750" eaLnBrk="0" hangingPunct="0">
-              <a:defRPr>
-                <a:solidFill>
-                  <a:schemeClr val="tx1"/>
-                </a:solidFill>
-                <a:latin typeface="Arial" panose="020B0604020202020204" pitchFamily="34" charset="0"/>
-              </a:defRPr>
-            </a:lvl2pPr>
-            <a:lvl3pPr marL="1143000" indent="-228600" eaLnBrk="0" hangingPunct="0">
-              <a:defRPr>
-                <a:solidFill>
-                  <a:schemeClr val="tx1"/>
-                </a:solidFill>
-                <a:latin typeface="Arial" panose="020B0604020202020204" pitchFamily="34" charset="0"/>
-              </a:defRPr>
-            </a:lvl3pPr>
-            <a:lvl4pPr marL="1600200" indent="-228600" eaLnBrk="0" hangingPunct="0">
-              <a:defRPr>
-                <a:solidFill>
-                  <a:schemeClr val="tx1"/>
-                </a:solidFill>
-                <a:latin typeface="Arial" panose="020B0604020202020204" pitchFamily="34" charset="0"/>
-              </a:defRPr>
-            </a:lvl4pPr>
-            <a:lvl5pPr marL="2057400" indent="-228600" eaLnBrk="0" hangingPunct="0">
-              <a:defRPr>
-                <a:solidFill>
-                  <a:schemeClr val="tx1"/>
-                </a:solidFill>
-                <a:latin typeface="Arial" panose="020B0604020202020204" pitchFamily="34" charset="0"/>
-              </a:defRPr>
-            </a:lvl5pPr>
-            <a:lvl6pPr marL="2514600" indent="-228600" eaLnBrk="0" fontAlgn="base" hangingPunct="0">
-              <a:spcBef>
-                <a:spcPct val="0"/>
-              </a:spcBef>
-              <a:spcAft>
-                <a:spcPct val="0"/>
-              </a:spcAft>
-              <a:defRPr>
-                <a:solidFill>
-                  <a:schemeClr val="tx1"/>
-                </a:solidFill>
-                <a:latin typeface="Arial" panose="020B0604020202020204" pitchFamily="34" charset="0"/>
-              </a:defRPr>
-            </a:lvl6pPr>
-            <a:lvl7pPr marL="2971800" indent="-228600" eaLnBrk="0" fontAlgn="base" hangingPunct="0">
-              <a:spcBef>
-                <a:spcPct val="0"/>
-              </a:spcBef>
-              <a:spcAft>
-                <a:spcPct val="0"/>
-              </a:spcAft>
-              <a:defRPr>
-                <a:solidFill>
-                  <a:schemeClr val="tx1"/>
-                </a:solidFill>
-                <a:latin typeface="Arial" panose="020B0604020202020204" pitchFamily="34" charset="0"/>
-              </a:defRPr>
-            </a:lvl7pPr>
-            <a:lvl8pPr marL="3429000" indent="-228600" eaLnBrk="0" fontAlgn="base" hangingPunct="0">
-              <a:spcBef>
-                <a:spcPct val="0"/>
-              </a:spcBef>
-              <a:spcAft>
-                <a:spcPct val="0"/>
-              </a:spcAft>
-              <a:defRPr>
-                <a:solidFill>
-                  <a:schemeClr val="tx1"/>
-                </a:solidFill>
-                <a:latin typeface="Arial" panose="020B0604020202020204" pitchFamily="34" charset="0"/>
-              </a:defRPr>
-            </a:lvl8pPr>
-            <a:lvl9pPr marL="3886200" indent="-228600" eaLnBrk="0" fontAlgn="base" hangingPunct="0">
-              <a:spcBef>
-                <a:spcPct val="0"/>
-              </a:spcBef>
-              <a:spcAft>
-                <a:spcPct val="0"/>
-              </a:spcAft>
-              <a:defRPr>
-                <a:solidFill>
-                  <a:schemeClr val="tx1"/>
-                </a:solidFill>
-                <a:latin typeface="Arial" panose="020B0604020202020204" pitchFamily="34" charset="0"/>
-              </a:defRPr>
-            </a:lvl9pPr>
-          </a:lstStyle>
-          <a:p>
-            <a:pPr algn="ctr" eaLnBrk="1" hangingPunct="1"/>
-            <a:r>
-              <a:rPr lang="en-US" altLang="en-US" sz="4400" dirty="0">
-                <a:latin typeface="Calibri" panose="020F0502020204030204" pitchFamily="34" charset="0"/>
-              </a:rPr>
-              <a:t>Introduction to Linux/Unix</a:t>
-            </a:r>
-          </a:p>
-        </p:txBody>
-      </p:sp>
-      <p:sp>
-        <p:nvSpPr>
-          <p:cNvPr id="4" name="Content Placeholder 2"/>
-          <p:cNvSpPr txBox="1">
-            <a:spLocks/>
-          </p:cNvSpPr>
-          <p:nvPr/>
-        </p:nvSpPr>
-        <p:spPr>
-          <a:xfrm>
-            <a:off x="1485901" y="1160463"/>
-            <a:ext cx="6369844" cy="5708650"/>
-          </a:xfrm>
-          <a:prstGeom prst="rect">
-            <a:avLst/>
-          </a:prstGeom>
-        </p:spPr>
-        <p:txBody>
-          <a:bodyPr>
-            <a:normAutofit fontScale="92500" lnSpcReduction="10000"/>
-          </a:bodyPr>
-          <a:lstStyle>
-            <a:lvl1pPr marL="342900" indent="-342900" algn="l" rtl="0" eaLnBrk="0" fontAlgn="base" hangingPunct="0">
-              <a:spcBef>
-                <a:spcPct val="20000"/>
-              </a:spcBef>
-              <a:spcAft>
-                <a:spcPct val="0"/>
-              </a:spcAft>
-              <a:buFont typeface="Arial" charset="0"/>
-              <a:buChar char="•"/>
-              <a:defRPr sz="3200" kern="1200">
-                <a:solidFill>
-                  <a:schemeClr val="tx1"/>
-                </a:solidFill>
-                <a:latin typeface="+mn-lt"/>
-                <a:ea typeface="+mn-ea"/>
-                <a:cs typeface="+mn-cs"/>
-              </a:defRPr>
-            </a:lvl1pPr>
-            <a:lvl2pPr marL="742950" indent="-285750" algn="l" rtl="0" eaLnBrk="0" fontAlgn="base" hangingPunct="0">
-              <a:spcBef>
-                <a:spcPct val="20000"/>
-              </a:spcBef>
-              <a:spcAft>
-                <a:spcPct val="0"/>
-              </a:spcAft>
-              <a:buFont typeface="Arial" charset="0"/>
-              <a:buChar char="–"/>
-              <a:defRPr sz="2800" kern="1200">
-                <a:solidFill>
-                  <a:schemeClr val="tx1"/>
-                </a:solidFill>
-                <a:latin typeface="+mn-lt"/>
-                <a:ea typeface="+mn-ea"/>
-                <a:cs typeface="+mn-cs"/>
-              </a:defRPr>
-            </a:lvl2pPr>
-            <a:lvl3pPr marL="1143000" indent="-228600" algn="l" rtl="0" eaLnBrk="0" fontAlgn="base" hangingPunct="0">
-              <a:spcBef>
-                <a:spcPct val="20000"/>
-              </a:spcBef>
-              <a:spcAft>
-                <a:spcPct val="0"/>
-              </a:spcAft>
-              <a:buFont typeface="Arial" charset="0"/>
-              <a:buChar char="•"/>
-              <a:defRPr sz="2400" kern="1200">
-                <a:solidFill>
-                  <a:schemeClr val="tx1"/>
-                </a:solidFill>
-                <a:latin typeface="+mn-lt"/>
-                <a:ea typeface="+mn-ea"/>
-                <a:cs typeface="+mn-cs"/>
-              </a:defRPr>
-            </a:lvl3pPr>
-            <a:lvl4pPr marL="1600200" indent="-228600" algn="l" rtl="0" eaLnBrk="0" fontAlgn="base" hangingPunct="0">
-              <a:spcBef>
-                <a:spcPct val="20000"/>
-              </a:spcBef>
-              <a:spcAft>
-                <a:spcPct val="0"/>
-              </a:spcAft>
-              <a:buFont typeface="Arial" charset="0"/>
-              <a:buChar char="–"/>
-              <a:defRPr sz="2000" kern="1200">
-                <a:solidFill>
-                  <a:schemeClr val="tx1"/>
-                </a:solidFill>
-                <a:latin typeface="+mn-lt"/>
-                <a:ea typeface="+mn-ea"/>
-                <a:cs typeface="+mn-cs"/>
-              </a:defRPr>
-            </a:lvl4pPr>
-            <a:lvl5pPr marL="2057400" indent="-228600" algn="l" rtl="0" eaLnBrk="0" fontAlgn="base" hangingPunct="0">
-              <a:spcBef>
-                <a:spcPct val="20000"/>
-              </a:spcBef>
-              <a:spcAft>
-                <a:spcPct val="0"/>
-              </a:spcAft>
-              <a:buFont typeface="Arial" charset="0"/>
-              <a:buChar char="»"/>
-              <a:defRPr sz="2000" kern="1200">
-                <a:solidFill>
-                  <a:schemeClr val="tx1"/>
-                </a:solidFill>
-                <a:latin typeface="+mn-lt"/>
-                <a:ea typeface="+mn-ea"/>
-                <a:cs typeface="+mn-cs"/>
-              </a:defRPr>
-            </a:lvl5pPr>
-            <a:lvl6pPr marL="2514600" indent="-228600" algn="l" defTabSz="914400" rtl="0" eaLnBrk="1" latinLnBrk="0" hangingPunct="1">
-              <a:spcBef>
-                <a:spcPct val="20000"/>
-              </a:spcBef>
-              <a:buFont typeface="Arial" pitchFamily="34" charset="0"/>
-              <a:buChar char="•"/>
-              <a:defRPr sz="2000" kern="1200">
-                <a:solidFill>
-                  <a:schemeClr val="tx1"/>
-                </a:solidFill>
-                <a:latin typeface="+mn-lt"/>
-                <a:ea typeface="+mn-ea"/>
-                <a:cs typeface="+mn-cs"/>
-              </a:defRPr>
-            </a:lvl6pPr>
-            <a:lvl7pPr marL="2971800" indent="-228600" algn="l" defTabSz="914400" rtl="0" eaLnBrk="1" latinLnBrk="0" hangingPunct="1">
-              <a:spcBef>
-                <a:spcPct val="20000"/>
-              </a:spcBef>
-              <a:buFont typeface="Arial" pitchFamily="34" charset="0"/>
-              <a:buChar char="•"/>
-              <a:defRPr sz="2000" kern="1200">
-                <a:solidFill>
-                  <a:schemeClr val="tx1"/>
-                </a:solidFill>
-                <a:latin typeface="+mn-lt"/>
-                <a:ea typeface="+mn-ea"/>
-                <a:cs typeface="+mn-cs"/>
-              </a:defRPr>
-            </a:lvl7pPr>
-            <a:lvl8pPr marL="3429000" indent="-228600" algn="l" defTabSz="914400" rtl="0" eaLnBrk="1" latinLnBrk="0" hangingPunct="1">
-              <a:spcBef>
-                <a:spcPct val="20000"/>
-              </a:spcBef>
-              <a:buFont typeface="Arial" pitchFamily="34" charset="0"/>
-              <a:buChar char="•"/>
-              <a:defRPr sz="2000" kern="1200">
-                <a:solidFill>
-                  <a:schemeClr val="tx1"/>
-                </a:solidFill>
-                <a:latin typeface="+mn-lt"/>
-                <a:ea typeface="+mn-ea"/>
-                <a:cs typeface="+mn-cs"/>
-              </a:defRPr>
-            </a:lvl8pPr>
-            <a:lvl9pPr marL="3886200" indent="-228600" algn="l" defTabSz="914400" rtl="0" eaLnBrk="1" latinLnBrk="0" hangingPunct="1">
-              <a:spcBef>
-                <a:spcPct val="20000"/>
-              </a:spcBef>
-              <a:buFont typeface="Arial" pitchFamily="34" charset="0"/>
-              <a:buChar char="•"/>
-              <a:defRPr sz="2000" kern="1200">
-                <a:solidFill>
-                  <a:schemeClr val="tx1"/>
-                </a:solidFill>
-                <a:latin typeface="+mn-lt"/>
-                <a:ea typeface="+mn-ea"/>
-                <a:cs typeface="+mn-cs"/>
-              </a:defRPr>
-            </a:lvl9pPr>
-          </a:lstStyle>
-          <a:p>
-            <a:pPr eaLnBrk="1" fontAlgn="auto" hangingPunct="1">
-              <a:spcAft>
-                <a:spcPts val="0"/>
-              </a:spcAft>
-              <a:buFont typeface="Arial" pitchFamily="34" charset="0"/>
-              <a:buChar char="‒"/>
-              <a:defRPr/>
-            </a:pPr>
-            <a:r>
-              <a:rPr lang="en-US" sz="2000" dirty="0">
-                <a:latin typeface="Arial" pitchFamily="34" charset="0"/>
-                <a:cs typeface="Arial" pitchFamily="34" charset="0"/>
-              </a:rPr>
-              <a:t>It Gets More Complicated!</a:t>
-            </a:r>
-          </a:p>
-          <a:p>
-            <a:pPr marL="0" indent="0" eaLnBrk="1" fontAlgn="auto" hangingPunct="1">
-              <a:spcAft>
-                <a:spcPts val="0"/>
-              </a:spcAft>
-              <a:buNone/>
-              <a:defRPr/>
-            </a:pPr>
-            <a:endParaRPr lang="en-US" sz="2000" dirty="0">
-              <a:solidFill>
-                <a:srgbClr val="FF0000"/>
-              </a:solidFill>
-              <a:latin typeface="Arial" pitchFamily="34" charset="0"/>
-              <a:cs typeface="Arial" pitchFamily="34" charset="0"/>
-            </a:endParaRPr>
-          </a:p>
-          <a:p>
-            <a:pPr eaLnBrk="1" fontAlgn="auto" hangingPunct="1">
-              <a:spcAft>
-                <a:spcPts val="0"/>
-              </a:spcAft>
-              <a:buFont typeface="Arial" pitchFamily="34" charset="0"/>
-              <a:buChar char="‒"/>
-              <a:defRPr/>
-            </a:pPr>
-            <a:r>
-              <a:rPr lang="en-US" sz="2000" dirty="0">
-                <a:latin typeface="Arial" pitchFamily="34" charset="0"/>
-                <a:cs typeface="Arial" pitchFamily="34" charset="0"/>
-              </a:rPr>
-              <a:t>A number of commands have a range of options that are implemented on the command line with a “flag”</a:t>
-            </a:r>
-          </a:p>
-          <a:p>
-            <a:pPr lvl="1" eaLnBrk="1" fontAlgn="auto" hangingPunct="1">
-              <a:spcAft>
-                <a:spcPts val="0"/>
-              </a:spcAft>
-              <a:buFont typeface="Arial" pitchFamily="34" charset="0"/>
-              <a:buChar char="•"/>
-              <a:defRPr/>
-            </a:pPr>
-            <a:r>
-              <a:rPr lang="en-US" sz="1800" b="1" dirty="0" err="1">
-                <a:latin typeface="Arial" pitchFamily="34" charset="0"/>
-                <a:cs typeface="Arial" pitchFamily="34" charset="0"/>
-              </a:rPr>
-              <a:t>ls</a:t>
-            </a:r>
-            <a:r>
-              <a:rPr lang="en-US" sz="1800" b="1" dirty="0">
-                <a:latin typeface="Arial" pitchFamily="34" charset="0"/>
-                <a:cs typeface="Arial" pitchFamily="34" charset="0"/>
-              </a:rPr>
-              <a:t> </a:t>
-            </a:r>
-            <a:r>
-              <a:rPr lang="en-US" sz="1800" dirty="0">
-                <a:latin typeface="Arial" pitchFamily="34" charset="0"/>
-                <a:cs typeface="Arial" pitchFamily="34" charset="0"/>
-              </a:rPr>
-              <a:t>–l  - </a:t>
-            </a:r>
-            <a:r>
-              <a:rPr lang="en-US" sz="1800" dirty="0">
-                <a:solidFill>
-                  <a:srgbClr val="FF0000"/>
-                </a:solidFill>
-                <a:latin typeface="Arial" pitchFamily="34" charset="0"/>
-                <a:cs typeface="Arial" pitchFamily="34" charset="0"/>
-              </a:rPr>
-              <a:t>lists files and folders with associated permissions</a:t>
-            </a:r>
-          </a:p>
-          <a:p>
-            <a:pPr lvl="1" eaLnBrk="1" fontAlgn="auto" hangingPunct="1">
-              <a:spcAft>
-                <a:spcPts val="0"/>
-              </a:spcAft>
-              <a:buFont typeface="Arial" pitchFamily="34" charset="0"/>
-              <a:buChar char="•"/>
-              <a:defRPr/>
-            </a:pPr>
-            <a:r>
-              <a:rPr lang="en-US" sz="1800" b="1" dirty="0" err="1">
-                <a:latin typeface="Arial" pitchFamily="34" charset="0"/>
-                <a:cs typeface="Arial" pitchFamily="34" charset="0"/>
-              </a:rPr>
-              <a:t>rm</a:t>
-            </a:r>
-            <a:r>
-              <a:rPr lang="en-US" sz="1800" b="1" dirty="0">
-                <a:latin typeface="Arial" pitchFamily="34" charset="0"/>
-                <a:cs typeface="Arial" pitchFamily="34" charset="0"/>
-              </a:rPr>
-              <a:t> </a:t>
-            </a:r>
-            <a:r>
-              <a:rPr lang="en-US" sz="1800" dirty="0">
-                <a:latin typeface="Arial" pitchFamily="34" charset="0"/>
-                <a:cs typeface="Arial" pitchFamily="34" charset="0"/>
-              </a:rPr>
-              <a:t>–</a:t>
-            </a:r>
-            <a:r>
-              <a:rPr lang="en-US" sz="1800" dirty="0" err="1" smtClean="0">
-                <a:latin typeface="Arial" pitchFamily="34" charset="0"/>
-                <a:cs typeface="Arial" pitchFamily="34" charset="0"/>
-              </a:rPr>
-              <a:t>Rf</a:t>
-            </a:r>
-            <a:r>
-              <a:rPr lang="en-US" sz="1800" dirty="0" smtClean="0">
-                <a:latin typeface="Arial" pitchFamily="34" charset="0"/>
-                <a:cs typeface="Arial" pitchFamily="34" charset="0"/>
-              </a:rPr>
-              <a:t> </a:t>
-            </a:r>
-            <a:r>
-              <a:rPr lang="en-US" sz="1800" i="1" dirty="0" smtClean="0">
-                <a:latin typeface="Arial" pitchFamily="34" charset="0"/>
-                <a:cs typeface="Arial" pitchFamily="34" charset="0"/>
-              </a:rPr>
-              <a:t>file</a:t>
-            </a:r>
-            <a:r>
-              <a:rPr lang="en-US" sz="1800" dirty="0" smtClean="0">
-                <a:latin typeface="Arial" pitchFamily="34" charset="0"/>
-                <a:cs typeface="Arial" pitchFamily="34" charset="0"/>
-              </a:rPr>
-              <a:t> - </a:t>
-            </a:r>
-            <a:r>
-              <a:rPr lang="en-US" sz="1800" dirty="0">
-                <a:solidFill>
-                  <a:srgbClr val="FF0000"/>
-                </a:solidFill>
-                <a:latin typeface="Arial" pitchFamily="34" charset="0"/>
-                <a:cs typeface="Arial" pitchFamily="34" charset="0"/>
-              </a:rPr>
-              <a:t>remove/delete </a:t>
-            </a:r>
-            <a:r>
-              <a:rPr lang="en-US" sz="1800" dirty="0" smtClean="0">
-                <a:solidFill>
-                  <a:srgbClr val="FF0000"/>
-                </a:solidFill>
-                <a:latin typeface="Arial" pitchFamily="34" charset="0"/>
-                <a:cs typeface="Arial" pitchFamily="34" charset="0"/>
-              </a:rPr>
-              <a:t>folder, recursively and force</a:t>
-            </a:r>
-          </a:p>
-          <a:p>
-            <a:pPr lvl="1" eaLnBrk="1" fontAlgn="auto" hangingPunct="1">
-              <a:spcAft>
-                <a:spcPts val="0"/>
-              </a:spcAft>
-              <a:buFont typeface="Arial" pitchFamily="34" charset="0"/>
-              <a:buChar char="•"/>
-              <a:defRPr/>
-            </a:pPr>
-            <a:r>
-              <a:rPr lang="en-US" sz="1800" b="1" dirty="0" smtClean="0">
-                <a:latin typeface="Arial" pitchFamily="34" charset="0"/>
-                <a:cs typeface="Arial" pitchFamily="34" charset="0"/>
-              </a:rPr>
-              <a:t>ls </a:t>
-            </a:r>
-            <a:r>
-              <a:rPr lang="en-US" sz="1800" dirty="0" smtClean="0">
-                <a:latin typeface="Arial" pitchFamily="34" charset="0"/>
-                <a:cs typeface="Arial" pitchFamily="34" charset="0"/>
-              </a:rPr>
-              <a:t>–</a:t>
-            </a:r>
-            <a:r>
-              <a:rPr lang="en-US" sz="1800" dirty="0" err="1" smtClean="0">
-                <a:latin typeface="Arial" pitchFamily="34" charset="0"/>
-                <a:cs typeface="Arial" pitchFamily="34" charset="0"/>
-              </a:rPr>
-              <a:t>alh</a:t>
-            </a:r>
-            <a:r>
-              <a:rPr lang="en-US" sz="1800" dirty="0" smtClean="0">
-                <a:latin typeface="Arial" pitchFamily="34" charset="0"/>
-                <a:cs typeface="Arial" pitchFamily="34" charset="0"/>
-              </a:rPr>
-              <a:t> – </a:t>
-            </a:r>
-            <a:r>
-              <a:rPr lang="en-US" sz="1800" dirty="0" smtClean="0">
-                <a:solidFill>
-                  <a:srgbClr val="FF0000"/>
-                </a:solidFill>
-                <a:latin typeface="Arial" pitchFamily="34" charset="0"/>
-                <a:cs typeface="Arial" pitchFamily="34" charset="0"/>
-              </a:rPr>
-              <a:t>list all files (including hidden) with permissions and make file size human readable</a:t>
-            </a:r>
-          </a:p>
-          <a:p>
-            <a:pPr lvl="1" eaLnBrk="1" fontAlgn="auto" hangingPunct="1">
-              <a:spcAft>
-                <a:spcPts val="0"/>
-              </a:spcAft>
-              <a:buFont typeface="Arial" pitchFamily="34" charset="0"/>
-              <a:buChar char="•"/>
-              <a:defRPr/>
-            </a:pPr>
-            <a:r>
-              <a:rPr lang="en-US" sz="1800" b="1" dirty="0" err="1" smtClean="0">
-                <a:latin typeface="Arial" pitchFamily="34" charset="0"/>
-                <a:cs typeface="Arial" pitchFamily="34" charset="0"/>
-              </a:rPr>
-              <a:t>cp</a:t>
-            </a:r>
-            <a:r>
-              <a:rPr lang="en-US" sz="1800" b="1" dirty="0" smtClean="0">
-                <a:latin typeface="Arial" pitchFamily="34" charset="0"/>
-                <a:cs typeface="Arial" pitchFamily="34" charset="0"/>
-              </a:rPr>
-              <a:t> </a:t>
-            </a:r>
-            <a:r>
-              <a:rPr lang="en-US" sz="1800" dirty="0" smtClean="0">
-                <a:latin typeface="Arial" pitchFamily="34" charset="0"/>
-                <a:cs typeface="Arial" pitchFamily="34" charset="0"/>
-              </a:rPr>
-              <a:t>–u</a:t>
-            </a:r>
-            <a:r>
-              <a:rPr lang="en-US" sz="1800" b="1" dirty="0" smtClean="0">
-                <a:latin typeface="Arial" pitchFamily="34" charset="0"/>
-                <a:cs typeface="Arial" pitchFamily="34" charset="0"/>
-              </a:rPr>
-              <a:t> </a:t>
-            </a:r>
-            <a:r>
-              <a:rPr lang="en-US" sz="1800" dirty="0" smtClean="0">
-                <a:latin typeface="Arial" pitchFamily="34" charset="0"/>
-                <a:cs typeface="Arial" pitchFamily="34" charset="0"/>
-              </a:rPr>
-              <a:t>–</a:t>
-            </a:r>
-            <a:r>
-              <a:rPr lang="en-US" sz="1800" b="1" dirty="0" smtClean="0">
-                <a:latin typeface="Arial" pitchFamily="34" charset="0"/>
-                <a:cs typeface="Arial" pitchFamily="34" charset="0"/>
-              </a:rPr>
-              <a:t> </a:t>
-            </a:r>
-            <a:r>
-              <a:rPr lang="en-US" sz="1800" dirty="0" smtClean="0">
-                <a:solidFill>
-                  <a:srgbClr val="FF0000"/>
-                </a:solidFill>
-                <a:latin typeface="Arial" pitchFamily="34" charset="0"/>
-                <a:cs typeface="Arial" pitchFamily="34" charset="0"/>
-              </a:rPr>
-              <a:t>only overwrite an older file with the same name</a:t>
-            </a:r>
-          </a:p>
-          <a:p>
-            <a:pPr lvl="1" eaLnBrk="1" fontAlgn="auto" hangingPunct="1">
-              <a:spcAft>
-                <a:spcPts val="0"/>
-              </a:spcAft>
-              <a:buFont typeface="Arial" pitchFamily="34" charset="0"/>
-              <a:buChar char="•"/>
-              <a:defRPr/>
-            </a:pPr>
-            <a:r>
-              <a:rPr lang="en-US" sz="1800" b="1" dirty="0" err="1" smtClean="0">
-                <a:latin typeface="Arial" pitchFamily="34" charset="0"/>
-                <a:cs typeface="Arial" pitchFamily="34" charset="0"/>
-              </a:rPr>
-              <a:t>chmod</a:t>
-            </a:r>
-            <a:r>
-              <a:rPr lang="en-US" sz="1800" b="1" dirty="0" smtClean="0">
-                <a:latin typeface="Arial" pitchFamily="34" charset="0"/>
-                <a:cs typeface="Arial" pitchFamily="34" charset="0"/>
-              </a:rPr>
-              <a:t> </a:t>
-            </a:r>
-            <a:r>
-              <a:rPr lang="en-US" sz="1800" dirty="0" err="1" smtClean="0">
-                <a:latin typeface="Arial" pitchFamily="34" charset="0"/>
-                <a:cs typeface="Arial" pitchFamily="34" charset="0"/>
-              </a:rPr>
-              <a:t>a+x</a:t>
-            </a:r>
-            <a:r>
-              <a:rPr lang="en-US" sz="1800" dirty="0" smtClean="0">
-                <a:latin typeface="Arial" pitchFamily="34" charset="0"/>
-                <a:cs typeface="Arial" pitchFamily="34" charset="0"/>
-              </a:rPr>
-              <a:t> </a:t>
-            </a:r>
-            <a:r>
-              <a:rPr lang="en-US" sz="1800" i="1" dirty="0" smtClean="0">
-                <a:latin typeface="Arial" pitchFamily="34" charset="0"/>
-                <a:cs typeface="Arial" pitchFamily="34" charset="0"/>
-              </a:rPr>
-              <a:t>file</a:t>
-            </a:r>
-            <a:r>
-              <a:rPr lang="en-US" sz="1800" dirty="0" smtClean="0">
-                <a:latin typeface="Arial" pitchFamily="34" charset="0"/>
-                <a:cs typeface="Arial" pitchFamily="34" charset="0"/>
-              </a:rPr>
-              <a:t> – </a:t>
-            </a:r>
-            <a:r>
-              <a:rPr lang="en-US" sz="1800" dirty="0" smtClean="0">
-                <a:solidFill>
-                  <a:srgbClr val="FF0000"/>
-                </a:solidFill>
-                <a:latin typeface="Arial" pitchFamily="34" charset="0"/>
-                <a:cs typeface="Arial" pitchFamily="34" charset="0"/>
-              </a:rPr>
-              <a:t>allow anyone to execute file</a:t>
-            </a:r>
-          </a:p>
-          <a:p>
-            <a:pPr lvl="1" eaLnBrk="1" fontAlgn="auto" hangingPunct="1">
-              <a:spcAft>
-                <a:spcPts val="0"/>
-              </a:spcAft>
-              <a:buFont typeface="Arial" pitchFamily="34" charset="0"/>
-              <a:buChar char="•"/>
-              <a:defRPr/>
-            </a:pPr>
-            <a:r>
-              <a:rPr lang="en-US" sz="1800" b="1" dirty="0" err="1" smtClean="0">
-                <a:latin typeface="Arial" pitchFamily="34" charset="0"/>
-                <a:cs typeface="Arial" pitchFamily="34" charset="0"/>
-              </a:rPr>
-              <a:t>chmod</a:t>
-            </a:r>
-            <a:r>
-              <a:rPr lang="en-US" sz="1800" b="1" dirty="0" smtClean="0">
-                <a:latin typeface="Arial" pitchFamily="34" charset="0"/>
-                <a:cs typeface="Arial" pitchFamily="34" charset="0"/>
-              </a:rPr>
-              <a:t> </a:t>
-            </a:r>
-            <a:r>
-              <a:rPr lang="en-US" sz="1800" dirty="0">
-                <a:latin typeface="Arial" pitchFamily="34" charset="0"/>
-                <a:cs typeface="Arial" pitchFamily="34" charset="0"/>
-              </a:rPr>
-              <a:t>755 </a:t>
-            </a:r>
-            <a:r>
-              <a:rPr lang="en-US" sz="1800" i="1" dirty="0">
-                <a:latin typeface="Arial" pitchFamily="34" charset="0"/>
-                <a:cs typeface="Arial" pitchFamily="34" charset="0"/>
-              </a:rPr>
-              <a:t>file</a:t>
-            </a:r>
-            <a:r>
-              <a:rPr lang="en-US" sz="1800" dirty="0">
-                <a:latin typeface="Arial" pitchFamily="34" charset="0"/>
-                <a:cs typeface="Arial" pitchFamily="34" charset="0"/>
-              </a:rPr>
-              <a:t> – </a:t>
-            </a:r>
-            <a:r>
-              <a:rPr lang="en-US" sz="1800" dirty="0">
-                <a:solidFill>
-                  <a:srgbClr val="FF0000"/>
-                </a:solidFill>
-                <a:latin typeface="Arial" pitchFamily="34" charset="0"/>
-                <a:cs typeface="Arial" pitchFamily="34" charset="0"/>
-              </a:rPr>
-              <a:t>change file’s permission such that file's owner may read, write, and execute the file. All others may only read and execute the file</a:t>
-            </a:r>
-            <a:r>
-              <a:rPr lang="en-US" sz="1800" dirty="0" smtClean="0">
-                <a:solidFill>
-                  <a:srgbClr val="FF0000"/>
-                </a:solidFill>
-                <a:latin typeface="Arial" pitchFamily="34" charset="0"/>
-                <a:cs typeface="Arial" pitchFamily="34" charset="0"/>
-              </a:rPr>
-              <a:t>.</a:t>
-            </a:r>
-          </a:p>
-          <a:p>
-            <a:pPr lvl="1" eaLnBrk="1" fontAlgn="auto" hangingPunct="1">
-              <a:spcAft>
-                <a:spcPts val="0"/>
-              </a:spcAft>
-              <a:buFont typeface="Arial" pitchFamily="34" charset="0"/>
-              <a:buChar char="•"/>
-              <a:defRPr/>
-            </a:pPr>
-            <a:r>
-              <a:rPr lang="en-US" sz="1800" b="1" dirty="0" err="1">
-                <a:latin typeface="Arial" pitchFamily="34" charset="0"/>
-                <a:cs typeface="Arial" pitchFamily="34" charset="0"/>
-              </a:rPr>
-              <a:t>c</a:t>
-            </a:r>
-            <a:r>
-              <a:rPr lang="en-US" sz="1800" b="1" dirty="0" err="1" smtClean="0">
-                <a:latin typeface="Arial" pitchFamily="34" charset="0"/>
-                <a:cs typeface="Arial" pitchFamily="34" charset="0"/>
-              </a:rPr>
-              <a:t>hown</a:t>
-            </a:r>
-            <a:r>
-              <a:rPr lang="en-US" sz="1800" dirty="0" smtClean="0">
-                <a:latin typeface="Arial" pitchFamily="34" charset="0"/>
-                <a:cs typeface="Arial" pitchFamily="34" charset="0"/>
-              </a:rPr>
-              <a:t> </a:t>
-            </a:r>
-            <a:r>
-              <a:rPr lang="en-US" sz="1800" dirty="0" err="1" smtClean="0">
-                <a:latin typeface="Arial" pitchFamily="34" charset="0"/>
-                <a:cs typeface="Arial" pitchFamily="34" charset="0"/>
-              </a:rPr>
-              <a:t>pi:pi</a:t>
-            </a:r>
-            <a:r>
-              <a:rPr lang="en-US" sz="1800" dirty="0" smtClean="0">
-                <a:latin typeface="Arial" pitchFamily="34" charset="0"/>
-                <a:cs typeface="Arial" pitchFamily="34" charset="0"/>
-              </a:rPr>
-              <a:t> -R /</a:t>
-            </a:r>
-            <a:r>
-              <a:rPr lang="en-US" sz="1800" dirty="0" err="1" smtClean="0">
-                <a:latin typeface="Arial" pitchFamily="34" charset="0"/>
-                <a:cs typeface="Arial" pitchFamily="34" charset="0"/>
-              </a:rPr>
-              <a:t>my_folder</a:t>
-            </a:r>
-            <a:r>
-              <a:rPr lang="en-US" sz="1800" dirty="0" smtClean="0">
-                <a:latin typeface="Arial" pitchFamily="34" charset="0"/>
-                <a:cs typeface="Arial" pitchFamily="34" charset="0"/>
-              </a:rPr>
-              <a:t> – </a:t>
-            </a:r>
-            <a:r>
-              <a:rPr lang="en-US" sz="1800" dirty="0" smtClean="0">
-                <a:solidFill>
-                  <a:srgbClr val="FF0000"/>
-                </a:solidFill>
-                <a:latin typeface="Arial" pitchFamily="34" charset="0"/>
-                <a:cs typeface="Arial" pitchFamily="34" charset="0"/>
-              </a:rPr>
-              <a:t>change user/grp to pi and do it recursively for the following folder</a:t>
-            </a:r>
-            <a:endParaRPr lang="en-US" sz="1800" dirty="0">
-              <a:solidFill>
-                <a:srgbClr val="FF0000"/>
-              </a:solidFill>
-              <a:latin typeface="Arial" pitchFamily="34" charset="0"/>
-              <a:cs typeface="Arial" pitchFamily="34" charset="0"/>
-            </a:endParaRPr>
-          </a:p>
-          <a:p>
-            <a:pPr marL="457200" lvl="1" indent="0" eaLnBrk="1" fontAlgn="auto" hangingPunct="1">
-              <a:spcAft>
-                <a:spcPts val="0"/>
-              </a:spcAft>
-              <a:buNone/>
-              <a:defRPr/>
-            </a:pPr>
-            <a:endParaRPr lang="en-US" sz="1800" dirty="0">
-              <a:solidFill>
-                <a:srgbClr val="FF0000"/>
-              </a:solidFill>
-              <a:latin typeface="Arial" pitchFamily="34" charset="0"/>
-              <a:cs typeface="Arial" pitchFamily="34" charset="0"/>
-            </a:endParaRPr>
-          </a:p>
-          <a:p>
-            <a:pPr eaLnBrk="1" fontAlgn="auto" hangingPunct="1">
-              <a:spcAft>
-                <a:spcPts val="0"/>
-              </a:spcAft>
-              <a:buFont typeface="Arial" pitchFamily="34" charset="0"/>
-              <a:buChar char="‒"/>
-              <a:defRPr/>
-            </a:pPr>
-            <a:r>
-              <a:rPr lang="en-US" sz="2000" dirty="0">
-                <a:latin typeface="Arial" pitchFamily="34" charset="0"/>
-                <a:cs typeface="Arial" pitchFamily="34" charset="0"/>
-              </a:rPr>
-              <a:t>Multiple flags can be used simultaneously</a:t>
-            </a:r>
-          </a:p>
-          <a:p>
-            <a:pPr lvl="1" eaLnBrk="1" fontAlgn="auto" hangingPunct="1">
-              <a:spcAft>
-                <a:spcPts val="0"/>
-              </a:spcAft>
-              <a:buFont typeface="Arial" pitchFamily="34" charset="0"/>
-              <a:buChar char="•"/>
-              <a:defRPr/>
-            </a:pPr>
-            <a:r>
-              <a:rPr lang="en-US" sz="1600" dirty="0">
-                <a:solidFill>
-                  <a:srgbClr val="FF0000"/>
-                </a:solidFill>
-                <a:latin typeface="Arial" pitchFamily="34" charset="0"/>
-                <a:cs typeface="Arial" pitchFamily="34" charset="0"/>
-              </a:rPr>
-              <a:t>Again, man pages, Linux web site and reference books provide more details</a:t>
-            </a:r>
-          </a:p>
-        </p:txBody>
-      </p:sp>
-    </p:spTree>
-    <p:extLst>
-      <p:ext uri="{BB962C8B-B14F-4D97-AF65-F5344CB8AC3E}">
-        <p14:creationId xmlns:p14="http://schemas.microsoft.com/office/powerpoint/2010/main" val="1131872364"/>
-      </p:ext>
-    </p:extLst>
-  </p:cSld>
-  <p:clrMapOvr>
-    <a:masterClrMapping/>
-  </p:clrMapOvr>
-  <p:timing>
-    <p:tnLst>
-      <p:par>
-        <p:cTn id="1" dur="indefinite" restart="never" nodeType="tmRoot"/>
-      </p:par>
-    </p:tnLst>
-  </p:timing>
-</p:sld>
-</file>
-
-<file path=ppt/slides/slide14.xml><?xml version="1.0" encoding="utf-8"?>
+<file path=ppt/slides/slide15.xml><?xml version="1.0" encoding="utf-8"?>
 <p:sld xmlns:a="http://schemas.openxmlformats.org/drawingml/2006/main" xmlns:r="http://schemas.openxmlformats.org/officeDocument/2006/relationships" xmlns:p="http://schemas.openxmlformats.org/presentationml/2006/main">
   <p:cSld>
     <p:spTree>
@@ -9088,7 +9354,7 @@
         </p:spPr>
         <p:txBody>
           <a:bodyPr>
-            <a:normAutofit fontScale="85000" lnSpcReduction="10000"/>
+            <a:normAutofit fontScale="77500" lnSpcReduction="20000"/>
           </a:bodyPr>
           <a:lstStyle>
             <a:lvl1pPr marL="342900" indent="-342900" algn="l" rtl="0" eaLnBrk="0" fontAlgn="base" hangingPunct="0">
@@ -9252,11 +9518,60 @@
               <a:defRPr/>
             </a:pPr>
             <a:r>
+              <a:rPr lang="en-US" sz="2000" b="1" dirty="0" err="1">
+                <a:latin typeface="Arial" pitchFamily="34" charset="0"/>
+                <a:cs typeface="Arial" pitchFamily="34" charset="0"/>
+              </a:rPr>
+              <a:t>chmod</a:t>
+            </a:r>
+            <a:r>
+              <a:rPr lang="en-US" sz="2000" b="1" dirty="0">
+                <a:latin typeface="Arial" pitchFamily="34" charset="0"/>
+                <a:cs typeface="Arial" pitchFamily="34" charset="0"/>
+              </a:rPr>
+              <a:t> </a:t>
+            </a:r>
+            <a:r>
               <a:rPr lang="en-US" sz="2000" dirty="0">
                 <a:latin typeface="Arial" pitchFamily="34" charset="0"/>
                 <a:cs typeface="Arial" pitchFamily="34" charset="0"/>
               </a:rPr>
-              <a:t>Where did the 755 come from in the </a:t>
+              <a:t>755 </a:t>
+            </a:r>
+            <a:r>
+              <a:rPr lang="en-US" sz="2000" i="1" dirty="0" err="1" smtClean="0">
+                <a:latin typeface="Arial" pitchFamily="34" charset="0"/>
+                <a:cs typeface="Arial" pitchFamily="34" charset="0"/>
+              </a:rPr>
+              <a:t>bob.json</a:t>
+            </a:r>
+            <a:endParaRPr lang="en-US" sz="2000" dirty="0" smtClean="0">
+              <a:latin typeface="Arial" pitchFamily="34" charset="0"/>
+              <a:cs typeface="Arial" pitchFamily="34" charset="0"/>
+            </a:endParaRPr>
+          </a:p>
+          <a:p>
+            <a:pPr eaLnBrk="1" fontAlgn="auto" hangingPunct="1">
+              <a:spcAft>
+                <a:spcPts val="0"/>
+              </a:spcAft>
+              <a:buFont typeface="Arial" pitchFamily="34" charset="0"/>
+              <a:buChar char="‒"/>
+              <a:defRPr/>
+            </a:pPr>
+            <a:r>
+              <a:rPr lang="en-US" sz="2000" dirty="0" smtClean="0">
+                <a:latin typeface="Arial" pitchFamily="34" charset="0"/>
+                <a:cs typeface="Arial" pitchFamily="34" charset="0"/>
+              </a:rPr>
+              <a:t>Where </a:t>
+            </a:r>
+            <a:r>
+              <a:rPr lang="en-US" sz="2000" dirty="0">
+                <a:latin typeface="Arial" pitchFamily="34" charset="0"/>
+                <a:cs typeface="Arial" pitchFamily="34" charset="0"/>
+              </a:rPr>
+              <a:t>did the 755 come from in the </a:t>
             </a:r>
             <a:r>
               <a:rPr lang="en-US" sz="2000" b="1" dirty="0" err="1">
@@ -9302,7 +9617,7 @@
         <p:spPr bwMode="auto">
           <a:xfrm>
             <a:off x="1746647" y="1835152"/>
-            <a:ext cx="4691063" cy="4801314"/>
+            <a:ext cx="6457553" cy="4524315"/>
           </a:xfrm>
           <a:prstGeom prst="rect">
             <a:avLst/>
@@ -9332,7 +9647,7 @@
           </a:extLst>
         </p:spPr>
         <p:txBody>
-          <a:bodyPr>
+          <a:bodyPr wrap="square">
             <a:spAutoFit/>
           </a:bodyPr>
           <a:lstStyle>
@@ -9436,7 +9751,7 @@
           <a:p>
             <a:pPr eaLnBrk="1" hangingPunct="1"/>
             <a:r>
-              <a:rPr lang="en-US" altLang="en-US">
+              <a:rPr lang="en-US" altLang="en-US" dirty="0">
                 <a:solidFill>
                   <a:srgbClr val="7030A0"/>
                 </a:solidFill>
@@ -9446,131 +9761,290 @@
           </a:p>
           <a:p>
             <a:pPr eaLnBrk="1" hangingPunct="1"/>
-            <a:endParaRPr lang="en-US" altLang="en-US"/>
+            <a:endParaRPr lang="en-US" altLang="en-US" dirty="0"/>
           </a:p>
           <a:p>
             <a:pPr eaLnBrk="1" hangingPunct="1"/>
             <a:r>
-              <a:rPr lang="en-US" altLang="en-US">
+              <a:rPr lang="en-US" altLang="en-US" dirty="0">
                 <a:latin typeface="Courier New" panose="02070309020205020404" pitchFamily="49" charset="0"/>
                 <a:cs typeface="Courier New" panose="02070309020205020404" pitchFamily="49" charset="0"/>
               </a:rPr>
-              <a:t>	rwx rwx rwx = 111 111 111</a:t>
-            </a:r>
-          </a:p>
-          <a:p>
-            <a:pPr eaLnBrk="1" hangingPunct="1"/>
-            <a:r>
-              <a:rPr lang="en-US" altLang="en-US">
+              <a:t>	</a:t>
+            </a:r>
+            <a:r>
+              <a:rPr lang="en-US" altLang="en-US" dirty="0" err="1">
                 <a:latin typeface="Courier New" panose="02070309020205020404" pitchFamily="49" charset="0"/>
                 <a:cs typeface="Courier New" panose="02070309020205020404" pitchFamily="49" charset="0"/>
               </a:rPr>
-              <a:t>	rw- rw- rw- = 110 110 110</a:t>
-            </a:r>
-          </a:p>
-          <a:p>
-            <a:pPr eaLnBrk="1" hangingPunct="1"/>
-            <a:r>
-              <a:rPr lang="en-US" altLang="en-US">
+              <a:t>rwx</a:t>
+            </a:r>
+            <a:r>
+              <a:rPr lang="en-US" altLang="en-US" dirty="0">
                 <a:latin typeface="Courier New" panose="02070309020205020404" pitchFamily="49" charset="0"/>
                 <a:cs typeface="Courier New" panose="02070309020205020404" pitchFamily="49" charset="0"/>
               </a:rPr>
-              <a:t>	rwx --- --- = 111 000 000</a:t>
-            </a:r>
-          </a:p>
-          <a:p>
-            <a:pPr eaLnBrk="1" hangingPunct="1"/>
-            <a:endParaRPr lang="en-US" altLang="en-US"/>
-          </a:p>
-          <a:p>
-            <a:pPr eaLnBrk="1" hangingPunct="1"/>
-            <a:r>
-              <a:rPr lang="en-US" altLang="en-US">
-                <a:solidFill>
-                  <a:srgbClr val="7030A0"/>
-                </a:solidFill>
-              </a:rPr>
-              <a:t>and so on...</a:t>
-            </a:r>
-          </a:p>
-          <a:p>
-            <a:pPr eaLnBrk="1" hangingPunct="1"/>
-            <a:endParaRPr lang="en-US" altLang="en-US"/>
-          </a:p>
-          <a:p>
-            <a:pPr eaLnBrk="1" hangingPunct="1"/>
-            <a:r>
-              <a:rPr lang="en-US" altLang="en-US">
+              <a:t> </a:t>
+            </a:r>
+            <a:r>
+              <a:rPr lang="en-US" altLang="en-US" dirty="0" err="1">
                 <a:latin typeface="Courier New" panose="02070309020205020404" pitchFamily="49" charset="0"/>
                 <a:cs typeface="Courier New" panose="02070309020205020404" pitchFamily="49" charset="0"/>
               </a:rPr>
-              <a:t>	rwx = 111 in binary = 7</a:t>
-            </a:r>
-          </a:p>
-          <a:p>
-            <a:pPr eaLnBrk="1" hangingPunct="1"/>
-            <a:r>
-              <a:rPr lang="en-US" altLang="en-US">
+              <a:t>rwx</a:t>
+            </a:r>
+            <a:r>
+              <a:rPr lang="en-US" altLang="en-US" dirty="0">
                 <a:latin typeface="Courier New" panose="02070309020205020404" pitchFamily="49" charset="0"/>
                 <a:cs typeface="Courier New" panose="02070309020205020404" pitchFamily="49" charset="0"/>
               </a:rPr>
-              <a:t>	rw- = 110 in binary = 6</a:t>
-            </a:r>
-          </a:p>
-          <a:p>
-            <a:pPr eaLnBrk="1" hangingPunct="1"/>
-            <a:r>
-              <a:rPr lang="en-US" altLang="en-US">
+              <a:t> </a:t>
+            </a:r>
+            <a:r>
+              <a:rPr lang="en-US" altLang="en-US" dirty="0" err="1">
                 <a:latin typeface="Courier New" panose="02070309020205020404" pitchFamily="49" charset="0"/>
                 <a:cs typeface="Courier New" panose="02070309020205020404" pitchFamily="49" charset="0"/>
               </a:rPr>
-              <a:t>	r-x = 101 in binary = 5</a:t>
-            </a:r>
-          </a:p>
-          <a:p>
-            <a:pPr eaLnBrk="1" hangingPunct="1"/>
-            <a:r>
-              <a:rPr lang="en-US" altLang="en-US">
+              <a:t>rwx</a:t>
+            </a:r>
+            <a:r>
+              <a:rPr lang="en-US" altLang="en-US" dirty="0">
                 <a:latin typeface="Courier New" panose="02070309020205020404" pitchFamily="49" charset="0"/>
                 <a:cs typeface="Courier New" panose="02070309020205020404" pitchFamily="49" charset="0"/>
               </a:rPr>
-              <a:t>	r-- = 100 in binary = 4</a:t>
-            </a:r>
-          </a:p>
-          <a:p>
-            <a:pPr eaLnBrk="1" hangingPunct="1"/>
-            <a:r>
-              <a:rPr lang="en-US" altLang="en-US">
+              <a:t> = 111 111 </a:t>
+            </a:r>
+            <a:r>
+              <a:rPr lang="en-US" altLang="en-US" dirty="0" smtClean="0">
                 <a:latin typeface="Courier New" panose="02070309020205020404" pitchFamily="49" charset="0"/>
                 <a:cs typeface="Courier New" panose="02070309020205020404" pitchFamily="49" charset="0"/>
               </a:rPr>
-              <a:t>	-xx = 011 in binary = 3</a:t>
-            </a:r>
+              <a:t>111 = 777</a:t>
+            </a:r>
+            <a:endParaRPr lang="en-US" altLang="en-US" dirty="0">
+              <a:latin typeface="Courier New" panose="02070309020205020404" pitchFamily="49" charset="0"/>
+              <a:cs typeface="Courier New" panose="02070309020205020404" pitchFamily="49" charset="0"/>
+            </a:endParaRPr>
           </a:p>
           <a:p>
             <a:pPr eaLnBrk="1" hangingPunct="1"/>
             <a:r>
-              <a:rPr lang="en-US" altLang="en-US">
+              <a:rPr lang="en-US" altLang="en-US" dirty="0">
                 <a:latin typeface="Courier New" panose="02070309020205020404" pitchFamily="49" charset="0"/>
                 <a:cs typeface="Courier New" panose="02070309020205020404" pitchFamily="49" charset="0"/>
               </a:rPr>
-              <a:t>	-x- = 010 in binary = 2</a:t>
-            </a:r>
-          </a:p>
-          <a:p>
-            <a:pPr eaLnBrk="1" hangingPunct="1"/>
-            <a:r>
-              <a:rPr lang="en-US" altLang="en-US">
+              <a:t>	</a:t>
+            </a:r>
+            <a:r>
+              <a:rPr lang="en-US" altLang="en-US" dirty="0" err="1">
                 <a:latin typeface="Courier New" panose="02070309020205020404" pitchFamily="49" charset="0"/>
                 <a:cs typeface="Courier New" panose="02070309020205020404" pitchFamily="49" charset="0"/>
               </a:rPr>
+              <a:t>rw</a:t>
+            </a:r>
+            <a:r>
+              <a:rPr lang="en-US" altLang="en-US" dirty="0">
+                <a:latin typeface="Courier New" panose="02070309020205020404" pitchFamily="49" charset="0"/>
+                <a:cs typeface="Courier New" panose="02070309020205020404" pitchFamily="49" charset="0"/>
+              </a:rPr>
+              <a:t>- </a:t>
+            </a:r>
+            <a:r>
+              <a:rPr lang="en-US" altLang="en-US" dirty="0" err="1">
+                <a:latin typeface="Courier New" panose="02070309020205020404" pitchFamily="49" charset="0"/>
+                <a:cs typeface="Courier New" panose="02070309020205020404" pitchFamily="49" charset="0"/>
+              </a:rPr>
+              <a:t>rw</a:t>
+            </a:r>
+            <a:r>
+              <a:rPr lang="en-US" altLang="en-US" dirty="0">
+                <a:latin typeface="Courier New" panose="02070309020205020404" pitchFamily="49" charset="0"/>
+                <a:cs typeface="Courier New" panose="02070309020205020404" pitchFamily="49" charset="0"/>
+              </a:rPr>
+              <a:t>- </a:t>
+            </a:r>
+            <a:r>
+              <a:rPr lang="en-US" altLang="en-US" dirty="0" err="1">
+                <a:latin typeface="Courier New" panose="02070309020205020404" pitchFamily="49" charset="0"/>
+                <a:cs typeface="Courier New" panose="02070309020205020404" pitchFamily="49" charset="0"/>
+              </a:rPr>
+              <a:t>rw</a:t>
+            </a:r>
+            <a:r>
+              <a:rPr lang="en-US" altLang="en-US" dirty="0">
+                <a:latin typeface="Courier New" panose="02070309020205020404" pitchFamily="49" charset="0"/>
+                <a:cs typeface="Courier New" panose="02070309020205020404" pitchFamily="49" charset="0"/>
+              </a:rPr>
+              <a:t>- = 110 110 </a:t>
+            </a:r>
+            <a:r>
+              <a:rPr lang="en-US" altLang="en-US" dirty="0" smtClean="0">
+                <a:latin typeface="Courier New" panose="02070309020205020404" pitchFamily="49" charset="0"/>
+                <a:cs typeface="Courier New" panose="02070309020205020404" pitchFamily="49" charset="0"/>
+              </a:rPr>
+              <a:t>110 = 666</a:t>
+            </a:r>
+            <a:endParaRPr lang="en-US" altLang="en-US" dirty="0">
+              <a:latin typeface="Courier New" panose="02070309020205020404" pitchFamily="49" charset="0"/>
+              <a:cs typeface="Courier New" panose="02070309020205020404" pitchFamily="49" charset="0"/>
+            </a:endParaRPr>
+          </a:p>
+          <a:p>
+            <a:pPr eaLnBrk="1" hangingPunct="1"/>
+            <a:r>
+              <a:rPr lang="en-US" altLang="en-US" dirty="0">
+                <a:latin typeface="Courier New" panose="02070309020205020404" pitchFamily="49" charset="0"/>
+                <a:cs typeface="Courier New" panose="02070309020205020404" pitchFamily="49" charset="0"/>
+              </a:rPr>
+              <a:t>	</a:t>
+            </a:r>
+            <a:r>
+              <a:rPr lang="en-US" altLang="en-US" dirty="0" err="1">
+                <a:latin typeface="Courier New" panose="02070309020205020404" pitchFamily="49" charset="0"/>
+                <a:cs typeface="Courier New" panose="02070309020205020404" pitchFamily="49" charset="0"/>
+              </a:rPr>
+              <a:t>rwx</a:t>
+            </a:r>
+            <a:r>
+              <a:rPr lang="en-US" altLang="en-US" dirty="0">
+                <a:latin typeface="Courier New" panose="02070309020205020404" pitchFamily="49" charset="0"/>
+                <a:cs typeface="Courier New" panose="02070309020205020404" pitchFamily="49" charset="0"/>
+              </a:rPr>
+              <a:t> --- --- = 111 000 </a:t>
+            </a:r>
+            <a:r>
+              <a:rPr lang="en-US" altLang="en-US" dirty="0" smtClean="0">
+                <a:latin typeface="Courier New" panose="02070309020205020404" pitchFamily="49" charset="0"/>
+                <a:cs typeface="Courier New" panose="02070309020205020404" pitchFamily="49" charset="0"/>
+              </a:rPr>
+              <a:t>000 = 700</a:t>
+            </a:r>
+            <a:endParaRPr lang="en-US" altLang="en-US" dirty="0">
+              <a:latin typeface="Courier New" panose="02070309020205020404" pitchFamily="49" charset="0"/>
+              <a:cs typeface="Courier New" panose="02070309020205020404" pitchFamily="49" charset="0"/>
+            </a:endParaRPr>
+          </a:p>
+          <a:p>
+            <a:pPr eaLnBrk="1" hangingPunct="1"/>
+            <a:endParaRPr lang="en-US" altLang="en-US" dirty="0"/>
+          </a:p>
+          <a:p>
+            <a:pPr eaLnBrk="1" hangingPunct="1"/>
+            <a:r>
+              <a:rPr lang="en-US" altLang="en-US" dirty="0">
+                <a:solidFill>
+                  <a:srgbClr val="7030A0"/>
+                </a:solidFill>
+              </a:rPr>
+              <a:t>and so on...</a:t>
+            </a:r>
+          </a:p>
+          <a:p>
+            <a:pPr eaLnBrk="1" hangingPunct="1"/>
+            <a:endParaRPr lang="en-US" altLang="en-US" dirty="0"/>
+          </a:p>
+          <a:p>
+            <a:pPr eaLnBrk="1" hangingPunct="1"/>
+            <a:r>
+              <a:rPr lang="en-US" altLang="en-US" dirty="0">
+                <a:latin typeface="Courier New" panose="02070309020205020404" pitchFamily="49" charset="0"/>
+                <a:cs typeface="Courier New" panose="02070309020205020404" pitchFamily="49" charset="0"/>
+              </a:rPr>
+              <a:t>	</a:t>
+            </a:r>
+            <a:r>
+              <a:rPr lang="en-US" altLang="en-US" dirty="0" err="1">
+                <a:latin typeface="Courier New" panose="02070309020205020404" pitchFamily="49" charset="0"/>
+                <a:cs typeface="Courier New" panose="02070309020205020404" pitchFamily="49" charset="0"/>
+              </a:rPr>
+              <a:t>rwx</a:t>
+            </a:r>
+            <a:r>
+              <a:rPr lang="en-US" altLang="en-US" dirty="0">
+                <a:latin typeface="Courier New" panose="02070309020205020404" pitchFamily="49" charset="0"/>
+                <a:cs typeface="Courier New" panose="02070309020205020404" pitchFamily="49" charset="0"/>
+              </a:rPr>
+              <a:t> = 111 in binary = 7</a:t>
+            </a:r>
+          </a:p>
+          <a:p>
+            <a:pPr eaLnBrk="1" hangingPunct="1"/>
+            <a:r>
+              <a:rPr lang="en-US" altLang="en-US" dirty="0">
+                <a:latin typeface="Courier New" panose="02070309020205020404" pitchFamily="49" charset="0"/>
+                <a:cs typeface="Courier New" panose="02070309020205020404" pitchFamily="49" charset="0"/>
+              </a:rPr>
+              <a:t>	</a:t>
+            </a:r>
+            <a:r>
+              <a:rPr lang="en-US" altLang="en-US" dirty="0" err="1">
+                <a:latin typeface="Courier New" panose="02070309020205020404" pitchFamily="49" charset="0"/>
+                <a:cs typeface="Courier New" panose="02070309020205020404" pitchFamily="49" charset="0"/>
+              </a:rPr>
+              <a:t>rw</a:t>
+            </a:r>
+            <a:r>
+              <a:rPr lang="en-US" altLang="en-US" dirty="0">
+                <a:latin typeface="Courier New" panose="02070309020205020404" pitchFamily="49" charset="0"/>
+                <a:cs typeface="Courier New" panose="02070309020205020404" pitchFamily="49" charset="0"/>
+              </a:rPr>
+              <a:t>- = 110 in binary = 6</a:t>
+            </a:r>
+          </a:p>
+          <a:p>
+            <a:pPr eaLnBrk="1" hangingPunct="1"/>
+            <a:r>
+              <a:rPr lang="en-US" altLang="en-US" dirty="0">
+                <a:latin typeface="Courier New" panose="02070309020205020404" pitchFamily="49" charset="0"/>
+                <a:cs typeface="Courier New" panose="02070309020205020404" pitchFamily="49" charset="0"/>
+              </a:rPr>
+              <a:t>	r-x = 101 in binary = 5</a:t>
+            </a:r>
+          </a:p>
+          <a:p>
+            <a:pPr eaLnBrk="1" hangingPunct="1"/>
+            <a:r>
+              <a:rPr lang="en-US" altLang="en-US" dirty="0">
+                <a:latin typeface="Courier New" panose="02070309020205020404" pitchFamily="49" charset="0"/>
+                <a:cs typeface="Courier New" panose="02070309020205020404" pitchFamily="49" charset="0"/>
+              </a:rPr>
+              <a:t>	r-- = 100 in binary = 4</a:t>
+            </a:r>
+          </a:p>
+          <a:p>
+            <a:pPr eaLnBrk="1" hangingPunct="1"/>
+            <a:r>
+              <a:rPr lang="en-US" altLang="en-US" dirty="0">
+                <a:latin typeface="Courier New" panose="02070309020205020404" pitchFamily="49" charset="0"/>
+                <a:cs typeface="Courier New" panose="02070309020205020404" pitchFamily="49" charset="0"/>
+              </a:rPr>
+              <a:t>	-xx = 011 in binary = 3</a:t>
+            </a:r>
+          </a:p>
+          <a:p>
+            <a:pPr eaLnBrk="1" hangingPunct="1"/>
+            <a:r>
+              <a:rPr lang="en-US" altLang="en-US" dirty="0">
+                <a:latin typeface="Courier New" panose="02070309020205020404" pitchFamily="49" charset="0"/>
+                <a:cs typeface="Courier New" panose="02070309020205020404" pitchFamily="49" charset="0"/>
+              </a:rPr>
+              <a:t>	-x- = 010 in binary = 2</a:t>
+            </a:r>
+          </a:p>
+          <a:p>
+            <a:pPr eaLnBrk="1" hangingPunct="1"/>
+            <a:r>
+              <a:rPr lang="en-US" altLang="en-US" dirty="0">
+                <a:latin typeface="Courier New" panose="02070309020205020404" pitchFamily="49" charset="0"/>
+                <a:cs typeface="Courier New" panose="02070309020205020404" pitchFamily="49" charset="0"/>
+              </a:rPr>
               <a:t>	--x = 001 in binary = 1</a:t>
             </a:r>
           </a:p>
           <a:p>
             <a:pPr eaLnBrk="1" hangingPunct="1"/>
             <a:r>
-              <a:rPr lang="en-US" altLang="en-US">
+              <a:rPr lang="en-US" altLang="en-US" dirty="0">
                 <a:latin typeface="Courier New" panose="02070309020205020404" pitchFamily="49" charset="0"/>
                 <a:cs typeface="Courier New" panose="02070309020205020404" pitchFamily="49" charset="0"/>
               </a:rPr>
@@ -9587,7 +10061,7 @@
         </p:nvSpPr>
         <p:spPr>
           <a:xfrm>
-            <a:off x="6041892" y="4349773"/>
+            <a:off x="6041892" y="4019560"/>
             <a:ext cx="715618" cy="2355574"/>
           </a:xfrm>
           <a:prstGeom prst="rightBrace">
@@ -9628,7 +10102,7 @@
         </p:nvSpPr>
         <p:spPr>
           <a:xfrm>
-            <a:off x="6757510" y="5342894"/>
+            <a:off x="6757510" y="5012681"/>
             <a:ext cx="855875" cy="369332"/>
           </a:xfrm>
           <a:prstGeom prst="rect">
@@ -9650,213 +10124,24 @@
           </a:p>
         </p:txBody>
       </p:sp>
-    </p:spTree>
-    <p:extLst>
-      <p:ext uri="{BB962C8B-B14F-4D97-AF65-F5344CB8AC3E}">
-        <p14:creationId xmlns:p14="http://schemas.microsoft.com/office/powerpoint/2010/main" val="343131066"/>
-      </p:ext>
-    </p:extLst>
-  </p:cSld>
-  <p:clrMapOvr>
-    <a:masterClrMapping/>
-  </p:clrMapOvr>
-  <p:timing>
-    <p:tnLst>
-      <p:par>
-        <p:cTn id="1" dur="indefinite" restart="never" nodeType="tmRoot"/>
-      </p:par>
-    </p:tnLst>
-  </p:timing>
-</p:sld>
-</file>
-
-<file path=ppt/slides/slide15.xml><?xml version="1.0" encoding="utf-8"?>
-<p:sld xmlns:a="http://schemas.openxmlformats.org/drawingml/2006/main" xmlns:r="http://schemas.openxmlformats.org/officeDocument/2006/relationships" xmlns:p="http://schemas.openxmlformats.org/presentationml/2006/main">
-  <p:cSld>
-    <p:spTree>
-      <p:nvGrpSpPr>
-        <p:cNvPr id="1" name=""/>
-        <p:cNvGrpSpPr/>
-        <p:nvPr/>
-      </p:nvGrpSpPr>
-      <p:grpSpPr>
-        <a:xfrm>
-          <a:off x="0" y="0"/>
-          <a:ext cx="0" cy="0"/>
-          <a:chOff x="0" y="0"/>
-          <a:chExt cx="0" cy="0"/>
-        </a:xfrm>
-      </p:grpSpPr>
       <p:sp>
         <p:nvSpPr>
-          <p:cNvPr id="5" name="Rectangle 4"/>
-          <p:cNvSpPr/>
-          <p:nvPr/>
-        </p:nvSpPr>
-        <p:spPr>
-          <a:xfrm>
-            <a:off x="0" y="0"/>
-            <a:ext cx="9144000" cy="6858000"/>
-          </a:xfrm>
-          <a:prstGeom prst="rect">
-            <a:avLst/>
-          </a:prstGeom>
-          <a:pattFill prst="wdDnDiag">
-            <a:fgClr>
-              <a:srgbClr val="FF0000"/>
-            </a:fgClr>
-            <a:bgClr>
-              <a:schemeClr val="bg1"/>
-            </a:bgClr>
-          </a:pattFill>
-          <a:ln>
-            <a:noFill/>
-          </a:ln>
-        </p:spPr>
-        <p:style>
-          <a:lnRef idx="2">
-            <a:schemeClr val="accent1">
-              <a:shade val="50000"/>
-            </a:schemeClr>
-          </a:lnRef>
-          <a:fillRef idx="1">
-            <a:schemeClr val="accent1"/>
-          </a:fillRef>
-          <a:effectRef idx="0">
-            <a:schemeClr val="accent1"/>
-          </a:effectRef>
-          <a:fontRef idx="minor">
-            <a:schemeClr val="lt1"/>
-          </a:fontRef>
-        </p:style>
-        <p:txBody>
-          <a:bodyPr rtlCol="0" anchor="ctr"/>
-          <a:lstStyle/>
-          <a:p>
-            <a:pPr algn="ctr"/>
-            <a:endParaRPr lang="en-US"/>
-          </a:p>
-        </p:txBody>
-      </p:sp>
-      <p:sp>
-        <p:nvSpPr>
-          <p:cNvPr id="2" name="Title 1"/>
-          <p:cNvSpPr>
-            <a:spLocks noGrp="1"/>
-          </p:cNvSpPr>
-          <p:nvPr>
-            <p:ph type="title"/>
-          </p:nvPr>
-        </p:nvSpPr>
-        <p:spPr>
-          <a:solidFill>
-            <a:schemeClr val="bg1"/>
-          </a:solidFill>
-        </p:spPr>
-        <p:txBody>
-          <a:bodyPr>
-            <a:normAutofit/>
-          </a:bodyPr>
-          <a:lstStyle/>
-          <a:p>
-            <a:pPr algn="ctr"/>
-            <a:r>
-              <a:rPr lang="en-US" sz="8800" b="1" dirty="0" smtClean="0">
-                <a:solidFill>
-                  <a:srgbClr val="FF0000"/>
-                </a:solidFill>
-              </a:rPr>
-              <a:t>DANGER</a:t>
-            </a:r>
-            <a:endParaRPr lang="en-US" sz="8800" b="1" dirty="0">
-              <a:solidFill>
-                <a:srgbClr val="FF0000"/>
-              </a:solidFill>
-            </a:endParaRPr>
-          </a:p>
-        </p:txBody>
-      </p:sp>
-      <p:sp>
-        <p:nvSpPr>
-          <p:cNvPr id="3" name="Title 1"/>
-          <p:cNvSpPr txBox="1">
-            <a:spLocks/>
-          </p:cNvSpPr>
-          <p:nvPr/>
-        </p:nvSpPr>
-        <p:spPr>
-          <a:xfrm>
-            <a:off x="729011" y="5111828"/>
-            <a:ext cx="7886700" cy="1325563"/>
-          </a:xfrm>
-          <a:prstGeom prst="rect">
-            <a:avLst/>
-          </a:prstGeom>
-          <a:solidFill>
-            <a:schemeClr val="bg1"/>
-          </a:solidFill>
-        </p:spPr>
-        <p:txBody>
-          <a:bodyPr vert="horz" lIns="91440" tIns="45720" rIns="91440" bIns="45720" rtlCol="0" anchor="ctr">
-            <a:normAutofit/>
-          </a:bodyPr>
-          <a:lstStyle>
-            <a:lvl1pPr algn="l" defTabSz="914400" rtl="0" eaLnBrk="1" latinLnBrk="0" hangingPunct="1">
-              <a:lnSpc>
-                <a:spcPct val="90000"/>
-              </a:lnSpc>
-              <a:spcBef>
-                <a:spcPct val="0"/>
-              </a:spcBef>
-              <a:buNone/>
-              <a:defRPr sz="4400" kern="1200">
-                <a:solidFill>
-                  <a:schemeClr val="tx1"/>
-                </a:solidFill>
-                <a:latin typeface="+mj-lt"/>
-                <a:ea typeface="+mj-ea"/>
-                <a:cs typeface="+mj-cs"/>
-              </a:defRPr>
-            </a:lvl1pPr>
-          </a:lstStyle>
-          <a:p>
-            <a:pPr algn="ctr"/>
-            <a:r>
-              <a:rPr lang="en-US" sz="8800" b="1" dirty="0" smtClean="0">
-                <a:solidFill>
-                  <a:srgbClr val="FF0000"/>
-                </a:solidFill>
-              </a:rPr>
-              <a:t>DANGER</a:t>
-            </a:r>
-            <a:endParaRPr lang="en-US" sz="8800" b="1" dirty="0">
-              <a:solidFill>
-                <a:srgbClr val="FF0000"/>
-              </a:solidFill>
-            </a:endParaRPr>
-          </a:p>
-        </p:txBody>
-      </p:sp>
-      <p:sp>
-        <p:nvSpPr>
-          <p:cNvPr id="4" name="TextBox 3"/>
+          <p:cNvPr id="5" name="TextBox 4"/>
           <p:cNvSpPr txBox="1"/>
           <p:nvPr/>
         </p:nvSpPr>
         <p:spPr>
           <a:xfrm>
-            <a:off x="992458" y="2639123"/>
-            <a:ext cx="7159083" cy="1477328"/>
+            <a:off x="2683928" y="2119868"/>
+            <a:ext cx="1872629" cy="369332"/>
           </a:xfrm>
           <a:prstGeom prst="rect">
             <a:avLst/>
           </a:prstGeom>
-          <a:solidFill>
-            <a:schemeClr val="bg1"/>
-          </a:solidFill>
+          <a:noFill/>
         </p:spPr>
         <p:txBody>
-          <a:bodyPr wrap="square" rtlCol="0">
+          <a:bodyPr wrap="none" rtlCol="0">
             <a:spAutoFit/>
           </a:bodyPr>
           <a:lstStyle/>
@@ -9864,112 +10149,37 @@
             <a:r>
               <a:rPr lang="en-US" b="1" dirty="0" err="1" smtClean="0">
                 <a:solidFill>
-                  <a:srgbClr val="7030A0"/>
-                </a:solidFill>
-              </a:rPr>
-              <a:t>rm</a:t>
+                  <a:schemeClr val="accent5">
+                    <a:lumMod val="75000"/>
+                  </a:schemeClr>
+                </a:solidFill>
+              </a:rPr>
+              <a:t>Usr</a:t>
             </a:r>
             <a:r>
               <a:rPr lang="en-US" b="1" dirty="0" smtClean="0">
                 <a:solidFill>
-                  <a:srgbClr val="7030A0"/>
-                </a:solidFill>
-              </a:rPr>
-              <a:t> –</a:t>
-            </a:r>
-            <a:r>
-              <a:rPr lang="en-US" b="1" dirty="0" err="1" smtClean="0">
-                <a:solidFill>
-                  <a:srgbClr val="7030A0"/>
-                </a:solidFill>
-              </a:rPr>
-              <a:t>Rf</a:t>
-            </a:r>
-            <a:r>
-              <a:rPr lang="en-US" b="1" dirty="0" smtClean="0">
-                <a:solidFill>
-                  <a:srgbClr val="7030A0"/>
-                </a:solidFill>
-              </a:rPr>
-              <a:t> </a:t>
-            </a:r>
-            <a:r>
-              <a:rPr lang="en-US" dirty="0" smtClean="0"/>
-              <a:t>is very powerful … you can wipe out </a:t>
-            </a:r>
-            <a:r>
-              <a:rPr lang="en-US" b="1" dirty="0" smtClean="0">
-                <a:solidFill>
-                  <a:srgbClr val="00B0F0"/>
-                </a:solidFill>
-              </a:rPr>
-              <a:t>all of your work </a:t>
-            </a:r>
-            <a:r>
-              <a:rPr lang="en-US" dirty="0" smtClean="0"/>
-              <a:t>and the </a:t>
-            </a:r>
-            <a:r>
-              <a:rPr lang="en-US" b="1" dirty="0" smtClean="0">
-                <a:solidFill>
-                  <a:srgbClr val="00B0F0"/>
-                </a:solidFill>
-              </a:rPr>
-              <a:t>operating system </a:t>
-            </a:r>
-            <a:r>
-              <a:rPr lang="en-US" dirty="0" smtClean="0"/>
-              <a:t>if used incorrectly!</a:t>
-            </a:r>
-          </a:p>
-          <a:p>
-            <a:endParaRPr lang="en-US" dirty="0"/>
-          </a:p>
-          <a:p>
-            <a:r>
-              <a:rPr lang="en-US" dirty="0" smtClean="0"/>
-              <a:t>I suggest </a:t>
-            </a:r>
-            <a:r>
-              <a:rPr lang="en-US" b="1" dirty="0" smtClean="0">
-                <a:solidFill>
-                  <a:srgbClr val="FF0000"/>
-                </a:solidFill>
-              </a:rPr>
-              <a:t>NEVER</a:t>
-            </a:r>
-            <a:r>
-              <a:rPr lang="en-US" dirty="0" smtClean="0">
-                <a:solidFill>
-                  <a:srgbClr val="FF0000"/>
-                </a:solidFill>
-              </a:rPr>
-              <a:t> </a:t>
-            </a:r>
-            <a:r>
-              <a:rPr lang="en-US" dirty="0" smtClean="0"/>
-              <a:t>deleting anything and if you do, just use </a:t>
-            </a:r>
-            <a:r>
-              <a:rPr lang="en-US" b="1" dirty="0" smtClean="0">
-                <a:solidFill>
-                  <a:srgbClr val="7030A0"/>
-                </a:solidFill>
-              </a:rPr>
-              <a:t>rm</a:t>
-            </a:r>
-            <a:r>
-              <a:rPr lang="en-US" dirty="0" smtClean="0"/>
-              <a:t>. The recursive and force can be vary dangerous … you have been warned.</a:t>
-            </a:r>
-            <a:endParaRPr lang="en-US" dirty="0"/>
+                  <a:schemeClr val="accent5">
+                    <a:lumMod val="75000"/>
+                  </a:schemeClr>
+                </a:solidFill>
+              </a:rPr>
+              <a:t>     Grp   Other</a:t>
+            </a:r>
+            <a:endParaRPr lang="en-US" b="1" dirty="0">
+              <a:solidFill>
+                <a:schemeClr val="accent5">
+                  <a:lumMod val="75000"/>
+                </a:schemeClr>
+              </a:solidFill>
+            </a:endParaRPr>
           </a:p>
         </p:txBody>
       </p:sp>
     </p:spTree>
     <p:extLst>
       <p:ext uri="{BB962C8B-B14F-4D97-AF65-F5344CB8AC3E}">
-        <p14:creationId xmlns:p14="http://schemas.microsoft.com/office/powerpoint/2010/main" val="3191714669"/>
+        <p14:creationId xmlns:p14="http://schemas.microsoft.com/office/powerpoint/2010/main" val="343131066"/>
       </p:ext>
     </p:extLst>
   </p:cSld>
@@ -10070,11 +10280,7 @@
             </a:r>
             <a:r>
               <a:rPr lang="en-US" dirty="0" smtClean="0"/>
-              <a:t> and top are </a:t>
-            </a:r>
-            <a:r>
-              <a:rPr lang="en-US" dirty="0" smtClean="0"/>
-              <a:t>nice, but </a:t>
+              <a:t> and top are nice, but </a:t>
             </a:r>
             <a:r>
               <a:rPr lang="en-US" dirty="0" err="1" smtClean="0"/>
@@ -10183,15 +10389,15 @@
           <a:p>
             <a:r>
               <a:rPr lang="en-US" dirty="0" err="1" smtClean="0"/>
+              <a:t>nano</a:t>
+            </a:r>
+            <a:r>
+              <a:rPr lang="en-US" dirty="0" smtClean="0"/>
+              <a:t> (or </a:t>
+            </a:r>
+            <a:r>
+              <a:rPr lang="en-US" dirty="0" err="1" smtClean="0"/>
               <a:t>pico</a:t>
-            </a:r>
-            <a:r>
-              <a:rPr lang="en-US" dirty="0" smtClean="0"/>
-              <a:t> (only on </a:t>
-            </a:r>
-            <a:r>
-              <a:rPr lang="en-US" dirty="0" err="1" smtClean="0"/>
-              <a:t>liux</a:t>
             </a:r>
             <a:r>
               <a:rPr lang="en-US" dirty="0" smtClean="0"/>
@@ -10326,7 +10532,7 @@
           <a:p>
             <a:r>
               <a:rPr lang="en-US" dirty="0" smtClean="0"/>
-              <a:t>Your Turn</a:t>
+              <a:t>Hands On/Demo</a:t>
             </a:r>
             <a:endParaRPr lang="en-US" dirty="0"/>
           </a:p>
@@ -10350,283 +10556,50 @@
         </p:spPr>
         <p:txBody>
           <a:bodyPr>
-            <a:normAutofit fontScale="77500" lnSpcReduction="20000"/>
+            <a:normAutofit/>
           </a:bodyPr>
           <a:lstStyle/>
           <a:p>
             <a:r>
+              <a:rPr lang="en-US" dirty="0" smtClean="0"/>
+              <a:t>Refer </a:t>
+            </a:r>
+            <a:r>
+              <a:rPr lang="en-US" dirty="0" smtClean="0"/>
+              <a:t>to the cheat sheet on the webpage for help with these commands (or these slides)</a:t>
+            </a:r>
+          </a:p>
+          <a:p>
+            <a:r>
+              <a:rPr lang="en-US" dirty="0" smtClean="0"/>
+              <a:t>Try</a:t>
+            </a:r>
+            <a:r>
+              <a:rPr lang="en-US" dirty="0" smtClean="0"/>
+              <a:t>:</a:t>
+            </a:r>
+          </a:p>
+          <a:p>
+            <a:pPr lvl="1"/>
+            <a:r>
+              <a:rPr lang="en-US" dirty="0" smtClean="0"/>
+              <a:t>Change into your home directory (if not already there) with </a:t>
+            </a:r>
+            <a:r>
+              <a:rPr lang="en-US" b="1" dirty="0" smtClean="0">
+                <a:solidFill>
+                  <a:srgbClr val="7030A0"/>
+                </a:solidFill>
+              </a:rPr>
+              <a:t>cd</a:t>
+            </a:r>
+            <a:r>
               <a:rPr lang="en-US" dirty="0" smtClean="0">
                 <a:solidFill>
-                  <a:srgbClr val="FF0000"/>
-                </a:solidFill>
-              </a:rPr>
-              <a:t>Individually</a:t>
-            </a:r>
-            <a:r>
-              <a:rPr lang="en-US" dirty="0" smtClean="0"/>
-              <a:t> log into your </a:t>
-            </a:r>
-            <a:r>
-              <a:rPr lang="en-US" dirty="0" err="1" smtClean="0"/>
-              <a:t>roomba</a:t>
-            </a:r>
-            <a:r>
-              <a:rPr lang="en-US" dirty="0" smtClean="0"/>
-              <a:t> robot.</a:t>
-            </a:r>
-          </a:p>
-          <a:p>
-            <a:pPr lvl="1"/>
-            <a:r>
-              <a:rPr lang="en-US" dirty="0" smtClean="0"/>
-              <a:t>Join its </a:t>
-            </a:r>
-            <a:r>
-              <a:rPr lang="en-US" dirty="0" err="1" smtClean="0"/>
-              <a:t>wifi</a:t>
-            </a:r>
-            <a:r>
-              <a:rPr lang="en-US" dirty="0" smtClean="0"/>
-              <a:t> network</a:t>
-            </a:r>
-          </a:p>
-          <a:p>
-            <a:pPr lvl="1"/>
-            <a:r>
-              <a:rPr lang="en-US" dirty="0" smtClean="0"/>
-              <a:t>Login:</a:t>
-            </a:r>
-            <a:endParaRPr lang="en-US" dirty="0" smtClean="0"/>
-          </a:p>
-          <a:p>
-            <a:pPr lvl="2"/>
-            <a:r>
-              <a:rPr lang="en-US" dirty="0"/>
-              <a:t>u</a:t>
-            </a:r>
-            <a:r>
-              <a:rPr lang="en-US" dirty="0" smtClean="0"/>
-              <a:t>sername: </a:t>
-            </a:r>
-            <a:r>
-              <a:rPr lang="en-US" dirty="0" err="1" smtClean="0"/>
-              <a:t>mday</a:t>
-            </a:r>
-            <a:r>
-              <a:rPr lang="en-US" dirty="0" smtClean="0"/>
-              <a:t> or </a:t>
-            </a:r>
-            <a:r>
-              <a:rPr lang="en-US" dirty="0" err="1" smtClean="0"/>
-              <a:t>tday</a:t>
-            </a:r>
-            <a:endParaRPr lang="en-US" dirty="0" smtClean="0"/>
-          </a:p>
-          <a:p>
-            <a:pPr lvl="2"/>
-            <a:r>
-              <a:rPr lang="en-US" dirty="0" smtClean="0"/>
-              <a:t>password: </a:t>
-            </a:r>
-            <a:r>
-              <a:rPr lang="en-US" dirty="0" smtClean="0"/>
-              <a:t>raspberry</a:t>
-            </a:r>
-          </a:p>
-          <a:p>
-            <a:pPr lvl="1"/>
-            <a:r>
-              <a:rPr lang="en-US" b="1" dirty="0" smtClean="0">
-                <a:solidFill>
-                  <a:srgbClr val="FF0000"/>
-                </a:solidFill>
-              </a:rPr>
-              <a:t>NEVER LOG IN AS ANOTHER DAY</a:t>
-            </a:r>
-            <a:endParaRPr lang="en-US" b="1" dirty="0" smtClean="0">
-              <a:solidFill>
-                <a:srgbClr val="FF0000"/>
-              </a:solidFill>
-            </a:endParaRPr>
-          </a:p>
-          <a:p>
-            <a:r>
-              <a:rPr lang="en-US" dirty="0" smtClean="0"/>
-              <a:t>Refer to the cheat sheet on the webpage for help with these commands (or these slides)</a:t>
-            </a:r>
-          </a:p>
-          <a:p>
-            <a:r>
-              <a:rPr lang="en-US" dirty="0" smtClean="0"/>
-              <a:t>Try:</a:t>
-            </a:r>
-          </a:p>
-          <a:p>
-            <a:pPr lvl="1"/>
-            <a:r>
-              <a:rPr lang="en-US" dirty="0" smtClean="0"/>
-              <a:t>Make a directory called </a:t>
-            </a:r>
-            <a:r>
-              <a:rPr lang="en-US" dirty="0" err="1" smtClean="0">
-                <a:solidFill>
-                  <a:srgbClr val="00B050"/>
-                </a:solidFill>
-              </a:rPr>
-              <a:t>your_name</a:t>
-            </a:r>
-            <a:r>
-              <a:rPr lang="en-US" dirty="0" smtClean="0"/>
-              <a:t> </a:t>
-            </a:r>
-            <a:r>
-              <a:rPr lang="en-US" dirty="0" smtClean="0"/>
-              <a:t>(remember, others are login in too) and </a:t>
-            </a:r>
-            <a:r>
-              <a:rPr lang="en-US" dirty="0" smtClean="0"/>
-              <a:t>change into that directory</a:t>
-            </a:r>
-          </a:p>
-          <a:p>
-            <a:pPr lvl="1"/>
-            <a:r>
-              <a:rPr lang="en-US" dirty="0" smtClean="0"/>
-              <a:t>Create a file with </a:t>
-            </a:r>
-            <a:r>
-              <a:rPr lang="en-US" b="1" dirty="0" smtClean="0">
-                <a:solidFill>
                   <a:srgbClr val="7030A0"/>
                 </a:solidFill>
               </a:rPr>
-              <a:t>touch</a:t>
-            </a:r>
-            <a:r>
-              <a:rPr lang="en-US" dirty="0" smtClean="0"/>
-              <a:t> called </a:t>
-            </a:r>
-            <a:r>
-              <a:rPr lang="en-US" dirty="0" smtClean="0">
-                <a:solidFill>
-                  <a:srgbClr val="00B050"/>
-                </a:solidFill>
-              </a:rPr>
-              <a:t>test.py</a:t>
-            </a:r>
-            <a:endParaRPr lang="en-US" dirty="0" smtClean="0">
-              <a:solidFill>
-                <a:srgbClr val="00B050"/>
-              </a:solidFill>
-            </a:endParaRPr>
-          </a:p>
-          <a:p>
-            <a:pPr lvl="1"/>
-            <a:r>
-              <a:rPr lang="en-US" dirty="0" smtClean="0"/>
-              <a:t>Edit it with </a:t>
-            </a:r>
-            <a:r>
-              <a:rPr lang="en-US" b="1" dirty="0" err="1" smtClean="0">
-                <a:solidFill>
-                  <a:srgbClr val="7030A0"/>
-                </a:solidFill>
-              </a:rPr>
-              <a:t>pico</a:t>
-            </a:r>
-            <a:r>
-              <a:rPr lang="en-US" dirty="0" smtClean="0">
-                <a:solidFill>
-                  <a:srgbClr val="7030A0"/>
-                </a:solidFill>
-              </a:rPr>
-              <a:t> </a:t>
-            </a:r>
-            <a:r>
-              <a:rPr lang="en-US" dirty="0" smtClean="0"/>
-              <a:t>and type:</a:t>
-            </a:r>
-          </a:p>
-          <a:p>
-            <a:pPr lvl="2"/>
-            <a:r>
-              <a:rPr lang="en-US" dirty="0" smtClean="0"/>
-              <a:t>#!/</a:t>
-            </a:r>
-            <a:r>
-              <a:rPr lang="en-US" dirty="0" err="1" smtClean="0"/>
-              <a:t>usr</a:t>
-            </a:r>
-            <a:r>
-              <a:rPr lang="en-US" dirty="0" smtClean="0"/>
-              <a:t>/bin/</a:t>
-            </a:r>
-            <a:r>
-              <a:rPr lang="en-US" dirty="0" err="1" smtClean="0"/>
-              <a:t>env</a:t>
-            </a:r>
-            <a:r>
-              <a:rPr lang="en-US" dirty="0" smtClean="0"/>
-              <a:t> python</a:t>
-            </a:r>
-          </a:p>
-          <a:p>
-            <a:pPr lvl="2"/>
-            <a:r>
-              <a:rPr lang="en-US" dirty="0" smtClean="0"/>
-              <a:t>print ‘hello world’</a:t>
-            </a:r>
-            <a:endParaRPr lang="en-US" dirty="0" smtClean="0"/>
-          </a:p>
-          <a:p>
-            <a:pPr lvl="1"/>
-            <a:r>
-              <a:rPr lang="en-US" dirty="0" smtClean="0"/>
-              <a:t>Make </a:t>
-            </a:r>
-            <a:r>
-              <a:rPr lang="en-US" dirty="0" smtClean="0">
-                <a:solidFill>
-                  <a:srgbClr val="00B050"/>
-                </a:solidFill>
-              </a:rPr>
-              <a:t>test.py</a:t>
-            </a:r>
-            <a:r>
-              <a:rPr lang="en-US" dirty="0" smtClean="0"/>
-              <a:t> executable with </a:t>
-            </a:r>
-            <a:r>
-              <a:rPr lang="en-US" dirty="0" err="1" smtClean="0">
-                <a:solidFill>
-                  <a:srgbClr val="7030A0"/>
-                </a:solidFill>
-              </a:rPr>
-              <a:t>chmod</a:t>
-            </a:r>
-            <a:r>
-              <a:rPr lang="en-US" dirty="0" smtClean="0">
-                <a:solidFill>
-                  <a:srgbClr val="7030A0"/>
-                </a:solidFill>
-              </a:rPr>
-              <a:t> </a:t>
-            </a:r>
-            <a:r>
-              <a:rPr lang="en-US" dirty="0" err="1" smtClean="0">
-                <a:solidFill>
-                  <a:srgbClr val="7030A0"/>
-                </a:solidFill>
-              </a:rPr>
-              <a:t>a+x</a:t>
-            </a:r>
-            <a:r>
-              <a:rPr lang="en-US" dirty="0" smtClean="0">
-                <a:solidFill>
-                  <a:srgbClr val="7030A0"/>
-                </a:solidFill>
-              </a:rPr>
-              <a:t> test.py</a:t>
+              <a:t> ~</a:t>
             </a:r>
             <a:endParaRPr lang="en-US" dirty="0" smtClean="0">
               <a:solidFill>
@@ -10638,6 +10611,168 @@
             <a:pPr lvl="1"/>
             <a:r>
               <a:rPr lang="en-US" dirty="0" smtClean="0"/>
+              <a:t>Make a directory called </a:t>
+            </a:r>
+            <a:r>
+              <a:rPr lang="en-US" dirty="0" err="1" smtClean="0">
+                <a:solidFill>
+                  <a:srgbClr val="00B050"/>
+                </a:solidFill>
+              </a:rPr>
+              <a:t>your_name</a:t>
+            </a:r>
+            <a:r>
+              <a:rPr lang="en-US" dirty="0" smtClean="0"/>
+              <a:t> </a:t>
+            </a:r>
+            <a:r>
+              <a:rPr lang="en-US" dirty="0" smtClean="0"/>
+              <a:t>and </a:t>
+            </a:r>
+            <a:r>
+              <a:rPr lang="en-US" dirty="0" smtClean="0"/>
+              <a:t>change into that directory</a:t>
+            </a:r>
+          </a:p>
+          <a:p>
+            <a:pPr lvl="1"/>
+            <a:r>
+              <a:rPr lang="en-US" dirty="0" smtClean="0"/>
+              <a:t>Create a file with </a:t>
+            </a:r>
+            <a:r>
+              <a:rPr lang="en-US" b="1" dirty="0" smtClean="0">
+                <a:solidFill>
+                  <a:srgbClr val="7030A0"/>
+                </a:solidFill>
+              </a:rPr>
+              <a:t>touch</a:t>
+            </a:r>
+            <a:r>
+              <a:rPr lang="en-US" dirty="0" smtClean="0"/>
+              <a:t> called </a:t>
+            </a:r>
+            <a:r>
+              <a:rPr lang="en-US" dirty="0" smtClean="0">
+                <a:solidFill>
+                  <a:srgbClr val="00B050"/>
+                </a:solidFill>
+              </a:rPr>
+              <a:t>test.py</a:t>
+            </a:r>
+          </a:p>
+          <a:p>
+            <a:pPr lvl="1"/>
+            <a:r>
+              <a:rPr lang="en-US" dirty="0" smtClean="0"/>
+              <a:t>Edit it with </a:t>
+            </a:r>
+            <a:r>
+              <a:rPr lang="en-US" b="1" dirty="0" err="1" smtClean="0">
+                <a:solidFill>
+                  <a:srgbClr val="7030A0"/>
+                </a:solidFill>
+              </a:rPr>
+              <a:t>pico</a:t>
+            </a:r>
+            <a:r>
+              <a:rPr lang="en-US" dirty="0" smtClean="0">
+                <a:solidFill>
+                  <a:srgbClr val="7030A0"/>
+                </a:solidFill>
+              </a:rPr>
+              <a:t> </a:t>
+            </a:r>
+            <a:r>
+              <a:rPr lang="en-US" dirty="0" smtClean="0"/>
+              <a:t>and type:</a:t>
+            </a:r>
+          </a:p>
+          <a:p>
+            <a:pPr lvl="2"/>
+            <a:r>
+              <a:rPr lang="en-US" dirty="0" smtClean="0"/>
+              <a:t>#!/</a:t>
+            </a:r>
+            <a:r>
+              <a:rPr lang="en-US" dirty="0" err="1" smtClean="0"/>
+              <a:t>usr</a:t>
+            </a:r>
+            <a:r>
+              <a:rPr lang="en-US" dirty="0" smtClean="0"/>
+              <a:t>/bin/</a:t>
+            </a:r>
+            <a:r>
+              <a:rPr lang="en-US" dirty="0" err="1" smtClean="0"/>
+              <a:t>env</a:t>
+            </a:r>
+            <a:r>
+              <a:rPr lang="en-US" dirty="0" smtClean="0"/>
+              <a:t> python</a:t>
+            </a:r>
+          </a:p>
+          <a:p>
+            <a:pPr lvl="2"/>
+            <a:r>
+              <a:rPr lang="en-US" dirty="0" smtClean="0"/>
+              <a:t>print ‘hello world’</a:t>
+            </a:r>
+          </a:p>
+          <a:p>
+            <a:pPr lvl="1"/>
+            <a:r>
+              <a:rPr lang="en-US" dirty="0" smtClean="0"/>
+              <a:t>Make </a:t>
+            </a:r>
+            <a:r>
+              <a:rPr lang="en-US" dirty="0" smtClean="0">
+                <a:solidFill>
+                  <a:srgbClr val="00B050"/>
+                </a:solidFill>
+              </a:rPr>
+              <a:t>test.py</a:t>
+            </a:r>
+            <a:r>
+              <a:rPr lang="en-US" dirty="0" smtClean="0"/>
+              <a:t> executable with </a:t>
+            </a:r>
+            <a:r>
+              <a:rPr lang="en-US" dirty="0" err="1" smtClean="0">
+                <a:solidFill>
+                  <a:srgbClr val="7030A0"/>
+                </a:solidFill>
+              </a:rPr>
+              <a:t>chmod</a:t>
+            </a:r>
+            <a:r>
+              <a:rPr lang="en-US" dirty="0" smtClean="0">
+                <a:solidFill>
+                  <a:srgbClr val="7030A0"/>
+                </a:solidFill>
+              </a:rPr>
+              <a:t> </a:t>
+            </a:r>
+            <a:r>
+              <a:rPr lang="en-US" dirty="0" err="1" smtClean="0">
+                <a:solidFill>
+                  <a:srgbClr val="7030A0"/>
+                </a:solidFill>
+              </a:rPr>
+              <a:t>a+x</a:t>
+            </a:r>
+            <a:r>
+              <a:rPr lang="en-US" dirty="0" smtClean="0">
+                <a:solidFill>
+                  <a:srgbClr val="7030A0"/>
+                </a:solidFill>
+              </a:rPr>
+              <a:t> test.py</a:t>
+            </a:r>
+          </a:p>
+          <a:p>
+            <a:pPr lvl="1"/>
+            <a:r>
+              <a:rPr lang="en-US" dirty="0" smtClean="0"/>
               <a:t>Now run </a:t>
             </a:r>
             <a:r>
@@ -10658,92 +10793,21 @@
                   <a:srgbClr val="7030A0"/>
                 </a:solidFill>
               </a:rPr>
-              <a:t>./test.py</a:t>
-            </a:r>
-          </a:p>
-          <a:p>
-            <a:pPr lvl="1"/>
-            <a:r>
-              <a:rPr lang="en-US" dirty="0" smtClean="0"/>
-              <a:t>List </a:t>
-            </a:r>
-            <a:r>
-              <a:rPr lang="en-US" dirty="0"/>
-              <a:t>your home directory contents with: </a:t>
-            </a:r>
-            <a:r>
-              <a:rPr lang="en-US" b="1" dirty="0">
+              <a:t>./</a:t>
+            </a:r>
+            <a:r>
+              <a:rPr lang="en-US" dirty="0" smtClean="0">
                 <a:solidFill>
                   <a:srgbClr val="7030A0"/>
                 </a:solidFill>
               </a:rPr>
-              <a:t>ls</a:t>
-            </a:r>
-            <a:r>
-              <a:rPr lang="en-US" dirty="0"/>
-              <a:t>, </a:t>
-            </a:r>
-            <a:r>
-              <a:rPr lang="en-US" b="1" dirty="0">
-                <a:solidFill>
-                  <a:srgbClr val="7030A0"/>
-                </a:solidFill>
-              </a:rPr>
-              <a:t>ls –l</a:t>
-            </a:r>
-            <a:r>
-              <a:rPr lang="en-US" dirty="0"/>
-              <a:t>, </a:t>
-            </a:r>
-            <a:r>
-              <a:rPr lang="en-US" b="1" dirty="0">
-                <a:solidFill>
-                  <a:srgbClr val="7030A0"/>
-                </a:solidFill>
-              </a:rPr>
-              <a:t>ls –</a:t>
-            </a:r>
-            <a:r>
-              <a:rPr lang="en-US" b="1" dirty="0" err="1">
-                <a:solidFill>
-                  <a:srgbClr val="7030A0"/>
-                </a:solidFill>
-              </a:rPr>
-              <a:t>alh</a:t>
-            </a:r>
-            <a:endParaRPr lang="en-US" b="1" dirty="0">
+              <a:t>test.py</a:t>
+            </a:r>
+            <a:endParaRPr lang="en-US" dirty="0" smtClean="0">
               <a:solidFill>
                 <a:srgbClr val="7030A0"/>
               </a:solidFill>
             </a:endParaRPr>
-          </a:p>
-          <a:p>
-            <a:pPr lvl="1"/>
-            <a:r>
-              <a:rPr lang="en-US" dirty="0" smtClean="0"/>
-              <a:t>See </a:t>
-            </a:r>
-            <a:r>
-              <a:rPr lang="en-US" dirty="0" smtClean="0"/>
-              <a:t>what is running on your system with </a:t>
-            </a:r>
-            <a:r>
-              <a:rPr lang="en-US" b="1" dirty="0" err="1" smtClean="0">
-                <a:solidFill>
-                  <a:srgbClr val="7030A0"/>
-                </a:solidFill>
-              </a:rPr>
-              <a:t>htop</a:t>
-            </a:r>
-            <a:endParaRPr lang="en-US" b="1" dirty="0" smtClean="0">
-              <a:solidFill>
-                <a:srgbClr val="7030A0"/>
-              </a:solidFill>
-            </a:endParaRPr>
-          </a:p>
-          <a:p>
-            <a:pPr lvl="1"/>
-            <a:endParaRPr lang="en-US" dirty="0"/>
           </a:p>
         </p:txBody>
       </p:sp>
@@ -10801,7 +10865,7 @@
           <a:p>
             <a:r>
               <a:rPr lang="en-US" dirty="0" smtClean="0"/>
-              <a:t>Backups</a:t>
+              <a:t>Extra Time?</a:t>
             </a:r>
             <a:endParaRPr lang="en-US" dirty="0"/>
           </a:p>
@@ -10809,27 +10873,283 @@
       </p:sp>
       <p:sp>
         <p:nvSpPr>
-          <p:cNvPr id="3" name="Text Placeholder 2"/>
+          <p:cNvPr id="3" name="Content Placeholder 2"/>
           <p:cNvSpPr>
             <a:spLocks noGrp="1"/>
           </p:cNvSpPr>
           <p:nvPr>
-            <p:ph type="body" idx="1"/>
+            <p:ph idx="1"/>
           </p:nvPr>
         </p:nvSpPr>
-        <p:spPr/>
+        <p:spPr>
+          <a:xfrm>
+            <a:off x="628650" y="1825625"/>
+            <a:ext cx="7886700" cy="4477453"/>
+          </a:xfrm>
+        </p:spPr>
         <p:txBody>
-          <a:bodyPr/>
+          <a:bodyPr>
+            <a:normAutofit fontScale="77500" lnSpcReduction="20000"/>
+          </a:bodyPr>
           <a:lstStyle/>
           <a:p>
-            <a:endParaRPr lang="en-US"/>
+            <a:r>
+              <a:rPr lang="en-US" dirty="0" smtClean="0"/>
+              <a:t>Python package manager: </a:t>
+            </a:r>
+            <a:r>
+              <a:rPr lang="en-US" b="1" dirty="0" smtClean="0">
+                <a:solidFill>
+                  <a:srgbClr val="7030A0"/>
+                </a:solidFill>
+              </a:rPr>
+              <a:t>pip</a:t>
+            </a:r>
+          </a:p>
+          <a:p>
+            <a:r>
+              <a:rPr lang="en-US" b="1" dirty="0" smtClean="0">
+                <a:solidFill>
+                  <a:srgbClr val="7030A0"/>
+                </a:solidFill>
+              </a:rPr>
+              <a:t>pip list  </a:t>
+            </a:r>
+            <a:r>
+              <a:rPr lang="en-US" dirty="0" smtClean="0"/>
+              <a:t>shows everything installed</a:t>
+            </a:r>
+          </a:p>
+          <a:p>
+            <a:r>
+              <a:rPr lang="en-US" b="1" dirty="0" smtClean="0">
+                <a:solidFill>
+                  <a:srgbClr val="7030A0"/>
+                </a:solidFill>
+              </a:rPr>
+              <a:t>pip list --outdated </a:t>
+            </a:r>
+            <a:r>
+              <a:rPr lang="en-US" dirty="0" smtClean="0"/>
+              <a:t>shows libraries that aren’t current </a:t>
+            </a:r>
+          </a:p>
+          <a:p>
+            <a:endParaRPr lang="en-US" dirty="0"/>
+          </a:p>
+          <a:p>
+            <a:endParaRPr lang="en-US" dirty="0" smtClean="0"/>
+          </a:p>
+          <a:p>
+            <a:endParaRPr lang="en-US" dirty="0"/>
+          </a:p>
+          <a:p>
+            <a:r>
+              <a:rPr lang="en-US" dirty="0"/>
+              <a:t>Ignore the </a:t>
+            </a:r>
+            <a:r>
+              <a:rPr lang="en-US" b="1" dirty="0">
+                <a:solidFill>
+                  <a:srgbClr val="FF0000"/>
+                </a:solidFill>
+              </a:rPr>
+              <a:t>DEPRECATION</a:t>
+            </a:r>
+            <a:r>
+              <a:rPr lang="en-US" dirty="0"/>
+              <a:t> warning, I am too lazy to get rid of it</a:t>
+            </a:r>
+          </a:p>
+          <a:p>
+            <a:r>
+              <a:rPr lang="en-US" dirty="0"/>
+              <a:t>Also, all of my libraries are up to date, so nothing is </a:t>
+            </a:r>
+            <a:r>
+              <a:rPr lang="en-US" dirty="0" smtClean="0"/>
+              <a:t>listed</a:t>
+            </a:r>
+          </a:p>
+          <a:p>
+            <a:r>
+              <a:rPr lang="en-US" b="1" dirty="0" smtClean="0">
+                <a:solidFill>
+                  <a:srgbClr val="7030A0"/>
+                </a:solidFill>
+              </a:rPr>
+              <a:t>pip search &lt;</a:t>
+            </a:r>
+            <a:r>
+              <a:rPr lang="en-US" b="1" dirty="0" err="1" smtClean="0">
+                <a:solidFill>
+                  <a:srgbClr val="7030A0"/>
+                </a:solidFill>
+              </a:rPr>
+              <a:t>package_name</a:t>
+            </a:r>
+            <a:r>
+              <a:rPr lang="en-US" b="1" dirty="0" smtClean="0">
+                <a:solidFill>
+                  <a:srgbClr val="7030A0"/>
+                </a:solidFill>
+              </a:rPr>
+              <a:t>&gt; </a:t>
+            </a:r>
+            <a:r>
+              <a:rPr lang="en-US" dirty="0" smtClean="0"/>
+              <a:t>helps you find things, but seriously, I just go to the </a:t>
+            </a:r>
+            <a:r>
+              <a:rPr lang="en-US" dirty="0"/>
+              <a:t>web interface: </a:t>
+            </a:r>
+            <a:r>
+              <a:rPr lang="en-US" dirty="0">
+                <a:hlinkClick r:id="rId2"/>
+              </a:rPr>
+              <a:t>https://</a:t>
+            </a:r>
+            <a:r>
+              <a:rPr lang="en-US" dirty="0" smtClean="0">
+                <a:hlinkClick r:id="rId2"/>
+              </a:rPr>
+              <a:t>pypi.python.org/pypi</a:t>
+            </a:r>
+            <a:r>
+              <a:rPr lang="en-US" dirty="0" smtClean="0"/>
+              <a:t> </a:t>
+            </a:r>
+          </a:p>
+          <a:p>
+            <a:r>
+              <a:rPr lang="en-US" b="1" dirty="0" smtClean="0">
+                <a:solidFill>
+                  <a:srgbClr val="7030A0"/>
+                </a:solidFill>
+              </a:rPr>
+              <a:t>pip install &lt;</a:t>
+            </a:r>
+            <a:r>
+              <a:rPr lang="en-US" b="1" dirty="0" err="1" smtClean="0">
+                <a:solidFill>
+                  <a:srgbClr val="7030A0"/>
+                </a:solidFill>
+              </a:rPr>
+              <a:t>package_name</a:t>
+            </a:r>
+            <a:r>
+              <a:rPr lang="en-US" b="1" dirty="0" smtClean="0">
+                <a:solidFill>
+                  <a:srgbClr val="7030A0"/>
+                </a:solidFill>
+              </a:rPr>
+              <a:t>&gt; </a:t>
+            </a:r>
+            <a:r>
+              <a:rPr lang="en-US" dirty="0" smtClean="0"/>
+              <a:t>installs new library</a:t>
+            </a:r>
+          </a:p>
+          <a:p>
+            <a:r>
+              <a:rPr lang="en-US" b="1" dirty="0">
+                <a:solidFill>
+                  <a:srgbClr val="7030A0"/>
+                </a:solidFill>
+              </a:rPr>
+              <a:t>p</a:t>
+            </a:r>
+            <a:r>
+              <a:rPr lang="en-US" b="1" dirty="0" smtClean="0">
+                <a:solidFill>
+                  <a:srgbClr val="7030A0"/>
+                </a:solidFill>
+              </a:rPr>
+              <a:t>ip install -U &lt;</a:t>
+            </a:r>
+            <a:r>
+              <a:rPr lang="en-US" b="1" dirty="0" err="1" smtClean="0">
+                <a:solidFill>
+                  <a:srgbClr val="7030A0"/>
+                </a:solidFill>
+              </a:rPr>
+              <a:t>package_name</a:t>
+            </a:r>
+            <a:r>
+              <a:rPr lang="en-US" b="1" dirty="0" smtClean="0">
+                <a:solidFill>
+                  <a:srgbClr val="7030A0"/>
+                </a:solidFill>
+              </a:rPr>
+              <a:t>&gt; </a:t>
+            </a:r>
+            <a:r>
+              <a:rPr lang="en-US" dirty="0" smtClean="0"/>
+              <a:t>updates an old library</a:t>
+            </a:r>
+            <a:endParaRPr lang="en-US" dirty="0"/>
           </a:p>
         </p:txBody>
       </p:sp>
+      <p:pic>
+        <p:nvPicPr>
+          <p:cNvPr id="2050" name="Picture 2"/>
+          <p:cNvPicPr>
+            <a:picLocks noChangeAspect="1" noChangeArrowheads="1"/>
+          </p:cNvPicPr>
+          <p:nvPr/>
+        </p:nvPicPr>
+        <p:blipFill>
+          <a:blip r:embed="rId3">
+            <a:extLst>
+              <a:ext uri="{28A0092B-C50C-407E-A947-70E740481C1C}">
+                <a14:useLocalDpi xmlns:a14="http://schemas.microsoft.com/office/drawing/2010/main" val="0"/>
+              </a:ext>
+            </a:extLst>
+          </a:blip>
+          <a:srcRect/>
+          <a:stretch>
+            <a:fillRect/>
+          </a:stretch>
+        </p:blipFill>
+        <p:spPr bwMode="auto">
+          <a:xfrm>
+            <a:off x="768752" y="2906507"/>
+            <a:ext cx="7713693" cy="1030300"/>
+          </a:xfrm>
+          <a:prstGeom prst="rect">
+            <a:avLst/>
+          </a:prstGeom>
+          <a:noFill/>
+          <a:ln>
+            <a:noFill/>
+          </a:ln>
+          <a:extLst>
+            <a:ext uri="{909E8E84-426E-40DD-AFC4-6F175D3DCCD1}">
+              <a14:hiddenFill xmlns:a14="http://schemas.microsoft.com/office/drawing/2010/main">
+                <a:solidFill>
+                  <a:schemeClr val="accent1"/>
+                </a:solidFill>
+              </a14:hiddenFill>
+            </a:ext>
+            <a:ext uri="{91240B29-F687-4F45-9708-019B960494DF}">
+              <a14:hiddenLine xmlns:a14="http://schemas.microsoft.com/office/drawing/2010/main" w="9525">
+                <a:solidFill>
+                  <a:schemeClr val="tx1"/>
+                </a:solidFill>
+                <a:miter lim="800000"/>
+                <a:headEnd/>
+                <a:tailEnd/>
+              </a14:hiddenLine>
+            </a:ext>
+          </a:extLst>
+        </p:spPr>
+      </p:pic>
     </p:spTree>
     <p:extLst>
       <p:ext uri="{BB962C8B-B14F-4D97-AF65-F5344CB8AC3E}">
-        <p14:creationId xmlns:p14="http://schemas.microsoft.com/office/powerpoint/2010/main" val="2614305812"/>
+        <p14:creationId xmlns:p14="http://schemas.microsoft.com/office/powerpoint/2010/main" val="3435520604"/>
       </p:ext>
     </p:extLst>
   </p:cSld>
@@ -10903,17 +11223,50 @@
           <a:p>
             <a:r>
               <a:rPr lang="en-US" dirty="0" smtClean="0"/>
-              <a:t>The expectation is you did the codeacademy.com “learn the command line” training and have a familiarity with the Linux/Unix tools</a:t>
-            </a:r>
-          </a:p>
-          <a:p>
+              <a:t>The expectation is you </a:t>
+            </a:r>
             <a:r>
               <a:rPr lang="en-US" dirty="0" smtClean="0"/>
-              <a:t>Today we will brush over them and expand a little upon them</a:t>
+              <a:t>will do the </a:t>
+            </a:r>
+            <a:r>
+              <a:rPr lang="en-US" dirty="0" smtClean="0"/>
+              <a:t>codeacademy.com “learn the command line” training and </a:t>
+            </a:r>
+            <a:r>
+              <a:rPr lang="en-US" smtClean="0"/>
+              <a:t>get</a:t>
+            </a:r>
+            <a:r>
+              <a:rPr lang="en-US" smtClean="0"/>
+              <a:t> familiar </a:t>
+            </a:r>
+            <a:r>
+              <a:rPr lang="en-US" dirty="0" smtClean="0"/>
+              <a:t>with the Linux/Unix </a:t>
+            </a:r>
+            <a:r>
+              <a:rPr lang="en-US" dirty="0" smtClean="0"/>
+              <a:t>tools</a:t>
             </a:r>
           </a:p>
           <a:p>
             <a:pPr lvl="1"/>
+            <a:r>
+              <a:rPr lang="en-US" dirty="0" smtClean="0"/>
+              <a:t>Don’t forget to do the HW and turn in the screenshot next class</a:t>
+            </a:r>
+            <a:endParaRPr lang="en-US" dirty="0" smtClean="0"/>
+          </a:p>
+          <a:p>
+            <a:r>
+              <a:rPr lang="en-US" dirty="0" smtClean="0"/>
+              <a:t>Today we will brush over </a:t>
+            </a:r>
+            <a:r>
+              <a:rPr lang="en-US" dirty="0" smtClean="0"/>
+              <a:t>them so your HW will go quicker!</a:t>
+            </a:r>
             <a:endParaRPr lang="en-US" dirty="0"/>
           </a:p>
         </p:txBody>
@@ -10957,6 +11310,85 @@
       </p:grpSpPr>
       <p:sp>
         <p:nvSpPr>
+          <p:cNvPr id="2" name="Title 1"/>
+          <p:cNvSpPr>
+            <a:spLocks noGrp="1"/>
+          </p:cNvSpPr>
+          <p:nvPr>
+            <p:ph type="title"/>
+          </p:nvPr>
+        </p:nvSpPr>
+        <p:spPr/>
+        <p:txBody>
+          <a:bodyPr/>
+          <a:lstStyle/>
+          <a:p>
+            <a:r>
+              <a:rPr lang="en-US" dirty="0" smtClean="0"/>
+              <a:t>Backups</a:t>
+            </a:r>
+            <a:endParaRPr lang="en-US" dirty="0"/>
+          </a:p>
+        </p:txBody>
+      </p:sp>
+      <p:sp>
+        <p:nvSpPr>
+          <p:cNvPr id="3" name="Text Placeholder 2"/>
+          <p:cNvSpPr>
+            <a:spLocks noGrp="1"/>
+          </p:cNvSpPr>
+          <p:nvPr>
+            <p:ph type="body" idx="1"/>
+          </p:nvPr>
+        </p:nvSpPr>
+        <p:spPr/>
+        <p:txBody>
+          <a:bodyPr/>
+          <a:lstStyle/>
+          <a:p>
+            <a:endParaRPr lang="en-US"/>
+          </a:p>
+        </p:txBody>
+      </p:sp>
+    </p:spTree>
+    <p:extLst>
+      <p:ext uri="{BB962C8B-B14F-4D97-AF65-F5344CB8AC3E}">
+        <p14:creationId xmlns:p14="http://schemas.microsoft.com/office/powerpoint/2010/main" val="2614305812"/>
+      </p:ext>
+    </p:extLst>
+  </p:cSld>
+  <p:clrMapOvr>
+    <a:masterClrMapping/>
+  </p:clrMapOvr>
+  <p:timing>
+    <p:tnLst>
+      <p:par>
+        <p:cTn id="1" dur="indefinite" restart="never" nodeType="tmRoot"/>
+      </p:par>
+    </p:tnLst>
+  </p:timing>
+</p:sld>
+</file>
+
+<file path=ppt/slides/slide21.xml><?xml version="1.0" encoding="utf-8"?>
+<p:sld xmlns:a="http://schemas.openxmlformats.org/drawingml/2006/main" xmlns:r="http://schemas.openxmlformats.org/officeDocument/2006/relationships" xmlns:p="http://schemas.openxmlformats.org/presentationml/2006/main">
+  <p:cSld>
+    <p:spTree>
+      <p:nvGrpSpPr>
+        <p:cNvPr id="1" name=""/>
+        <p:cNvGrpSpPr/>
+        <p:nvPr/>
+      </p:nvGrpSpPr>
+      <p:grpSpPr>
+        <a:xfrm>
+          <a:off x="0" y="0"/>
+          <a:ext cx="0" cy="0"/>
+          <a:chOff x="0" y="0"/>
+          <a:chExt cx="0" cy="0"/>
+        </a:xfrm>
+      </p:grpSpPr>
+      <p:sp>
+        <p:nvSpPr>
           <p:cNvPr id="3" name="Content Placeholder 2"/>
           <p:cNvSpPr>
             <a:spLocks noGrp="1"/>
@@ -11565,6 +11997,288 @@
     <p:extLst>
       <p:ext uri="{BB962C8B-B14F-4D97-AF65-F5344CB8AC3E}">
         <p14:creationId xmlns:p14="http://schemas.microsoft.com/office/powerpoint/2010/main" val="3112034824"/>
+      </p:ext>
+    </p:extLst>
+  </p:cSld>
+  <p:clrMapOvr>
+    <a:masterClrMapping/>
+  </p:clrMapOvr>
+  <p:timing>
+    <p:tnLst>
+      <p:par>
+        <p:cTn id="1" dur="indefinite" restart="never" nodeType="tmRoot"/>
+      </p:par>
+    </p:tnLst>
+  </p:timing>
+</p:sld>
+</file>
+
+<file path=ppt/slides/slide22.xml><?xml version="1.0" encoding="utf-8"?>
+<p:sld xmlns:a="http://schemas.openxmlformats.org/drawingml/2006/main" xmlns:r="http://schemas.openxmlformats.org/officeDocument/2006/relationships" xmlns:p="http://schemas.openxmlformats.org/presentationml/2006/main">
+  <p:cSld>
+    <p:spTree>
+      <p:nvGrpSpPr>
+        <p:cNvPr id="1" name=""/>
+        <p:cNvGrpSpPr/>
+        <p:nvPr/>
+      </p:nvGrpSpPr>
+      <p:grpSpPr>
+        <a:xfrm>
+          <a:off x="0" y="0"/>
+          <a:ext cx="0" cy="0"/>
+          <a:chOff x="0" y="0"/>
+          <a:chExt cx="0" cy="0"/>
+        </a:xfrm>
+      </p:grpSpPr>
+      <p:sp>
+        <p:nvSpPr>
+          <p:cNvPr id="4" name="Title 3"/>
+          <p:cNvSpPr>
+            <a:spLocks noGrp="1"/>
+          </p:cNvSpPr>
+          <p:nvPr>
+            <p:ph type="title"/>
+          </p:nvPr>
+        </p:nvSpPr>
+        <p:spPr>
+          <a:xfrm>
+            <a:off x="628650" y="365126"/>
+            <a:ext cx="7886700" cy="898679"/>
+          </a:xfrm>
+        </p:spPr>
+        <p:txBody>
+          <a:bodyPr/>
+          <a:lstStyle/>
+          <a:p>
+            <a:r>
+              <a:rPr lang="en-US" dirty="0" smtClean="0"/>
+              <a:t>The Linux File System</a:t>
+            </a:r>
+            <a:endParaRPr lang="en-US" dirty="0"/>
+          </a:p>
+        </p:txBody>
+      </p:sp>
+      <p:pic>
+        <p:nvPicPr>
+          <p:cNvPr id="7" name="Picture Placeholder 6"/>
+          <p:cNvPicPr>
+            <a:picLocks noGrp="1" noChangeAspect="1"/>
+          </p:cNvPicPr>
+          <p:nvPr>
+            <p:ph type="pic" idx="4294967295"/>
+          </p:nvPr>
+        </p:nvPicPr>
+        <p:blipFill>
+          <a:blip r:embed="rId3">
+            <a:extLst>
+              <a:ext uri="{28A0092B-C50C-407E-A947-70E740481C1C}">
+                <a14:useLocalDpi xmlns:a14="http://schemas.microsoft.com/office/drawing/2010/main" val="0"/>
+              </a:ext>
+            </a:extLst>
+          </a:blip>
+          <a:stretch>
+            <a:fillRect/>
+          </a:stretch>
+        </p:blipFill>
+        <p:spPr>
+          <a:xfrm>
+            <a:off x="2863599" y="1272370"/>
+            <a:ext cx="6270404" cy="5408682"/>
+          </a:xfrm>
+        </p:spPr>
+      </p:pic>
+      <p:sp>
+        <p:nvSpPr>
+          <p:cNvPr id="6" name="Text Placeholder 5"/>
+          <p:cNvSpPr>
+            <a:spLocks noGrp="1"/>
+          </p:cNvSpPr>
+          <p:nvPr>
+            <p:ph type="body" sz="half" idx="4294967295"/>
+          </p:nvPr>
+        </p:nvSpPr>
+        <p:spPr>
+          <a:xfrm>
+            <a:off x="0" y="6257994"/>
+            <a:ext cx="4837872" cy="600007"/>
+          </a:xfrm>
+          <a:solidFill>
+            <a:schemeClr val="accent1"/>
+          </a:solidFill>
+        </p:spPr>
+        <p:txBody>
+          <a:bodyPr/>
+          <a:lstStyle/>
+          <a:p>
+            <a:r>
+              <a:rPr lang="en-US" dirty="0" smtClean="0"/>
+              <a:t>A Typical Linux File System</a:t>
+            </a:r>
+            <a:endParaRPr lang="en-US" dirty="0"/>
+          </a:p>
+        </p:txBody>
+      </p:sp>
+      <p:sp>
+        <p:nvSpPr>
+          <p:cNvPr id="2" name="TextBox 1"/>
+          <p:cNvSpPr txBox="1"/>
+          <p:nvPr/>
+        </p:nvSpPr>
+        <p:spPr>
+          <a:xfrm>
+            <a:off x="0" y="1286106"/>
+            <a:ext cx="3010504" cy="2308324"/>
+          </a:xfrm>
+          <a:prstGeom prst="rect">
+            <a:avLst/>
+          </a:prstGeom>
+          <a:noFill/>
+        </p:spPr>
+        <p:txBody>
+          <a:bodyPr wrap="none" rtlCol="0">
+            <a:spAutoFit/>
+          </a:bodyPr>
+          <a:lstStyle/>
+          <a:p>
+            <a:pPr marL="285750" indent="-285750">
+              <a:buFont typeface="Arial" panose="020B0604020202020204" pitchFamily="34" charset="0"/>
+              <a:buChar char="•"/>
+            </a:pPr>
+            <a:r>
+              <a:rPr lang="en-US" dirty="0" smtClean="0"/>
+              <a:t>/bin – binaries</a:t>
+            </a:r>
+          </a:p>
+          <a:p>
+            <a:pPr marL="285750" indent="-285750">
+              <a:buFont typeface="Arial" panose="020B0604020202020204" pitchFamily="34" charset="0"/>
+              <a:buChar char="•"/>
+            </a:pPr>
+            <a:r>
+              <a:rPr lang="en-US" dirty="0" smtClean="0"/>
+              <a:t>/</a:t>
+            </a:r>
+            <a:r>
+              <a:rPr lang="en-US" dirty="0" err="1" smtClean="0"/>
+              <a:t>etc</a:t>
+            </a:r>
+            <a:r>
+              <a:rPr lang="en-US" dirty="0" smtClean="0"/>
+              <a:t> – </a:t>
+            </a:r>
+            <a:r>
+              <a:rPr lang="en-US" dirty="0" err="1" smtClean="0"/>
+              <a:t>config</a:t>
+            </a:r>
+            <a:r>
+              <a:rPr lang="en-US" dirty="0" smtClean="0"/>
+              <a:t> files</a:t>
+            </a:r>
+          </a:p>
+          <a:p>
+            <a:pPr marL="285750" indent="-285750">
+              <a:buFont typeface="Arial" panose="020B0604020202020204" pitchFamily="34" charset="0"/>
+              <a:buChar char="•"/>
+            </a:pPr>
+            <a:r>
+              <a:rPr lang="en-US" dirty="0" smtClean="0"/>
+              <a:t>/boot – </a:t>
+            </a:r>
+            <a:r>
+              <a:rPr lang="en-US" dirty="0" err="1" smtClean="0"/>
+              <a:t>ramdisk</a:t>
+            </a:r>
+            <a:endParaRPr lang="en-US" dirty="0" smtClean="0"/>
+          </a:p>
+          <a:p>
+            <a:pPr marL="285750" indent="-285750">
+              <a:buFont typeface="Arial" panose="020B0604020202020204" pitchFamily="34" charset="0"/>
+              <a:buChar char="•"/>
+            </a:pPr>
+            <a:r>
+              <a:rPr lang="en-US" dirty="0" smtClean="0"/>
+              <a:t>/</a:t>
+            </a:r>
+            <a:r>
+              <a:rPr lang="en-US" dirty="0" err="1" smtClean="0"/>
+              <a:t>usr</a:t>
+            </a:r>
+            <a:r>
+              <a:rPr lang="en-US" dirty="0" smtClean="0"/>
+              <a:t> – </a:t>
+            </a:r>
+            <a:r>
+              <a:rPr lang="en-US" dirty="0" err="1" smtClean="0"/>
+              <a:t>userland</a:t>
+            </a:r>
+            <a:r>
+              <a:rPr lang="en-US" dirty="0" smtClean="0"/>
+              <a:t> binaries</a:t>
+            </a:r>
+          </a:p>
+          <a:p>
+            <a:pPr marL="285750" indent="-285750">
+              <a:buFont typeface="Arial" panose="020B0604020202020204" pitchFamily="34" charset="0"/>
+              <a:buChar char="•"/>
+            </a:pPr>
+            <a:r>
+              <a:rPr lang="en-US" dirty="0" smtClean="0"/>
+              <a:t>/</a:t>
+            </a:r>
+            <a:r>
+              <a:rPr lang="en-US" dirty="0" err="1" smtClean="0"/>
+              <a:t>var</a:t>
+            </a:r>
+            <a:r>
+              <a:rPr lang="en-US" dirty="0" smtClean="0"/>
+              <a:t> – temporary</a:t>
+            </a:r>
+          </a:p>
+          <a:p>
+            <a:pPr marL="285750" indent="-285750">
+              <a:buFont typeface="Arial" panose="020B0604020202020204" pitchFamily="34" charset="0"/>
+              <a:buChar char="•"/>
+            </a:pPr>
+            <a:r>
+              <a:rPr lang="en-US" dirty="0" smtClean="0"/>
+              <a:t>/home – user home folder</a:t>
+            </a:r>
+          </a:p>
+          <a:p>
+            <a:pPr marL="285750" indent="-285750">
+              <a:buFont typeface="Arial" panose="020B0604020202020204" pitchFamily="34" charset="0"/>
+              <a:buChar char="•"/>
+            </a:pPr>
+            <a:r>
+              <a:rPr lang="en-US" dirty="0" smtClean="0"/>
+              <a:t>/dev – device drivers</a:t>
+            </a:r>
+          </a:p>
+          <a:p>
+            <a:pPr marL="285750" indent="-285750">
+              <a:buFont typeface="Arial" panose="020B0604020202020204" pitchFamily="34" charset="0"/>
+              <a:buChar char="•"/>
+            </a:pPr>
+            <a:r>
+              <a:rPr lang="en-US" dirty="0" smtClean="0"/>
+              <a:t>/</a:t>
+            </a:r>
+            <a:r>
+              <a:rPr lang="en-US" dirty="0" err="1" smtClean="0"/>
+              <a:t>mnt</a:t>
+            </a:r>
+            <a:r>
+              <a:rPr lang="en-US" dirty="0" smtClean="0"/>
+              <a:t> – mount point</a:t>
+            </a:r>
+            <a:endParaRPr lang="en-US" dirty="0"/>
+          </a:p>
+        </p:txBody>
+      </p:sp>
+    </p:spTree>
+    <p:extLst>
+      <p:ext uri="{BB962C8B-B14F-4D97-AF65-F5344CB8AC3E}">
+        <p14:creationId xmlns:p14="http://schemas.microsoft.com/office/powerpoint/2010/main" val="3896205552"/>
       </p:ext>
     </p:extLst>
   </p:cSld>
@@ -12696,7 +13410,7 @@
       </p:grpSpPr>
       <p:sp>
         <p:nvSpPr>
-          <p:cNvPr id="4" name="Title 3"/>
+          <p:cNvPr id="2" name="Title 1"/>
           <p:cNvSpPr>
             <a:spLocks noGrp="1"/>
           </p:cNvSpPr>
@@ -12704,19 +13418,14 @@
             <p:ph type="title"/>
           </p:nvPr>
         </p:nvSpPr>
-        <p:spPr>
-          <a:xfrm>
-            <a:off x="628650" y="365126"/>
-            <a:ext cx="7886700" cy="898679"/>
-          </a:xfrm>
-        </p:spPr>
+        <p:spPr/>
         <p:txBody>
           <a:bodyPr/>
           <a:lstStyle/>
           <a:p>
             <a:r>
               <a:rPr lang="en-US" dirty="0" smtClean="0"/>
-              <a:t>The Linux File System</a:t>
+              <a:t>Linux File System</a:t>
             </a:r>
             <a:endParaRPr lang="en-US" dirty="0"/>
           </a:p>
@@ -12724,216 +13433,408 @@
       </p:sp>
       <p:pic>
         <p:nvPicPr>
-          <p:cNvPr id="7" name="Picture Placeholder 6"/>
+          <p:cNvPr id="1026" name="Picture 2" descr="C:\Users\Kevin.Walchko\Desktop\1EJLOqd.png"/>
           <p:cNvPicPr>
-            <a:picLocks noGrp="1" noChangeAspect="1"/>
+            <a:picLocks noChangeAspect="1" noChangeArrowheads="1"/>
           </p:cNvPicPr>
-          <p:nvPr>
-            <p:ph type="pic" idx="4294967295"/>
-          </p:nvPr>
+          <p:nvPr/>
         </p:nvPicPr>
         <p:blipFill>
-          <a:blip r:embed="rId3">
+          <a:blip r:embed="rId2">
             <a:extLst>
               <a:ext uri="{28A0092B-C50C-407E-A947-70E740481C1C}">
                 <a14:useLocalDpi xmlns:a14="http://schemas.microsoft.com/office/drawing/2010/main" val="0"/>
               </a:ext>
             </a:extLst>
           </a:blip>
+          <a:srcRect/>
           <a:stretch>
             <a:fillRect/>
           </a:stretch>
         </p:blipFill>
-        <p:spPr>
+        <p:spPr bwMode="auto">
           <a:xfrm>
-            <a:off x="2863599" y="1272370"/>
-            <a:ext cx="6270404" cy="5408682"/>
+            <a:off x="0" y="1701800"/>
+            <a:ext cx="9165910" cy="5156200"/>
           </a:xfrm>
+          <a:prstGeom prst="rect">
+            <a:avLst/>
+          </a:prstGeom>
+          <a:noFill/>
+          <a:extLst>
+            <a:ext uri="{909E8E84-426E-40DD-AFC4-6F175D3DCCD1}">
+              <a14:hiddenFill xmlns:a14="http://schemas.microsoft.com/office/drawing/2010/main">
+                <a:solidFill>
+                  <a:srgbClr val="FFFFFF"/>
+                </a:solidFill>
+              </a14:hiddenFill>
+            </a:ext>
+          </a:extLst>
         </p:spPr>
       </p:pic>
       <p:sp>
         <p:nvSpPr>
-          <p:cNvPr id="6" name="Text Placeholder 5"/>
-          <p:cNvSpPr>
-            <a:spLocks noGrp="1"/>
+          <p:cNvPr id="4" name="TextBox 3"/>
+          <p:cNvSpPr txBox="1"/>
+          <p:nvPr/>
+        </p:nvSpPr>
+        <p:spPr>
+          <a:xfrm>
+            <a:off x="6201232" y="-828"/>
+            <a:ext cx="2941767" cy="2308324"/>
+          </a:xfrm>
+          <a:prstGeom prst="rect">
+            <a:avLst/>
+          </a:prstGeom>
+          <a:solidFill>
+            <a:schemeClr val="accent1"/>
+          </a:solidFill>
+        </p:spPr>
+        <p:txBody>
+          <a:bodyPr wrap="none" rtlCol="0">
+            <a:spAutoFit/>
+          </a:bodyPr>
+          <a:lstStyle/>
+          <a:p>
+            <a:pPr marL="285750" indent="-285750">
+              <a:buFont typeface="Arial" panose="020B0604020202020204" pitchFamily="34" charset="0"/>
+              <a:buChar char="•"/>
+            </a:pPr>
+            <a:r>
+              <a:rPr lang="en-US" dirty="0" smtClean="0"/>
+              <a:t>/bin – </a:t>
+            </a:r>
+            <a:r>
+              <a:rPr lang="en-US" dirty="0"/>
+              <a:t>essential binaries</a:t>
+            </a:r>
+          </a:p>
+          <a:p>
+            <a:pPr marL="285750" indent="-285750">
+              <a:buFont typeface="Arial" panose="020B0604020202020204" pitchFamily="34" charset="0"/>
+              <a:buChar char="•"/>
+            </a:pPr>
+            <a:r>
+              <a:rPr lang="en-US" dirty="0"/>
+              <a:t>/boot – </a:t>
+            </a:r>
+            <a:r>
+              <a:rPr lang="en-US" dirty="0" smtClean="0"/>
+              <a:t>kernel</a:t>
+            </a:r>
+            <a:endParaRPr lang="en-US" dirty="0" smtClean="0"/>
+          </a:p>
+          <a:p>
+            <a:pPr marL="285750" indent="-285750">
+              <a:buFont typeface="Arial" panose="020B0604020202020204" pitchFamily="34" charset="0"/>
+              <a:buChar char="•"/>
+            </a:pPr>
+            <a:r>
+              <a:rPr lang="en-US" dirty="0" smtClean="0"/>
+              <a:t>/</a:t>
+            </a:r>
+            <a:r>
+              <a:rPr lang="en-US" dirty="0" err="1" smtClean="0"/>
+              <a:t>etc</a:t>
+            </a:r>
+            <a:r>
+              <a:rPr lang="en-US" dirty="0" smtClean="0"/>
+              <a:t> – </a:t>
+            </a:r>
+            <a:r>
+              <a:rPr lang="en-US" dirty="0" smtClean="0"/>
+              <a:t>OS </a:t>
+            </a:r>
+            <a:r>
+              <a:rPr lang="en-US" dirty="0" err="1" smtClean="0"/>
+              <a:t>config</a:t>
+            </a:r>
+            <a:r>
+              <a:rPr lang="en-US" dirty="0" smtClean="0"/>
+              <a:t> files</a:t>
+            </a:r>
+          </a:p>
+          <a:p>
+            <a:pPr marL="285750" indent="-285750">
+              <a:buFont typeface="Arial" panose="020B0604020202020204" pitchFamily="34" charset="0"/>
+              <a:buChar char="•"/>
+            </a:pPr>
+            <a:r>
+              <a:rPr lang="en-US" dirty="0" smtClean="0"/>
+              <a:t>/</a:t>
+            </a:r>
+            <a:r>
+              <a:rPr lang="en-US" dirty="0" err="1" smtClean="0"/>
+              <a:t>usr</a:t>
+            </a:r>
+            <a:r>
+              <a:rPr lang="en-US" dirty="0" smtClean="0"/>
+              <a:t> </a:t>
+            </a:r>
+            <a:r>
+              <a:rPr lang="en-US" dirty="0" smtClean="0"/>
+              <a:t>– </a:t>
+            </a:r>
+            <a:r>
+              <a:rPr lang="en-US" dirty="0" smtClean="0"/>
+              <a:t>user land </a:t>
+            </a:r>
+            <a:r>
+              <a:rPr lang="en-US" dirty="0" smtClean="0"/>
+              <a:t>binaries</a:t>
+            </a:r>
+          </a:p>
+          <a:p>
+            <a:pPr marL="285750" indent="-285750">
+              <a:buFont typeface="Arial" panose="020B0604020202020204" pitchFamily="34" charset="0"/>
+              <a:buChar char="•"/>
+            </a:pPr>
+            <a:r>
+              <a:rPr lang="en-US" dirty="0" smtClean="0"/>
+              <a:t>/</a:t>
+            </a:r>
+            <a:r>
+              <a:rPr lang="en-US" dirty="0" err="1" smtClean="0"/>
+              <a:t>var</a:t>
+            </a:r>
+            <a:r>
+              <a:rPr lang="en-US" dirty="0" smtClean="0"/>
+              <a:t> – temporary</a:t>
+            </a:r>
+          </a:p>
+          <a:p>
+            <a:pPr marL="285750" indent="-285750">
+              <a:buFont typeface="Arial" panose="020B0604020202020204" pitchFamily="34" charset="0"/>
+              <a:buChar char="•"/>
+            </a:pPr>
+            <a:r>
+              <a:rPr lang="en-US" dirty="0" smtClean="0"/>
+              <a:t>/home – user home folder</a:t>
+            </a:r>
+          </a:p>
+          <a:p>
+            <a:pPr marL="285750" indent="-285750">
+              <a:buFont typeface="Arial" panose="020B0604020202020204" pitchFamily="34" charset="0"/>
+              <a:buChar char="•"/>
+            </a:pPr>
+            <a:r>
+              <a:rPr lang="en-US" dirty="0" smtClean="0"/>
+              <a:t>/dev – device drivers</a:t>
+            </a:r>
+          </a:p>
+          <a:p>
+            <a:pPr marL="285750" indent="-285750">
+              <a:buFont typeface="Arial" panose="020B0604020202020204" pitchFamily="34" charset="0"/>
+              <a:buChar char="•"/>
+            </a:pPr>
+            <a:r>
+              <a:rPr lang="en-US" dirty="0" smtClean="0"/>
+              <a:t>/</a:t>
+            </a:r>
+            <a:r>
+              <a:rPr lang="en-US" dirty="0" err="1" smtClean="0"/>
+              <a:t>mnt</a:t>
+            </a:r>
+            <a:r>
+              <a:rPr lang="en-US" dirty="0" smtClean="0"/>
+              <a:t> – mount point</a:t>
+            </a:r>
+            <a:endParaRPr lang="en-US" dirty="0"/>
+          </a:p>
+        </p:txBody>
+      </p:sp>
+      <p:sp>
+        <p:nvSpPr>
+          <p:cNvPr id="5" name="Text Placeholder 5"/>
+          <p:cNvSpPr txBox="1">
+            <a:spLocks/>
           </p:cNvSpPr>
-          <p:nvPr>
-            <p:ph type="body" sz="half" idx="4294967295"/>
-          </p:nvPr>
+          <p:nvPr/>
         </p:nvSpPr>
         <p:spPr>
           <a:xfrm>
             <a:off x="0" y="6257994"/>
             <a:ext cx="4837872" cy="600007"/>
           </a:xfrm>
+          <a:prstGeom prst="rect">
+            <a:avLst/>
+          </a:prstGeom>
           <a:solidFill>
             <a:schemeClr val="accent1"/>
           </a:solidFill>
         </p:spPr>
         <p:txBody>
-          <a:bodyPr/>
-          <a:lstStyle/>
-          <a:p>
-            <a:r>
-              <a:rPr lang="en-US" dirty="0" smtClean="0"/>
-              <a:t>A Typical Linux File System</a:t>
-            </a:r>
-            <a:endParaRPr lang="en-US" dirty="0"/>
-          </a:p>
-        </p:txBody>
-      </p:sp>
-      <p:sp>
-        <p:nvSpPr>
-          <p:cNvPr id="2" name="TextBox 1"/>
-          <p:cNvSpPr txBox="1"/>
-          <p:nvPr/>
-        </p:nvSpPr>
-        <p:spPr>
-          <a:xfrm>
-            <a:off x="0" y="1286106"/>
-            <a:ext cx="3010504" cy="2308324"/>
-          </a:xfrm>
-          <a:prstGeom prst="rect">
-            <a:avLst/>
-          </a:prstGeom>
-          <a:noFill/>
-        </p:spPr>
-        <p:txBody>
-          <a:bodyPr wrap="none" rtlCol="0">
-            <a:spAutoFit/>
+          <a:bodyPr vert="horz" lIns="91440" tIns="45720" rIns="91440" bIns="45720" rtlCol="0">
+            <a:normAutofit/>
           </a:bodyPr>
-          <a:lstStyle/>
-          <a:p>
-            <a:pPr marL="285750" indent="-285750">
+          <a:lstStyle>
+            <a:lvl1pPr marL="228600" indent="-228600" algn="l" defTabSz="914400" rtl="0" eaLnBrk="1" latinLnBrk="0" hangingPunct="1">
+              <a:lnSpc>
+                <a:spcPct val="90000"/>
+              </a:lnSpc>
+              <a:spcBef>
+                <a:spcPts val="1000"/>
+              </a:spcBef>
               <a:buFont typeface="Arial" panose="020B0604020202020204" pitchFamily="34" charset="0"/>
               <a:buChar char="•"/>
-            </a:pPr>
-            <a:r>
-              <a:rPr lang="en-US" dirty="0" smtClean="0"/>
-              <a:t>/bin – binaries</a:t>
-            </a:r>
-          </a:p>
-          <a:p>
-            <a:pPr marL="285750" indent="-285750">
+              <a:defRPr sz="2800" kern="1200">
+                <a:solidFill>
+                  <a:schemeClr val="tx1"/>
+                </a:solidFill>
+                <a:latin typeface="+mn-lt"/>
+                <a:ea typeface="+mn-ea"/>
+                <a:cs typeface="+mn-cs"/>
+              </a:defRPr>
+            </a:lvl1pPr>
+            <a:lvl2pPr marL="685800" indent="-228600" algn="l" defTabSz="914400" rtl="0" eaLnBrk="1" latinLnBrk="0" hangingPunct="1">
+              <a:lnSpc>
+                <a:spcPct val="90000"/>
+              </a:lnSpc>
+              <a:spcBef>
+                <a:spcPts val="500"/>
+              </a:spcBef>
               <a:buFont typeface="Arial" panose="020B0604020202020204" pitchFamily="34" charset="0"/>
               <a:buChar char="•"/>
-            </a:pPr>
-            <a:r>
-              <a:rPr lang="en-US" dirty="0" smtClean="0"/>
-              <a:t>/</a:t>
-            </a:r>
-            <a:r>
-              <a:rPr lang="en-US" dirty="0" err="1" smtClean="0"/>
-              <a:t>etc</a:t>
-            </a:r>
-            <a:r>
-              <a:rPr lang="en-US" dirty="0" smtClean="0"/>
-              <a:t> – </a:t>
-            </a:r>
-            <a:r>
-              <a:rPr lang="en-US" dirty="0" err="1" smtClean="0"/>
-              <a:t>config</a:t>
-            </a:r>
-            <a:r>
-              <a:rPr lang="en-US" dirty="0" smtClean="0"/>
-              <a:t> files</a:t>
-            </a:r>
-          </a:p>
-          <a:p>
-            <a:pPr marL="285750" indent="-285750">
+              <a:defRPr sz="2400" kern="1200">
+                <a:solidFill>
+                  <a:schemeClr val="tx1"/>
+                </a:solidFill>
+                <a:latin typeface="+mn-lt"/>
+                <a:ea typeface="+mn-ea"/>
+                <a:cs typeface="+mn-cs"/>
+              </a:defRPr>
+            </a:lvl2pPr>
+            <a:lvl3pPr marL="1143000" indent="-228600" algn="l" defTabSz="914400" rtl="0" eaLnBrk="1" latinLnBrk="0" hangingPunct="1">
+              <a:lnSpc>
+                <a:spcPct val="90000"/>
+              </a:lnSpc>
+              <a:spcBef>
+                <a:spcPts val="500"/>
+              </a:spcBef>
               <a:buFont typeface="Arial" panose="020B0604020202020204" pitchFamily="34" charset="0"/>
               <a:buChar char="•"/>
-            </a:pPr>
-            <a:r>
-              <a:rPr lang="en-US" dirty="0" smtClean="0"/>
-              <a:t>/boot – </a:t>
-            </a:r>
-            <a:r>
-              <a:rPr lang="en-US" dirty="0" err="1" smtClean="0"/>
-              <a:t>ramdisk</a:t>
-            </a:r>
-            <a:endParaRPr lang="en-US" dirty="0" smtClean="0"/>
-          </a:p>
-          <a:p>
-            <a:pPr marL="285750" indent="-285750">
+              <a:defRPr sz="2000" kern="1200">
+                <a:solidFill>
+                  <a:schemeClr val="tx1"/>
+                </a:solidFill>
+                <a:latin typeface="+mn-lt"/>
+                <a:ea typeface="+mn-ea"/>
+                <a:cs typeface="+mn-cs"/>
+              </a:defRPr>
+            </a:lvl3pPr>
+            <a:lvl4pPr marL="1600200" indent="-228600" algn="l" defTabSz="914400" rtl="0" eaLnBrk="1" latinLnBrk="0" hangingPunct="1">
+              <a:lnSpc>
+                <a:spcPct val="90000"/>
+              </a:lnSpc>
+              <a:spcBef>
+                <a:spcPts val="500"/>
+              </a:spcBef>
               <a:buFont typeface="Arial" panose="020B0604020202020204" pitchFamily="34" charset="0"/>
               <a:buChar char="•"/>
-            </a:pPr>
-            <a:r>
-              <a:rPr lang="en-US" dirty="0" smtClean="0"/>
-              <a:t>/</a:t>
-            </a:r>
-            <a:r>
-              <a:rPr lang="en-US" dirty="0" err="1" smtClean="0"/>
-              <a:t>usr</a:t>
-            </a:r>
-            <a:r>
-              <a:rPr lang="en-US" dirty="0" smtClean="0"/>
-              <a:t> – </a:t>
-            </a:r>
-            <a:r>
-              <a:rPr lang="en-US" dirty="0" err="1" smtClean="0"/>
-              <a:t>userland</a:t>
-            </a:r>
-            <a:r>
-              <a:rPr lang="en-US" dirty="0" smtClean="0"/>
-              <a:t> binaries</a:t>
-            </a:r>
-          </a:p>
-          <a:p>
-            <a:pPr marL="285750" indent="-285750">
+              <a:defRPr sz="1800" kern="1200">
+                <a:solidFill>
+                  <a:schemeClr val="tx1"/>
+                </a:solidFill>
+                <a:latin typeface="+mn-lt"/>
+                <a:ea typeface="+mn-ea"/>
+                <a:cs typeface="+mn-cs"/>
+              </a:defRPr>
+            </a:lvl4pPr>
+            <a:lvl5pPr marL="2057400" indent="-228600" algn="l" defTabSz="914400" rtl="0" eaLnBrk="1" latinLnBrk="0" hangingPunct="1">
+              <a:lnSpc>
+                <a:spcPct val="90000"/>
+              </a:lnSpc>
+              <a:spcBef>
+                <a:spcPts val="500"/>
+              </a:spcBef>
               <a:buFont typeface="Arial" panose="020B0604020202020204" pitchFamily="34" charset="0"/>
               <a:buChar char="•"/>
-            </a:pPr>
-            <a:r>
-              <a:rPr lang="en-US" dirty="0" smtClean="0"/>
-              <a:t>/</a:t>
-            </a:r>
-            <a:r>
-              <a:rPr lang="en-US" dirty="0" err="1" smtClean="0"/>
-              <a:t>var</a:t>
-            </a:r>
-            <a:r>
-              <a:rPr lang="en-US" dirty="0" smtClean="0"/>
-              <a:t> – temporary</a:t>
-            </a:r>
-          </a:p>
-          <a:p>
-            <a:pPr marL="285750" indent="-285750">
+              <a:defRPr sz="1800" kern="1200">
+                <a:solidFill>
+                  <a:schemeClr val="tx1"/>
+                </a:solidFill>
+                <a:latin typeface="+mn-lt"/>
+                <a:ea typeface="+mn-ea"/>
+                <a:cs typeface="+mn-cs"/>
+              </a:defRPr>
+            </a:lvl5pPr>
+            <a:lvl6pPr marL="2514600" indent="-228600" algn="l" defTabSz="914400" rtl="0" eaLnBrk="1" latinLnBrk="0" hangingPunct="1">
+              <a:lnSpc>
+                <a:spcPct val="90000"/>
+              </a:lnSpc>
+              <a:spcBef>
+                <a:spcPts val="500"/>
+              </a:spcBef>
               <a:buFont typeface="Arial" panose="020B0604020202020204" pitchFamily="34" charset="0"/>
               <a:buChar char="•"/>
-            </a:pPr>
-            <a:r>
-              <a:rPr lang="en-US" dirty="0" smtClean="0"/>
-              <a:t>/home – user home folder</a:t>
-            </a:r>
-          </a:p>
-          <a:p>
-            <a:pPr marL="285750" indent="-285750">
+              <a:defRPr sz="1800" kern="1200">
+                <a:solidFill>
+                  <a:schemeClr val="tx1"/>
+                </a:solidFill>
+                <a:latin typeface="+mn-lt"/>
+                <a:ea typeface="+mn-ea"/>
+                <a:cs typeface="+mn-cs"/>
+              </a:defRPr>
+            </a:lvl6pPr>
+            <a:lvl7pPr marL="2971800" indent="-228600" algn="l" defTabSz="914400" rtl="0" eaLnBrk="1" latinLnBrk="0" hangingPunct="1">
+              <a:lnSpc>
+                <a:spcPct val="90000"/>
+              </a:lnSpc>
+              <a:spcBef>
+                <a:spcPts val="500"/>
+              </a:spcBef>
               <a:buFont typeface="Arial" panose="020B0604020202020204" pitchFamily="34" charset="0"/>
               <a:buChar char="•"/>
-            </a:pPr>
-            <a:r>
-              <a:rPr lang="en-US" dirty="0" smtClean="0"/>
-              <a:t>/dev – device drivers</a:t>
-            </a:r>
-          </a:p>
-          <a:p>
-            <a:pPr marL="285750" indent="-285750">
+              <a:defRPr sz="1800" kern="1200">
+                <a:solidFill>
+                  <a:schemeClr val="tx1"/>
+                </a:solidFill>
+                <a:latin typeface="+mn-lt"/>
+                <a:ea typeface="+mn-ea"/>
+                <a:cs typeface="+mn-cs"/>
+              </a:defRPr>
+            </a:lvl7pPr>
+            <a:lvl8pPr marL="3429000" indent="-228600" algn="l" defTabSz="914400" rtl="0" eaLnBrk="1" latinLnBrk="0" hangingPunct="1">
+              <a:lnSpc>
+                <a:spcPct val="90000"/>
+              </a:lnSpc>
+              <a:spcBef>
+                <a:spcPts val="500"/>
+              </a:spcBef>
               <a:buFont typeface="Arial" panose="020B0604020202020204" pitchFamily="34" charset="0"/>
               <a:buChar char="•"/>
-            </a:pPr>
-            <a:r>
-              <a:rPr lang="en-US" dirty="0" smtClean="0"/>
-              <a:t>/</a:t>
-            </a:r>
-            <a:r>
-              <a:rPr lang="en-US" dirty="0" err="1" smtClean="0"/>
-              <a:t>mnt</a:t>
-            </a:r>
-            <a:r>
-              <a:rPr lang="en-US" dirty="0" smtClean="0"/>
-              <a:t> – mount point</a:t>
+              <a:defRPr sz="1800" kern="1200">
+                <a:solidFill>
+                  <a:schemeClr val="tx1"/>
+                </a:solidFill>
+                <a:latin typeface="+mn-lt"/>
+                <a:ea typeface="+mn-ea"/>
+                <a:cs typeface="+mn-cs"/>
+              </a:defRPr>
+            </a:lvl8pPr>
+            <a:lvl9pPr marL="3886200" indent="-228600" algn="l" defTabSz="914400" rtl="0" eaLnBrk="1" latinLnBrk="0" hangingPunct="1">
+              <a:lnSpc>
+                <a:spcPct val="90000"/>
+              </a:lnSpc>
+              <a:spcBef>
+                <a:spcPts val="500"/>
+              </a:spcBef>
+              <a:buFont typeface="Arial" panose="020B0604020202020204" pitchFamily="34" charset="0"/>
+              <a:buChar char="•"/>
+              <a:defRPr sz="1800" kern="1200">
+                <a:solidFill>
+                  <a:schemeClr val="tx1"/>
+                </a:solidFill>
+                <a:latin typeface="+mn-lt"/>
+                <a:ea typeface="+mn-ea"/>
+                <a:cs typeface="+mn-cs"/>
+              </a:defRPr>
+            </a:lvl9pPr>
+          </a:lstStyle>
+          <a:p>
+            <a:r>
+              <a:rPr lang="en-US" smtClean="0"/>
+              <a:t>A Typical Linux File System</a:t>
             </a:r>
             <a:endParaRPr lang="en-US" dirty="0"/>
           </a:p>
@@ -12942,7 +13843,7 @@
     </p:spTree>
     <p:extLst>
       <p:ext uri="{BB962C8B-B14F-4D97-AF65-F5344CB8AC3E}">
-        <p14:creationId xmlns:p14="http://schemas.microsoft.com/office/powerpoint/2010/main" val="3896205552"/>
+        <p14:creationId xmlns:p14="http://schemas.microsoft.com/office/powerpoint/2010/main" val="2291850895"/>
       </p:ext>
     </p:extLst>
   </p:cSld>
@@ -13158,6 +14059,13 @@
   <p:clrMapOvr>
     <a:masterClrMapping/>
   </p:clrMapOvr>
+  <p:timing>
+    <p:tnLst>
+      <p:par>
+        <p:cTn id="1" dur="indefinite" restart="never" nodeType="tmRoot"/>
+      </p:par>
+    </p:tnLst>
+  </p:timing>
 </p:sld>
 </file>
 
@@ -14024,7 +14932,7 @@
   <a:extraClrSchemeLst/>
   <a:extLst>
     <a:ext uri="{05A4C25C-085E-4340-85A3-A5531E510DB2}">
-      <thm15:themeFamily xmlns="" xmlns:thm15="http://schemas.microsoft.com/office/thememl/2012/main" name="Office Theme" id="{62F939B6-93AF-4DB8-9C6B-D6C7DFDC589F}" vid="{4A3C46E8-61CC-4603-A589-7422A47A8E4A}"/>
+      <thm15:themeFamily xmlns:thm15="http://schemas.microsoft.com/office/thememl/2012/main" xmlns="" name="Office Theme" id="{62F939B6-93AF-4DB8-9C6B-D6C7DFDC589F}" vid="{4A3C46E8-61CC-4603-A589-7422A47A8E4A}"/>
     </a:ext>
   </a:extLst>
 </a:theme>
@@ -14285,7 +15193,7 @@
   <a:extraClrSchemeLst/>
   <a:extLst>
     <a:ext uri="{05A4C25C-085E-4340-85A3-A5531E510DB2}">
-      <thm15:themeFamily xmlns="" xmlns:thm15="http://schemas.microsoft.com/office/thememl/2012/main" name="Office Theme" id="{62F939B6-93AF-4DB8-9C6B-D6C7DFDC589F}" vid="{4A3C46E8-61CC-4603-A589-7422A47A8E4A}"/>
+      <thm15:themeFamily xmlns:thm15="http://schemas.microsoft.com/office/thememl/2012/main" xmlns="" name="Office Theme" id="{62F939B6-93AF-4DB8-9C6B-D6C7DFDC589F}" vid="{4A3C46E8-61CC-4603-A589-7422A47A8E4A}"/>
     </a:ext>
   </a:extLst>
 </a:theme>
